--- a/Präsi.pptx
+++ b/Präsi.pptx
@@ -5,15 +5,19 @@
     <p:sldMasterId id="2147483648" r:id="rId1"/>
   </p:sldMasterIdLst>
   <p:notesMasterIdLst>
-    <p:notesMasterId r:id="rId5"/>
+    <p:notesMasterId r:id="rId9"/>
   </p:notesMasterIdLst>
   <p:handoutMasterIdLst>
-    <p:handoutMasterId r:id="rId6"/>
+    <p:handoutMasterId r:id="rId10"/>
   </p:handoutMasterIdLst>
   <p:sldIdLst>
     <p:sldId id="276" r:id="rId2"/>
     <p:sldId id="262" r:id="rId3"/>
-    <p:sldId id="278" r:id="rId4"/>
+    <p:sldId id="279" r:id="rId4"/>
+    <p:sldId id="280" r:id="rId5"/>
+    <p:sldId id="282" r:id="rId6"/>
+    <p:sldId id="281" r:id="rId7"/>
+    <p:sldId id="278" r:id="rId8"/>
   </p:sldIdLst>
   <p:sldSz cx="9144000" cy="5143500" type="screen16x9"/>
   <p:notesSz cx="13004800" cy="9753600"/>
@@ -717,6 +721,278 @@
 </file>
 
 <file path=ppt/notesSlides/notesSlide2.xml><?xml version="1.0" encoding="utf-8"?>
+<p:notes xmlns:a="http://schemas.openxmlformats.org/drawingml/2006/main" xmlns:r="http://schemas.openxmlformats.org/officeDocument/2006/relationships" xmlns:p="http://schemas.openxmlformats.org/presentationml/2006/main">
+  <p:cSld>
+    <p:spTree>
+      <p:nvGrpSpPr>
+        <p:cNvPr id="1" name=""/>
+        <p:cNvGrpSpPr/>
+        <p:nvPr/>
+      </p:nvGrpSpPr>
+      <p:grpSpPr>
+        <a:xfrm>
+          <a:off x="0" y="0"/>
+          <a:ext cx="0" cy="0"/>
+          <a:chOff x="0" y="0"/>
+          <a:chExt cx="0" cy="0"/>
+        </a:xfrm>
+      </p:grpSpPr>
+      <p:sp>
+        <p:nvSpPr>
+          <p:cNvPr id="2" name="Folienbildplatzhalter 1"/>
+          <p:cNvSpPr>
+            <a:spLocks noGrp="1" noRot="1" noChangeAspect="1"/>
+          </p:cNvSpPr>
+          <p:nvPr>
+            <p:ph type="sldImg"/>
+          </p:nvPr>
+        </p:nvSpPr>
+        <p:spPr>
+          <a:xfrm>
+            <a:off x="3251200" y="731838"/>
+            <a:ext cx="6502400" cy="3657600"/>
+          </a:xfrm>
+        </p:spPr>
+      </p:sp>
+      <p:sp>
+        <p:nvSpPr>
+          <p:cNvPr id="3" name="Notizenplatzhalter 2"/>
+          <p:cNvSpPr>
+            <a:spLocks noGrp="1"/>
+          </p:cNvSpPr>
+          <p:nvPr>
+            <p:ph type="body" idx="1"/>
+          </p:nvPr>
+        </p:nvSpPr>
+        <p:spPr/>
+        <p:txBody>
+          <a:bodyPr>
+            <a:normAutofit/>
+          </a:bodyPr>
+          <a:lstStyle/>
+          <a:p>
+            <a:endParaRPr lang="de-DE"/>
+          </a:p>
+        </p:txBody>
+      </p:sp>
+    </p:spTree>
+    <p:extLst>
+      <p:ext uri="{BB962C8B-B14F-4D97-AF65-F5344CB8AC3E}">
+        <p14:creationId xmlns:p14="http://schemas.microsoft.com/office/powerpoint/2010/main" val="903059749"/>
+      </p:ext>
+    </p:extLst>
+  </p:cSld>
+  <p:clrMapOvr>
+    <a:masterClrMapping/>
+  </p:clrMapOvr>
+</p:notes>
+</file>
+
+<file path=ppt/notesSlides/notesSlide3.xml><?xml version="1.0" encoding="utf-8"?>
+<p:notes xmlns:a="http://schemas.openxmlformats.org/drawingml/2006/main" xmlns:r="http://schemas.openxmlformats.org/officeDocument/2006/relationships" xmlns:p="http://schemas.openxmlformats.org/presentationml/2006/main">
+  <p:cSld>
+    <p:spTree>
+      <p:nvGrpSpPr>
+        <p:cNvPr id="1" name=""/>
+        <p:cNvGrpSpPr/>
+        <p:nvPr/>
+      </p:nvGrpSpPr>
+      <p:grpSpPr>
+        <a:xfrm>
+          <a:off x="0" y="0"/>
+          <a:ext cx="0" cy="0"/>
+          <a:chOff x="0" y="0"/>
+          <a:chExt cx="0" cy="0"/>
+        </a:xfrm>
+      </p:grpSpPr>
+      <p:sp>
+        <p:nvSpPr>
+          <p:cNvPr id="2" name="Folienbildplatzhalter 1"/>
+          <p:cNvSpPr>
+            <a:spLocks noGrp="1" noRot="1" noChangeAspect="1"/>
+          </p:cNvSpPr>
+          <p:nvPr>
+            <p:ph type="sldImg"/>
+          </p:nvPr>
+        </p:nvSpPr>
+        <p:spPr>
+          <a:xfrm>
+            <a:off x="3251200" y="731838"/>
+            <a:ext cx="6502400" cy="3657600"/>
+          </a:xfrm>
+        </p:spPr>
+      </p:sp>
+      <p:sp>
+        <p:nvSpPr>
+          <p:cNvPr id="3" name="Notizenplatzhalter 2"/>
+          <p:cNvSpPr>
+            <a:spLocks noGrp="1"/>
+          </p:cNvSpPr>
+          <p:nvPr>
+            <p:ph type="body" idx="1"/>
+          </p:nvPr>
+        </p:nvSpPr>
+        <p:spPr/>
+        <p:txBody>
+          <a:bodyPr>
+            <a:normAutofit/>
+          </a:bodyPr>
+          <a:lstStyle/>
+          <a:p>
+            <a:endParaRPr lang="de-DE"/>
+          </a:p>
+        </p:txBody>
+      </p:sp>
+    </p:spTree>
+    <p:extLst>
+      <p:ext uri="{BB962C8B-B14F-4D97-AF65-F5344CB8AC3E}">
+        <p14:creationId xmlns:p14="http://schemas.microsoft.com/office/powerpoint/2010/main" val="1108967219"/>
+      </p:ext>
+    </p:extLst>
+  </p:cSld>
+  <p:clrMapOvr>
+    <a:masterClrMapping/>
+  </p:clrMapOvr>
+</p:notes>
+</file>
+
+<file path=ppt/notesSlides/notesSlide4.xml><?xml version="1.0" encoding="utf-8"?>
+<p:notes xmlns:a="http://schemas.openxmlformats.org/drawingml/2006/main" xmlns:r="http://schemas.openxmlformats.org/officeDocument/2006/relationships" xmlns:p="http://schemas.openxmlformats.org/presentationml/2006/main">
+  <p:cSld>
+    <p:spTree>
+      <p:nvGrpSpPr>
+        <p:cNvPr id="1" name=""/>
+        <p:cNvGrpSpPr/>
+        <p:nvPr/>
+      </p:nvGrpSpPr>
+      <p:grpSpPr>
+        <a:xfrm>
+          <a:off x="0" y="0"/>
+          <a:ext cx="0" cy="0"/>
+          <a:chOff x="0" y="0"/>
+          <a:chExt cx="0" cy="0"/>
+        </a:xfrm>
+      </p:grpSpPr>
+      <p:sp>
+        <p:nvSpPr>
+          <p:cNvPr id="2" name="Folienbildplatzhalter 1"/>
+          <p:cNvSpPr>
+            <a:spLocks noGrp="1" noRot="1" noChangeAspect="1"/>
+          </p:cNvSpPr>
+          <p:nvPr>
+            <p:ph type="sldImg"/>
+          </p:nvPr>
+        </p:nvSpPr>
+        <p:spPr>
+          <a:xfrm>
+            <a:off x="3251200" y="731838"/>
+            <a:ext cx="6502400" cy="3657600"/>
+          </a:xfrm>
+        </p:spPr>
+      </p:sp>
+      <p:sp>
+        <p:nvSpPr>
+          <p:cNvPr id="3" name="Notizenplatzhalter 2"/>
+          <p:cNvSpPr>
+            <a:spLocks noGrp="1"/>
+          </p:cNvSpPr>
+          <p:nvPr>
+            <p:ph type="body" idx="1"/>
+          </p:nvPr>
+        </p:nvSpPr>
+        <p:spPr/>
+        <p:txBody>
+          <a:bodyPr>
+            <a:normAutofit/>
+          </a:bodyPr>
+          <a:lstStyle/>
+          <a:p>
+            <a:endParaRPr lang="de-DE"/>
+          </a:p>
+        </p:txBody>
+      </p:sp>
+    </p:spTree>
+    <p:extLst>
+      <p:ext uri="{BB962C8B-B14F-4D97-AF65-F5344CB8AC3E}">
+        <p14:creationId xmlns:p14="http://schemas.microsoft.com/office/powerpoint/2010/main" val="3322617878"/>
+      </p:ext>
+    </p:extLst>
+  </p:cSld>
+  <p:clrMapOvr>
+    <a:masterClrMapping/>
+  </p:clrMapOvr>
+</p:notes>
+</file>
+
+<file path=ppt/notesSlides/notesSlide5.xml><?xml version="1.0" encoding="utf-8"?>
+<p:notes xmlns:a="http://schemas.openxmlformats.org/drawingml/2006/main" xmlns:r="http://schemas.openxmlformats.org/officeDocument/2006/relationships" xmlns:p="http://schemas.openxmlformats.org/presentationml/2006/main">
+  <p:cSld>
+    <p:spTree>
+      <p:nvGrpSpPr>
+        <p:cNvPr id="1" name=""/>
+        <p:cNvGrpSpPr/>
+        <p:nvPr/>
+      </p:nvGrpSpPr>
+      <p:grpSpPr>
+        <a:xfrm>
+          <a:off x="0" y="0"/>
+          <a:ext cx="0" cy="0"/>
+          <a:chOff x="0" y="0"/>
+          <a:chExt cx="0" cy="0"/>
+        </a:xfrm>
+      </p:grpSpPr>
+      <p:sp>
+        <p:nvSpPr>
+          <p:cNvPr id="2" name="Folienbildplatzhalter 1"/>
+          <p:cNvSpPr>
+            <a:spLocks noGrp="1" noRot="1" noChangeAspect="1"/>
+          </p:cNvSpPr>
+          <p:nvPr>
+            <p:ph type="sldImg"/>
+          </p:nvPr>
+        </p:nvSpPr>
+        <p:spPr>
+          <a:xfrm>
+            <a:off x="3251200" y="731838"/>
+            <a:ext cx="6502400" cy="3657600"/>
+          </a:xfrm>
+        </p:spPr>
+      </p:sp>
+      <p:sp>
+        <p:nvSpPr>
+          <p:cNvPr id="3" name="Notizenplatzhalter 2"/>
+          <p:cNvSpPr>
+            <a:spLocks noGrp="1"/>
+          </p:cNvSpPr>
+          <p:nvPr>
+            <p:ph type="body" idx="1"/>
+          </p:nvPr>
+        </p:nvSpPr>
+        <p:spPr/>
+        <p:txBody>
+          <a:bodyPr>
+            <a:normAutofit/>
+          </a:bodyPr>
+          <a:lstStyle/>
+          <a:p>
+            <a:endParaRPr lang="de-DE"/>
+          </a:p>
+        </p:txBody>
+      </p:sp>
+    </p:spTree>
+    <p:extLst>
+      <p:ext uri="{BB962C8B-B14F-4D97-AF65-F5344CB8AC3E}">
+        <p14:creationId xmlns:p14="http://schemas.microsoft.com/office/powerpoint/2010/main" val="595191420"/>
+      </p:ext>
+    </p:extLst>
+  </p:cSld>
+  <p:clrMapOvr>
+    <a:masterClrMapping/>
+  </p:clrMapOvr>
+</p:notes>
+</file>
+
+<file path=ppt/notesSlides/notesSlide6.xml><?xml version="1.0" encoding="utf-8"?>
 <p:notes xmlns:a="http://schemas.openxmlformats.org/drawingml/2006/main" xmlns:r="http://schemas.openxmlformats.org/officeDocument/2006/relationships" xmlns:p="http://schemas.openxmlformats.org/presentationml/2006/main">
   <p:cSld>
     <p:spTree>
@@ -3169,16 +3445,56 @@
             <p:ph type="subTitle" idx="4"/>
           </p:nvPr>
         </p:nvSpPr>
-        <p:spPr/>
+        <p:spPr>
+          <a:xfrm>
+            <a:off x="660797" y="3053953"/>
+            <a:ext cx="6400800" cy="230832"/>
+          </a:xfrm>
+        </p:spPr>
         <p:txBody>
           <a:bodyPr/>
           <a:lstStyle/>
           <a:p>
             <a:r>
-              <a:rPr lang="de-DE"/>
-              <a:t>An Introduction</a:t>
-            </a:r>
-            <a:endParaRPr lang="de-DE" dirty="0"/>
+              <a:rPr lang="de-DE" dirty="0" err="1"/>
+              <a:t>Explainable</a:t>
+            </a:r>
+            <a:r>
+              <a:rPr lang="de-DE" dirty="0"/>
+              <a:t> Data-</a:t>
+            </a:r>
+            <a:r>
+              <a:rPr lang="de-DE" dirty="0" err="1"/>
+              <a:t>Driven</a:t>
+            </a:r>
+            <a:r>
+              <a:rPr lang="de-DE" dirty="0"/>
+              <a:t> Price </a:t>
+            </a:r>
+            <a:r>
+              <a:rPr lang="de-DE" dirty="0" err="1"/>
+              <a:t>Prediction</a:t>
+            </a:r>
+            <a:r>
+              <a:rPr lang="de-DE" dirty="0"/>
+              <a:t> </a:t>
+            </a:r>
+            <a:r>
+              <a:rPr lang="de-DE" dirty="0" err="1"/>
+              <a:t>using</a:t>
+            </a:r>
+            <a:r>
+              <a:rPr lang="de-DE" dirty="0"/>
+              <a:t> </a:t>
+            </a:r>
+            <a:r>
+              <a:rPr lang="de-DE" dirty="0" err="1"/>
+              <a:t>Deep</a:t>
+            </a:r>
+            <a:r>
+              <a:rPr lang="de-DE" dirty="0"/>
+              <a:t> Learning Models</a:t>
+            </a:r>
           </a:p>
         </p:txBody>
       </p:sp>
@@ -3198,10 +3514,13 @@
           <a:lstStyle/>
           <a:p>
             <a:r>
-              <a:rPr lang="de-DE"/>
-              <a:t>The University of Göttingen</a:t>
-            </a:r>
-            <a:endParaRPr lang="de-DE" dirty="0"/>
+              <a:rPr lang="de-DE" dirty="0" err="1"/>
+              <a:t>AirBnB</a:t>
+            </a:r>
+            <a:r>
+              <a:rPr lang="de-DE" dirty="0"/>
+              <a:t> Dublin</a:t>
+            </a:r>
           </a:p>
         </p:txBody>
       </p:sp>
@@ -3226,10 +3545,17 @@
           <a:lstStyle/>
           <a:p>
             <a:r>
-              <a:rPr lang="de-DE"/>
-              <a:t>Matthias Mustername</a:t>
-            </a:r>
-            <a:endParaRPr lang="de-DE" dirty="0"/>
+              <a:rPr lang="de-DE" dirty="0"/>
+              <a:t>Lars </a:t>
+            </a:r>
+            <a:r>
+              <a:rPr lang="de-DE" dirty="0" err="1"/>
+              <a:t>Knieper</a:t>
+            </a:r>
+            <a:r>
+              <a:rPr lang="de-DE" dirty="0"/>
+              <a:t>, Dominik Becker</a:t>
+            </a:r>
           </a:p>
         </p:txBody>
       </p:sp>
@@ -3294,7 +3620,7 @@
           <a:p>
             <a:r>
               <a:rPr lang="de-DE" dirty="0"/>
-              <a:t>278 YEARS…</a:t>
+              <a:t>Data Dublin</a:t>
             </a:r>
           </a:p>
         </p:txBody>
@@ -3312,7 +3638,7 @@
         <p:spPr>
           <a:xfrm>
             <a:off x="1785939" y="1607344"/>
-            <a:ext cx="5811749" cy="2103140"/>
+            <a:ext cx="5811749" cy="1077218"/>
           </a:xfrm>
         </p:spPr>
         <p:txBody>
@@ -3321,59 +3647,22 @@
           <a:p>
             <a:r>
               <a:rPr lang="en-US" dirty="0"/>
-              <a:t>Founded in 1737 by George II (King of England)</a:t>
+              <a:t>6976 listings</a:t>
             </a:r>
           </a:p>
           <a:p>
             <a:r>
               <a:rPr lang="en-US" dirty="0"/>
-              <a:t>833 first electromagnetic telecommunication in the world</a:t>
-            </a:r>
-            <a:br>
+              <a:t>74 variables</a:t>
+            </a:r>
+          </a:p>
+          <a:p>
+            <a:r>
               <a:rPr lang="en-US" dirty="0"/>
-            </a:br>
-            <a:r>
-              <a:rPr lang="en-US" dirty="0"/>
-              <a:t>	(Gauss)</a:t>
-            </a:r>
-          </a:p>
-          <a:p>
-            <a:r>
-              <a:rPr lang="en-US" dirty="0"/>
-              <a:t>1837 protest by seven Göttingen professors abolishment of </a:t>
-            </a:r>
-            <a:br>
-              <a:rPr lang="en-US" dirty="0"/>
-            </a:br>
-            <a:r>
-              <a:rPr lang="en-US" dirty="0"/>
-              <a:t>	constitution </a:t>
-            </a:r>
-          </a:p>
-          <a:p>
-            <a:r>
-              <a:rPr lang="en-US" dirty="0"/>
-              <a:t>1957 "Göttingen Declaration" to denounce the government's </a:t>
-            </a:r>
-          </a:p>
-          <a:p>
-            <a:pPr>
-              <a:buNone/>
-            </a:pPr>
-            <a:r>
-              <a:rPr lang="en-US" dirty="0"/>
-              <a:t>plans to equip the German army with nuclear weapons</a:t>
-            </a:r>
-          </a:p>
-          <a:p>
-            <a:r>
-              <a:rPr lang="en-US" dirty="0"/>
-              <a:t>2003 University becomes Foundation under </a:t>
-            </a:r>
-            <a:r>
-              <a:rPr lang="en-US"/>
-              <a:t>Public Law</a:t>
-            </a:r>
+              <a:t>86.899 images</a:t>
+            </a:r>
+          </a:p>
+          <a:p>
             <a:endParaRPr lang="en-US" dirty="0"/>
           </a:p>
         </p:txBody>
@@ -3473,6 +3762,41 @@
           </a:p>
         </p:txBody>
       </p:sp>
+      <p:pic>
+        <p:nvPicPr>
+          <p:cNvPr id="3" name="Grafik 2">
+            <a:extLst>
+              <a:ext uri="{FF2B5EF4-FFF2-40B4-BE49-F238E27FC236}">
+                <a16:creationId xmlns:a16="http://schemas.microsoft.com/office/drawing/2014/main" id="{66A87B25-2D4A-9249-A4F8-A05838C3609E}"/>
+              </a:ext>
+            </a:extLst>
+          </p:cNvPr>
+          <p:cNvPicPr>
+            <a:picLocks noChangeAspect="1"/>
+          </p:cNvPicPr>
+          <p:nvPr/>
+        </p:nvPicPr>
+        <p:blipFill rotWithShape="1">
+          <a:blip r:embed="rId3">
+            <a:extLst>
+              <a:ext uri="{28A0092B-C50C-407E-A947-70E740481C1C}">
+                <a14:useLocalDpi xmlns:a14="http://schemas.microsoft.com/office/drawing/2010/main" val="0"/>
+              </a:ext>
+            </a:extLst>
+          </a:blip>
+          <a:srcRect t="50288"/>
+          <a:stretch/>
+        </p:blipFill>
+        <p:spPr>
+          <a:xfrm>
+            <a:off x="3745580" y="1204203"/>
+            <a:ext cx="4578222" cy="1708387"/>
+          </a:xfrm>
+          <a:prstGeom prst="rect">
+            <a:avLst/>
+          </a:prstGeom>
+        </p:spPr>
+      </p:pic>
     </p:spTree>
   </p:cSld>
   <p:clrMapOvr>
@@ -3485,6 +3809,1423 @@
 </file>
 
 <file path=ppt/slides/slide3.xml><?xml version="1.0" encoding="utf-8"?>
+<p:sld xmlns:a="http://schemas.openxmlformats.org/drawingml/2006/main" xmlns:r="http://schemas.openxmlformats.org/officeDocument/2006/relationships" xmlns:p="http://schemas.openxmlformats.org/presentationml/2006/main">
+  <p:cSld>
+    <p:spTree>
+      <p:nvGrpSpPr>
+        <p:cNvPr id="1" name=""/>
+        <p:cNvGrpSpPr/>
+        <p:nvPr/>
+      </p:nvGrpSpPr>
+      <p:grpSpPr>
+        <a:xfrm>
+          <a:off x="0" y="0"/>
+          <a:ext cx="0" cy="0"/>
+          <a:chOff x="0" y="0"/>
+          <a:chExt cx="0" cy="0"/>
+        </a:xfrm>
+      </p:grpSpPr>
+      <p:sp>
+        <p:nvSpPr>
+          <p:cNvPr id="62" name="object 62"/>
+          <p:cNvSpPr txBox="1">
+            <a:spLocks noGrp="1"/>
+          </p:cNvSpPr>
+          <p:nvPr>
+            <p:ph type="title"/>
+          </p:nvPr>
+        </p:nvSpPr>
+        <p:spPr/>
+        <p:txBody>
+          <a:bodyPr/>
+          <a:lstStyle/>
+          <a:p>
+            <a:r>
+              <a:rPr lang="de-DE" dirty="0" err="1"/>
+              <a:t>Room</a:t>
+            </a:r>
+            <a:r>
+              <a:rPr lang="de-DE" dirty="0"/>
+              <a:t> </a:t>
+            </a:r>
+            <a:r>
+              <a:rPr lang="de-DE" dirty="0" err="1"/>
+              <a:t>Classification</a:t>
+            </a:r>
+            <a:endParaRPr lang="de-DE" dirty="0"/>
+          </a:p>
+        </p:txBody>
+      </p:sp>
+      <p:sp>
+        <p:nvSpPr>
+          <p:cNvPr id="61" name="object 61"/>
+          <p:cNvSpPr txBox="1">
+            <a:spLocks noGrp="1"/>
+          </p:cNvSpPr>
+          <p:nvPr>
+            <p:ph type="body" idx="1"/>
+          </p:nvPr>
+        </p:nvSpPr>
+        <p:spPr>
+          <a:xfrm>
+            <a:off x="660797" y="1670372"/>
+            <a:ext cx="5811749" cy="1077218"/>
+          </a:xfrm>
+        </p:spPr>
+        <p:txBody>
+          <a:bodyPr/>
+          <a:lstStyle/>
+          <a:p>
+            <a:r>
+              <a:rPr lang="en-US" dirty="0"/>
+              <a:t>6976 listings</a:t>
+            </a:r>
+          </a:p>
+          <a:p>
+            <a:r>
+              <a:rPr lang="en-US" dirty="0"/>
+              <a:t>74 variables</a:t>
+            </a:r>
+          </a:p>
+          <a:p>
+            <a:r>
+              <a:rPr lang="en-US" dirty="0"/>
+              <a:t>86.899 images</a:t>
+            </a:r>
+          </a:p>
+          <a:p>
+            <a:endParaRPr lang="en-US" dirty="0"/>
+          </a:p>
+        </p:txBody>
+      </p:sp>
+      <p:sp>
+        <p:nvSpPr>
+          <p:cNvPr id="114" name="Fußzeilenplatzhalter 113"/>
+          <p:cNvSpPr>
+            <a:spLocks noGrp="1"/>
+          </p:cNvSpPr>
+          <p:nvPr>
+            <p:ph type="ftr" sz="quarter" idx="3"/>
+          </p:nvPr>
+        </p:nvSpPr>
+        <p:spPr/>
+        <p:txBody>
+          <a:bodyPr/>
+          <a:lstStyle/>
+          <a:p>
+            <a:r>
+              <a:rPr lang="de-DE"/>
+              <a:t>The University of Göttingen – An Introduction</a:t>
+            </a:r>
+            <a:endParaRPr lang="de-DE" dirty="0"/>
+          </a:p>
+        </p:txBody>
+      </p:sp>
+      <p:sp>
+        <p:nvSpPr>
+          <p:cNvPr id="112" name="Datumsplatzhalter 111"/>
+          <p:cNvSpPr>
+            <a:spLocks noGrp="1"/>
+          </p:cNvSpPr>
+          <p:nvPr>
+            <p:ph type="dt" sz="half" idx="2"/>
+          </p:nvPr>
+        </p:nvSpPr>
+        <p:spPr/>
+        <p:txBody>
+          <a:bodyPr/>
+          <a:lstStyle/>
+          <a:p>
+            <a:fld id="{D304FED8-C979-F64B-90E4-24E76885865A}" type="datetime1">
+              <a:rPr lang="de-DE" smtClean="0"/>
+              <a:pPr/>
+              <a:t>17.02.22</a:t>
+            </a:fld>
+            <a:endParaRPr lang="en-US" dirty="0"/>
+          </a:p>
+        </p:txBody>
+      </p:sp>
+      <p:sp>
+        <p:nvSpPr>
+          <p:cNvPr id="113" name="Foliennummernplatzhalter 112"/>
+          <p:cNvSpPr>
+            <a:spLocks noGrp="1"/>
+          </p:cNvSpPr>
+          <p:nvPr>
+            <p:ph type="sldNum" sz="quarter" idx="4"/>
+          </p:nvPr>
+        </p:nvSpPr>
+        <p:spPr/>
+        <p:txBody>
+          <a:bodyPr/>
+          <a:lstStyle/>
+          <a:p>
+            <a:fld id="{B6F15528-21DE-4FAA-801E-634DDDAF4B2B}" type="slidenum">
+              <a:rPr lang="de-DE" smtClean="0"/>
+              <a:pPr/>
+              <a:t>3</a:t>
+            </a:fld>
+            <a:endParaRPr lang="de-DE" dirty="0"/>
+          </a:p>
+        </p:txBody>
+      </p:sp>
+      <p:sp>
+        <p:nvSpPr>
+          <p:cNvPr id="9" name="Textplatzhalter 8"/>
+          <p:cNvSpPr>
+            <a:spLocks noGrp="1"/>
+          </p:cNvSpPr>
+          <p:nvPr>
+            <p:ph type="body" sz="quarter" idx="4294967295"/>
+          </p:nvPr>
+        </p:nvSpPr>
+        <p:spPr>
+          <a:xfrm>
+            <a:off x="5965031" y="277937"/>
+            <a:ext cx="2839641" cy="276999"/>
+          </a:xfrm>
+        </p:spPr>
+        <p:txBody>
+          <a:bodyPr/>
+          <a:lstStyle/>
+          <a:p>
+            <a:endParaRPr lang="de-DE" dirty="0"/>
+          </a:p>
+        </p:txBody>
+      </p:sp>
+      <p:pic>
+        <p:nvPicPr>
+          <p:cNvPr id="4" name="Grafik 3" descr="Ein Bild, das Text enthält.&#10;&#10;Automatisch generierte Beschreibung">
+            <a:extLst>
+              <a:ext uri="{FF2B5EF4-FFF2-40B4-BE49-F238E27FC236}">
+                <a16:creationId xmlns:a16="http://schemas.microsoft.com/office/drawing/2014/main" id="{E445C693-61B0-6F44-9AE0-093D6BB23573}"/>
+              </a:ext>
+            </a:extLst>
+          </p:cNvPr>
+          <p:cNvPicPr>
+            <a:picLocks noChangeAspect="1"/>
+          </p:cNvPicPr>
+          <p:nvPr/>
+        </p:nvPicPr>
+        <p:blipFill rotWithShape="1">
+          <a:blip r:embed="rId3">
+            <a:extLst>
+              <a:ext uri="{28A0092B-C50C-407E-A947-70E740481C1C}">
+                <a14:useLocalDpi xmlns:a14="http://schemas.microsoft.com/office/drawing/2010/main" val="0"/>
+              </a:ext>
+            </a:extLst>
+          </a:blip>
+          <a:srcRect b="20505"/>
+          <a:stretch/>
+        </p:blipFill>
+        <p:spPr>
+          <a:xfrm>
+            <a:off x="5275473" y="732546"/>
+            <a:ext cx="2969271" cy="4030088"/>
+          </a:xfrm>
+          <a:prstGeom prst="rect">
+            <a:avLst/>
+          </a:prstGeom>
+        </p:spPr>
+      </p:pic>
+      <p:pic>
+        <p:nvPicPr>
+          <p:cNvPr id="6" name="Grafik 5" descr="Ein Bild, das Text, verschieden, mehrere enthält.&#10;&#10;Automatisch generierte Beschreibung">
+            <a:extLst>
+              <a:ext uri="{FF2B5EF4-FFF2-40B4-BE49-F238E27FC236}">
+                <a16:creationId xmlns:a16="http://schemas.microsoft.com/office/drawing/2014/main" id="{46898714-2ED2-564F-A281-A63E604041EC}"/>
+              </a:ext>
+            </a:extLst>
+          </p:cNvPr>
+          <p:cNvPicPr>
+            <a:picLocks noChangeAspect="1"/>
+          </p:cNvPicPr>
+          <p:nvPr/>
+        </p:nvPicPr>
+        <p:blipFill>
+          <a:blip r:embed="rId4">
+            <a:extLst>
+              <a:ext uri="{28A0092B-C50C-407E-A947-70E740481C1C}">
+                <a14:useLocalDpi xmlns:a14="http://schemas.microsoft.com/office/drawing/2010/main" val="0"/>
+              </a:ext>
+            </a:extLst>
+          </a:blip>
+          <a:stretch>
+            <a:fillRect/>
+          </a:stretch>
+        </p:blipFill>
+        <p:spPr>
+          <a:xfrm>
+            <a:off x="5802895" y="750599"/>
+            <a:ext cx="1996822" cy="3948262"/>
+          </a:xfrm>
+          <a:prstGeom prst="rect">
+            <a:avLst/>
+          </a:prstGeom>
+        </p:spPr>
+      </p:pic>
+      <p:pic>
+        <p:nvPicPr>
+          <p:cNvPr id="11" name="Grafik 10">
+            <a:extLst>
+              <a:ext uri="{FF2B5EF4-FFF2-40B4-BE49-F238E27FC236}">
+                <a16:creationId xmlns:a16="http://schemas.microsoft.com/office/drawing/2014/main" id="{A723B87E-90A7-9643-A3B6-FEDF9F8DB7B8}"/>
+              </a:ext>
+            </a:extLst>
+          </p:cNvPr>
+          <p:cNvPicPr>
+            <a:picLocks noChangeAspect="1"/>
+          </p:cNvPicPr>
+          <p:nvPr/>
+        </p:nvPicPr>
+        <p:blipFill>
+          <a:blip r:embed="rId5">
+            <a:extLst>
+              <a:ext uri="{28A0092B-C50C-407E-A947-70E740481C1C}">
+                <a14:useLocalDpi xmlns:a14="http://schemas.microsoft.com/office/drawing/2010/main" val="0"/>
+              </a:ext>
+            </a:extLst>
+          </a:blip>
+          <a:stretch>
+            <a:fillRect/>
+          </a:stretch>
+        </p:blipFill>
+        <p:spPr>
+          <a:xfrm>
+            <a:off x="444389" y="2651348"/>
+            <a:ext cx="2034187" cy="2145012"/>
+          </a:xfrm>
+          <a:prstGeom prst="rect">
+            <a:avLst/>
+          </a:prstGeom>
+        </p:spPr>
+      </p:pic>
+      <p:pic>
+        <p:nvPicPr>
+          <p:cNvPr id="13" name="Grafik 12">
+            <a:extLst>
+              <a:ext uri="{FF2B5EF4-FFF2-40B4-BE49-F238E27FC236}">
+                <a16:creationId xmlns:a16="http://schemas.microsoft.com/office/drawing/2014/main" id="{076DEE31-577C-CC4D-B925-2D8EDF5624F8}"/>
+              </a:ext>
+            </a:extLst>
+          </p:cNvPr>
+          <p:cNvPicPr>
+            <a:picLocks noChangeAspect="1"/>
+          </p:cNvPicPr>
+          <p:nvPr/>
+        </p:nvPicPr>
+        <p:blipFill>
+          <a:blip r:embed="rId6">
+            <a:extLst>
+              <a:ext uri="{28A0092B-C50C-407E-A947-70E740481C1C}">
+                <a14:useLocalDpi xmlns:a14="http://schemas.microsoft.com/office/drawing/2010/main" val="0"/>
+              </a:ext>
+            </a:extLst>
+          </a:blip>
+          <a:stretch>
+            <a:fillRect/>
+          </a:stretch>
+        </p:blipFill>
+        <p:spPr>
+          <a:xfrm>
+            <a:off x="2594849" y="2228463"/>
+            <a:ext cx="2547357" cy="2470398"/>
+          </a:xfrm>
+          <a:prstGeom prst="rect">
+            <a:avLst/>
+          </a:prstGeom>
+        </p:spPr>
+      </p:pic>
+    </p:spTree>
+    <p:extLst>
+      <p:ext uri="{BB962C8B-B14F-4D97-AF65-F5344CB8AC3E}">
+        <p14:creationId xmlns:p14="http://schemas.microsoft.com/office/powerpoint/2010/main" val="3871310180"/>
+      </p:ext>
+    </p:extLst>
+  </p:cSld>
+  <p:clrMapOvr>
+    <a:masterClrMapping/>
+  </p:clrMapOvr>
+  <p:transition>
+    <p:fade/>
+  </p:transition>
+  <p:timing>
+    <p:tnLst>
+      <p:par>
+        <p:cTn id="1" dur="indefinite" restart="never" nodeType="tmRoot">
+          <p:childTnLst>
+            <p:seq concurrent="1" nextAc="seek">
+              <p:cTn id="2" dur="indefinite" nodeType="mainSeq">
+                <p:childTnLst>
+                  <p:par>
+                    <p:cTn id="3" fill="hold">
+                      <p:stCondLst>
+                        <p:cond delay="indefinite"/>
+                      </p:stCondLst>
+                      <p:childTnLst>
+                        <p:par>
+                          <p:cTn id="4" fill="hold">
+                            <p:stCondLst>
+                              <p:cond delay="0"/>
+                            </p:stCondLst>
+                            <p:childTnLst>
+                              <p:par>
+                                <p:cTn id="5" presetID="3" presetClass="exit" presetSubtype="10" fill="hold" nodeType="clickEffect">
+                                  <p:stCondLst>
+                                    <p:cond delay="0"/>
+                                  </p:stCondLst>
+                                  <p:childTnLst>
+                                    <p:animEffect transition="out" filter="blinds(horizontal)">
+                                      <p:cBhvr>
+                                        <p:cTn id="6" dur="500"/>
+                                        <p:tgtEl>
+                                          <p:spTgt spid="4"/>
+                                        </p:tgtEl>
+                                      </p:cBhvr>
+                                    </p:animEffect>
+                                    <p:set>
+                                      <p:cBhvr>
+                                        <p:cTn id="7" dur="1" fill="hold">
+                                          <p:stCondLst>
+                                            <p:cond delay="499"/>
+                                          </p:stCondLst>
+                                        </p:cTn>
+                                        <p:tgtEl>
+                                          <p:spTgt spid="4"/>
+                                        </p:tgtEl>
+                                        <p:attrNameLst>
+                                          <p:attrName>style.visibility</p:attrName>
+                                        </p:attrNameLst>
+                                      </p:cBhvr>
+                                      <p:to>
+                                        <p:strVal val="hidden"/>
+                                      </p:to>
+                                    </p:set>
+                                  </p:childTnLst>
+                                </p:cTn>
+                              </p:par>
+                              <p:par>
+                                <p:cTn id="8" presetID="1" presetClass="entr" presetSubtype="0" fill="hold" nodeType="withEffect">
+                                  <p:stCondLst>
+                                    <p:cond delay="0"/>
+                                  </p:stCondLst>
+                                  <p:childTnLst>
+                                    <p:set>
+                                      <p:cBhvr>
+                                        <p:cTn id="9" dur="1" fill="hold">
+                                          <p:stCondLst>
+                                            <p:cond delay="0"/>
+                                          </p:stCondLst>
+                                        </p:cTn>
+                                        <p:tgtEl>
+                                          <p:spTgt spid="6"/>
+                                        </p:tgtEl>
+                                        <p:attrNameLst>
+                                          <p:attrName>style.visibility</p:attrName>
+                                        </p:attrNameLst>
+                                      </p:cBhvr>
+                                      <p:to>
+                                        <p:strVal val="visible"/>
+                                      </p:to>
+                                    </p:set>
+                                  </p:childTnLst>
+                                </p:cTn>
+                              </p:par>
+                            </p:childTnLst>
+                          </p:cTn>
+                        </p:par>
+                      </p:childTnLst>
+                    </p:cTn>
+                  </p:par>
+                </p:childTnLst>
+              </p:cTn>
+              <p:prevCondLst>
+                <p:cond evt="onPrev" delay="0">
+                  <p:tgtEl>
+                    <p:sldTgt/>
+                  </p:tgtEl>
+                </p:cond>
+              </p:prevCondLst>
+              <p:nextCondLst>
+                <p:cond evt="onNext" delay="0">
+                  <p:tgtEl>
+                    <p:sldTgt/>
+                  </p:tgtEl>
+                </p:cond>
+              </p:nextCondLst>
+            </p:seq>
+          </p:childTnLst>
+        </p:cTn>
+      </p:par>
+    </p:tnLst>
+  </p:timing>
+</p:sld>
+</file>
+
+<file path=ppt/slides/slide4.xml><?xml version="1.0" encoding="utf-8"?>
+<p:sld xmlns:a="http://schemas.openxmlformats.org/drawingml/2006/main" xmlns:r="http://schemas.openxmlformats.org/officeDocument/2006/relationships" xmlns:p="http://schemas.openxmlformats.org/presentationml/2006/main">
+  <p:cSld>
+    <p:spTree>
+      <p:nvGrpSpPr>
+        <p:cNvPr id="1" name=""/>
+        <p:cNvGrpSpPr/>
+        <p:nvPr/>
+      </p:nvGrpSpPr>
+      <p:grpSpPr>
+        <a:xfrm>
+          <a:off x="0" y="0"/>
+          <a:ext cx="0" cy="0"/>
+          <a:chOff x="0" y="0"/>
+          <a:chExt cx="0" cy="0"/>
+        </a:xfrm>
+      </p:grpSpPr>
+      <p:sp>
+        <p:nvSpPr>
+          <p:cNvPr id="62" name="object 62"/>
+          <p:cNvSpPr txBox="1">
+            <a:spLocks noGrp="1"/>
+          </p:cNvSpPr>
+          <p:nvPr>
+            <p:ph type="title"/>
+          </p:nvPr>
+        </p:nvSpPr>
+        <p:spPr/>
+        <p:txBody>
+          <a:bodyPr/>
+          <a:lstStyle/>
+          <a:p>
+            <a:r>
+              <a:rPr lang="de-DE" dirty="0"/>
+              <a:t>SHAP Values (Lundberg </a:t>
+            </a:r>
+            <a:r>
+              <a:rPr lang="de-DE" dirty="0" err="1"/>
+              <a:t>and</a:t>
+            </a:r>
+            <a:r>
+              <a:rPr lang="de-DE" dirty="0"/>
+              <a:t> Lee 2017)</a:t>
+            </a:r>
+          </a:p>
+        </p:txBody>
+      </p:sp>
+      <p:sp>
+        <p:nvSpPr>
+          <p:cNvPr id="61" name="object 61"/>
+          <p:cNvSpPr txBox="1">
+            <a:spLocks noGrp="1"/>
+          </p:cNvSpPr>
+          <p:nvPr>
+            <p:ph type="body" idx="1"/>
+          </p:nvPr>
+        </p:nvSpPr>
+        <p:spPr>
+          <a:xfrm>
+            <a:off x="660797" y="1670372"/>
+            <a:ext cx="7367587" cy="1359346"/>
+          </a:xfrm>
+        </p:spPr>
+        <p:txBody>
+          <a:bodyPr/>
+          <a:lstStyle/>
+          <a:p>
+            <a:r>
+              <a:rPr lang="en-US" dirty="0"/>
+              <a:t>Enables </a:t>
+            </a:r>
+            <a:r>
+              <a:rPr lang="en-US" dirty="0" err="1"/>
+              <a:t>explainability</a:t>
+            </a:r>
+            <a:r>
+              <a:rPr lang="en-US" dirty="0"/>
+              <a:t> in Machine Learning models</a:t>
+            </a:r>
+          </a:p>
+          <a:p>
+            <a:r>
+              <a:rPr lang="en-US" dirty="0"/>
+              <a:t>Computes contribution of each variable to predicted values</a:t>
+            </a:r>
+          </a:p>
+          <a:p>
+            <a:r>
+              <a:rPr lang="en-US" dirty="0"/>
+              <a:t>Uses difference between prediction with and without variable (mean imputation)</a:t>
+            </a:r>
+          </a:p>
+          <a:p>
+            <a:r>
+              <a:rPr lang="en-US" dirty="0"/>
+              <a:t>Python implementation uses computationally faster algorithms</a:t>
+            </a:r>
+          </a:p>
+          <a:p>
+            <a:endParaRPr lang="en-US" dirty="0"/>
+          </a:p>
+        </p:txBody>
+      </p:sp>
+      <p:sp>
+        <p:nvSpPr>
+          <p:cNvPr id="114" name="Fußzeilenplatzhalter 113"/>
+          <p:cNvSpPr>
+            <a:spLocks noGrp="1"/>
+          </p:cNvSpPr>
+          <p:nvPr>
+            <p:ph type="ftr" sz="quarter" idx="3"/>
+          </p:nvPr>
+        </p:nvSpPr>
+        <p:spPr/>
+        <p:txBody>
+          <a:bodyPr/>
+          <a:lstStyle/>
+          <a:p>
+            <a:r>
+              <a:rPr lang="de-DE"/>
+              <a:t>The University of Göttingen – An Introduction</a:t>
+            </a:r>
+            <a:endParaRPr lang="de-DE" dirty="0"/>
+          </a:p>
+        </p:txBody>
+      </p:sp>
+      <p:sp>
+        <p:nvSpPr>
+          <p:cNvPr id="112" name="Datumsplatzhalter 111"/>
+          <p:cNvSpPr>
+            <a:spLocks noGrp="1"/>
+          </p:cNvSpPr>
+          <p:nvPr>
+            <p:ph type="dt" sz="half" idx="2"/>
+          </p:nvPr>
+        </p:nvSpPr>
+        <p:spPr/>
+        <p:txBody>
+          <a:bodyPr/>
+          <a:lstStyle/>
+          <a:p>
+            <a:fld id="{D304FED8-C979-F64B-90E4-24E76885865A}" type="datetime1">
+              <a:rPr lang="de-DE" smtClean="0"/>
+              <a:pPr/>
+              <a:t>17.02.22</a:t>
+            </a:fld>
+            <a:endParaRPr lang="en-US" dirty="0"/>
+          </a:p>
+        </p:txBody>
+      </p:sp>
+      <p:sp>
+        <p:nvSpPr>
+          <p:cNvPr id="113" name="Foliennummernplatzhalter 112"/>
+          <p:cNvSpPr>
+            <a:spLocks noGrp="1"/>
+          </p:cNvSpPr>
+          <p:nvPr>
+            <p:ph type="sldNum" sz="quarter" idx="4"/>
+          </p:nvPr>
+        </p:nvSpPr>
+        <p:spPr/>
+        <p:txBody>
+          <a:bodyPr/>
+          <a:lstStyle/>
+          <a:p>
+            <a:fld id="{B6F15528-21DE-4FAA-801E-634DDDAF4B2B}" type="slidenum">
+              <a:rPr lang="de-DE" smtClean="0"/>
+              <a:pPr/>
+              <a:t>4</a:t>
+            </a:fld>
+            <a:endParaRPr lang="de-DE" dirty="0"/>
+          </a:p>
+        </p:txBody>
+      </p:sp>
+      <p:sp>
+        <p:nvSpPr>
+          <p:cNvPr id="9" name="Textplatzhalter 8"/>
+          <p:cNvSpPr>
+            <a:spLocks noGrp="1"/>
+          </p:cNvSpPr>
+          <p:nvPr>
+            <p:ph type="body" sz="quarter" idx="4294967295"/>
+          </p:nvPr>
+        </p:nvSpPr>
+        <p:spPr>
+          <a:xfrm>
+            <a:off x="5965031" y="277937"/>
+            <a:ext cx="2839641" cy="276999"/>
+          </a:xfrm>
+        </p:spPr>
+        <p:txBody>
+          <a:bodyPr/>
+          <a:lstStyle/>
+          <a:p>
+            <a:endParaRPr lang="de-DE" dirty="0"/>
+          </a:p>
+        </p:txBody>
+      </p:sp>
+      <p:pic>
+        <p:nvPicPr>
+          <p:cNvPr id="7" name="Grafik 6">
+            <a:extLst>
+              <a:ext uri="{FF2B5EF4-FFF2-40B4-BE49-F238E27FC236}">
+                <a16:creationId xmlns:a16="http://schemas.microsoft.com/office/drawing/2014/main" id="{4690667B-5EA3-B94D-A923-8F6FFF26A756}"/>
+              </a:ext>
+            </a:extLst>
+          </p:cNvPr>
+          <p:cNvPicPr>
+            <a:picLocks noChangeAspect="1"/>
+          </p:cNvPicPr>
+          <p:nvPr/>
+        </p:nvPicPr>
+        <p:blipFill>
+          <a:blip r:embed="rId3"/>
+          <a:stretch>
+            <a:fillRect/>
+          </a:stretch>
+        </p:blipFill>
+        <p:spPr>
+          <a:xfrm>
+            <a:off x="933072" y="3249458"/>
+            <a:ext cx="6451779" cy="948791"/>
+          </a:xfrm>
+          <a:prstGeom prst="rect">
+            <a:avLst/>
+          </a:prstGeom>
+        </p:spPr>
+      </p:pic>
+    </p:spTree>
+    <p:extLst>
+      <p:ext uri="{BB962C8B-B14F-4D97-AF65-F5344CB8AC3E}">
+        <p14:creationId xmlns:p14="http://schemas.microsoft.com/office/powerpoint/2010/main" val="2207898101"/>
+      </p:ext>
+    </p:extLst>
+  </p:cSld>
+  <p:clrMapOvr>
+    <a:masterClrMapping/>
+  </p:clrMapOvr>
+  <p:transition>
+    <p:fade/>
+  </p:transition>
+</p:sld>
+</file>
+
+<file path=ppt/slides/slide5.xml><?xml version="1.0" encoding="utf-8"?>
+<p:sld xmlns:a="http://schemas.openxmlformats.org/drawingml/2006/main" xmlns:r="http://schemas.openxmlformats.org/officeDocument/2006/relationships" xmlns:p="http://schemas.openxmlformats.org/presentationml/2006/main">
+  <p:cSld>
+    <p:spTree>
+      <p:nvGrpSpPr>
+        <p:cNvPr id="1" name=""/>
+        <p:cNvGrpSpPr/>
+        <p:nvPr/>
+      </p:nvGrpSpPr>
+      <p:grpSpPr>
+        <a:xfrm>
+          <a:off x="0" y="0"/>
+          <a:ext cx="0" cy="0"/>
+          <a:chOff x="0" y="0"/>
+          <a:chExt cx="0" cy="0"/>
+        </a:xfrm>
+      </p:grpSpPr>
+      <p:sp>
+        <p:nvSpPr>
+          <p:cNvPr id="62" name="object 62"/>
+          <p:cNvSpPr txBox="1">
+            <a:spLocks noGrp="1"/>
+          </p:cNvSpPr>
+          <p:nvPr>
+            <p:ph type="title"/>
+          </p:nvPr>
+        </p:nvSpPr>
+        <p:spPr/>
+        <p:txBody>
+          <a:bodyPr/>
+          <a:lstStyle/>
+          <a:p>
+            <a:r>
+              <a:rPr lang="de-DE" dirty="0"/>
+              <a:t>Image Model</a:t>
+            </a:r>
+          </a:p>
+        </p:txBody>
+      </p:sp>
+      <p:sp>
+        <p:nvSpPr>
+          <p:cNvPr id="61" name="object 61"/>
+          <p:cNvSpPr txBox="1">
+            <a:spLocks noGrp="1"/>
+          </p:cNvSpPr>
+          <p:nvPr>
+            <p:ph type="body" idx="1"/>
+          </p:nvPr>
+        </p:nvSpPr>
+        <p:spPr>
+          <a:xfrm>
+            <a:off x="660797" y="1670372"/>
+            <a:ext cx="3315981" cy="2667397"/>
+          </a:xfrm>
+        </p:spPr>
+        <p:txBody>
+          <a:bodyPr/>
+          <a:lstStyle/>
+          <a:p>
+            <a:r>
+              <a:rPr lang="en-US" dirty="0"/>
+              <a:t>Feature extraction with ResNet50</a:t>
+            </a:r>
+          </a:p>
+          <a:p>
+            <a:r>
+              <a:rPr lang="en-US" dirty="0"/>
+              <a:t>Utilizes room classification model</a:t>
+            </a:r>
+          </a:p>
+          <a:p>
+            <a:r>
+              <a:rPr lang="en-US" dirty="0"/>
+              <a:t>Different room different focuses</a:t>
+            </a:r>
+          </a:p>
+          <a:p>
+            <a:r>
+              <a:rPr lang="en-US" dirty="0"/>
+              <a:t>Constraint weights for Dense Layer 3: 	sum up to 1, greater than 0</a:t>
+            </a:r>
+          </a:p>
+          <a:p>
+            <a:pPr indent="0">
+              <a:buNone/>
+            </a:pPr>
+            <a:endParaRPr lang="en-US" dirty="0"/>
+          </a:p>
+          <a:p>
+            <a:pPr indent="0">
+              <a:buNone/>
+            </a:pPr>
+            <a:r>
+              <a:rPr lang="en-US" b="1" dirty="0"/>
+              <a:t>Caution</a:t>
+            </a:r>
+            <a:r>
+              <a:rPr lang="en-US" dirty="0"/>
+              <a:t>: </a:t>
+            </a:r>
+          </a:p>
+          <a:p>
+            <a:r>
+              <a:rPr lang="en-US" dirty="0"/>
+              <a:t>Depends highly on correct room classification;</a:t>
+            </a:r>
+          </a:p>
+          <a:p>
+            <a:r>
+              <a:rPr lang="en-US" dirty="0"/>
+              <a:t>many imputations with black images</a:t>
+            </a:r>
+          </a:p>
+        </p:txBody>
+      </p:sp>
+      <p:sp>
+        <p:nvSpPr>
+          <p:cNvPr id="114" name="Fußzeilenplatzhalter 113"/>
+          <p:cNvSpPr>
+            <a:spLocks noGrp="1"/>
+          </p:cNvSpPr>
+          <p:nvPr>
+            <p:ph type="ftr" sz="quarter" idx="3"/>
+          </p:nvPr>
+        </p:nvSpPr>
+        <p:spPr/>
+        <p:txBody>
+          <a:bodyPr/>
+          <a:lstStyle/>
+          <a:p>
+            <a:r>
+              <a:rPr lang="de-DE"/>
+              <a:t>The University of Göttingen – An Introduction</a:t>
+            </a:r>
+            <a:endParaRPr lang="de-DE" dirty="0"/>
+          </a:p>
+        </p:txBody>
+      </p:sp>
+      <p:sp>
+        <p:nvSpPr>
+          <p:cNvPr id="112" name="Datumsplatzhalter 111"/>
+          <p:cNvSpPr>
+            <a:spLocks noGrp="1"/>
+          </p:cNvSpPr>
+          <p:nvPr>
+            <p:ph type="dt" sz="half" idx="2"/>
+          </p:nvPr>
+        </p:nvSpPr>
+        <p:spPr/>
+        <p:txBody>
+          <a:bodyPr/>
+          <a:lstStyle/>
+          <a:p>
+            <a:fld id="{D304FED8-C979-F64B-90E4-24E76885865A}" type="datetime1">
+              <a:rPr lang="de-DE" smtClean="0"/>
+              <a:pPr/>
+              <a:t>17.02.22</a:t>
+            </a:fld>
+            <a:endParaRPr lang="en-US" dirty="0"/>
+          </a:p>
+        </p:txBody>
+      </p:sp>
+      <p:sp>
+        <p:nvSpPr>
+          <p:cNvPr id="113" name="Foliennummernplatzhalter 112"/>
+          <p:cNvSpPr>
+            <a:spLocks noGrp="1"/>
+          </p:cNvSpPr>
+          <p:nvPr>
+            <p:ph type="sldNum" sz="quarter" idx="4"/>
+          </p:nvPr>
+        </p:nvSpPr>
+        <p:spPr/>
+        <p:txBody>
+          <a:bodyPr/>
+          <a:lstStyle/>
+          <a:p>
+            <a:fld id="{B6F15528-21DE-4FAA-801E-634DDDAF4B2B}" type="slidenum">
+              <a:rPr lang="de-DE" smtClean="0"/>
+              <a:pPr/>
+              <a:t>5</a:t>
+            </a:fld>
+            <a:endParaRPr lang="de-DE" dirty="0"/>
+          </a:p>
+        </p:txBody>
+      </p:sp>
+      <p:sp>
+        <p:nvSpPr>
+          <p:cNvPr id="9" name="Textplatzhalter 8"/>
+          <p:cNvSpPr>
+            <a:spLocks noGrp="1"/>
+          </p:cNvSpPr>
+          <p:nvPr>
+            <p:ph type="body" sz="quarter" idx="4294967295"/>
+          </p:nvPr>
+        </p:nvSpPr>
+        <p:spPr>
+          <a:xfrm>
+            <a:off x="5965031" y="277937"/>
+            <a:ext cx="2839641" cy="276999"/>
+          </a:xfrm>
+        </p:spPr>
+        <p:txBody>
+          <a:bodyPr/>
+          <a:lstStyle/>
+          <a:p>
+            <a:endParaRPr lang="de-DE" dirty="0"/>
+          </a:p>
+        </p:txBody>
+      </p:sp>
+      <p:pic>
+        <p:nvPicPr>
+          <p:cNvPr id="3" name="Grafik 2">
+            <a:extLst>
+              <a:ext uri="{FF2B5EF4-FFF2-40B4-BE49-F238E27FC236}">
+                <a16:creationId xmlns:a16="http://schemas.microsoft.com/office/drawing/2014/main" id="{261EDD4C-ECCC-F643-90D1-47BA73123E2D}"/>
+              </a:ext>
+            </a:extLst>
+          </p:cNvPr>
+          <p:cNvPicPr>
+            <a:picLocks noChangeAspect="1"/>
+          </p:cNvPicPr>
+          <p:nvPr/>
+        </p:nvPicPr>
+        <p:blipFill>
+          <a:blip r:embed="rId3">
+            <a:extLst>
+              <a:ext uri="{28A0092B-C50C-407E-A947-70E740481C1C}">
+                <a14:useLocalDpi xmlns:a14="http://schemas.microsoft.com/office/drawing/2010/main" val="0"/>
+              </a:ext>
+            </a:extLst>
+          </a:blip>
+          <a:stretch>
+            <a:fillRect/>
+          </a:stretch>
+        </p:blipFill>
+        <p:spPr>
+          <a:xfrm>
+            <a:off x="3914277" y="769432"/>
+            <a:ext cx="5148064" cy="3875980"/>
+          </a:xfrm>
+          <a:prstGeom prst="rect">
+            <a:avLst/>
+          </a:prstGeom>
+        </p:spPr>
+      </p:pic>
+      <p:grpSp>
+        <p:nvGrpSpPr>
+          <p:cNvPr id="6" name="Gruppieren 5">
+            <a:extLst>
+              <a:ext uri="{FF2B5EF4-FFF2-40B4-BE49-F238E27FC236}">
+                <a16:creationId xmlns:a16="http://schemas.microsoft.com/office/drawing/2014/main" id="{C76CBBAE-546F-A740-ADA7-0A3A25CBAE96}"/>
+              </a:ext>
+            </a:extLst>
+          </p:cNvPr>
+          <p:cNvGrpSpPr/>
+          <p:nvPr/>
+        </p:nvGrpSpPr>
+        <p:grpSpPr>
+          <a:xfrm>
+            <a:off x="3976778" y="1634143"/>
+            <a:ext cx="4697763" cy="2000574"/>
+            <a:chOff x="3976778" y="1634143"/>
+            <a:chExt cx="4697763" cy="2000574"/>
+          </a:xfrm>
+        </p:grpSpPr>
+        <p:pic>
+          <p:nvPicPr>
+            <p:cNvPr id="4" name="Grafik 3">
+              <a:extLst>
+                <a:ext uri="{FF2B5EF4-FFF2-40B4-BE49-F238E27FC236}">
+                  <a16:creationId xmlns:a16="http://schemas.microsoft.com/office/drawing/2014/main" id="{13DC1A12-CA09-524B-BE49-151CFA21DD06}"/>
+                </a:ext>
+              </a:extLst>
+            </p:cNvPr>
+            <p:cNvPicPr>
+              <a:picLocks noChangeAspect="1"/>
+            </p:cNvPicPr>
+            <p:nvPr/>
+          </p:nvPicPr>
+          <p:blipFill>
+            <a:blip r:embed="rId4"/>
+            <a:stretch>
+              <a:fillRect/>
+            </a:stretch>
+          </p:blipFill>
+          <p:spPr>
+            <a:xfrm>
+              <a:off x="3976778" y="1634143"/>
+              <a:ext cx="2487200" cy="2000574"/>
+            </a:xfrm>
+            <a:prstGeom prst="rect">
+              <a:avLst/>
+            </a:prstGeom>
+          </p:spPr>
+        </p:pic>
+        <p:pic>
+          <p:nvPicPr>
+            <p:cNvPr id="5" name="Grafik 4">
+              <a:extLst>
+                <a:ext uri="{FF2B5EF4-FFF2-40B4-BE49-F238E27FC236}">
+                  <a16:creationId xmlns:a16="http://schemas.microsoft.com/office/drawing/2014/main" id="{8B9994CA-22AB-B848-9DB8-700CA9AFB626}"/>
+                </a:ext>
+              </a:extLst>
+            </p:cNvPr>
+            <p:cNvPicPr>
+              <a:picLocks noChangeAspect="1"/>
+            </p:cNvPicPr>
+            <p:nvPr/>
+          </p:nvPicPr>
+          <p:blipFill>
+            <a:blip r:embed="rId5"/>
+            <a:stretch>
+              <a:fillRect/>
+            </a:stretch>
+          </p:blipFill>
+          <p:spPr>
+            <a:xfrm>
+              <a:off x="6961384" y="1634143"/>
+              <a:ext cx="1713157" cy="1693466"/>
+            </a:xfrm>
+            <a:prstGeom prst="rect">
+              <a:avLst/>
+            </a:prstGeom>
+          </p:spPr>
+        </p:pic>
+      </p:grpSp>
+    </p:spTree>
+    <p:extLst>
+      <p:ext uri="{BB962C8B-B14F-4D97-AF65-F5344CB8AC3E}">
+        <p14:creationId xmlns:p14="http://schemas.microsoft.com/office/powerpoint/2010/main" val="3911582804"/>
+      </p:ext>
+    </p:extLst>
+  </p:cSld>
+  <p:clrMapOvr>
+    <a:masterClrMapping/>
+  </p:clrMapOvr>
+  <p:transition>
+    <p:fade/>
+  </p:transition>
+  <p:timing>
+    <p:tnLst>
+      <p:par>
+        <p:cTn id="1" dur="indefinite" restart="never" nodeType="tmRoot">
+          <p:childTnLst>
+            <p:seq concurrent="1" nextAc="seek">
+              <p:cTn id="2" dur="indefinite" nodeType="mainSeq">
+                <p:childTnLst>
+                  <p:par>
+                    <p:cTn id="3" fill="hold">
+                      <p:stCondLst>
+                        <p:cond delay="indefinite"/>
+                      </p:stCondLst>
+                      <p:childTnLst>
+                        <p:par>
+                          <p:cTn id="4" fill="hold">
+                            <p:stCondLst>
+                              <p:cond delay="0"/>
+                            </p:stCondLst>
+                            <p:childTnLst>
+                              <p:par>
+                                <p:cTn id="5" presetID="3" presetClass="exit" presetSubtype="10" fill="hold" nodeType="clickEffect">
+                                  <p:stCondLst>
+                                    <p:cond delay="0"/>
+                                  </p:stCondLst>
+                                  <p:childTnLst>
+                                    <p:animEffect transition="out" filter="blinds(horizontal)">
+                                      <p:cBhvr>
+                                        <p:cTn id="6" dur="500"/>
+                                        <p:tgtEl>
+                                          <p:spTgt spid="3"/>
+                                        </p:tgtEl>
+                                      </p:cBhvr>
+                                    </p:animEffect>
+                                    <p:set>
+                                      <p:cBhvr>
+                                        <p:cTn id="7" dur="1" fill="hold">
+                                          <p:stCondLst>
+                                            <p:cond delay="499"/>
+                                          </p:stCondLst>
+                                        </p:cTn>
+                                        <p:tgtEl>
+                                          <p:spTgt spid="3"/>
+                                        </p:tgtEl>
+                                        <p:attrNameLst>
+                                          <p:attrName>style.visibility</p:attrName>
+                                        </p:attrNameLst>
+                                      </p:cBhvr>
+                                      <p:to>
+                                        <p:strVal val="hidden"/>
+                                      </p:to>
+                                    </p:set>
+                                  </p:childTnLst>
+                                </p:cTn>
+                              </p:par>
+                              <p:par>
+                                <p:cTn id="8" presetID="1" presetClass="entr" presetSubtype="0" fill="hold" nodeType="withEffect">
+                                  <p:stCondLst>
+                                    <p:cond delay="0"/>
+                                  </p:stCondLst>
+                                  <p:childTnLst>
+                                    <p:set>
+                                      <p:cBhvr>
+                                        <p:cTn id="9" dur="1" fill="hold">
+                                          <p:stCondLst>
+                                            <p:cond delay="0"/>
+                                          </p:stCondLst>
+                                        </p:cTn>
+                                        <p:tgtEl>
+                                          <p:spTgt spid="6"/>
+                                        </p:tgtEl>
+                                        <p:attrNameLst>
+                                          <p:attrName>style.visibility</p:attrName>
+                                        </p:attrNameLst>
+                                      </p:cBhvr>
+                                      <p:to>
+                                        <p:strVal val="visible"/>
+                                      </p:to>
+                                    </p:set>
+                                  </p:childTnLst>
+                                </p:cTn>
+                              </p:par>
+                            </p:childTnLst>
+                          </p:cTn>
+                        </p:par>
+                      </p:childTnLst>
+                    </p:cTn>
+                  </p:par>
+                </p:childTnLst>
+              </p:cTn>
+              <p:prevCondLst>
+                <p:cond evt="onPrev" delay="0">
+                  <p:tgtEl>
+                    <p:sldTgt/>
+                  </p:tgtEl>
+                </p:cond>
+              </p:prevCondLst>
+              <p:nextCondLst>
+                <p:cond evt="onNext" delay="0">
+                  <p:tgtEl>
+                    <p:sldTgt/>
+                  </p:tgtEl>
+                </p:cond>
+              </p:nextCondLst>
+            </p:seq>
+          </p:childTnLst>
+        </p:cTn>
+      </p:par>
+    </p:tnLst>
+  </p:timing>
+</p:sld>
+</file>
+
+<file path=ppt/slides/slide6.xml><?xml version="1.0" encoding="utf-8"?>
+<p:sld xmlns:a="http://schemas.openxmlformats.org/drawingml/2006/main" xmlns:r="http://schemas.openxmlformats.org/officeDocument/2006/relationships" xmlns:p="http://schemas.openxmlformats.org/presentationml/2006/main">
+  <p:cSld>
+    <p:spTree>
+      <p:nvGrpSpPr>
+        <p:cNvPr id="1" name=""/>
+        <p:cNvGrpSpPr/>
+        <p:nvPr/>
+      </p:nvGrpSpPr>
+      <p:grpSpPr>
+        <a:xfrm>
+          <a:off x="0" y="0"/>
+          <a:ext cx="0" cy="0"/>
+          <a:chOff x="0" y="0"/>
+          <a:chExt cx="0" cy="0"/>
+        </a:xfrm>
+      </p:grpSpPr>
+      <p:sp>
+        <p:nvSpPr>
+          <p:cNvPr id="62" name="object 62"/>
+          <p:cNvSpPr txBox="1">
+            <a:spLocks noGrp="1"/>
+          </p:cNvSpPr>
+          <p:nvPr>
+            <p:ph type="title"/>
+          </p:nvPr>
+        </p:nvSpPr>
+        <p:spPr/>
+        <p:txBody>
+          <a:bodyPr/>
+          <a:lstStyle/>
+          <a:p>
+            <a:r>
+              <a:rPr lang="de-DE" dirty="0"/>
+              <a:t>References</a:t>
+            </a:r>
+          </a:p>
+        </p:txBody>
+      </p:sp>
+      <p:sp>
+        <p:nvSpPr>
+          <p:cNvPr id="61" name="object 61"/>
+          <p:cNvSpPr txBox="1">
+            <a:spLocks noGrp="1"/>
+          </p:cNvSpPr>
+          <p:nvPr>
+            <p:ph type="body" idx="1"/>
+          </p:nvPr>
+        </p:nvSpPr>
+        <p:spPr>
+          <a:xfrm>
+            <a:off x="660797" y="1670372"/>
+            <a:ext cx="7367587" cy="461665"/>
+          </a:xfrm>
+        </p:spPr>
+        <p:txBody>
+          <a:bodyPr/>
+          <a:lstStyle/>
+          <a:p>
+            <a:r>
+              <a:rPr lang="de-DE" dirty="0"/>
+              <a:t>Lundberg, S. M. </a:t>
+            </a:r>
+            <a:r>
+              <a:rPr lang="de-DE" dirty="0" err="1"/>
+              <a:t>and</a:t>
+            </a:r>
+            <a:r>
+              <a:rPr lang="de-DE" dirty="0"/>
+              <a:t> Lee, S.-I. (2017). A </a:t>
+            </a:r>
+            <a:r>
+              <a:rPr lang="de-DE" dirty="0" err="1"/>
+              <a:t>unified</a:t>
+            </a:r>
+            <a:r>
+              <a:rPr lang="de-DE" dirty="0"/>
+              <a:t> </a:t>
+            </a:r>
+            <a:r>
+              <a:rPr lang="de-DE" dirty="0" err="1"/>
+              <a:t>approach</a:t>
+            </a:r>
+            <a:r>
+              <a:rPr lang="de-DE" dirty="0"/>
+              <a:t> </a:t>
+            </a:r>
+            <a:r>
+              <a:rPr lang="de-DE" dirty="0" err="1"/>
+              <a:t>to</a:t>
+            </a:r>
+            <a:r>
+              <a:rPr lang="de-DE" dirty="0"/>
+              <a:t> </a:t>
+            </a:r>
+            <a:r>
+              <a:rPr lang="de-DE" dirty="0" err="1"/>
+              <a:t>interpreting</a:t>
+            </a:r>
+            <a:r>
+              <a:rPr lang="de-DE" dirty="0"/>
+              <a:t> </a:t>
+            </a:r>
+            <a:r>
+              <a:rPr lang="de-DE" dirty="0" err="1"/>
+              <a:t>model</a:t>
+            </a:r>
+            <a:r>
+              <a:rPr lang="de-DE" dirty="0"/>
+              <a:t> </a:t>
+            </a:r>
+            <a:r>
+              <a:rPr lang="de-DE" dirty="0" err="1"/>
+              <a:t>predictions.Advances</a:t>
+            </a:r>
+            <a:r>
+              <a:rPr lang="de-DE" dirty="0"/>
+              <a:t> in </a:t>
+            </a:r>
+            <a:r>
+              <a:rPr lang="de-DE" dirty="0" err="1"/>
+              <a:t>neural</a:t>
+            </a:r>
+            <a:r>
+              <a:rPr lang="de-DE" dirty="0"/>
+              <a:t> </a:t>
+            </a:r>
+            <a:r>
+              <a:rPr lang="de-DE" dirty="0" err="1"/>
+              <a:t>information</a:t>
+            </a:r>
+            <a:r>
+              <a:rPr lang="de-DE" dirty="0"/>
+              <a:t> </a:t>
+            </a:r>
+            <a:r>
+              <a:rPr lang="de-DE" dirty="0" err="1"/>
+              <a:t>processing</a:t>
+            </a:r>
+            <a:r>
+              <a:rPr lang="de-DE" dirty="0"/>
+              <a:t> </a:t>
+            </a:r>
+            <a:r>
+              <a:rPr lang="de-DE" dirty="0" err="1"/>
+              <a:t>systems</a:t>
+            </a:r>
+            <a:r>
+              <a:rPr lang="de-DE" dirty="0"/>
+              <a:t>, 30.</a:t>
+            </a:r>
+            <a:endParaRPr lang="en-US" dirty="0"/>
+          </a:p>
+        </p:txBody>
+      </p:sp>
+      <p:sp>
+        <p:nvSpPr>
+          <p:cNvPr id="114" name="Fußzeilenplatzhalter 113"/>
+          <p:cNvSpPr>
+            <a:spLocks noGrp="1"/>
+          </p:cNvSpPr>
+          <p:nvPr>
+            <p:ph type="ftr" sz="quarter" idx="3"/>
+          </p:nvPr>
+        </p:nvSpPr>
+        <p:spPr/>
+        <p:txBody>
+          <a:bodyPr/>
+          <a:lstStyle/>
+          <a:p>
+            <a:r>
+              <a:rPr lang="de-DE"/>
+              <a:t>The University of Göttingen – An Introduction</a:t>
+            </a:r>
+            <a:endParaRPr lang="de-DE" dirty="0"/>
+          </a:p>
+        </p:txBody>
+      </p:sp>
+      <p:sp>
+        <p:nvSpPr>
+          <p:cNvPr id="112" name="Datumsplatzhalter 111"/>
+          <p:cNvSpPr>
+            <a:spLocks noGrp="1"/>
+          </p:cNvSpPr>
+          <p:nvPr>
+            <p:ph type="dt" sz="half" idx="2"/>
+          </p:nvPr>
+        </p:nvSpPr>
+        <p:spPr/>
+        <p:txBody>
+          <a:bodyPr/>
+          <a:lstStyle/>
+          <a:p>
+            <a:fld id="{D304FED8-C979-F64B-90E4-24E76885865A}" type="datetime1">
+              <a:rPr lang="de-DE" smtClean="0"/>
+              <a:pPr/>
+              <a:t>17.02.22</a:t>
+            </a:fld>
+            <a:endParaRPr lang="en-US" dirty="0"/>
+          </a:p>
+        </p:txBody>
+      </p:sp>
+      <p:sp>
+        <p:nvSpPr>
+          <p:cNvPr id="113" name="Foliennummernplatzhalter 112"/>
+          <p:cNvSpPr>
+            <a:spLocks noGrp="1"/>
+          </p:cNvSpPr>
+          <p:nvPr>
+            <p:ph type="sldNum" sz="quarter" idx="4"/>
+          </p:nvPr>
+        </p:nvSpPr>
+        <p:spPr/>
+        <p:txBody>
+          <a:bodyPr/>
+          <a:lstStyle/>
+          <a:p>
+            <a:fld id="{B6F15528-21DE-4FAA-801E-634DDDAF4B2B}" type="slidenum">
+              <a:rPr lang="de-DE" smtClean="0"/>
+              <a:pPr/>
+              <a:t>6</a:t>
+            </a:fld>
+            <a:endParaRPr lang="de-DE" dirty="0"/>
+          </a:p>
+        </p:txBody>
+      </p:sp>
+      <p:sp>
+        <p:nvSpPr>
+          <p:cNvPr id="9" name="Textplatzhalter 8"/>
+          <p:cNvSpPr>
+            <a:spLocks noGrp="1"/>
+          </p:cNvSpPr>
+          <p:nvPr>
+            <p:ph type="body" sz="quarter" idx="4294967295"/>
+          </p:nvPr>
+        </p:nvSpPr>
+        <p:spPr>
+          <a:xfrm>
+            <a:off x="5965031" y="277937"/>
+            <a:ext cx="2839641" cy="276999"/>
+          </a:xfrm>
+        </p:spPr>
+        <p:txBody>
+          <a:bodyPr/>
+          <a:lstStyle/>
+          <a:p>
+            <a:endParaRPr lang="de-DE" dirty="0"/>
+          </a:p>
+        </p:txBody>
+      </p:sp>
+    </p:spTree>
+    <p:extLst>
+      <p:ext uri="{BB962C8B-B14F-4D97-AF65-F5344CB8AC3E}">
+        <p14:creationId xmlns:p14="http://schemas.microsoft.com/office/powerpoint/2010/main" val="2882875223"/>
+      </p:ext>
+    </p:extLst>
+  </p:cSld>
+  <p:clrMapOvr>
+    <a:masterClrMapping/>
+  </p:clrMapOvr>
+  <p:transition>
+    <p:fade/>
+  </p:transition>
+</p:sld>
+</file>
+
+<file path=ppt/slides/slide7.xml><?xml version="1.0" encoding="utf-8"?>
 <p:sld xmlns:a="http://schemas.openxmlformats.org/drawingml/2006/main" xmlns:r="http://schemas.openxmlformats.org/officeDocument/2006/relationships" xmlns:p="http://schemas.openxmlformats.org/presentationml/2006/main">
   <p:cSld>
     <p:spTree>

--- a/Präsi.pptx
+++ b/Präsi.pptx
@@ -5,19 +5,30 @@
     <p:sldMasterId id="2147483648" r:id="rId1"/>
   </p:sldMasterIdLst>
   <p:notesMasterIdLst>
-    <p:notesMasterId r:id="rId9"/>
+    <p:notesMasterId r:id="rId20"/>
   </p:notesMasterIdLst>
   <p:handoutMasterIdLst>
-    <p:handoutMasterId r:id="rId10"/>
+    <p:handoutMasterId r:id="rId21"/>
   </p:handoutMasterIdLst>
   <p:sldIdLst>
     <p:sldId id="276" r:id="rId2"/>
     <p:sldId id="262" r:id="rId3"/>
-    <p:sldId id="279" r:id="rId4"/>
-    <p:sldId id="280" r:id="rId5"/>
-    <p:sldId id="282" r:id="rId6"/>
-    <p:sldId id="281" r:id="rId7"/>
-    <p:sldId id="278" r:id="rId8"/>
+    <p:sldId id="288" r:id="rId4"/>
+    <p:sldId id="279" r:id="rId5"/>
+    <p:sldId id="289" r:id="rId6"/>
+    <p:sldId id="286" r:id="rId7"/>
+    <p:sldId id="287" r:id="rId8"/>
+    <p:sldId id="284" r:id="rId9"/>
+    <p:sldId id="280" r:id="rId10"/>
+    <p:sldId id="282" r:id="rId11"/>
+    <p:sldId id="285" r:id="rId12"/>
+    <p:sldId id="290" r:id="rId13"/>
+    <p:sldId id="291" r:id="rId14"/>
+    <p:sldId id="294" r:id="rId15"/>
+    <p:sldId id="292" r:id="rId16"/>
+    <p:sldId id="293" r:id="rId17"/>
+    <p:sldId id="281" r:id="rId18"/>
+    <p:sldId id="283" r:id="rId19"/>
   </p:sldIdLst>
   <p:sldSz cx="9144000" cy="5143500" type="screen16x9"/>
   <p:notesSz cx="13004800" cy="9753600"/>
@@ -218,7 +229,7 @@
             <a:fld id="{442DDC49-609A-3B44-A1C6-133788245302}" type="datetime1">
               <a:rPr lang="de-DE" smtClean="0"/>
               <a:pPr/>
-              <a:t>17.02.22</a:t>
+              <a:t>19.02.22</a:t>
             </a:fld>
             <a:endParaRPr lang="de-DE"/>
           </a:p>
@@ -386,7 +397,7 @@
             <a:fld id="{66C661A5-9AB9-1949-9B9A-C46C190AE8BF}" type="datetime1">
               <a:rPr lang="de-DE" smtClean="0"/>
               <a:pPr/>
-              <a:t>17.02.22</a:t>
+              <a:t>19.02.22</a:t>
             </a:fld>
             <a:endParaRPr lang="de-DE"/>
           </a:p>
@@ -720,6 +731,414 @@
 </p:notes>
 </file>
 
+<file path=ppt/notesSlides/notesSlide10.xml><?xml version="1.0" encoding="utf-8"?>
+<p:notes xmlns:a="http://schemas.openxmlformats.org/drawingml/2006/main" xmlns:r="http://schemas.openxmlformats.org/officeDocument/2006/relationships" xmlns:p="http://schemas.openxmlformats.org/presentationml/2006/main">
+  <p:cSld>
+    <p:spTree>
+      <p:nvGrpSpPr>
+        <p:cNvPr id="1" name=""/>
+        <p:cNvGrpSpPr/>
+        <p:nvPr/>
+      </p:nvGrpSpPr>
+      <p:grpSpPr>
+        <a:xfrm>
+          <a:off x="0" y="0"/>
+          <a:ext cx="0" cy="0"/>
+          <a:chOff x="0" y="0"/>
+          <a:chExt cx="0" cy="0"/>
+        </a:xfrm>
+      </p:grpSpPr>
+      <p:sp>
+        <p:nvSpPr>
+          <p:cNvPr id="2" name="Folienbildplatzhalter 1"/>
+          <p:cNvSpPr>
+            <a:spLocks noGrp="1" noRot="1" noChangeAspect="1"/>
+          </p:cNvSpPr>
+          <p:nvPr>
+            <p:ph type="sldImg"/>
+          </p:nvPr>
+        </p:nvSpPr>
+        <p:spPr>
+          <a:xfrm>
+            <a:off x="3251200" y="731838"/>
+            <a:ext cx="6502400" cy="3657600"/>
+          </a:xfrm>
+        </p:spPr>
+      </p:sp>
+      <p:sp>
+        <p:nvSpPr>
+          <p:cNvPr id="3" name="Notizenplatzhalter 2"/>
+          <p:cNvSpPr>
+            <a:spLocks noGrp="1"/>
+          </p:cNvSpPr>
+          <p:nvPr>
+            <p:ph type="body" idx="1"/>
+          </p:nvPr>
+        </p:nvSpPr>
+        <p:spPr/>
+        <p:txBody>
+          <a:bodyPr>
+            <a:normAutofit/>
+          </a:bodyPr>
+          <a:lstStyle/>
+          <a:p>
+            <a:endParaRPr lang="de-DE"/>
+          </a:p>
+        </p:txBody>
+      </p:sp>
+    </p:spTree>
+    <p:extLst>
+      <p:ext uri="{BB962C8B-B14F-4D97-AF65-F5344CB8AC3E}">
+        <p14:creationId xmlns:p14="http://schemas.microsoft.com/office/powerpoint/2010/main" val="1918321196"/>
+      </p:ext>
+    </p:extLst>
+  </p:cSld>
+  <p:clrMapOvr>
+    <a:masterClrMapping/>
+  </p:clrMapOvr>
+</p:notes>
+</file>
+
+<file path=ppt/notesSlides/notesSlide11.xml><?xml version="1.0" encoding="utf-8"?>
+<p:notes xmlns:a="http://schemas.openxmlformats.org/drawingml/2006/main" xmlns:r="http://schemas.openxmlformats.org/officeDocument/2006/relationships" xmlns:p="http://schemas.openxmlformats.org/presentationml/2006/main">
+  <p:cSld>
+    <p:spTree>
+      <p:nvGrpSpPr>
+        <p:cNvPr id="1" name=""/>
+        <p:cNvGrpSpPr/>
+        <p:nvPr/>
+      </p:nvGrpSpPr>
+      <p:grpSpPr>
+        <a:xfrm>
+          <a:off x="0" y="0"/>
+          <a:ext cx="0" cy="0"/>
+          <a:chOff x="0" y="0"/>
+          <a:chExt cx="0" cy="0"/>
+        </a:xfrm>
+      </p:grpSpPr>
+      <p:sp>
+        <p:nvSpPr>
+          <p:cNvPr id="2" name="Folienbildplatzhalter 1"/>
+          <p:cNvSpPr>
+            <a:spLocks noGrp="1" noRot="1" noChangeAspect="1"/>
+          </p:cNvSpPr>
+          <p:nvPr>
+            <p:ph type="sldImg"/>
+          </p:nvPr>
+        </p:nvSpPr>
+        <p:spPr>
+          <a:xfrm>
+            <a:off x="3251200" y="731838"/>
+            <a:ext cx="6502400" cy="3657600"/>
+          </a:xfrm>
+        </p:spPr>
+      </p:sp>
+      <p:sp>
+        <p:nvSpPr>
+          <p:cNvPr id="3" name="Notizenplatzhalter 2"/>
+          <p:cNvSpPr>
+            <a:spLocks noGrp="1"/>
+          </p:cNvSpPr>
+          <p:nvPr>
+            <p:ph type="body" idx="1"/>
+          </p:nvPr>
+        </p:nvSpPr>
+        <p:spPr/>
+        <p:txBody>
+          <a:bodyPr>
+            <a:normAutofit/>
+          </a:bodyPr>
+          <a:lstStyle/>
+          <a:p>
+            <a:endParaRPr lang="de-DE"/>
+          </a:p>
+        </p:txBody>
+      </p:sp>
+    </p:spTree>
+    <p:extLst>
+      <p:ext uri="{BB962C8B-B14F-4D97-AF65-F5344CB8AC3E}">
+        <p14:creationId xmlns:p14="http://schemas.microsoft.com/office/powerpoint/2010/main" val="3594298369"/>
+      </p:ext>
+    </p:extLst>
+  </p:cSld>
+  <p:clrMapOvr>
+    <a:masterClrMapping/>
+  </p:clrMapOvr>
+</p:notes>
+</file>
+
+<file path=ppt/notesSlides/notesSlide12.xml><?xml version="1.0" encoding="utf-8"?>
+<p:notes xmlns:a="http://schemas.openxmlformats.org/drawingml/2006/main" xmlns:r="http://schemas.openxmlformats.org/officeDocument/2006/relationships" xmlns:p="http://schemas.openxmlformats.org/presentationml/2006/main">
+  <p:cSld>
+    <p:spTree>
+      <p:nvGrpSpPr>
+        <p:cNvPr id="1" name=""/>
+        <p:cNvGrpSpPr/>
+        <p:nvPr/>
+      </p:nvGrpSpPr>
+      <p:grpSpPr>
+        <a:xfrm>
+          <a:off x="0" y="0"/>
+          <a:ext cx="0" cy="0"/>
+          <a:chOff x="0" y="0"/>
+          <a:chExt cx="0" cy="0"/>
+        </a:xfrm>
+      </p:grpSpPr>
+      <p:sp>
+        <p:nvSpPr>
+          <p:cNvPr id="2" name="Folienbildplatzhalter 1"/>
+          <p:cNvSpPr>
+            <a:spLocks noGrp="1" noRot="1" noChangeAspect="1"/>
+          </p:cNvSpPr>
+          <p:nvPr>
+            <p:ph type="sldImg"/>
+          </p:nvPr>
+        </p:nvSpPr>
+        <p:spPr>
+          <a:xfrm>
+            <a:off x="3251200" y="731838"/>
+            <a:ext cx="6502400" cy="3657600"/>
+          </a:xfrm>
+        </p:spPr>
+      </p:sp>
+      <p:sp>
+        <p:nvSpPr>
+          <p:cNvPr id="3" name="Notizenplatzhalter 2"/>
+          <p:cNvSpPr>
+            <a:spLocks noGrp="1"/>
+          </p:cNvSpPr>
+          <p:nvPr>
+            <p:ph type="body" idx="1"/>
+          </p:nvPr>
+        </p:nvSpPr>
+        <p:spPr/>
+        <p:txBody>
+          <a:bodyPr>
+            <a:normAutofit/>
+          </a:bodyPr>
+          <a:lstStyle/>
+          <a:p>
+            <a:endParaRPr lang="de-DE"/>
+          </a:p>
+        </p:txBody>
+      </p:sp>
+    </p:spTree>
+    <p:extLst>
+      <p:ext uri="{BB962C8B-B14F-4D97-AF65-F5344CB8AC3E}">
+        <p14:creationId xmlns:p14="http://schemas.microsoft.com/office/powerpoint/2010/main" val="3395520623"/>
+      </p:ext>
+    </p:extLst>
+  </p:cSld>
+  <p:clrMapOvr>
+    <a:masterClrMapping/>
+  </p:clrMapOvr>
+</p:notes>
+</file>
+
+<file path=ppt/notesSlides/notesSlide13.xml><?xml version="1.0" encoding="utf-8"?>
+<p:notes xmlns:a="http://schemas.openxmlformats.org/drawingml/2006/main" xmlns:r="http://schemas.openxmlformats.org/officeDocument/2006/relationships" xmlns:p="http://schemas.openxmlformats.org/presentationml/2006/main">
+  <p:cSld>
+    <p:spTree>
+      <p:nvGrpSpPr>
+        <p:cNvPr id="1" name=""/>
+        <p:cNvGrpSpPr/>
+        <p:nvPr/>
+      </p:nvGrpSpPr>
+      <p:grpSpPr>
+        <a:xfrm>
+          <a:off x="0" y="0"/>
+          <a:ext cx="0" cy="0"/>
+          <a:chOff x="0" y="0"/>
+          <a:chExt cx="0" cy="0"/>
+        </a:xfrm>
+      </p:grpSpPr>
+      <p:sp>
+        <p:nvSpPr>
+          <p:cNvPr id="2" name="Folienbildplatzhalter 1"/>
+          <p:cNvSpPr>
+            <a:spLocks noGrp="1" noRot="1" noChangeAspect="1"/>
+          </p:cNvSpPr>
+          <p:nvPr>
+            <p:ph type="sldImg"/>
+          </p:nvPr>
+        </p:nvSpPr>
+        <p:spPr>
+          <a:xfrm>
+            <a:off x="3251200" y="731838"/>
+            <a:ext cx="6502400" cy="3657600"/>
+          </a:xfrm>
+        </p:spPr>
+      </p:sp>
+      <p:sp>
+        <p:nvSpPr>
+          <p:cNvPr id="3" name="Notizenplatzhalter 2"/>
+          <p:cNvSpPr>
+            <a:spLocks noGrp="1"/>
+          </p:cNvSpPr>
+          <p:nvPr>
+            <p:ph type="body" idx="1"/>
+          </p:nvPr>
+        </p:nvSpPr>
+        <p:spPr/>
+        <p:txBody>
+          <a:bodyPr>
+            <a:normAutofit/>
+          </a:bodyPr>
+          <a:lstStyle/>
+          <a:p>
+            <a:endParaRPr lang="de-DE"/>
+          </a:p>
+        </p:txBody>
+      </p:sp>
+    </p:spTree>
+    <p:extLst>
+      <p:ext uri="{BB962C8B-B14F-4D97-AF65-F5344CB8AC3E}">
+        <p14:creationId xmlns:p14="http://schemas.microsoft.com/office/powerpoint/2010/main" val="2128148079"/>
+      </p:ext>
+    </p:extLst>
+  </p:cSld>
+  <p:clrMapOvr>
+    <a:masterClrMapping/>
+  </p:clrMapOvr>
+</p:notes>
+</file>
+
+<file path=ppt/notesSlides/notesSlide14.xml><?xml version="1.0" encoding="utf-8"?>
+<p:notes xmlns:a="http://schemas.openxmlformats.org/drawingml/2006/main" xmlns:r="http://schemas.openxmlformats.org/officeDocument/2006/relationships" xmlns:p="http://schemas.openxmlformats.org/presentationml/2006/main">
+  <p:cSld>
+    <p:spTree>
+      <p:nvGrpSpPr>
+        <p:cNvPr id="1" name=""/>
+        <p:cNvGrpSpPr/>
+        <p:nvPr/>
+      </p:nvGrpSpPr>
+      <p:grpSpPr>
+        <a:xfrm>
+          <a:off x="0" y="0"/>
+          <a:ext cx="0" cy="0"/>
+          <a:chOff x="0" y="0"/>
+          <a:chExt cx="0" cy="0"/>
+        </a:xfrm>
+      </p:grpSpPr>
+      <p:sp>
+        <p:nvSpPr>
+          <p:cNvPr id="2" name="Folienbildplatzhalter 1"/>
+          <p:cNvSpPr>
+            <a:spLocks noGrp="1" noRot="1" noChangeAspect="1"/>
+          </p:cNvSpPr>
+          <p:nvPr>
+            <p:ph type="sldImg"/>
+          </p:nvPr>
+        </p:nvSpPr>
+        <p:spPr>
+          <a:xfrm>
+            <a:off x="3251200" y="731838"/>
+            <a:ext cx="6502400" cy="3657600"/>
+          </a:xfrm>
+        </p:spPr>
+      </p:sp>
+      <p:sp>
+        <p:nvSpPr>
+          <p:cNvPr id="3" name="Notizenplatzhalter 2"/>
+          <p:cNvSpPr>
+            <a:spLocks noGrp="1"/>
+          </p:cNvSpPr>
+          <p:nvPr>
+            <p:ph type="body" idx="1"/>
+          </p:nvPr>
+        </p:nvSpPr>
+        <p:spPr/>
+        <p:txBody>
+          <a:bodyPr>
+            <a:normAutofit/>
+          </a:bodyPr>
+          <a:lstStyle/>
+          <a:p>
+            <a:endParaRPr lang="de-DE"/>
+          </a:p>
+        </p:txBody>
+      </p:sp>
+    </p:spTree>
+    <p:extLst>
+      <p:ext uri="{BB962C8B-B14F-4D97-AF65-F5344CB8AC3E}">
+        <p14:creationId xmlns:p14="http://schemas.microsoft.com/office/powerpoint/2010/main" val="595191420"/>
+      </p:ext>
+    </p:extLst>
+  </p:cSld>
+  <p:clrMapOvr>
+    <a:masterClrMapping/>
+  </p:clrMapOvr>
+</p:notes>
+</file>
+
+<file path=ppt/notesSlides/notesSlide15.xml><?xml version="1.0" encoding="utf-8"?>
+<p:notes xmlns:a="http://schemas.openxmlformats.org/drawingml/2006/main" xmlns:r="http://schemas.openxmlformats.org/officeDocument/2006/relationships" xmlns:p="http://schemas.openxmlformats.org/presentationml/2006/main">
+  <p:cSld>
+    <p:spTree>
+      <p:nvGrpSpPr>
+        <p:cNvPr id="1" name=""/>
+        <p:cNvGrpSpPr/>
+        <p:nvPr/>
+      </p:nvGrpSpPr>
+      <p:grpSpPr>
+        <a:xfrm>
+          <a:off x="0" y="0"/>
+          <a:ext cx="0" cy="0"/>
+          <a:chOff x="0" y="0"/>
+          <a:chExt cx="0" cy="0"/>
+        </a:xfrm>
+      </p:grpSpPr>
+      <p:sp>
+        <p:nvSpPr>
+          <p:cNvPr id="2" name="Folienbildplatzhalter 1"/>
+          <p:cNvSpPr>
+            <a:spLocks noGrp="1" noRot="1" noChangeAspect="1"/>
+          </p:cNvSpPr>
+          <p:nvPr>
+            <p:ph type="sldImg"/>
+          </p:nvPr>
+        </p:nvSpPr>
+        <p:spPr>
+          <a:xfrm>
+            <a:off x="3251200" y="731838"/>
+            <a:ext cx="6502400" cy="3657600"/>
+          </a:xfrm>
+        </p:spPr>
+      </p:sp>
+      <p:sp>
+        <p:nvSpPr>
+          <p:cNvPr id="3" name="Notizenplatzhalter 2"/>
+          <p:cNvSpPr>
+            <a:spLocks noGrp="1"/>
+          </p:cNvSpPr>
+          <p:nvPr>
+            <p:ph type="body" idx="1"/>
+          </p:nvPr>
+        </p:nvSpPr>
+        <p:spPr/>
+        <p:txBody>
+          <a:bodyPr>
+            <a:normAutofit/>
+          </a:bodyPr>
+          <a:lstStyle/>
+          <a:p>
+            <a:endParaRPr lang="de-DE"/>
+          </a:p>
+        </p:txBody>
+      </p:sp>
+    </p:spTree>
+    <p:extLst>
+      <p:ext uri="{BB962C8B-B14F-4D97-AF65-F5344CB8AC3E}">
+        <p14:creationId xmlns:p14="http://schemas.microsoft.com/office/powerpoint/2010/main" val="3242587842"/>
+      </p:ext>
+    </p:extLst>
+  </p:cSld>
+  <p:clrMapOvr>
+    <a:masterClrMapping/>
+  </p:clrMapOvr>
+</p:notes>
+</file>
+
 <file path=ppt/notesSlides/notesSlide2.xml><?xml version="1.0" encoding="utf-8"?>
 <p:notes xmlns:a="http://schemas.openxmlformats.org/drawingml/2006/main" xmlns:r="http://schemas.openxmlformats.org/officeDocument/2006/relationships" xmlns:p="http://schemas.openxmlformats.org/presentationml/2006/main">
   <p:cSld>
@@ -771,14 +1190,14 @@
           </a:bodyPr>
           <a:lstStyle/>
           <a:p>
-            <a:endParaRPr lang="de-DE"/>
+            <a:endParaRPr lang="de-DE" dirty="0"/>
           </a:p>
         </p:txBody>
       </p:sp>
     </p:spTree>
     <p:extLst>
       <p:ext uri="{BB962C8B-B14F-4D97-AF65-F5344CB8AC3E}">
-        <p14:creationId xmlns:p14="http://schemas.microsoft.com/office/powerpoint/2010/main" val="903059749"/>
+        <p14:creationId xmlns:p14="http://schemas.microsoft.com/office/powerpoint/2010/main" val="211784799"/>
       </p:ext>
     </p:extLst>
   </p:cSld>
@@ -839,14 +1258,14 @@
           </a:bodyPr>
           <a:lstStyle/>
           <a:p>
-            <a:endParaRPr lang="de-DE"/>
+            <a:endParaRPr lang="de-DE" dirty="0"/>
           </a:p>
         </p:txBody>
       </p:sp>
     </p:spTree>
     <p:extLst>
       <p:ext uri="{BB962C8B-B14F-4D97-AF65-F5344CB8AC3E}">
-        <p14:creationId xmlns:p14="http://schemas.microsoft.com/office/powerpoint/2010/main" val="1108967219"/>
+        <p14:creationId xmlns:p14="http://schemas.microsoft.com/office/powerpoint/2010/main" val="903059749"/>
       </p:ext>
     </p:extLst>
   </p:cSld>
@@ -907,14 +1326,14 @@
           </a:bodyPr>
           <a:lstStyle/>
           <a:p>
-            <a:endParaRPr lang="de-DE"/>
+            <a:endParaRPr lang="de-DE" dirty="0"/>
           </a:p>
         </p:txBody>
       </p:sp>
     </p:spTree>
     <p:extLst>
       <p:ext uri="{BB962C8B-B14F-4D97-AF65-F5344CB8AC3E}">
-        <p14:creationId xmlns:p14="http://schemas.microsoft.com/office/powerpoint/2010/main" val="3322617878"/>
+        <p14:creationId xmlns:p14="http://schemas.microsoft.com/office/powerpoint/2010/main" val="2941049575"/>
       </p:ext>
     </p:extLst>
   </p:cSld>
@@ -951,12 +1370,7 @@
             <p:ph type="sldImg"/>
           </p:nvPr>
         </p:nvSpPr>
-        <p:spPr>
-          <a:xfrm>
-            <a:off x="3251200" y="731838"/>
-            <a:ext cx="6502400" cy="3657600"/>
-          </a:xfrm>
-        </p:spPr>
+        <p:spPr/>
       </p:sp>
       <p:sp>
         <p:nvSpPr>
@@ -970,19 +1384,17 @@
         </p:nvSpPr>
         <p:spPr/>
         <p:txBody>
-          <a:bodyPr>
-            <a:normAutofit/>
-          </a:bodyPr>
+          <a:bodyPr/>
           <a:lstStyle/>
           <a:p>
-            <a:endParaRPr lang="de-DE"/>
+            <a:endParaRPr lang="de-DE" dirty="0"/>
           </a:p>
         </p:txBody>
       </p:sp>
     </p:spTree>
     <p:extLst>
       <p:ext uri="{BB962C8B-B14F-4D97-AF65-F5344CB8AC3E}">
-        <p14:creationId xmlns:p14="http://schemas.microsoft.com/office/powerpoint/2010/main" val="595191420"/>
+        <p14:creationId xmlns:p14="http://schemas.microsoft.com/office/powerpoint/2010/main" val="3424607248"/>
       </p:ext>
     </p:extLst>
   </p:cSld>
@@ -1048,6 +1460,215 @@
         </p:txBody>
       </p:sp>
     </p:spTree>
+    <p:extLst>
+      <p:ext uri="{BB962C8B-B14F-4D97-AF65-F5344CB8AC3E}">
+        <p14:creationId xmlns:p14="http://schemas.microsoft.com/office/powerpoint/2010/main" val="1108967219"/>
+      </p:ext>
+    </p:extLst>
+  </p:cSld>
+  <p:clrMapOvr>
+    <a:masterClrMapping/>
+  </p:clrMapOvr>
+</p:notes>
+</file>
+
+<file path=ppt/notesSlides/notesSlide7.xml><?xml version="1.0" encoding="utf-8"?>
+<p:notes xmlns:a="http://schemas.openxmlformats.org/drawingml/2006/main" xmlns:r="http://schemas.openxmlformats.org/officeDocument/2006/relationships" xmlns:p="http://schemas.openxmlformats.org/presentationml/2006/main">
+  <p:cSld>
+    <p:spTree>
+      <p:nvGrpSpPr>
+        <p:cNvPr id="1" name=""/>
+        <p:cNvGrpSpPr/>
+        <p:nvPr/>
+      </p:nvGrpSpPr>
+      <p:grpSpPr>
+        <a:xfrm>
+          <a:off x="0" y="0"/>
+          <a:ext cx="0" cy="0"/>
+          <a:chOff x="0" y="0"/>
+          <a:chExt cx="0" cy="0"/>
+        </a:xfrm>
+      </p:grpSpPr>
+      <p:sp>
+        <p:nvSpPr>
+          <p:cNvPr id="2" name="Folienbildplatzhalter 1"/>
+          <p:cNvSpPr>
+            <a:spLocks noGrp="1" noRot="1" noChangeAspect="1"/>
+          </p:cNvSpPr>
+          <p:nvPr>
+            <p:ph type="sldImg"/>
+          </p:nvPr>
+        </p:nvSpPr>
+        <p:spPr>
+          <a:xfrm>
+            <a:off x="3251200" y="731838"/>
+            <a:ext cx="6502400" cy="3657600"/>
+          </a:xfrm>
+        </p:spPr>
+      </p:sp>
+      <p:sp>
+        <p:nvSpPr>
+          <p:cNvPr id="3" name="Notizenplatzhalter 2"/>
+          <p:cNvSpPr>
+            <a:spLocks noGrp="1"/>
+          </p:cNvSpPr>
+          <p:nvPr>
+            <p:ph type="body" idx="1"/>
+          </p:nvPr>
+        </p:nvSpPr>
+        <p:spPr/>
+        <p:txBody>
+          <a:bodyPr>
+            <a:normAutofit/>
+          </a:bodyPr>
+          <a:lstStyle/>
+          <a:p>
+            <a:endParaRPr lang="de-DE"/>
+          </a:p>
+        </p:txBody>
+      </p:sp>
+    </p:spTree>
+    <p:extLst>
+      <p:ext uri="{BB962C8B-B14F-4D97-AF65-F5344CB8AC3E}">
+        <p14:creationId xmlns:p14="http://schemas.microsoft.com/office/powerpoint/2010/main" val="3322617878"/>
+      </p:ext>
+    </p:extLst>
+  </p:cSld>
+  <p:clrMapOvr>
+    <a:masterClrMapping/>
+  </p:clrMapOvr>
+</p:notes>
+</file>
+
+<file path=ppt/notesSlides/notesSlide8.xml><?xml version="1.0" encoding="utf-8"?>
+<p:notes xmlns:a="http://schemas.openxmlformats.org/drawingml/2006/main" xmlns:r="http://schemas.openxmlformats.org/officeDocument/2006/relationships" xmlns:p="http://schemas.openxmlformats.org/presentationml/2006/main">
+  <p:cSld>
+    <p:spTree>
+      <p:nvGrpSpPr>
+        <p:cNvPr id="1" name=""/>
+        <p:cNvGrpSpPr/>
+        <p:nvPr/>
+      </p:nvGrpSpPr>
+      <p:grpSpPr>
+        <a:xfrm>
+          <a:off x="0" y="0"/>
+          <a:ext cx="0" cy="0"/>
+          <a:chOff x="0" y="0"/>
+          <a:chExt cx="0" cy="0"/>
+        </a:xfrm>
+      </p:grpSpPr>
+      <p:sp>
+        <p:nvSpPr>
+          <p:cNvPr id="2" name="Folienbildplatzhalter 1"/>
+          <p:cNvSpPr>
+            <a:spLocks noGrp="1" noRot="1" noChangeAspect="1"/>
+          </p:cNvSpPr>
+          <p:nvPr>
+            <p:ph type="sldImg"/>
+          </p:nvPr>
+        </p:nvSpPr>
+        <p:spPr>
+          <a:xfrm>
+            <a:off x="3251200" y="731838"/>
+            <a:ext cx="6502400" cy="3657600"/>
+          </a:xfrm>
+        </p:spPr>
+      </p:sp>
+      <p:sp>
+        <p:nvSpPr>
+          <p:cNvPr id="3" name="Notizenplatzhalter 2"/>
+          <p:cNvSpPr>
+            <a:spLocks noGrp="1"/>
+          </p:cNvSpPr>
+          <p:nvPr>
+            <p:ph type="body" idx="1"/>
+          </p:nvPr>
+        </p:nvSpPr>
+        <p:spPr/>
+        <p:txBody>
+          <a:bodyPr>
+            <a:normAutofit/>
+          </a:bodyPr>
+          <a:lstStyle/>
+          <a:p>
+            <a:endParaRPr lang="de-DE"/>
+          </a:p>
+        </p:txBody>
+      </p:sp>
+    </p:spTree>
+    <p:extLst>
+      <p:ext uri="{BB962C8B-B14F-4D97-AF65-F5344CB8AC3E}">
+        <p14:creationId xmlns:p14="http://schemas.microsoft.com/office/powerpoint/2010/main" val="3733790683"/>
+      </p:ext>
+    </p:extLst>
+  </p:cSld>
+  <p:clrMapOvr>
+    <a:masterClrMapping/>
+  </p:clrMapOvr>
+</p:notes>
+</file>
+
+<file path=ppt/notesSlides/notesSlide9.xml><?xml version="1.0" encoding="utf-8"?>
+<p:notes xmlns:a="http://schemas.openxmlformats.org/drawingml/2006/main" xmlns:r="http://schemas.openxmlformats.org/officeDocument/2006/relationships" xmlns:p="http://schemas.openxmlformats.org/presentationml/2006/main">
+  <p:cSld>
+    <p:spTree>
+      <p:nvGrpSpPr>
+        <p:cNvPr id="1" name=""/>
+        <p:cNvGrpSpPr/>
+        <p:nvPr/>
+      </p:nvGrpSpPr>
+      <p:grpSpPr>
+        <a:xfrm>
+          <a:off x="0" y="0"/>
+          <a:ext cx="0" cy="0"/>
+          <a:chOff x="0" y="0"/>
+          <a:chExt cx="0" cy="0"/>
+        </a:xfrm>
+      </p:grpSpPr>
+      <p:sp>
+        <p:nvSpPr>
+          <p:cNvPr id="2" name="Folienbildplatzhalter 1"/>
+          <p:cNvSpPr>
+            <a:spLocks noGrp="1" noRot="1" noChangeAspect="1"/>
+          </p:cNvSpPr>
+          <p:nvPr>
+            <p:ph type="sldImg"/>
+          </p:nvPr>
+        </p:nvSpPr>
+        <p:spPr>
+          <a:xfrm>
+            <a:off x="3251200" y="731838"/>
+            <a:ext cx="6502400" cy="3657600"/>
+          </a:xfrm>
+        </p:spPr>
+      </p:sp>
+      <p:sp>
+        <p:nvSpPr>
+          <p:cNvPr id="3" name="Notizenplatzhalter 2"/>
+          <p:cNvSpPr>
+            <a:spLocks noGrp="1"/>
+          </p:cNvSpPr>
+          <p:nvPr>
+            <p:ph type="body" idx="1"/>
+          </p:nvPr>
+        </p:nvSpPr>
+        <p:spPr/>
+        <p:txBody>
+          <a:bodyPr>
+            <a:normAutofit/>
+          </a:bodyPr>
+          <a:lstStyle/>
+          <a:p>
+            <a:endParaRPr lang="de-DE"/>
+          </a:p>
+        </p:txBody>
+      </p:sp>
+    </p:spTree>
+    <p:extLst>
+      <p:ext uri="{BB962C8B-B14F-4D97-AF65-F5344CB8AC3E}">
+        <p14:creationId xmlns:p14="http://schemas.microsoft.com/office/powerpoint/2010/main" val="778243140"/>
+      </p:ext>
+    </p:extLst>
   </p:cSld>
   <p:clrMapOvr>
     <a:masterClrMapping/>
@@ -1218,7 +1839,7 @@
           <a:p>
             <a:r>
               <a:rPr lang="de-DE"/>
-              <a:t>The University of Göttingen – An Introduction</a:t>
+              <a:t>AirBnB Dublin</a:t>
             </a:r>
             <a:endParaRPr lang="de-DE" dirty="0"/>
           </a:p>
@@ -1257,10 +1878,9 @@
             </a:lvl1pPr>
           </a:lstStyle>
           <a:p>
-            <a:fld id="{C5DFC1A0-EAC7-FF46-B484-6832FF4081D7}" type="datetime1">
+            <a:fld id="{29470068-C832-D349-9CD2-BB9D83CEE052}" type="datetime1">
               <a:rPr lang="de-DE" smtClean="0"/>
-              <a:pPr/>
-              <a:t>17.02.22</a:t>
+              <a:t>19.02.22</a:t>
             </a:fld>
             <a:endParaRPr lang="en-US" dirty="0"/>
           </a:p>
@@ -1608,7 +2228,7 @@
           <a:p>
             <a:r>
               <a:rPr lang="de-DE"/>
-              <a:t>The University of Göttingen – An Introduction</a:t>
+              <a:t>AirBnB Dublin</a:t>
             </a:r>
             <a:endParaRPr lang="de-DE" dirty="0"/>
           </a:p>
@@ -1647,10 +2267,9 @@
             </a:lvl1pPr>
           </a:lstStyle>
           <a:p>
-            <a:fld id="{ACF5EF15-2C16-6A49-87B6-C5AFB945A04B}" type="datetime1">
+            <a:fld id="{10D3BC42-2645-E74D-9B58-4F3A20CFF2FC}" type="datetime1">
               <a:rPr lang="de-DE" smtClean="0"/>
-              <a:pPr/>
-              <a:t>17.02.22</a:t>
+              <a:t>19.02.22</a:t>
             </a:fld>
             <a:endParaRPr lang="en-US" dirty="0"/>
           </a:p>
@@ -1941,7 +2560,7 @@
           <a:p>
             <a:r>
               <a:rPr lang="de-DE"/>
-              <a:t>The University of Göttingen – An Introduction</a:t>
+              <a:t>AirBnB Dublin</a:t>
             </a:r>
             <a:endParaRPr lang="de-DE" dirty="0"/>
           </a:p>
@@ -1980,10 +2599,9 @@
             </a:lvl1pPr>
           </a:lstStyle>
           <a:p>
-            <a:fld id="{088E676C-4406-3640-8397-3968334A8A8E}" type="datetime1">
+            <a:fld id="{F996917A-BEB8-EB4D-8E02-71F355EF1F44}" type="datetime1">
               <a:rPr lang="de-DE" smtClean="0"/>
-              <a:pPr/>
-              <a:t>17.02.22</a:t>
+              <a:t>19.02.22</a:t>
             </a:fld>
             <a:endParaRPr lang="en-US" dirty="0"/>
           </a:p>
@@ -2313,10 +2931,9 @@
             </a:lvl1pPr>
           </a:lstStyle>
           <a:p>
-            <a:fld id="{D889CA0F-C99F-184A-BCAD-ADF098A7BB5A}" type="datetime1">
+            <a:fld id="{71C3112C-1E77-DF43-A532-1D033D201E26}" type="datetime1">
               <a:rPr lang="de-DE" smtClean="0"/>
-              <a:pPr/>
-              <a:t>17.02.22</a:t>
+              <a:t>19.02.22</a:t>
             </a:fld>
             <a:endParaRPr lang="en-US" dirty="0"/>
           </a:p>
@@ -2355,7 +2972,7 @@
           <a:p>
             <a:r>
               <a:rPr lang="de-DE"/>
-              <a:t>The University of Göttingen – An Introduction</a:t>
+              <a:t>AirBnB Dublin</a:t>
             </a:r>
             <a:endParaRPr lang="de-DE" dirty="0"/>
           </a:p>
@@ -2783,10 +3400,9 @@
             </a:lvl1pPr>
           </a:lstStyle>
           <a:p>
-            <a:fld id="{50058CEF-F7BB-BA45-8352-420FBD9C4B5B}" type="datetime1">
+            <a:fld id="{7283DE53-8D32-8943-82DB-BB243A8E6F3C}" type="datetime1">
               <a:rPr lang="de-DE" smtClean="0"/>
-              <a:pPr/>
-              <a:t>17.02.22</a:t>
+              <a:t>19.02.22</a:t>
             </a:fld>
             <a:endParaRPr lang="en-US" dirty="0"/>
           </a:p>
@@ -2825,7 +3441,7 @@
           <a:p>
             <a:r>
               <a:rPr lang="de-DE"/>
-              <a:t>The University of Göttingen – An Introduction</a:t>
+              <a:t>AirBnB Dublin</a:t>
             </a:r>
             <a:endParaRPr lang="de-DE" dirty="0"/>
           </a:p>
@@ -3171,7 +3787,7 @@
           <a:p>
             <a:r>
               <a:rPr lang="de-DE"/>
-              <a:t>The University of Göttingen – An Introduction</a:t>
+              <a:t>AirBnB Dublin</a:t>
             </a:r>
             <a:endParaRPr lang="de-DE" dirty="0"/>
           </a:p>
@@ -3210,10 +3826,9 @@
             </a:lvl1pPr>
           </a:lstStyle>
           <a:p>
-            <a:fld id="{C8A51442-76F6-0047-9EC6-9C35C6FEA6B1}" type="datetime1">
+            <a:fld id="{079DBBBA-2E5E-C542-BBF0-95446E8A31DC}" type="datetime1">
               <a:rPr lang="de-DE" smtClean="0"/>
-              <a:pPr/>
-              <a:t>17.02.22</a:t>
+              <a:t>19.02.22</a:t>
             </a:fld>
             <a:endParaRPr lang="en-US" dirty="0"/>
           </a:p>
@@ -3273,7 +3888,7 @@
     <p:sldLayoutId id="2147483667" r:id="rId6"/>
     <p:sldLayoutId id="2147483665" r:id="rId7"/>
   </p:sldLayoutIdLst>
-  <p:hf hdr="0"/>
+  <p:hf sldNum="0" hdr="0"/>
   <p:txStyles>
     <p:titleStyle>
       <a:lvl1pPr>
@@ -3447,7 +4062,7 @@
         </p:nvSpPr>
         <p:spPr>
           <a:xfrm>
-            <a:off x="660797" y="3053953"/>
+            <a:off x="660797" y="4141118"/>
             <a:ext cx="6400800" cy="230832"/>
           </a:xfrm>
         </p:spPr>
@@ -3456,43 +4071,103 @@
           <a:lstStyle/>
           <a:p>
             <a:r>
-              <a:rPr lang="de-DE" dirty="0" err="1"/>
+              <a:rPr lang="de-DE" cap="small" dirty="0" err="1">
+                <a:solidFill>
+                  <a:schemeClr val="bg1">
+                    <a:lumMod val="50000"/>
+                  </a:schemeClr>
+                </a:solidFill>
+              </a:rPr>
               <a:t>Explainable</a:t>
             </a:r>
             <a:r>
-              <a:rPr lang="de-DE" dirty="0"/>
-              <a:t> Data-</a:t>
-            </a:r>
-            <a:r>
-              <a:rPr lang="de-DE" dirty="0" err="1"/>
-              <a:t>Driven</a:t>
-            </a:r>
-            <a:r>
-              <a:rPr lang="de-DE" dirty="0"/>
+              <a:rPr lang="de-DE" cap="small" dirty="0">
+                <a:solidFill>
+                  <a:schemeClr val="bg1">
+                    <a:lumMod val="50000"/>
+                  </a:schemeClr>
+                </a:solidFill>
+              </a:rPr>
+              <a:t> </a:t>
+            </a:r>
+            <a:r>
+              <a:rPr lang="de-DE" cap="small" dirty="0" err="1">
+                <a:solidFill>
+                  <a:schemeClr val="bg1">
+                    <a:lumMod val="50000"/>
+                  </a:schemeClr>
+                </a:solidFill>
+              </a:rPr>
+              <a:t>data-driven</a:t>
+            </a:r>
+            <a:r>
+              <a:rPr lang="de-DE" cap="small" dirty="0">
+                <a:solidFill>
+                  <a:schemeClr val="bg1">
+                    <a:lumMod val="50000"/>
+                  </a:schemeClr>
+                </a:solidFill>
+              </a:rPr>
               <a:t> Price </a:t>
             </a:r>
             <a:r>
-              <a:rPr lang="de-DE" dirty="0" err="1"/>
+              <a:rPr lang="de-DE" cap="small" dirty="0" err="1">
+                <a:solidFill>
+                  <a:schemeClr val="bg1">
+                    <a:lumMod val="50000"/>
+                  </a:schemeClr>
+                </a:solidFill>
+              </a:rPr>
               <a:t>Prediction</a:t>
             </a:r>
             <a:r>
-              <a:rPr lang="de-DE" dirty="0"/>
+              <a:rPr lang="de-DE" cap="small" dirty="0">
+                <a:solidFill>
+                  <a:schemeClr val="bg1">
+                    <a:lumMod val="50000"/>
+                  </a:schemeClr>
+                </a:solidFill>
+              </a:rPr>
               <a:t> </a:t>
             </a:r>
             <a:r>
-              <a:rPr lang="de-DE" dirty="0" err="1"/>
+              <a:rPr lang="de-DE" cap="small" dirty="0" err="1">
+                <a:solidFill>
+                  <a:schemeClr val="bg1">
+                    <a:lumMod val="50000"/>
+                  </a:schemeClr>
+                </a:solidFill>
+              </a:rPr>
               <a:t>using</a:t>
             </a:r>
             <a:r>
-              <a:rPr lang="de-DE" dirty="0"/>
+              <a:rPr lang="de-DE" cap="small" dirty="0">
+                <a:solidFill>
+                  <a:schemeClr val="bg1">
+                    <a:lumMod val="50000"/>
+                  </a:schemeClr>
+                </a:solidFill>
+              </a:rPr>
               <a:t> </a:t>
             </a:r>
             <a:r>
-              <a:rPr lang="de-DE" dirty="0" err="1"/>
+              <a:rPr lang="de-DE" cap="small" dirty="0" err="1">
+                <a:solidFill>
+                  <a:schemeClr val="bg1">
+                    <a:lumMod val="50000"/>
+                  </a:schemeClr>
+                </a:solidFill>
+              </a:rPr>
               <a:t>Deep</a:t>
             </a:r>
             <a:r>
-              <a:rPr lang="de-DE" dirty="0"/>
+              <a:rPr lang="de-DE" cap="small" dirty="0">
+                <a:solidFill>
+                  <a:schemeClr val="bg1">
+                    <a:lumMod val="50000"/>
+                  </a:schemeClr>
+                </a:solidFill>
+              </a:rPr>
               <a:t> Learning Models</a:t>
             </a:r>
           </a:p>
@@ -3508,7 +4183,12 @@
             <p:ph type="title"/>
           </p:nvPr>
         </p:nvSpPr>
-        <p:spPr/>
+        <p:spPr>
+          <a:xfrm>
+            <a:off x="636682" y="3538364"/>
+            <a:ext cx="7623279" cy="584775"/>
+          </a:xfrm>
+        </p:spPr>
         <p:txBody>
           <a:bodyPr/>
           <a:lstStyle/>
@@ -3536,7 +4216,7 @@
         </p:nvSpPr>
         <p:spPr>
           <a:xfrm>
-            <a:off x="660797" y="2210098"/>
+            <a:off x="660797" y="3297263"/>
             <a:ext cx="5786438" cy="230832"/>
           </a:xfrm>
         </p:spPr>
@@ -3574,10 +4254,49 @@
           <a:bodyPr/>
           <a:lstStyle/>
           <a:p>
-            <a:endParaRPr lang="de-DE"/>
-          </a:p>
-        </p:txBody>
-      </p:sp>
+            <a:r>
+              <a:rPr lang="de-DE" dirty="0"/>
+              <a:t>Statistical Learning Seminar</a:t>
+            </a:r>
+          </a:p>
+        </p:txBody>
+      </p:sp>
+      <p:pic>
+        <p:nvPicPr>
+          <p:cNvPr id="3" name="Grafik 2" descr="Ein Bild, das Text enthält.&#10;&#10;Automatisch generierte Beschreibung">
+            <a:extLst>
+              <a:ext uri="{FF2B5EF4-FFF2-40B4-BE49-F238E27FC236}">
+                <a16:creationId xmlns:a16="http://schemas.microsoft.com/office/drawing/2014/main" id="{35CFF94C-105C-2F41-AF73-BDC8E55A0847}"/>
+              </a:ext>
+            </a:extLst>
+          </p:cNvPr>
+          <p:cNvPicPr>
+            <a:picLocks noChangeAspect="1"/>
+          </p:cNvPicPr>
+          <p:nvPr/>
+        </p:nvPicPr>
+        <p:blipFill>
+          <a:blip r:embed="rId2">
+            <a:extLst>
+              <a:ext uri="{28A0092B-C50C-407E-A947-70E740481C1C}">
+                <a14:useLocalDpi xmlns:a14="http://schemas.microsoft.com/office/drawing/2010/main" val="0"/>
+              </a:ext>
+            </a:extLst>
+          </a:blip>
+          <a:stretch>
+            <a:fillRect/>
+          </a:stretch>
+        </p:blipFill>
+        <p:spPr>
+          <a:xfrm>
+            <a:off x="1875727" y="1001473"/>
+            <a:ext cx="5392546" cy="1960148"/>
+          </a:xfrm>
+          <a:prstGeom prst="rect">
+            <a:avLst/>
+          </a:prstGeom>
+        </p:spPr>
+      </p:pic>
     </p:spTree>
   </p:cSld>
   <p:clrMapOvr>
@@ -3586,7 +4305,7 @@
 </p:sld>
 </file>
 
-<file path=ppt/slides/slide2.xml><?xml version="1.0" encoding="utf-8"?>
+<file path=ppt/slides/slide10.xml><?xml version="1.0" encoding="utf-8"?>
 <p:sld xmlns:a="http://schemas.openxmlformats.org/drawingml/2006/main" xmlns:r="http://schemas.openxmlformats.org/officeDocument/2006/relationships" xmlns:p="http://schemas.openxmlformats.org/presentationml/2006/main">
   <p:cSld>
     <p:spTree>
@@ -3620,239 +4339,8 @@
           <a:p>
             <a:r>
               <a:rPr lang="de-DE" dirty="0"/>
-              <a:t>Data Dublin</a:t>
-            </a:r>
-          </a:p>
-        </p:txBody>
-      </p:sp>
-      <p:sp>
-        <p:nvSpPr>
-          <p:cNvPr id="61" name="object 61"/>
-          <p:cNvSpPr txBox="1">
-            <a:spLocks noGrp="1"/>
-          </p:cNvSpPr>
-          <p:nvPr>
-            <p:ph type="body" idx="1"/>
-          </p:nvPr>
-        </p:nvSpPr>
-        <p:spPr>
-          <a:xfrm>
-            <a:off x="1785939" y="1607344"/>
-            <a:ext cx="5811749" cy="1077218"/>
-          </a:xfrm>
-        </p:spPr>
-        <p:txBody>
-          <a:bodyPr/>
-          <a:lstStyle/>
-          <a:p>
-            <a:r>
-              <a:rPr lang="en-US" dirty="0"/>
-              <a:t>6976 listings</a:t>
-            </a:r>
-          </a:p>
-          <a:p>
-            <a:r>
-              <a:rPr lang="en-US" dirty="0"/>
-              <a:t>74 variables</a:t>
-            </a:r>
-          </a:p>
-          <a:p>
-            <a:r>
-              <a:rPr lang="en-US" dirty="0"/>
-              <a:t>86.899 images</a:t>
-            </a:r>
-          </a:p>
-          <a:p>
-            <a:endParaRPr lang="en-US" dirty="0"/>
-          </a:p>
-        </p:txBody>
-      </p:sp>
-      <p:sp>
-        <p:nvSpPr>
-          <p:cNvPr id="114" name="Fußzeilenplatzhalter 113"/>
-          <p:cNvSpPr>
-            <a:spLocks noGrp="1"/>
-          </p:cNvSpPr>
-          <p:nvPr>
-            <p:ph type="ftr" sz="quarter" idx="3"/>
-          </p:nvPr>
-        </p:nvSpPr>
-        <p:spPr/>
-        <p:txBody>
-          <a:bodyPr/>
-          <a:lstStyle/>
-          <a:p>
-            <a:r>
-              <a:rPr lang="de-DE"/>
-              <a:t>The University of Göttingen – An Introduction</a:t>
-            </a:r>
-            <a:endParaRPr lang="de-DE" dirty="0"/>
-          </a:p>
-        </p:txBody>
-      </p:sp>
-      <p:sp>
-        <p:nvSpPr>
-          <p:cNvPr id="112" name="Datumsplatzhalter 111"/>
-          <p:cNvSpPr>
-            <a:spLocks noGrp="1"/>
-          </p:cNvSpPr>
-          <p:nvPr>
-            <p:ph type="dt" sz="half" idx="2"/>
-          </p:nvPr>
-        </p:nvSpPr>
-        <p:spPr/>
-        <p:txBody>
-          <a:bodyPr/>
-          <a:lstStyle/>
-          <a:p>
-            <a:fld id="{D304FED8-C979-F64B-90E4-24E76885865A}" type="datetime1">
-              <a:rPr lang="de-DE" smtClean="0"/>
-              <a:pPr/>
-              <a:t>17.02.22</a:t>
-            </a:fld>
-            <a:endParaRPr lang="en-US" dirty="0"/>
-          </a:p>
-        </p:txBody>
-      </p:sp>
-      <p:sp>
-        <p:nvSpPr>
-          <p:cNvPr id="113" name="Foliennummernplatzhalter 112"/>
-          <p:cNvSpPr>
-            <a:spLocks noGrp="1"/>
-          </p:cNvSpPr>
-          <p:nvPr>
-            <p:ph type="sldNum" sz="quarter" idx="4"/>
-          </p:nvPr>
-        </p:nvSpPr>
-        <p:spPr/>
-        <p:txBody>
-          <a:bodyPr/>
-          <a:lstStyle/>
-          <a:p>
-            <a:fld id="{B6F15528-21DE-4FAA-801E-634DDDAF4B2B}" type="slidenum">
-              <a:rPr lang="de-DE" smtClean="0"/>
-              <a:pPr/>
-              <a:t>2</a:t>
-            </a:fld>
-            <a:endParaRPr lang="de-DE" dirty="0"/>
-          </a:p>
-        </p:txBody>
-      </p:sp>
-      <p:sp>
-        <p:nvSpPr>
-          <p:cNvPr id="9" name="Textplatzhalter 8"/>
-          <p:cNvSpPr>
-            <a:spLocks noGrp="1"/>
-          </p:cNvSpPr>
-          <p:nvPr>
-            <p:ph type="body" sz="quarter" idx="4294967295"/>
-          </p:nvPr>
-        </p:nvSpPr>
-        <p:spPr>
-          <a:xfrm>
-            <a:off x="5965031" y="277937"/>
-            <a:ext cx="2839641" cy="276999"/>
-          </a:xfrm>
-        </p:spPr>
-        <p:txBody>
-          <a:bodyPr/>
-          <a:lstStyle/>
-          <a:p>
-            <a:endParaRPr lang="de-DE"/>
-          </a:p>
-        </p:txBody>
-      </p:sp>
-      <p:pic>
-        <p:nvPicPr>
-          <p:cNvPr id="3" name="Grafik 2">
-            <a:extLst>
-              <a:ext uri="{FF2B5EF4-FFF2-40B4-BE49-F238E27FC236}">
-                <a16:creationId xmlns:a16="http://schemas.microsoft.com/office/drawing/2014/main" id="{66A87B25-2D4A-9249-A4F8-A05838C3609E}"/>
-              </a:ext>
-            </a:extLst>
-          </p:cNvPr>
-          <p:cNvPicPr>
-            <a:picLocks noChangeAspect="1"/>
-          </p:cNvPicPr>
-          <p:nvPr/>
-        </p:nvPicPr>
-        <p:blipFill rotWithShape="1">
-          <a:blip r:embed="rId3">
-            <a:extLst>
-              <a:ext uri="{28A0092B-C50C-407E-A947-70E740481C1C}">
-                <a14:useLocalDpi xmlns:a14="http://schemas.microsoft.com/office/drawing/2010/main" val="0"/>
-              </a:ext>
-            </a:extLst>
-          </a:blip>
-          <a:srcRect t="50288"/>
-          <a:stretch/>
-        </p:blipFill>
-        <p:spPr>
-          <a:xfrm>
-            <a:off x="3745580" y="1204203"/>
-            <a:ext cx="4578222" cy="1708387"/>
-          </a:xfrm>
-          <a:prstGeom prst="rect">
-            <a:avLst/>
-          </a:prstGeom>
-        </p:spPr>
-      </p:pic>
-    </p:spTree>
-  </p:cSld>
-  <p:clrMapOvr>
-    <a:masterClrMapping/>
-  </p:clrMapOvr>
-  <p:transition>
-    <p:fade/>
-  </p:transition>
-</p:sld>
-</file>
-
-<file path=ppt/slides/slide3.xml><?xml version="1.0" encoding="utf-8"?>
-<p:sld xmlns:a="http://schemas.openxmlformats.org/drawingml/2006/main" xmlns:r="http://schemas.openxmlformats.org/officeDocument/2006/relationships" xmlns:p="http://schemas.openxmlformats.org/presentationml/2006/main">
-  <p:cSld>
-    <p:spTree>
-      <p:nvGrpSpPr>
-        <p:cNvPr id="1" name=""/>
-        <p:cNvGrpSpPr/>
-        <p:nvPr/>
-      </p:nvGrpSpPr>
-      <p:grpSpPr>
-        <a:xfrm>
-          <a:off x="0" y="0"/>
-          <a:ext cx="0" cy="0"/>
-          <a:chOff x="0" y="0"/>
-          <a:chExt cx="0" cy="0"/>
-        </a:xfrm>
-      </p:grpSpPr>
-      <p:sp>
-        <p:nvSpPr>
-          <p:cNvPr id="62" name="object 62"/>
-          <p:cNvSpPr txBox="1">
-            <a:spLocks noGrp="1"/>
-          </p:cNvSpPr>
-          <p:nvPr>
-            <p:ph type="title"/>
-          </p:nvPr>
-        </p:nvSpPr>
-        <p:spPr/>
-        <p:txBody>
-          <a:bodyPr/>
-          <a:lstStyle/>
-          <a:p>
-            <a:r>
-              <a:rPr lang="de-DE" dirty="0" err="1"/>
-              <a:t>Room</a:t>
-            </a:r>
-            <a:r>
-              <a:rPr lang="de-DE" dirty="0"/>
-              <a:t> </a:t>
-            </a:r>
-            <a:r>
-              <a:rPr lang="de-DE" dirty="0" err="1"/>
-              <a:t>Classification</a:t>
-            </a:r>
-            <a:endParaRPr lang="de-DE" dirty="0"/>
+              <a:t>Image Model</a:t>
+            </a:r>
           </a:p>
         </p:txBody>
       </p:sp>
@@ -3869,696 +4357,7 @@
         <p:spPr>
           <a:xfrm>
             <a:off x="660797" y="1670372"/>
-            <a:ext cx="5811749" cy="1077218"/>
-          </a:xfrm>
-        </p:spPr>
-        <p:txBody>
-          <a:bodyPr/>
-          <a:lstStyle/>
-          <a:p>
-            <a:r>
-              <a:rPr lang="en-US" dirty="0"/>
-              <a:t>6976 listings</a:t>
-            </a:r>
-          </a:p>
-          <a:p>
-            <a:r>
-              <a:rPr lang="en-US" dirty="0"/>
-              <a:t>74 variables</a:t>
-            </a:r>
-          </a:p>
-          <a:p>
-            <a:r>
-              <a:rPr lang="en-US" dirty="0"/>
-              <a:t>86.899 images</a:t>
-            </a:r>
-          </a:p>
-          <a:p>
-            <a:endParaRPr lang="en-US" dirty="0"/>
-          </a:p>
-        </p:txBody>
-      </p:sp>
-      <p:sp>
-        <p:nvSpPr>
-          <p:cNvPr id="114" name="Fußzeilenplatzhalter 113"/>
-          <p:cNvSpPr>
-            <a:spLocks noGrp="1"/>
-          </p:cNvSpPr>
-          <p:nvPr>
-            <p:ph type="ftr" sz="quarter" idx="3"/>
-          </p:nvPr>
-        </p:nvSpPr>
-        <p:spPr/>
-        <p:txBody>
-          <a:bodyPr/>
-          <a:lstStyle/>
-          <a:p>
-            <a:r>
-              <a:rPr lang="de-DE"/>
-              <a:t>The University of Göttingen – An Introduction</a:t>
-            </a:r>
-            <a:endParaRPr lang="de-DE" dirty="0"/>
-          </a:p>
-        </p:txBody>
-      </p:sp>
-      <p:sp>
-        <p:nvSpPr>
-          <p:cNvPr id="112" name="Datumsplatzhalter 111"/>
-          <p:cNvSpPr>
-            <a:spLocks noGrp="1"/>
-          </p:cNvSpPr>
-          <p:nvPr>
-            <p:ph type="dt" sz="half" idx="2"/>
-          </p:nvPr>
-        </p:nvSpPr>
-        <p:spPr/>
-        <p:txBody>
-          <a:bodyPr/>
-          <a:lstStyle/>
-          <a:p>
-            <a:fld id="{D304FED8-C979-F64B-90E4-24E76885865A}" type="datetime1">
-              <a:rPr lang="de-DE" smtClean="0"/>
-              <a:pPr/>
-              <a:t>17.02.22</a:t>
-            </a:fld>
-            <a:endParaRPr lang="en-US" dirty="0"/>
-          </a:p>
-        </p:txBody>
-      </p:sp>
-      <p:sp>
-        <p:nvSpPr>
-          <p:cNvPr id="113" name="Foliennummernplatzhalter 112"/>
-          <p:cNvSpPr>
-            <a:spLocks noGrp="1"/>
-          </p:cNvSpPr>
-          <p:nvPr>
-            <p:ph type="sldNum" sz="quarter" idx="4"/>
-          </p:nvPr>
-        </p:nvSpPr>
-        <p:spPr/>
-        <p:txBody>
-          <a:bodyPr/>
-          <a:lstStyle/>
-          <a:p>
-            <a:fld id="{B6F15528-21DE-4FAA-801E-634DDDAF4B2B}" type="slidenum">
-              <a:rPr lang="de-DE" smtClean="0"/>
-              <a:pPr/>
-              <a:t>3</a:t>
-            </a:fld>
-            <a:endParaRPr lang="de-DE" dirty="0"/>
-          </a:p>
-        </p:txBody>
-      </p:sp>
-      <p:sp>
-        <p:nvSpPr>
-          <p:cNvPr id="9" name="Textplatzhalter 8"/>
-          <p:cNvSpPr>
-            <a:spLocks noGrp="1"/>
-          </p:cNvSpPr>
-          <p:nvPr>
-            <p:ph type="body" sz="quarter" idx="4294967295"/>
-          </p:nvPr>
-        </p:nvSpPr>
-        <p:spPr>
-          <a:xfrm>
-            <a:off x="5965031" y="277937"/>
-            <a:ext cx="2839641" cy="276999"/>
-          </a:xfrm>
-        </p:spPr>
-        <p:txBody>
-          <a:bodyPr/>
-          <a:lstStyle/>
-          <a:p>
-            <a:endParaRPr lang="de-DE" dirty="0"/>
-          </a:p>
-        </p:txBody>
-      </p:sp>
-      <p:pic>
-        <p:nvPicPr>
-          <p:cNvPr id="4" name="Grafik 3" descr="Ein Bild, das Text enthält.&#10;&#10;Automatisch generierte Beschreibung">
-            <a:extLst>
-              <a:ext uri="{FF2B5EF4-FFF2-40B4-BE49-F238E27FC236}">
-                <a16:creationId xmlns:a16="http://schemas.microsoft.com/office/drawing/2014/main" id="{E445C693-61B0-6F44-9AE0-093D6BB23573}"/>
-              </a:ext>
-            </a:extLst>
-          </p:cNvPr>
-          <p:cNvPicPr>
-            <a:picLocks noChangeAspect="1"/>
-          </p:cNvPicPr>
-          <p:nvPr/>
-        </p:nvPicPr>
-        <p:blipFill rotWithShape="1">
-          <a:blip r:embed="rId3">
-            <a:extLst>
-              <a:ext uri="{28A0092B-C50C-407E-A947-70E740481C1C}">
-                <a14:useLocalDpi xmlns:a14="http://schemas.microsoft.com/office/drawing/2010/main" val="0"/>
-              </a:ext>
-            </a:extLst>
-          </a:blip>
-          <a:srcRect b="20505"/>
-          <a:stretch/>
-        </p:blipFill>
-        <p:spPr>
-          <a:xfrm>
-            <a:off x="5275473" y="732546"/>
-            <a:ext cx="2969271" cy="4030088"/>
-          </a:xfrm>
-          <a:prstGeom prst="rect">
-            <a:avLst/>
-          </a:prstGeom>
-        </p:spPr>
-      </p:pic>
-      <p:pic>
-        <p:nvPicPr>
-          <p:cNvPr id="6" name="Grafik 5" descr="Ein Bild, das Text, verschieden, mehrere enthält.&#10;&#10;Automatisch generierte Beschreibung">
-            <a:extLst>
-              <a:ext uri="{FF2B5EF4-FFF2-40B4-BE49-F238E27FC236}">
-                <a16:creationId xmlns:a16="http://schemas.microsoft.com/office/drawing/2014/main" id="{46898714-2ED2-564F-A281-A63E604041EC}"/>
-              </a:ext>
-            </a:extLst>
-          </p:cNvPr>
-          <p:cNvPicPr>
-            <a:picLocks noChangeAspect="1"/>
-          </p:cNvPicPr>
-          <p:nvPr/>
-        </p:nvPicPr>
-        <p:blipFill>
-          <a:blip r:embed="rId4">
-            <a:extLst>
-              <a:ext uri="{28A0092B-C50C-407E-A947-70E740481C1C}">
-                <a14:useLocalDpi xmlns:a14="http://schemas.microsoft.com/office/drawing/2010/main" val="0"/>
-              </a:ext>
-            </a:extLst>
-          </a:blip>
-          <a:stretch>
-            <a:fillRect/>
-          </a:stretch>
-        </p:blipFill>
-        <p:spPr>
-          <a:xfrm>
-            <a:off x="5802895" y="750599"/>
-            <a:ext cx="1996822" cy="3948262"/>
-          </a:xfrm>
-          <a:prstGeom prst="rect">
-            <a:avLst/>
-          </a:prstGeom>
-        </p:spPr>
-      </p:pic>
-      <p:pic>
-        <p:nvPicPr>
-          <p:cNvPr id="11" name="Grafik 10">
-            <a:extLst>
-              <a:ext uri="{FF2B5EF4-FFF2-40B4-BE49-F238E27FC236}">
-                <a16:creationId xmlns:a16="http://schemas.microsoft.com/office/drawing/2014/main" id="{A723B87E-90A7-9643-A3B6-FEDF9F8DB7B8}"/>
-              </a:ext>
-            </a:extLst>
-          </p:cNvPr>
-          <p:cNvPicPr>
-            <a:picLocks noChangeAspect="1"/>
-          </p:cNvPicPr>
-          <p:nvPr/>
-        </p:nvPicPr>
-        <p:blipFill>
-          <a:blip r:embed="rId5">
-            <a:extLst>
-              <a:ext uri="{28A0092B-C50C-407E-A947-70E740481C1C}">
-                <a14:useLocalDpi xmlns:a14="http://schemas.microsoft.com/office/drawing/2010/main" val="0"/>
-              </a:ext>
-            </a:extLst>
-          </a:blip>
-          <a:stretch>
-            <a:fillRect/>
-          </a:stretch>
-        </p:blipFill>
-        <p:spPr>
-          <a:xfrm>
-            <a:off x="444389" y="2651348"/>
-            <a:ext cx="2034187" cy="2145012"/>
-          </a:xfrm>
-          <a:prstGeom prst="rect">
-            <a:avLst/>
-          </a:prstGeom>
-        </p:spPr>
-      </p:pic>
-      <p:pic>
-        <p:nvPicPr>
-          <p:cNvPr id="13" name="Grafik 12">
-            <a:extLst>
-              <a:ext uri="{FF2B5EF4-FFF2-40B4-BE49-F238E27FC236}">
-                <a16:creationId xmlns:a16="http://schemas.microsoft.com/office/drawing/2014/main" id="{076DEE31-577C-CC4D-B925-2D8EDF5624F8}"/>
-              </a:ext>
-            </a:extLst>
-          </p:cNvPr>
-          <p:cNvPicPr>
-            <a:picLocks noChangeAspect="1"/>
-          </p:cNvPicPr>
-          <p:nvPr/>
-        </p:nvPicPr>
-        <p:blipFill>
-          <a:blip r:embed="rId6">
-            <a:extLst>
-              <a:ext uri="{28A0092B-C50C-407E-A947-70E740481C1C}">
-                <a14:useLocalDpi xmlns:a14="http://schemas.microsoft.com/office/drawing/2010/main" val="0"/>
-              </a:ext>
-            </a:extLst>
-          </a:blip>
-          <a:stretch>
-            <a:fillRect/>
-          </a:stretch>
-        </p:blipFill>
-        <p:spPr>
-          <a:xfrm>
-            <a:off x="2594849" y="2228463"/>
-            <a:ext cx="2547357" cy="2470398"/>
-          </a:xfrm>
-          <a:prstGeom prst="rect">
-            <a:avLst/>
-          </a:prstGeom>
-        </p:spPr>
-      </p:pic>
-    </p:spTree>
-    <p:extLst>
-      <p:ext uri="{BB962C8B-B14F-4D97-AF65-F5344CB8AC3E}">
-        <p14:creationId xmlns:p14="http://schemas.microsoft.com/office/powerpoint/2010/main" val="3871310180"/>
-      </p:ext>
-    </p:extLst>
-  </p:cSld>
-  <p:clrMapOvr>
-    <a:masterClrMapping/>
-  </p:clrMapOvr>
-  <p:transition>
-    <p:fade/>
-  </p:transition>
-  <p:timing>
-    <p:tnLst>
-      <p:par>
-        <p:cTn id="1" dur="indefinite" restart="never" nodeType="tmRoot">
-          <p:childTnLst>
-            <p:seq concurrent="1" nextAc="seek">
-              <p:cTn id="2" dur="indefinite" nodeType="mainSeq">
-                <p:childTnLst>
-                  <p:par>
-                    <p:cTn id="3" fill="hold">
-                      <p:stCondLst>
-                        <p:cond delay="indefinite"/>
-                      </p:stCondLst>
-                      <p:childTnLst>
-                        <p:par>
-                          <p:cTn id="4" fill="hold">
-                            <p:stCondLst>
-                              <p:cond delay="0"/>
-                            </p:stCondLst>
-                            <p:childTnLst>
-                              <p:par>
-                                <p:cTn id="5" presetID="3" presetClass="exit" presetSubtype="10" fill="hold" nodeType="clickEffect">
-                                  <p:stCondLst>
-                                    <p:cond delay="0"/>
-                                  </p:stCondLst>
-                                  <p:childTnLst>
-                                    <p:animEffect transition="out" filter="blinds(horizontal)">
-                                      <p:cBhvr>
-                                        <p:cTn id="6" dur="500"/>
-                                        <p:tgtEl>
-                                          <p:spTgt spid="4"/>
-                                        </p:tgtEl>
-                                      </p:cBhvr>
-                                    </p:animEffect>
-                                    <p:set>
-                                      <p:cBhvr>
-                                        <p:cTn id="7" dur="1" fill="hold">
-                                          <p:stCondLst>
-                                            <p:cond delay="499"/>
-                                          </p:stCondLst>
-                                        </p:cTn>
-                                        <p:tgtEl>
-                                          <p:spTgt spid="4"/>
-                                        </p:tgtEl>
-                                        <p:attrNameLst>
-                                          <p:attrName>style.visibility</p:attrName>
-                                        </p:attrNameLst>
-                                      </p:cBhvr>
-                                      <p:to>
-                                        <p:strVal val="hidden"/>
-                                      </p:to>
-                                    </p:set>
-                                  </p:childTnLst>
-                                </p:cTn>
-                              </p:par>
-                              <p:par>
-                                <p:cTn id="8" presetID="1" presetClass="entr" presetSubtype="0" fill="hold" nodeType="withEffect">
-                                  <p:stCondLst>
-                                    <p:cond delay="0"/>
-                                  </p:stCondLst>
-                                  <p:childTnLst>
-                                    <p:set>
-                                      <p:cBhvr>
-                                        <p:cTn id="9" dur="1" fill="hold">
-                                          <p:stCondLst>
-                                            <p:cond delay="0"/>
-                                          </p:stCondLst>
-                                        </p:cTn>
-                                        <p:tgtEl>
-                                          <p:spTgt spid="6"/>
-                                        </p:tgtEl>
-                                        <p:attrNameLst>
-                                          <p:attrName>style.visibility</p:attrName>
-                                        </p:attrNameLst>
-                                      </p:cBhvr>
-                                      <p:to>
-                                        <p:strVal val="visible"/>
-                                      </p:to>
-                                    </p:set>
-                                  </p:childTnLst>
-                                </p:cTn>
-                              </p:par>
-                            </p:childTnLst>
-                          </p:cTn>
-                        </p:par>
-                      </p:childTnLst>
-                    </p:cTn>
-                  </p:par>
-                </p:childTnLst>
-              </p:cTn>
-              <p:prevCondLst>
-                <p:cond evt="onPrev" delay="0">
-                  <p:tgtEl>
-                    <p:sldTgt/>
-                  </p:tgtEl>
-                </p:cond>
-              </p:prevCondLst>
-              <p:nextCondLst>
-                <p:cond evt="onNext" delay="0">
-                  <p:tgtEl>
-                    <p:sldTgt/>
-                  </p:tgtEl>
-                </p:cond>
-              </p:nextCondLst>
-            </p:seq>
-          </p:childTnLst>
-        </p:cTn>
-      </p:par>
-    </p:tnLst>
-  </p:timing>
-</p:sld>
-</file>
-
-<file path=ppt/slides/slide4.xml><?xml version="1.0" encoding="utf-8"?>
-<p:sld xmlns:a="http://schemas.openxmlformats.org/drawingml/2006/main" xmlns:r="http://schemas.openxmlformats.org/officeDocument/2006/relationships" xmlns:p="http://schemas.openxmlformats.org/presentationml/2006/main">
-  <p:cSld>
-    <p:spTree>
-      <p:nvGrpSpPr>
-        <p:cNvPr id="1" name=""/>
-        <p:cNvGrpSpPr/>
-        <p:nvPr/>
-      </p:nvGrpSpPr>
-      <p:grpSpPr>
-        <a:xfrm>
-          <a:off x="0" y="0"/>
-          <a:ext cx="0" cy="0"/>
-          <a:chOff x="0" y="0"/>
-          <a:chExt cx="0" cy="0"/>
-        </a:xfrm>
-      </p:grpSpPr>
-      <p:sp>
-        <p:nvSpPr>
-          <p:cNvPr id="62" name="object 62"/>
-          <p:cNvSpPr txBox="1">
-            <a:spLocks noGrp="1"/>
-          </p:cNvSpPr>
-          <p:nvPr>
-            <p:ph type="title"/>
-          </p:nvPr>
-        </p:nvSpPr>
-        <p:spPr/>
-        <p:txBody>
-          <a:bodyPr/>
-          <a:lstStyle/>
-          <a:p>
-            <a:r>
-              <a:rPr lang="de-DE" dirty="0"/>
-              <a:t>SHAP Values (Lundberg </a:t>
-            </a:r>
-            <a:r>
-              <a:rPr lang="de-DE" dirty="0" err="1"/>
-              <a:t>and</a:t>
-            </a:r>
-            <a:r>
-              <a:rPr lang="de-DE" dirty="0"/>
-              <a:t> Lee 2017)</a:t>
-            </a:r>
-          </a:p>
-        </p:txBody>
-      </p:sp>
-      <p:sp>
-        <p:nvSpPr>
-          <p:cNvPr id="61" name="object 61"/>
-          <p:cNvSpPr txBox="1">
-            <a:spLocks noGrp="1"/>
-          </p:cNvSpPr>
-          <p:nvPr>
-            <p:ph type="body" idx="1"/>
-          </p:nvPr>
-        </p:nvSpPr>
-        <p:spPr>
-          <a:xfrm>
-            <a:off x="660797" y="1670372"/>
-            <a:ext cx="7367587" cy="1359346"/>
-          </a:xfrm>
-        </p:spPr>
-        <p:txBody>
-          <a:bodyPr/>
-          <a:lstStyle/>
-          <a:p>
-            <a:r>
-              <a:rPr lang="en-US" dirty="0"/>
-              <a:t>Enables </a:t>
-            </a:r>
-            <a:r>
-              <a:rPr lang="en-US" dirty="0" err="1"/>
-              <a:t>explainability</a:t>
-            </a:r>
-            <a:r>
-              <a:rPr lang="en-US" dirty="0"/>
-              <a:t> in Machine Learning models</a:t>
-            </a:r>
-          </a:p>
-          <a:p>
-            <a:r>
-              <a:rPr lang="en-US" dirty="0"/>
-              <a:t>Computes contribution of each variable to predicted values</a:t>
-            </a:r>
-          </a:p>
-          <a:p>
-            <a:r>
-              <a:rPr lang="en-US" dirty="0"/>
-              <a:t>Uses difference between prediction with and without variable (mean imputation)</a:t>
-            </a:r>
-          </a:p>
-          <a:p>
-            <a:r>
-              <a:rPr lang="en-US" dirty="0"/>
-              <a:t>Python implementation uses computationally faster algorithms</a:t>
-            </a:r>
-          </a:p>
-          <a:p>
-            <a:endParaRPr lang="en-US" dirty="0"/>
-          </a:p>
-        </p:txBody>
-      </p:sp>
-      <p:sp>
-        <p:nvSpPr>
-          <p:cNvPr id="114" name="Fußzeilenplatzhalter 113"/>
-          <p:cNvSpPr>
-            <a:spLocks noGrp="1"/>
-          </p:cNvSpPr>
-          <p:nvPr>
-            <p:ph type="ftr" sz="quarter" idx="3"/>
-          </p:nvPr>
-        </p:nvSpPr>
-        <p:spPr/>
-        <p:txBody>
-          <a:bodyPr/>
-          <a:lstStyle/>
-          <a:p>
-            <a:r>
-              <a:rPr lang="de-DE"/>
-              <a:t>The University of Göttingen – An Introduction</a:t>
-            </a:r>
-            <a:endParaRPr lang="de-DE" dirty="0"/>
-          </a:p>
-        </p:txBody>
-      </p:sp>
-      <p:sp>
-        <p:nvSpPr>
-          <p:cNvPr id="112" name="Datumsplatzhalter 111"/>
-          <p:cNvSpPr>
-            <a:spLocks noGrp="1"/>
-          </p:cNvSpPr>
-          <p:nvPr>
-            <p:ph type="dt" sz="half" idx="2"/>
-          </p:nvPr>
-        </p:nvSpPr>
-        <p:spPr/>
-        <p:txBody>
-          <a:bodyPr/>
-          <a:lstStyle/>
-          <a:p>
-            <a:fld id="{D304FED8-C979-F64B-90E4-24E76885865A}" type="datetime1">
-              <a:rPr lang="de-DE" smtClean="0"/>
-              <a:pPr/>
-              <a:t>17.02.22</a:t>
-            </a:fld>
-            <a:endParaRPr lang="en-US" dirty="0"/>
-          </a:p>
-        </p:txBody>
-      </p:sp>
-      <p:sp>
-        <p:nvSpPr>
-          <p:cNvPr id="113" name="Foliennummernplatzhalter 112"/>
-          <p:cNvSpPr>
-            <a:spLocks noGrp="1"/>
-          </p:cNvSpPr>
-          <p:nvPr>
-            <p:ph type="sldNum" sz="quarter" idx="4"/>
-          </p:nvPr>
-        </p:nvSpPr>
-        <p:spPr/>
-        <p:txBody>
-          <a:bodyPr/>
-          <a:lstStyle/>
-          <a:p>
-            <a:fld id="{B6F15528-21DE-4FAA-801E-634DDDAF4B2B}" type="slidenum">
-              <a:rPr lang="de-DE" smtClean="0"/>
-              <a:pPr/>
-              <a:t>4</a:t>
-            </a:fld>
-            <a:endParaRPr lang="de-DE" dirty="0"/>
-          </a:p>
-        </p:txBody>
-      </p:sp>
-      <p:sp>
-        <p:nvSpPr>
-          <p:cNvPr id="9" name="Textplatzhalter 8"/>
-          <p:cNvSpPr>
-            <a:spLocks noGrp="1"/>
-          </p:cNvSpPr>
-          <p:nvPr>
-            <p:ph type="body" sz="quarter" idx="4294967295"/>
-          </p:nvPr>
-        </p:nvSpPr>
-        <p:spPr>
-          <a:xfrm>
-            <a:off x="5965031" y="277937"/>
-            <a:ext cx="2839641" cy="276999"/>
-          </a:xfrm>
-        </p:spPr>
-        <p:txBody>
-          <a:bodyPr/>
-          <a:lstStyle/>
-          <a:p>
-            <a:endParaRPr lang="de-DE" dirty="0"/>
-          </a:p>
-        </p:txBody>
-      </p:sp>
-      <p:pic>
-        <p:nvPicPr>
-          <p:cNvPr id="7" name="Grafik 6">
-            <a:extLst>
-              <a:ext uri="{FF2B5EF4-FFF2-40B4-BE49-F238E27FC236}">
-                <a16:creationId xmlns:a16="http://schemas.microsoft.com/office/drawing/2014/main" id="{4690667B-5EA3-B94D-A923-8F6FFF26A756}"/>
-              </a:ext>
-            </a:extLst>
-          </p:cNvPr>
-          <p:cNvPicPr>
-            <a:picLocks noChangeAspect="1"/>
-          </p:cNvPicPr>
-          <p:nvPr/>
-        </p:nvPicPr>
-        <p:blipFill>
-          <a:blip r:embed="rId3"/>
-          <a:stretch>
-            <a:fillRect/>
-          </a:stretch>
-        </p:blipFill>
-        <p:spPr>
-          <a:xfrm>
-            <a:off x="933072" y="3249458"/>
-            <a:ext cx="6451779" cy="948791"/>
-          </a:xfrm>
-          <a:prstGeom prst="rect">
-            <a:avLst/>
-          </a:prstGeom>
-        </p:spPr>
-      </p:pic>
-    </p:spTree>
-    <p:extLst>
-      <p:ext uri="{BB962C8B-B14F-4D97-AF65-F5344CB8AC3E}">
-        <p14:creationId xmlns:p14="http://schemas.microsoft.com/office/powerpoint/2010/main" val="2207898101"/>
-      </p:ext>
-    </p:extLst>
-  </p:cSld>
-  <p:clrMapOvr>
-    <a:masterClrMapping/>
-  </p:clrMapOvr>
-  <p:transition>
-    <p:fade/>
-  </p:transition>
-</p:sld>
-</file>
-
-<file path=ppt/slides/slide5.xml><?xml version="1.0" encoding="utf-8"?>
-<p:sld xmlns:a="http://schemas.openxmlformats.org/drawingml/2006/main" xmlns:r="http://schemas.openxmlformats.org/officeDocument/2006/relationships" xmlns:p="http://schemas.openxmlformats.org/presentationml/2006/main">
-  <p:cSld>
-    <p:spTree>
-      <p:nvGrpSpPr>
-        <p:cNvPr id="1" name=""/>
-        <p:cNvGrpSpPr/>
-        <p:nvPr/>
-      </p:nvGrpSpPr>
-      <p:grpSpPr>
-        <a:xfrm>
-          <a:off x="0" y="0"/>
-          <a:ext cx="0" cy="0"/>
-          <a:chOff x="0" y="0"/>
-          <a:chExt cx="0" cy="0"/>
-        </a:xfrm>
-      </p:grpSpPr>
-      <p:sp>
-        <p:nvSpPr>
-          <p:cNvPr id="62" name="object 62"/>
-          <p:cNvSpPr txBox="1">
-            <a:spLocks noGrp="1"/>
-          </p:cNvSpPr>
-          <p:nvPr>
-            <p:ph type="title"/>
-          </p:nvPr>
-        </p:nvSpPr>
-        <p:spPr/>
-        <p:txBody>
-          <a:bodyPr/>
-          <a:lstStyle/>
-          <a:p>
-            <a:r>
-              <a:rPr lang="de-DE" dirty="0"/>
-              <a:t>Image Model</a:t>
-            </a:r>
-          </a:p>
-        </p:txBody>
-      </p:sp>
-      <p:sp>
-        <p:nvSpPr>
-          <p:cNvPr id="61" name="object 61"/>
-          <p:cNvSpPr txBox="1">
-            <a:spLocks noGrp="1"/>
-          </p:cNvSpPr>
-          <p:nvPr>
-            <p:ph type="body" idx="1"/>
-          </p:nvPr>
-        </p:nvSpPr>
-        <p:spPr>
-          <a:xfrm>
-            <a:off x="660797" y="1670372"/>
-            <a:ext cx="3315981" cy="2667397"/>
+            <a:ext cx="3911203" cy="2436564"/>
           </a:xfrm>
         </p:spPr>
         <p:txBody>
@@ -4616,7 +4415,7 @@
           <a:p>
             <a:r>
               <a:rPr lang="en-US" dirty="0"/>
-              <a:t>many imputations with black images</a:t>
+              <a:t>Many imputations with black images</a:t>
             </a:r>
           </a:p>
         </p:txBody>
@@ -4638,7 +4437,7 @@
           <a:p>
             <a:r>
               <a:rPr lang="de-DE"/>
-              <a:t>The University of Göttingen – An Introduction</a:t>
+              <a:t>AirBnB Dublin</a:t>
             </a:r>
             <a:endParaRPr lang="de-DE" dirty="0"/>
           </a:p>
@@ -4659,36 +4458,11 @@
           <a:bodyPr/>
           <a:lstStyle/>
           <a:p>
-            <a:fld id="{D304FED8-C979-F64B-90E4-24E76885865A}" type="datetime1">
+            <a:fld id="{02E8E8E4-C4B0-2E4C-AC58-4FDE97F142AC}" type="datetime1">
               <a:rPr lang="de-DE" smtClean="0"/>
-              <a:pPr/>
-              <a:t>17.02.22</a:t>
+              <a:t>19.02.22</a:t>
             </a:fld>
             <a:endParaRPr lang="en-US" dirty="0"/>
-          </a:p>
-        </p:txBody>
-      </p:sp>
-      <p:sp>
-        <p:nvSpPr>
-          <p:cNvPr id="113" name="Foliennummernplatzhalter 112"/>
-          <p:cNvSpPr>
-            <a:spLocks noGrp="1"/>
-          </p:cNvSpPr>
-          <p:nvPr>
-            <p:ph type="sldNum" sz="quarter" idx="4"/>
-          </p:nvPr>
-        </p:nvSpPr>
-        <p:spPr/>
-        <p:txBody>
-          <a:bodyPr/>
-          <a:lstStyle/>
-          <a:p>
-            <a:fld id="{B6F15528-21DE-4FAA-801E-634DDDAF4B2B}" type="slidenum">
-              <a:rPr lang="de-DE" smtClean="0"/>
-              <a:pPr/>
-              <a:t>5</a:t>
-            </a:fld>
-            <a:endParaRPr lang="de-DE" dirty="0"/>
           </a:p>
         </p:txBody>
       </p:sp>
@@ -4867,12 +4641,12 @@
                             </p:stCondLst>
                             <p:childTnLst>
                               <p:par>
-                                <p:cTn id="5" presetID="3" presetClass="exit" presetSubtype="10" fill="hold" nodeType="clickEffect">
+                                <p:cTn id="5" presetID="10" presetClass="exit" presetSubtype="0" fill="hold" nodeType="clickEffect">
                                   <p:stCondLst>
                                     <p:cond delay="0"/>
                                   </p:stCondLst>
                                   <p:childTnLst>
-                                    <p:animEffect transition="out" filter="blinds(horizontal)">
+                                    <p:animEffect transition="out" filter="fade">
                                       <p:cBhvr>
                                         <p:cTn id="6" dur="500"/>
                                         <p:tgtEl>
@@ -4902,9 +4676,9 @@
                                 </p:cTn>
                               </p:par>
                               <p:par>
-                                <p:cTn id="8" presetID="1" presetClass="entr" presetSubtype="0" fill="hold" nodeType="withEffect">
+                                <p:cTn id="8" presetID="10" presetClass="entr" presetSubtype="0" fill="hold" nodeType="withEffect">
                                   <p:stCondLst>
-                                    <p:cond delay="0"/>
+                                    <p:cond delay="500"/>
                                   </p:stCondLst>
                                   <p:childTnLst>
                                     <p:set>
@@ -4916,6 +4690,125 @@
                                         </p:cTn>
                                         <p:tgtEl>
                                           <p:spTgt spid="6"/>
+                                        </p:tgtEl>
+                                        <p:attrNameLst>
+                                          <p:attrName>style.visibility</p:attrName>
+                                        </p:attrNameLst>
+                                      </p:cBhvr>
+                                      <p:to>
+                                        <p:strVal val="visible"/>
+                                      </p:to>
+                                    </p:set>
+                                    <p:animEffect transition="in" filter="fade">
+                                      <p:cBhvr>
+                                        <p:cTn id="10" dur="500"/>
+                                        <p:tgtEl>
+                                          <p:spTgt spid="6"/>
+                                        </p:tgtEl>
+                                      </p:cBhvr>
+                                    </p:animEffect>
+                                  </p:childTnLst>
+                                </p:cTn>
+                              </p:par>
+                            </p:childTnLst>
+                          </p:cTn>
+                        </p:par>
+                      </p:childTnLst>
+                    </p:cTn>
+                  </p:par>
+                  <p:par>
+                    <p:cTn id="11" fill="hold">
+                      <p:stCondLst>
+                        <p:cond delay="indefinite"/>
+                      </p:stCondLst>
+                      <p:childTnLst>
+                        <p:par>
+                          <p:cTn id="12" fill="hold">
+                            <p:stCondLst>
+                              <p:cond delay="0"/>
+                            </p:stCondLst>
+                            <p:childTnLst>
+                              <p:par>
+                                <p:cTn id="13" presetID="1" presetClass="entr" presetSubtype="0" fill="hold" nodeType="clickEffect">
+                                  <p:stCondLst>
+                                    <p:cond delay="0"/>
+                                  </p:stCondLst>
+                                  <p:childTnLst>
+                                    <p:set>
+                                      <p:cBhvr>
+                                        <p:cTn id="14" dur="1" fill="hold">
+                                          <p:stCondLst>
+                                            <p:cond delay="0"/>
+                                          </p:stCondLst>
+                                        </p:cTn>
+                                        <p:tgtEl>
+                                          <p:spTgt spid="61">
+                                            <p:txEl>
+                                              <p:pRg st="5" end="5"/>
+                                            </p:txEl>
+                                          </p:spTgt>
+                                        </p:tgtEl>
+                                        <p:attrNameLst>
+                                          <p:attrName>style.visibility</p:attrName>
+                                        </p:attrNameLst>
+                                      </p:cBhvr>
+                                      <p:to>
+                                        <p:strVal val="visible"/>
+                                      </p:to>
+                                    </p:set>
+                                  </p:childTnLst>
+                                </p:cTn>
+                              </p:par>
+                              <p:par>
+                                <p:cTn id="15" presetID="1" presetClass="entr" presetSubtype="0" fill="hold" nodeType="withEffect">
+                                  <p:stCondLst>
+                                    <p:cond delay="0"/>
+                                  </p:stCondLst>
+                                  <p:childTnLst>
+                                    <p:set>
+                                      <p:cBhvr>
+                                        <p:cTn id="16" dur="1" fill="hold">
+                                          <p:stCondLst>
+                                            <p:cond delay="0"/>
+                                          </p:stCondLst>
+                                        </p:cTn>
+                                        <p:tgtEl>
+                                          <p:spTgt spid="61">
+                                            <p:txEl>
+                                              <p:pRg st="6" end="6"/>
+                                            </p:txEl>
+                                          </p:spTgt>
+                                        </p:tgtEl>
+                                        <p:attrNameLst>
+                                          <p:attrName>style.visibility</p:attrName>
+                                        </p:attrNameLst>
+                                      </p:cBhvr>
+                                      <p:to>
+                                        <p:strVal val="visible"/>
+                                      </p:to>
+                                    </p:set>
+                                  </p:childTnLst>
+                                </p:cTn>
+                              </p:par>
+                              <p:par>
+                                <p:cTn id="17" presetID="1" presetClass="entr" presetSubtype="0" fill="hold" nodeType="withEffect">
+                                  <p:stCondLst>
+                                    <p:cond delay="0"/>
+                                  </p:stCondLst>
+                                  <p:childTnLst>
+                                    <p:set>
+                                      <p:cBhvr>
+                                        <p:cTn id="18" dur="1" fill="hold">
+                                          <p:stCondLst>
+                                            <p:cond delay="0"/>
+                                          </p:stCondLst>
+                                        </p:cTn>
+                                        <p:tgtEl>
+                                          <p:spTgt spid="61">
+                                            <p:txEl>
+                                              <p:pRg st="7" end="7"/>
+                                            </p:txEl>
+                                          </p:spTgt>
                                         </p:tgtEl>
                                         <p:attrNameLst>
                                           <p:attrName>style.visibility</p:attrName>
@@ -4959,7 +4852,7 @@
 </p:sld>
 </file>
 
-<file path=ppt/slides/slide6.xml><?xml version="1.0" encoding="utf-8"?>
+<file path=ppt/slides/slide11.xml><?xml version="1.0" encoding="utf-8"?>
 <p:sld xmlns:a="http://schemas.openxmlformats.org/drawingml/2006/main" xmlns:r="http://schemas.openxmlformats.org/officeDocument/2006/relationships" xmlns:p="http://schemas.openxmlformats.org/presentationml/2006/main">
   <p:cSld>
     <p:spTree>
@@ -4976,6 +4869,473 @@
           <a:chExt cx="0" cy="0"/>
         </a:xfrm>
       </p:grpSpPr>
+      <mc:AlternateContent xmlns:mc="http://schemas.openxmlformats.org/markup-compatibility/2006" xmlns:a14="http://schemas.microsoft.com/office/drawing/2010/main">
+        <mc:Choice Requires="a14">
+          <p:sp>
+            <p:nvSpPr>
+              <p:cNvPr id="61" name="object 61"/>
+              <p:cNvSpPr txBox="1">
+                <a:spLocks noGrp="1"/>
+              </p:cNvSpPr>
+              <p:nvPr>
+                <p:ph type="body" idx="1"/>
+              </p:nvPr>
+            </p:nvSpPr>
+            <p:spPr>
+              <a:xfrm>
+                <a:off x="660797" y="1670372"/>
+                <a:ext cx="4199235" cy="3693319"/>
+              </a:xfrm>
+            </p:spPr>
+            <p:txBody>
+              <a:bodyPr/>
+              <a:lstStyle/>
+              <a:p>
+                <a:r>
+                  <a:rPr lang="en-US" dirty="0"/>
+                  <a:t>Exhaustive grid search with 5-fold CV</a:t>
+                </a:r>
+                <a:br>
+                  <a:rPr lang="en-US" dirty="0"/>
+                </a:br>
+                <a:endParaRPr lang="en-US" dirty="0"/>
+              </a:p>
+              <a:p>
+                <a:r>
+                  <a:rPr lang="en-US" dirty="0"/>
+                  <a:t>Ensure interpretability using SHAP values</a:t>
+                </a:r>
+              </a:p>
+              <a:p>
+                <a:endParaRPr lang="en-US" dirty="0"/>
+              </a:p>
+              <a:p>
+                <a:r>
+                  <a:rPr lang="en-US" dirty="0"/>
+                  <a:t>Nothing special here – let’s look at the results</a:t>
+                </a:r>
+              </a:p>
+              <a:p>
+                <a:endParaRPr lang="en-US" dirty="0"/>
+              </a:p>
+              <a:p>
+                <a:r>
+                  <a:rPr lang="en-US" dirty="0"/>
+                  <a:t>First things first – Metrics on best fold:</a:t>
+                </a:r>
+              </a:p>
+              <a:p>
+                <a:pPr indent="0">
+                  <a:buNone/>
+                </a:pPr>
+                <a:br>
+                  <a:rPr lang="en-US" dirty="0"/>
+                </a:br>
+                <a:r>
+                  <a:rPr lang="en-US" dirty="0"/>
+                  <a:t>		MSE Validation:	0.151</a:t>
+                </a:r>
+                <a:br>
+                  <a:rPr lang="en-US" dirty="0"/>
+                </a:br>
+                <a:r>
+                  <a:rPr lang="en-US" dirty="0"/>
+                  <a:t>		</a:t>
+                </a:r>
+                <a14:m>
+                  <m:oMath xmlns:m="http://schemas.openxmlformats.org/officeDocument/2006/math">
+                    <m:sSup>
+                      <m:sSupPr>
+                        <m:ctrlPr>
+                          <a:rPr lang="de-DE" b="0" i="1" smtClean="0">
+                            <a:latin typeface="Cambria Math" panose="02040503050406030204" pitchFamily="18" charset="0"/>
+                          </a:rPr>
+                        </m:ctrlPr>
+                      </m:sSupPr>
+                      <m:e>
+                        <m:r>
+                          <a:rPr lang="de-DE" b="0" i="1" smtClean="0">
+                            <a:latin typeface="Cambria Math" panose="02040503050406030204" pitchFamily="18" charset="0"/>
+                          </a:rPr>
+                          <m:t>𝑅</m:t>
+                        </m:r>
+                      </m:e>
+                      <m:sup>
+                        <m:r>
+                          <a:rPr lang="de-DE" b="0" i="1" smtClean="0">
+                            <a:latin typeface="Cambria Math" panose="02040503050406030204" pitchFamily="18" charset="0"/>
+                          </a:rPr>
+                          <m:t>2</m:t>
+                        </m:r>
+                      </m:sup>
+                    </m:sSup>
+                  </m:oMath>
+                </a14:m>
+                <a:r>
+                  <a:rPr lang="en-US" dirty="0"/>
+                  <a:t> Validation:	0.646</a:t>
+                </a:r>
+              </a:p>
+              <a:p>
+                <a:pPr indent="0">
+                  <a:buNone/>
+                </a:pPr>
+                <a:r>
+                  <a:rPr lang="en-US" dirty="0"/>
+                  <a:t>		MSE Test:			0.152</a:t>
+                </a:r>
+                <a:br>
+                  <a:rPr lang="en-US" dirty="0"/>
+                </a:br>
+                <a:r>
+                  <a:rPr lang="en-US" dirty="0"/>
+                  <a:t>		</a:t>
+                </a:r>
+                <a14:m>
+                  <m:oMath xmlns:m="http://schemas.openxmlformats.org/officeDocument/2006/math">
+                    <m:sSup>
+                      <m:sSupPr>
+                        <m:ctrlPr>
+                          <a:rPr lang="de-DE" i="1">
+                            <a:latin typeface="Cambria Math" panose="02040503050406030204" pitchFamily="18" charset="0"/>
+                          </a:rPr>
+                        </m:ctrlPr>
+                      </m:sSupPr>
+                      <m:e>
+                        <m:r>
+                          <a:rPr lang="de-DE" i="1">
+                            <a:latin typeface="Cambria Math" panose="02040503050406030204" pitchFamily="18" charset="0"/>
+                          </a:rPr>
+                          <m:t>𝑅</m:t>
+                        </m:r>
+                      </m:e>
+                      <m:sup>
+                        <m:r>
+                          <a:rPr lang="de-DE" i="1">
+                            <a:latin typeface="Cambria Math" panose="02040503050406030204" pitchFamily="18" charset="0"/>
+                          </a:rPr>
+                          <m:t>2</m:t>
+                        </m:r>
+                      </m:sup>
+                    </m:sSup>
+                  </m:oMath>
+                </a14:m>
+                <a:r>
+                  <a:rPr lang="en-US" dirty="0"/>
+                  <a:t> Test:			0.618</a:t>
+                </a:r>
+              </a:p>
+              <a:p>
+                <a:endParaRPr lang="en-US" dirty="0"/>
+              </a:p>
+              <a:p>
+                <a:endParaRPr lang="en-US" dirty="0"/>
+              </a:p>
+            </p:txBody>
+          </p:sp>
+        </mc:Choice>
+        <mc:Fallback xmlns="">
+          <p:sp>
+            <p:nvSpPr>
+              <p:cNvPr id="61" name="object 61"/>
+              <p:cNvSpPr txBox="1">
+                <a:spLocks noGrp="1" noRot="1" noChangeAspect="1" noMove="1" noResize="1" noEditPoints="1" noAdjustHandles="1" noChangeArrowheads="1" noChangeShapeType="1" noTextEdit="1"/>
+              </p:cNvSpPr>
+              <p:nvPr>
+                <p:ph type="body" idx="1"/>
+              </p:nvPr>
+            </p:nvSpPr>
+            <p:spPr>
+              <a:xfrm>
+                <a:off x="660797" y="1670372"/>
+                <a:ext cx="4199235" cy="3693319"/>
+              </a:xfrm>
+              <a:blipFill>
+                <a:blip r:embed="rId3"/>
+                <a:stretch>
+                  <a:fillRect l="-2410" t="-1712"/>
+                </a:stretch>
+              </a:blipFill>
+            </p:spPr>
+            <p:txBody>
+              <a:bodyPr/>
+              <a:lstStyle/>
+              <a:p>
+                <a:r>
+                  <a:rPr lang="de-DE">
+                    <a:noFill/>
+                  </a:rPr>
+                  <a:t> </a:t>
+                </a:r>
+              </a:p>
+            </p:txBody>
+          </p:sp>
+        </mc:Fallback>
+      </mc:AlternateContent>
+      <p:sp>
+        <p:nvSpPr>
+          <p:cNvPr id="114" name="Fußzeilenplatzhalter 113"/>
+          <p:cNvSpPr>
+            <a:spLocks noGrp="1"/>
+          </p:cNvSpPr>
+          <p:nvPr>
+            <p:ph type="ftr" sz="quarter" idx="3"/>
+          </p:nvPr>
+        </p:nvSpPr>
+        <p:spPr/>
+        <p:txBody>
+          <a:bodyPr/>
+          <a:lstStyle/>
+          <a:p>
+            <a:r>
+              <a:rPr lang="de-DE"/>
+              <a:t>AirBnB Dublin</a:t>
+            </a:r>
+            <a:endParaRPr lang="de-DE" dirty="0"/>
+          </a:p>
+        </p:txBody>
+      </p:sp>
+      <p:sp>
+        <p:nvSpPr>
+          <p:cNvPr id="112" name="Datumsplatzhalter 111"/>
+          <p:cNvSpPr>
+            <a:spLocks noGrp="1"/>
+          </p:cNvSpPr>
+          <p:nvPr>
+            <p:ph type="dt" sz="half" idx="2"/>
+          </p:nvPr>
+        </p:nvSpPr>
+        <p:spPr/>
+        <p:txBody>
+          <a:bodyPr/>
+          <a:lstStyle/>
+          <a:p>
+            <a:fld id="{043D31BB-9AE4-DB4F-BDC4-0A412B22C33E}" type="datetime1">
+              <a:rPr lang="de-DE" smtClean="0"/>
+              <a:t>19.02.22</a:t>
+            </a:fld>
+            <a:endParaRPr lang="en-US" dirty="0"/>
+          </a:p>
+        </p:txBody>
+      </p:sp>
+      <p:sp>
+        <p:nvSpPr>
+          <p:cNvPr id="9" name="Textplatzhalter 8"/>
+          <p:cNvSpPr>
+            <a:spLocks noGrp="1"/>
+          </p:cNvSpPr>
+          <p:nvPr>
+            <p:ph type="body" sz="quarter" idx="4294967295"/>
+          </p:nvPr>
+        </p:nvSpPr>
+        <p:spPr>
+          <a:xfrm>
+            <a:off x="5965031" y="277937"/>
+            <a:ext cx="2839641" cy="276999"/>
+          </a:xfrm>
+        </p:spPr>
+        <p:txBody>
+          <a:bodyPr/>
+          <a:lstStyle/>
+          <a:p>
+            <a:endParaRPr lang="de-DE" dirty="0"/>
+          </a:p>
+        </p:txBody>
+      </p:sp>
+      <mc:AlternateContent xmlns:mc="http://schemas.openxmlformats.org/markup-compatibility/2006" xmlns:pslz="http://schemas.microsoft.com/office/powerpoint/2016/slidezoom">
+        <mc:Choice Requires="pslz">
+          <p:graphicFrame>
+            <p:nvGraphicFramePr>
+              <p:cNvPr id="7" name="Folienzoom 6">
+                <a:extLst>
+                  <a:ext uri="{FF2B5EF4-FFF2-40B4-BE49-F238E27FC236}">
+                    <a16:creationId xmlns:a16="http://schemas.microsoft.com/office/drawing/2014/main" id="{5E1514C6-2C9F-404D-BBA7-0873A35D3160}"/>
+                  </a:ext>
+                </a:extLst>
+              </p:cNvPr>
+              <p:cNvGraphicFramePr>
+                <a:graphicFrameLocks noChangeAspect="1"/>
+              </p:cNvGraphicFramePr>
+              <p:nvPr>
+                <p:extLst>
+                  <p:ext uri="{D42A27DB-BD31-4B8C-83A1-F6EECF244321}">
+                    <p14:modId xmlns:p14="http://schemas.microsoft.com/office/powerpoint/2010/main" val="762141802"/>
+                  </p:ext>
+                </p:extLst>
+              </p:nvPr>
+            </p:nvGraphicFramePr>
+            <p:xfrm>
+              <a:off x="5696111" y="1672864"/>
+              <a:ext cx="2286000" cy="1285875"/>
+            </p:xfrm>
+            <a:graphic>
+              <a:graphicData uri="http://schemas.microsoft.com/office/powerpoint/2016/slidezoom">
+                <pslz:sldZm>
+                  <pslz:sldZmObj sldId="290" cId="862829638">
+                    <pslz:zmPr id="{A6DB4948-36E8-ED44-8B81-AC4F0430CC44}" returnToParent="0" transitionDur="1000">
+                      <p166:blipFill xmlns:p166="http://schemas.microsoft.com/office/powerpoint/2016/6/main">
+                        <a:blip r:embed="rId4"/>
+                        <a:stretch>
+                          <a:fillRect/>
+                        </a:stretch>
+                      </p166:blipFill>
+                      <p166:spPr xmlns:p166="http://schemas.microsoft.com/office/powerpoint/2016/6/main">
+                        <a:xfrm>
+                          <a:off x="0" y="0"/>
+                          <a:ext cx="2286000" cy="1285875"/>
+                        </a:xfrm>
+                        <a:prstGeom prst="rect">
+                          <a:avLst/>
+                        </a:prstGeom>
+                        <a:ln w="3175">
+                          <a:solidFill>
+                            <a:prstClr val="ltGray"/>
+                          </a:solidFill>
+                        </a:ln>
+                      </p166:spPr>
+                    </pslz:zmPr>
+                  </pslz:sldZmObj>
+                </pslz:sldZm>
+              </a:graphicData>
+            </a:graphic>
+          </p:graphicFrame>
+        </mc:Choice>
+        <mc:Fallback xmlns="">
+          <p:pic>
+            <p:nvPicPr>
+              <p:cNvPr id="7" name="Folienzoom 6">
+                <a:hlinkClick r:id="rId5" action="ppaction://hlinksldjump"/>
+                <a:extLst>
+                  <a:ext uri="{FF2B5EF4-FFF2-40B4-BE49-F238E27FC236}">
+                    <a16:creationId xmlns:a16="http://schemas.microsoft.com/office/drawing/2014/main" id="{5E1514C6-2C9F-404D-BBA7-0873A35D3160}"/>
+                  </a:ext>
+                </a:extLst>
+              </p:cNvPr>
+              <p:cNvPicPr>
+                <a:picLocks noGrp="1" noRot="1" noChangeAspect="1" noMove="1" noResize="1" noEditPoints="1" noAdjustHandles="1" noChangeArrowheads="1" noChangeShapeType="1"/>
+              </p:cNvPicPr>
+              <p:nvPr/>
+            </p:nvPicPr>
+            <p:blipFill>
+              <a:blip r:embed="rId6"/>
+              <a:stretch>
+                <a:fillRect/>
+              </a:stretch>
+            </p:blipFill>
+            <p:spPr>
+              <a:xfrm>
+                <a:off x="5696111" y="1672864"/>
+                <a:ext cx="2286000" cy="1285875"/>
+              </a:xfrm>
+              <a:prstGeom prst="rect">
+                <a:avLst/>
+              </a:prstGeom>
+              <a:ln w="3175">
+                <a:solidFill>
+                  <a:prstClr val="ltGray"/>
+                </a:solidFill>
+              </a:ln>
+            </p:spPr>
+          </p:pic>
+        </mc:Fallback>
+      </mc:AlternateContent>
+      <mc:AlternateContent xmlns:mc="http://schemas.openxmlformats.org/markup-compatibility/2006" xmlns:pslz="http://schemas.microsoft.com/office/powerpoint/2016/slidezoom">
+        <mc:Choice Requires="pslz">
+          <p:graphicFrame>
+            <p:nvGraphicFramePr>
+              <p:cNvPr id="10" name="Folienzoom 9">
+                <a:extLst>
+                  <a:ext uri="{FF2B5EF4-FFF2-40B4-BE49-F238E27FC236}">
+                    <a16:creationId xmlns:a16="http://schemas.microsoft.com/office/drawing/2014/main" id="{AD081658-9F8B-1646-BA6F-A6FD4DBA6747}"/>
+                  </a:ext>
+                </a:extLst>
+              </p:cNvPr>
+              <p:cNvGraphicFramePr>
+                <a:graphicFrameLocks noChangeAspect="1"/>
+              </p:cNvGraphicFramePr>
+              <p:nvPr>
+                <p:extLst>
+                  <p:ext uri="{D42A27DB-BD31-4B8C-83A1-F6EECF244321}">
+                    <p14:modId xmlns:p14="http://schemas.microsoft.com/office/powerpoint/2010/main" val="2303339000"/>
+                  </p:ext>
+                </p:extLst>
+              </p:nvPr>
+            </p:nvGraphicFramePr>
+            <p:xfrm>
+              <a:off x="5696111" y="3142132"/>
+              <a:ext cx="2286000" cy="1285875"/>
+            </p:xfrm>
+            <a:graphic>
+              <a:graphicData uri="http://schemas.microsoft.com/office/powerpoint/2016/slidezoom">
+                <pslz:sldZm>
+                  <pslz:sldZmObj sldId="291" cId="3236910982">
+                    <pslz:zmPr id="{6D76109E-2D39-1243-94EE-28701D9B171D}" returnToParent="0" transitionDur="1000">
+                      <p166:blipFill xmlns:p166="http://schemas.microsoft.com/office/powerpoint/2016/6/main">
+                        <a:blip r:embed="rId7"/>
+                        <a:stretch>
+                          <a:fillRect/>
+                        </a:stretch>
+                      </p166:blipFill>
+                      <p166:spPr xmlns:p166="http://schemas.microsoft.com/office/powerpoint/2016/6/main">
+                        <a:xfrm>
+                          <a:off x="0" y="0"/>
+                          <a:ext cx="2286000" cy="1285875"/>
+                        </a:xfrm>
+                        <a:prstGeom prst="rect">
+                          <a:avLst/>
+                        </a:prstGeom>
+                        <a:ln w="3175">
+                          <a:solidFill>
+                            <a:prstClr val="ltGray"/>
+                          </a:solidFill>
+                        </a:ln>
+                      </p166:spPr>
+                    </pslz:zmPr>
+                  </pslz:sldZmObj>
+                </pslz:sldZm>
+              </a:graphicData>
+            </a:graphic>
+          </p:graphicFrame>
+        </mc:Choice>
+        <mc:Fallback xmlns="">
+          <p:pic>
+            <p:nvPicPr>
+              <p:cNvPr id="10" name="Folienzoom 9">
+                <a:hlinkClick r:id="rId8" action="ppaction://hlinksldjump"/>
+                <a:extLst>
+                  <a:ext uri="{FF2B5EF4-FFF2-40B4-BE49-F238E27FC236}">
+                    <a16:creationId xmlns:a16="http://schemas.microsoft.com/office/drawing/2014/main" id="{AD081658-9F8B-1646-BA6F-A6FD4DBA6747}"/>
+                  </a:ext>
+                </a:extLst>
+              </p:cNvPr>
+              <p:cNvPicPr>
+                <a:picLocks noGrp="1" noRot="1" noChangeAspect="1" noMove="1" noResize="1" noEditPoints="1" noAdjustHandles="1" noChangeArrowheads="1" noChangeShapeType="1"/>
+              </p:cNvPicPr>
+              <p:nvPr/>
+            </p:nvPicPr>
+            <p:blipFill>
+              <a:blip r:embed="rId9"/>
+              <a:stretch>
+                <a:fillRect/>
+              </a:stretch>
+            </p:blipFill>
+            <p:spPr>
+              <a:xfrm>
+                <a:off x="5696111" y="3142132"/>
+                <a:ext cx="2286000" cy="1285875"/>
+              </a:xfrm>
+              <a:prstGeom prst="rect">
+                <a:avLst/>
+              </a:prstGeom>
+              <a:ln w="3175">
+                <a:solidFill>
+                  <a:prstClr val="ltGray"/>
+                </a:solidFill>
+              </a:ln>
+            </p:spPr>
+          </p:pic>
+        </mc:Fallback>
+      </mc:AlternateContent>
       <p:sp>
         <p:nvSpPr>
           <p:cNvPr id="62" name="object 62"/>
@@ -4992,15 +5352,1096 @@
           <a:lstStyle/>
           <a:p>
             <a:r>
+              <a:rPr lang="de-DE" dirty="0" err="1"/>
+              <a:t>XGBoost</a:t>
+            </a:r>
+            <a:r>
               <a:rPr lang="de-DE" dirty="0"/>
-              <a:t>References</a:t>
-            </a:r>
-          </a:p>
-        </p:txBody>
-      </p:sp>
-      <p:sp>
-        <p:nvSpPr>
-          <p:cNvPr id="61" name="object 61"/>
+              <a:t>* Model</a:t>
+            </a:r>
+          </a:p>
+        </p:txBody>
+      </p:sp>
+      <p:sp>
+        <p:nvSpPr>
+          <p:cNvPr id="16" name="Textfeld 15">
+            <a:extLst>
+              <a:ext uri="{FF2B5EF4-FFF2-40B4-BE49-F238E27FC236}">
+                <a16:creationId xmlns:a16="http://schemas.microsoft.com/office/drawing/2014/main" id="{31BEA1DB-92DE-B848-8C2D-4D0ECBA6EDD2}"/>
+              </a:ext>
+            </a:extLst>
+          </p:cNvPr>
+          <p:cNvSpPr txBox="1"/>
+          <p:nvPr/>
+        </p:nvSpPr>
+        <p:spPr>
+          <a:xfrm>
+            <a:off x="7892914" y="4542865"/>
+            <a:ext cx="2698561" cy="215444"/>
+          </a:xfrm>
+          <a:prstGeom prst="rect">
+            <a:avLst/>
+          </a:prstGeom>
+          <a:noFill/>
+          <a:ln>
+            <a:noFill/>
+          </a:ln>
+        </p:spPr>
+        <p:txBody>
+          <a:bodyPr wrap="square" rtlCol="0">
+            <a:spAutoFit/>
+          </a:bodyPr>
+          <a:lstStyle/>
+          <a:p>
+            <a:r>
+              <a:rPr lang="de-DE" sz="800" dirty="0"/>
+              <a:t>* Chen </a:t>
+            </a:r>
+            <a:r>
+              <a:rPr lang="de-DE" sz="800" dirty="0" err="1"/>
+              <a:t>and</a:t>
+            </a:r>
+            <a:r>
+              <a:rPr lang="de-DE" sz="800" dirty="0"/>
+              <a:t> </a:t>
+            </a:r>
+            <a:r>
+              <a:rPr lang="de-DE" sz="800" dirty="0" err="1"/>
+              <a:t>Guestrin</a:t>
+            </a:r>
+            <a:r>
+              <a:rPr lang="de-DE" sz="800" dirty="0"/>
+              <a:t> 2016</a:t>
+            </a:r>
+          </a:p>
+        </p:txBody>
+      </p:sp>
+    </p:spTree>
+    <p:extLst>
+      <p:ext uri="{BB962C8B-B14F-4D97-AF65-F5344CB8AC3E}">
+        <p14:creationId xmlns:p14="http://schemas.microsoft.com/office/powerpoint/2010/main" val="1423937661"/>
+      </p:ext>
+    </p:extLst>
+  </p:cSld>
+  <p:clrMapOvr>
+    <a:masterClrMapping/>
+  </p:clrMapOvr>
+  <p:transition>
+    <p:fade/>
+  </p:transition>
+</p:sld>
+</file>
+
+<file path=ppt/slides/slide12.xml><?xml version="1.0" encoding="utf-8"?>
+<p:sld xmlns:a="http://schemas.openxmlformats.org/drawingml/2006/main" xmlns:r="http://schemas.openxmlformats.org/officeDocument/2006/relationships" xmlns:p="http://schemas.openxmlformats.org/presentationml/2006/main">
+  <p:cSld>
+    <p:spTree>
+      <p:nvGrpSpPr>
+        <p:cNvPr id="1" name=""/>
+        <p:cNvGrpSpPr/>
+        <p:nvPr/>
+      </p:nvGrpSpPr>
+      <p:grpSpPr>
+        <a:xfrm>
+          <a:off x="0" y="0"/>
+          <a:ext cx="0" cy="0"/>
+          <a:chOff x="0" y="0"/>
+          <a:chExt cx="0" cy="0"/>
+        </a:xfrm>
+      </p:grpSpPr>
+      <p:sp>
+        <p:nvSpPr>
+          <p:cNvPr id="114" name="Fußzeilenplatzhalter 113"/>
+          <p:cNvSpPr>
+            <a:spLocks noGrp="1"/>
+          </p:cNvSpPr>
+          <p:nvPr>
+            <p:ph type="ftr" sz="quarter" idx="3"/>
+          </p:nvPr>
+        </p:nvSpPr>
+        <p:spPr/>
+        <p:txBody>
+          <a:bodyPr/>
+          <a:lstStyle/>
+          <a:p>
+            <a:r>
+              <a:rPr lang="de-DE"/>
+              <a:t>AirBnB Dublin</a:t>
+            </a:r>
+            <a:endParaRPr lang="de-DE" dirty="0"/>
+          </a:p>
+        </p:txBody>
+      </p:sp>
+      <p:sp>
+        <p:nvSpPr>
+          <p:cNvPr id="112" name="Datumsplatzhalter 111"/>
+          <p:cNvSpPr>
+            <a:spLocks noGrp="1"/>
+          </p:cNvSpPr>
+          <p:nvPr>
+            <p:ph type="dt" sz="half" idx="2"/>
+          </p:nvPr>
+        </p:nvSpPr>
+        <p:spPr/>
+        <p:txBody>
+          <a:bodyPr/>
+          <a:lstStyle/>
+          <a:p>
+            <a:fld id="{8D2A2E99-01C4-EF4B-81E4-755BE9571950}" type="datetime1">
+              <a:rPr lang="de-DE" smtClean="0"/>
+              <a:t>19.02.22</a:t>
+            </a:fld>
+            <a:endParaRPr lang="en-US" dirty="0"/>
+          </a:p>
+        </p:txBody>
+      </p:sp>
+      <p:sp>
+        <p:nvSpPr>
+          <p:cNvPr id="9" name="Textplatzhalter 8"/>
+          <p:cNvSpPr>
+            <a:spLocks noGrp="1"/>
+          </p:cNvSpPr>
+          <p:nvPr>
+            <p:ph type="body" sz="quarter" idx="4294967295"/>
+          </p:nvPr>
+        </p:nvSpPr>
+        <p:spPr>
+          <a:xfrm>
+            <a:off x="5965031" y="277937"/>
+            <a:ext cx="2839641" cy="276999"/>
+          </a:xfrm>
+        </p:spPr>
+        <p:txBody>
+          <a:bodyPr/>
+          <a:lstStyle/>
+          <a:p>
+            <a:endParaRPr lang="de-DE" dirty="0"/>
+          </a:p>
+        </p:txBody>
+      </p:sp>
+      <p:pic>
+        <p:nvPicPr>
+          <p:cNvPr id="3" name="Grafik 2" descr="Ein Bild, das Text enthält.&#10;&#10;Automatisch generierte Beschreibung">
+            <a:extLst>
+              <a:ext uri="{FF2B5EF4-FFF2-40B4-BE49-F238E27FC236}">
+                <a16:creationId xmlns:a16="http://schemas.microsoft.com/office/drawing/2014/main" id="{EA4E395C-545C-D04C-A4DA-3E501BDCDA0E}"/>
+              </a:ext>
+            </a:extLst>
+          </p:cNvPr>
+          <p:cNvPicPr>
+            <a:picLocks noChangeAspect="1"/>
+          </p:cNvPicPr>
+          <p:nvPr/>
+        </p:nvPicPr>
+        <p:blipFill>
+          <a:blip r:embed="rId3">
+            <a:extLst>
+              <a:ext uri="{28A0092B-C50C-407E-A947-70E740481C1C}">
+                <a14:useLocalDpi xmlns:a14="http://schemas.microsoft.com/office/drawing/2010/main" val="0"/>
+              </a:ext>
+            </a:extLst>
+          </a:blip>
+          <a:stretch>
+            <a:fillRect/>
+          </a:stretch>
+        </p:blipFill>
+        <p:spPr>
+          <a:xfrm>
+            <a:off x="-21066" y="996703"/>
+            <a:ext cx="4278689" cy="3313483"/>
+          </a:xfrm>
+          <a:prstGeom prst="rect">
+            <a:avLst/>
+          </a:prstGeom>
+        </p:spPr>
+      </p:pic>
+      <p:pic>
+        <p:nvPicPr>
+          <p:cNvPr id="5" name="Grafik 4">
+            <a:extLst>
+              <a:ext uri="{FF2B5EF4-FFF2-40B4-BE49-F238E27FC236}">
+                <a16:creationId xmlns:a16="http://schemas.microsoft.com/office/drawing/2014/main" id="{A7D7ADAC-8C50-6946-ACEF-BDBE4E8B1122}"/>
+              </a:ext>
+            </a:extLst>
+          </p:cNvPr>
+          <p:cNvPicPr>
+            <a:picLocks noChangeAspect="1"/>
+          </p:cNvPicPr>
+          <p:nvPr/>
+        </p:nvPicPr>
+        <p:blipFill>
+          <a:blip r:embed="rId4">
+            <a:extLst>
+              <a:ext uri="{28A0092B-C50C-407E-A947-70E740481C1C}">
+                <a14:useLocalDpi xmlns:a14="http://schemas.microsoft.com/office/drawing/2010/main" val="0"/>
+              </a:ext>
+            </a:extLst>
+          </a:blip>
+          <a:stretch>
+            <a:fillRect/>
+          </a:stretch>
+        </p:blipFill>
+        <p:spPr>
+          <a:xfrm>
+            <a:off x="4537965" y="911498"/>
+            <a:ext cx="4198727" cy="3420960"/>
+          </a:xfrm>
+          <a:prstGeom prst="rect">
+            <a:avLst/>
+          </a:prstGeom>
+        </p:spPr>
+      </p:pic>
+      <p:sp>
+        <p:nvSpPr>
+          <p:cNvPr id="6" name="Textfeld 5">
+            <a:extLst>
+              <a:ext uri="{FF2B5EF4-FFF2-40B4-BE49-F238E27FC236}">
+                <a16:creationId xmlns:a16="http://schemas.microsoft.com/office/drawing/2014/main" id="{2789AC47-326D-6E4A-8BF9-59EFDF947A5B}"/>
+              </a:ext>
+            </a:extLst>
+          </p:cNvPr>
+          <p:cNvSpPr txBox="1"/>
+          <p:nvPr/>
+        </p:nvSpPr>
+        <p:spPr>
+          <a:xfrm>
+            <a:off x="1547664" y="4331287"/>
+            <a:ext cx="2504998" cy="261610"/>
+          </a:xfrm>
+          <a:prstGeom prst="rect">
+            <a:avLst/>
+          </a:prstGeom>
+          <a:noFill/>
+        </p:spPr>
+        <p:txBody>
+          <a:bodyPr wrap="square" rtlCol="0">
+            <a:spAutoFit/>
+          </a:bodyPr>
+          <a:lstStyle/>
+          <a:p>
+            <a:r>
+              <a:rPr lang="de-DE" dirty="0"/>
+              <a:t>Private </a:t>
+            </a:r>
+            <a:r>
+              <a:rPr lang="de-DE" dirty="0" err="1"/>
+              <a:t>room</a:t>
+            </a:r>
+            <a:r>
+              <a:rPr lang="de-DE" dirty="0"/>
+              <a:t>, </a:t>
+            </a:r>
+            <a:r>
+              <a:rPr lang="de-DE" dirty="0" err="1"/>
+              <a:t>accommodates</a:t>
+            </a:r>
+            <a:r>
+              <a:rPr lang="de-DE" dirty="0"/>
+              <a:t> 1</a:t>
+            </a:r>
+          </a:p>
+        </p:txBody>
+      </p:sp>
+      <p:sp>
+        <p:nvSpPr>
+          <p:cNvPr id="13" name="Textfeld 12">
+            <a:extLst>
+              <a:ext uri="{FF2B5EF4-FFF2-40B4-BE49-F238E27FC236}">
+                <a16:creationId xmlns:a16="http://schemas.microsoft.com/office/drawing/2014/main" id="{05860C6C-1846-5149-96E4-18800F2BF502}"/>
+              </a:ext>
+            </a:extLst>
+          </p:cNvPr>
+          <p:cNvSpPr txBox="1"/>
+          <p:nvPr/>
+        </p:nvSpPr>
+        <p:spPr>
+          <a:xfrm>
+            <a:off x="5965031" y="4370617"/>
+            <a:ext cx="2394160" cy="261610"/>
+          </a:xfrm>
+          <a:prstGeom prst="rect">
+            <a:avLst/>
+          </a:prstGeom>
+          <a:noFill/>
+        </p:spPr>
+        <p:txBody>
+          <a:bodyPr wrap="square" rtlCol="0">
+            <a:spAutoFit/>
+          </a:bodyPr>
+          <a:lstStyle/>
+          <a:p>
+            <a:r>
+              <a:rPr lang="de-DE" dirty="0"/>
+              <a:t>Residential Home, </a:t>
+            </a:r>
+            <a:r>
+              <a:rPr lang="de-DE" dirty="0" err="1"/>
+              <a:t>accommodates</a:t>
+            </a:r>
+            <a:r>
+              <a:rPr lang="de-DE" dirty="0"/>
+              <a:t> 6</a:t>
+            </a:r>
+          </a:p>
+        </p:txBody>
+      </p:sp>
+    </p:spTree>
+    <p:extLst>
+      <p:ext uri="{BB962C8B-B14F-4D97-AF65-F5344CB8AC3E}">
+        <p14:creationId xmlns:p14="http://schemas.microsoft.com/office/powerpoint/2010/main" val="862829638"/>
+      </p:ext>
+    </p:extLst>
+  </p:cSld>
+  <p:clrMapOvr>
+    <a:masterClrMapping/>
+  </p:clrMapOvr>
+  <p:transition>
+    <p:fade/>
+  </p:transition>
+</p:sld>
+</file>
+
+<file path=ppt/slides/slide13.xml><?xml version="1.0" encoding="utf-8"?>
+<p:sld xmlns:a="http://schemas.openxmlformats.org/drawingml/2006/main" xmlns:r="http://schemas.openxmlformats.org/officeDocument/2006/relationships" xmlns:p="http://schemas.openxmlformats.org/presentationml/2006/main">
+  <p:cSld>
+    <p:spTree>
+      <p:nvGrpSpPr>
+        <p:cNvPr id="1" name=""/>
+        <p:cNvGrpSpPr/>
+        <p:nvPr/>
+      </p:nvGrpSpPr>
+      <p:grpSpPr>
+        <a:xfrm>
+          <a:off x="0" y="0"/>
+          <a:ext cx="0" cy="0"/>
+          <a:chOff x="0" y="0"/>
+          <a:chExt cx="0" cy="0"/>
+        </a:xfrm>
+      </p:grpSpPr>
+      <p:sp>
+        <p:nvSpPr>
+          <p:cNvPr id="114" name="Fußzeilenplatzhalter 113"/>
+          <p:cNvSpPr>
+            <a:spLocks noGrp="1"/>
+          </p:cNvSpPr>
+          <p:nvPr>
+            <p:ph type="ftr" sz="quarter" idx="3"/>
+          </p:nvPr>
+        </p:nvSpPr>
+        <p:spPr/>
+        <p:txBody>
+          <a:bodyPr/>
+          <a:lstStyle/>
+          <a:p>
+            <a:r>
+              <a:rPr lang="de-DE"/>
+              <a:t>AirBnB Dublin</a:t>
+            </a:r>
+            <a:endParaRPr lang="de-DE" dirty="0"/>
+          </a:p>
+        </p:txBody>
+      </p:sp>
+      <p:sp>
+        <p:nvSpPr>
+          <p:cNvPr id="112" name="Datumsplatzhalter 111"/>
+          <p:cNvSpPr>
+            <a:spLocks noGrp="1"/>
+          </p:cNvSpPr>
+          <p:nvPr>
+            <p:ph type="dt" sz="half" idx="2"/>
+          </p:nvPr>
+        </p:nvSpPr>
+        <p:spPr/>
+        <p:txBody>
+          <a:bodyPr/>
+          <a:lstStyle/>
+          <a:p>
+            <a:fld id="{0530FF8D-6D22-204A-82B9-6A40933D233C}" type="datetime1">
+              <a:rPr lang="de-DE" smtClean="0"/>
+              <a:t>19.02.22</a:t>
+            </a:fld>
+            <a:endParaRPr lang="en-US" dirty="0"/>
+          </a:p>
+        </p:txBody>
+      </p:sp>
+      <p:pic>
+        <p:nvPicPr>
+          <p:cNvPr id="5" name="Grafik 4">
+            <a:extLst>
+              <a:ext uri="{FF2B5EF4-FFF2-40B4-BE49-F238E27FC236}">
+                <a16:creationId xmlns:a16="http://schemas.microsoft.com/office/drawing/2014/main" id="{18EFFBFC-5BCC-2143-9E5F-D1DB98E71B0D}"/>
+              </a:ext>
+            </a:extLst>
+          </p:cNvPr>
+          <p:cNvPicPr>
+            <a:picLocks noChangeAspect="1"/>
+          </p:cNvPicPr>
+          <p:nvPr/>
+        </p:nvPicPr>
+        <p:blipFill>
+          <a:blip r:embed="rId3">
+            <a:extLst>
+              <a:ext uri="{28A0092B-C50C-407E-A947-70E740481C1C}">
+                <a14:useLocalDpi xmlns:a14="http://schemas.microsoft.com/office/drawing/2010/main" val="0"/>
+              </a:ext>
+            </a:extLst>
+          </a:blip>
+          <a:stretch>
+            <a:fillRect/>
+          </a:stretch>
+        </p:blipFill>
+        <p:spPr>
+          <a:xfrm>
+            <a:off x="1835696" y="771550"/>
+            <a:ext cx="5472608" cy="4005633"/>
+          </a:xfrm>
+          <a:prstGeom prst="rect">
+            <a:avLst/>
+          </a:prstGeom>
+        </p:spPr>
+      </p:pic>
+    </p:spTree>
+    <p:extLst>
+      <p:ext uri="{BB962C8B-B14F-4D97-AF65-F5344CB8AC3E}">
+        <p14:creationId xmlns:p14="http://schemas.microsoft.com/office/powerpoint/2010/main" val="3236910982"/>
+      </p:ext>
+    </p:extLst>
+  </p:cSld>
+  <p:clrMapOvr>
+    <a:masterClrMapping/>
+  </p:clrMapOvr>
+  <p:transition>
+    <p:fade/>
+  </p:transition>
+</p:sld>
+</file>
+
+<file path=ppt/slides/slide14.xml><?xml version="1.0" encoding="utf-8"?>
+<p:sld xmlns:a="http://schemas.openxmlformats.org/drawingml/2006/main" xmlns:r="http://schemas.openxmlformats.org/officeDocument/2006/relationships" xmlns:p="http://schemas.openxmlformats.org/presentationml/2006/main">
+  <p:cSld>
+    <p:spTree>
+      <p:nvGrpSpPr>
+        <p:cNvPr id="1" name=""/>
+        <p:cNvGrpSpPr/>
+        <p:nvPr/>
+      </p:nvGrpSpPr>
+      <p:grpSpPr>
+        <a:xfrm>
+          <a:off x="0" y="0"/>
+          <a:ext cx="0" cy="0"/>
+          <a:chOff x="0" y="0"/>
+          <a:chExt cx="0" cy="0"/>
+        </a:xfrm>
+      </p:grpSpPr>
+      <p:sp>
+        <p:nvSpPr>
+          <p:cNvPr id="114" name="Fußzeilenplatzhalter 113"/>
+          <p:cNvSpPr>
+            <a:spLocks noGrp="1"/>
+          </p:cNvSpPr>
+          <p:nvPr>
+            <p:ph type="ftr" sz="quarter" idx="3"/>
+          </p:nvPr>
+        </p:nvSpPr>
+        <p:spPr/>
+        <p:txBody>
+          <a:bodyPr/>
+          <a:lstStyle/>
+          <a:p>
+            <a:r>
+              <a:rPr lang="de-DE"/>
+              <a:t>AirBnB Dublin</a:t>
+            </a:r>
+            <a:endParaRPr lang="de-DE" dirty="0"/>
+          </a:p>
+        </p:txBody>
+      </p:sp>
+      <p:sp>
+        <p:nvSpPr>
+          <p:cNvPr id="112" name="Datumsplatzhalter 111"/>
+          <p:cNvSpPr>
+            <a:spLocks noGrp="1"/>
+          </p:cNvSpPr>
+          <p:nvPr>
+            <p:ph type="dt" sz="half" idx="2"/>
+          </p:nvPr>
+        </p:nvSpPr>
+        <p:spPr/>
+        <p:txBody>
+          <a:bodyPr/>
+          <a:lstStyle/>
+          <a:p>
+            <a:fld id="{0530FF8D-6D22-204A-82B9-6A40933D233C}" type="datetime1">
+              <a:rPr lang="de-DE" smtClean="0"/>
+              <a:t>19.02.22</a:t>
+            </a:fld>
+            <a:endParaRPr lang="en-US" dirty="0"/>
+          </a:p>
+        </p:txBody>
+      </p:sp>
+      <p:sp>
+        <p:nvSpPr>
+          <p:cNvPr id="6" name="object 62">
+            <a:extLst>
+              <a:ext uri="{FF2B5EF4-FFF2-40B4-BE49-F238E27FC236}">
+                <a16:creationId xmlns:a16="http://schemas.microsoft.com/office/drawing/2014/main" id="{EA3CEEA2-EF3B-C044-ABDF-BFD796B5300B}"/>
+              </a:ext>
+            </a:extLst>
+          </p:cNvPr>
+          <p:cNvSpPr txBox="1">
+            <a:spLocks noGrp="1"/>
+          </p:cNvSpPr>
+          <p:nvPr>
+            <p:ph type="title"/>
+          </p:nvPr>
+        </p:nvSpPr>
+        <p:spPr>
+          <a:xfrm>
+            <a:off x="660797" y="988760"/>
+            <a:ext cx="7623279" cy="430887"/>
+          </a:xfrm>
+        </p:spPr>
+        <p:txBody>
+          <a:bodyPr/>
+          <a:lstStyle/>
+          <a:p>
+            <a:r>
+              <a:rPr lang="de-DE" dirty="0"/>
+              <a:t>Images </a:t>
+            </a:r>
+            <a:r>
+              <a:rPr lang="de-DE" dirty="0" err="1"/>
+              <a:t>and</a:t>
+            </a:r>
+            <a:r>
+              <a:rPr lang="de-DE" dirty="0"/>
+              <a:t> </a:t>
+            </a:r>
+            <a:r>
+              <a:rPr lang="de-DE" dirty="0" err="1"/>
+              <a:t>Tabular</a:t>
+            </a:r>
+            <a:r>
+              <a:rPr lang="de-DE"/>
+              <a:t> Data</a:t>
+            </a:r>
+            <a:endParaRPr lang="de-DE" dirty="0"/>
+          </a:p>
+        </p:txBody>
+      </p:sp>
+      <mc:AlternateContent xmlns:mc="http://schemas.openxmlformats.org/markup-compatibility/2006">
+        <mc:Choice xmlns:a14="http://schemas.microsoft.com/office/drawing/2010/main" Requires="a14">
+          <p:sp>
+            <p:nvSpPr>
+              <p:cNvPr id="7" name="object 61">
+                <a:extLst>
+                  <a:ext uri="{FF2B5EF4-FFF2-40B4-BE49-F238E27FC236}">
+                    <a16:creationId xmlns:a16="http://schemas.microsoft.com/office/drawing/2014/main" id="{A0708C00-D72A-F448-BEEA-CE3ABBDA6340}"/>
+                  </a:ext>
+                </a:extLst>
+              </p:cNvPr>
+              <p:cNvSpPr txBox="1">
+                <a:spLocks noGrp="1"/>
+              </p:cNvSpPr>
+              <p:nvPr>
+                <p:ph type="body" idx="1"/>
+              </p:nvPr>
+            </p:nvSpPr>
+            <p:spPr>
+              <a:xfrm>
+                <a:off x="660797" y="1670372"/>
+                <a:ext cx="7367587" cy="5478423"/>
+              </a:xfrm>
+            </p:spPr>
+            <p:txBody>
+              <a:bodyPr/>
+              <a:lstStyle/>
+              <a:p>
+                <a:r>
+                  <a:rPr lang="de-DE" dirty="0" err="1"/>
+                  <a:t>TabNet</a:t>
+                </a:r>
+                <a:r>
+                  <a:rPr lang="de-DE" dirty="0"/>
+                  <a:t> </a:t>
+                </a:r>
+                <a:r>
+                  <a:rPr lang="de-DE" dirty="0" err="1"/>
+                  <a:t>and</a:t>
+                </a:r>
+                <a:r>
+                  <a:rPr lang="de-DE" dirty="0"/>
+                  <a:t> Image Model </a:t>
+                </a:r>
+                <a:r>
+                  <a:rPr lang="de-DE" dirty="0" err="1"/>
+                  <a:t>implemented</a:t>
+                </a:r>
+                <a:r>
+                  <a:rPr lang="de-DE" dirty="0"/>
+                  <a:t> in </a:t>
+                </a:r>
+                <a:r>
+                  <a:rPr lang="de-DE" dirty="0" err="1"/>
+                  <a:t>Tensorflow</a:t>
+                </a:r>
+                <a:r>
+                  <a:rPr lang="de-DE" dirty="0"/>
+                  <a:t> 2</a:t>
+                </a:r>
+              </a:p>
+              <a:p>
+                <a:r>
+                  <a:rPr lang="de-DE" dirty="0"/>
+                  <a:t>Stack </a:t>
+                </a:r>
+                <a:r>
+                  <a:rPr lang="de-DE" dirty="0" err="1"/>
+                  <a:t>both</a:t>
+                </a:r>
+                <a:r>
+                  <a:rPr lang="de-DE" dirty="0"/>
+                  <a:t> </a:t>
+                </a:r>
+                <a:r>
+                  <a:rPr lang="de-DE" dirty="0" err="1"/>
+                  <a:t>models</a:t>
+                </a:r>
+                <a:r>
+                  <a:rPr lang="de-DE" dirty="0"/>
+                  <a:t> </a:t>
+                </a:r>
+                <a:r>
+                  <a:rPr lang="de-DE" dirty="0" err="1"/>
+                  <a:t>and</a:t>
+                </a:r>
+                <a:r>
+                  <a:rPr lang="de-DE" dirty="0"/>
+                  <a:t> </a:t>
+                </a:r>
+                <a:r>
+                  <a:rPr lang="de-DE" dirty="0" err="1"/>
+                  <a:t>optimize</a:t>
+                </a:r>
+                <a:r>
+                  <a:rPr lang="de-DE" dirty="0"/>
+                  <a:t> </a:t>
+                </a:r>
+                <a:r>
+                  <a:rPr lang="de-DE" dirty="0" err="1"/>
+                  <a:t>weights</a:t>
+                </a:r>
+                <a:r>
+                  <a:rPr lang="de-DE" dirty="0"/>
+                  <a:t> </a:t>
+                </a:r>
+                <a:r>
+                  <a:rPr lang="de-DE" dirty="0" err="1"/>
+                  <a:t>simultaneously</a:t>
+                </a:r>
+                <a:r>
+                  <a:rPr lang="de-DE" dirty="0"/>
+                  <a:t> </a:t>
+                </a:r>
+              </a:p>
+              <a:p>
+                <a:r>
+                  <a:rPr lang="de-DE" dirty="0" err="1"/>
+                  <a:t>Constraints</a:t>
+                </a:r>
+                <a:r>
+                  <a:rPr lang="de-DE" dirty="0"/>
+                  <a:t>: </a:t>
+                </a:r>
+                <a:r>
+                  <a:rPr lang="de-DE" dirty="0" err="1"/>
+                  <a:t>Computational</a:t>
+                </a:r>
+                <a:r>
+                  <a:rPr lang="de-DE" dirty="0"/>
+                  <a:t> power </a:t>
+                </a:r>
+                <a:r>
+                  <a:rPr lang="de-DE" dirty="0" err="1"/>
+                  <a:t>and</a:t>
+                </a:r>
+                <a:r>
+                  <a:rPr lang="de-DE" dirty="0"/>
+                  <a:t> time</a:t>
+                </a:r>
+              </a:p>
+              <a:p>
+                <a:endParaRPr lang="de-DE" dirty="0"/>
+              </a:p>
+              <a:p>
+                <a:pPr indent="0">
+                  <a:buNone/>
+                </a:pPr>
+                <a:r>
+                  <a:rPr lang="de-DE" dirty="0" err="1"/>
+                  <a:t>Results</a:t>
+                </a:r>
+                <a:r>
+                  <a:rPr lang="de-DE" dirty="0"/>
+                  <a:t> </a:t>
+                </a:r>
+                <a:r>
+                  <a:rPr lang="de-DE" dirty="0" err="1"/>
+                  <a:t>of</a:t>
+                </a:r>
+                <a:r>
+                  <a:rPr lang="de-DE" dirty="0"/>
+                  <a:t> „Quick </a:t>
+                </a:r>
+                <a:r>
+                  <a:rPr lang="de-DE" dirty="0" err="1"/>
+                  <a:t>and</a:t>
+                </a:r>
+                <a:r>
+                  <a:rPr lang="de-DE" dirty="0"/>
+                  <a:t> </a:t>
+                </a:r>
+                <a:r>
+                  <a:rPr lang="de-DE" dirty="0" err="1"/>
+                  <a:t>Dirty</a:t>
+                </a:r>
+                <a:r>
+                  <a:rPr lang="de-DE" dirty="0"/>
+                  <a:t> Run“:</a:t>
+                </a:r>
+              </a:p>
+              <a:p>
+                <a:pPr indent="0">
+                  <a:buNone/>
+                </a:pPr>
+                <a:r>
+                  <a:rPr lang="en-US" dirty="0"/>
+                  <a:t>		MSE Validation:	0.212</a:t>
+                </a:r>
+                <a:br>
+                  <a:rPr lang="en-US" dirty="0"/>
+                </a:br>
+                <a:r>
+                  <a:rPr lang="en-US" dirty="0"/>
+                  <a:t>		</a:t>
+                </a:r>
+                <a14:m>
+                  <m:oMath xmlns:m="http://schemas.openxmlformats.org/officeDocument/2006/math">
+                    <m:sSup>
+                      <m:sSupPr>
+                        <m:ctrlPr>
+                          <a:rPr lang="de-DE" i="1">
+                            <a:latin typeface="Cambria Math" panose="02040503050406030204" pitchFamily="18" charset="0"/>
+                          </a:rPr>
+                        </m:ctrlPr>
+                      </m:sSupPr>
+                      <m:e>
+                        <m:r>
+                          <a:rPr lang="de-DE" i="1">
+                            <a:latin typeface="Cambria Math" panose="02040503050406030204" pitchFamily="18" charset="0"/>
+                          </a:rPr>
+                          <m:t>𝑅</m:t>
+                        </m:r>
+                      </m:e>
+                      <m:sup>
+                        <m:r>
+                          <a:rPr lang="de-DE" i="1">
+                            <a:latin typeface="Cambria Math" panose="02040503050406030204" pitchFamily="18" charset="0"/>
+                          </a:rPr>
+                          <m:t>2</m:t>
+                        </m:r>
+                      </m:sup>
+                    </m:sSup>
+                  </m:oMath>
+                </a14:m>
+                <a:r>
+                  <a:rPr lang="en-US" dirty="0"/>
+                  <a:t> Validation:	0.492</a:t>
+                </a:r>
+              </a:p>
+              <a:p>
+                <a:pPr indent="0">
+                  <a:buNone/>
+                </a:pPr>
+                <a:r>
+                  <a:rPr lang="en-US" dirty="0"/>
+                  <a:t>		MSE Test:			0.255</a:t>
+                </a:r>
+                <a:br>
+                  <a:rPr lang="en-US" dirty="0"/>
+                </a:br>
+                <a:r>
+                  <a:rPr lang="en-US" dirty="0"/>
+                  <a:t>		</a:t>
+                </a:r>
+                <a14:m>
+                  <m:oMath xmlns:m="http://schemas.openxmlformats.org/officeDocument/2006/math">
+                    <m:sSup>
+                      <m:sSupPr>
+                        <m:ctrlPr>
+                          <a:rPr lang="de-DE" i="1">
+                            <a:latin typeface="Cambria Math" panose="02040503050406030204" pitchFamily="18" charset="0"/>
+                          </a:rPr>
+                        </m:ctrlPr>
+                      </m:sSupPr>
+                      <m:e>
+                        <m:r>
+                          <a:rPr lang="de-DE" i="1">
+                            <a:latin typeface="Cambria Math" panose="02040503050406030204" pitchFamily="18" charset="0"/>
+                          </a:rPr>
+                          <m:t>𝑅</m:t>
+                        </m:r>
+                      </m:e>
+                      <m:sup>
+                        <m:r>
+                          <a:rPr lang="de-DE" i="1">
+                            <a:latin typeface="Cambria Math" panose="02040503050406030204" pitchFamily="18" charset="0"/>
+                          </a:rPr>
+                          <m:t>2</m:t>
+                        </m:r>
+                      </m:sup>
+                    </m:sSup>
+                  </m:oMath>
+                </a14:m>
+                <a:r>
+                  <a:rPr lang="en-US" dirty="0"/>
+                  <a:t> Test:			0.389</a:t>
+                </a:r>
+              </a:p>
+              <a:p>
+                <a:pPr indent="0">
+                  <a:buNone/>
+                </a:pPr>
+                <a:endParaRPr lang="en-US" dirty="0"/>
+              </a:p>
+              <a:p>
+                <a:pPr indent="0">
+                  <a:buNone/>
+                </a:pPr>
+                <a:r>
+                  <a:rPr lang="en-US" dirty="0"/>
+                  <a:t>Further fine tuning necessary to increase performance</a:t>
+                </a:r>
+              </a:p>
+              <a:p>
+                <a:pPr indent="0">
+                  <a:buNone/>
+                </a:pPr>
+                <a:endParaRPr lang="de-DE" dirty="0"/>
+              </a:p>
+              <a:p>
+                <a:endParaRPr lang="de-DE" dirty="0"/>
+              </a:p>
+              <a:p>
+                <a:endParaRPr lang="de-DE" sz="1500" dirty="0">
+                  <a:solidFill>
+                    <a:srgbClr val="595959"/>
+                  </a:solidFill>
+                  <a:latin typeface="+mj-lt"/>
+                </a:endParaRPr>
+              </a:p>
+              <a:p>
+                <a:endParaRPr lang="de-DE" dirty="0"/>
+              </a:p>
+              <a:p>
+                <a:endParaRPr lang="de-DE" sz="1500" dirty="0">
+                  <a:solidFill>
+                    <a:srgbClr val="595959"/>
+                  </a:solidFill>
+                  <a:latin typeface="+mj-lt"/>
+                </a:endParaRPr>
+              </a:p>
+              <a:p>
+                <a:pPr indent="0">
+                  <a:buNone/>
+                </a:pPr>
+                <a:endParaRPr lang="de-DE" sz="1500" dirty="0">
+                  <a:solidFill>
+                    <a:srgbClr val="595959"/>
+                  </a:solidFill>
+                  <a:latin typeface="+mj-lt"/>
+                </a:endParaRPr>
+              </a:p>
+              <a:p>
+                <a:pPr lvl="1"/>
+                <a:endParaRPr lang="en-US" dirty="0"/>
+              </a:p>
+              <a:p>
+                <a:pPr lvl="1"/>
+                <a:endParaRPr lang="en-US" dirty="0"/>
+              </a:p>
+              <a:p>
+                <a:endParaRPr lang="de-DE" dirty="0"/>
+              </a:p>
+            </p:txBody>
+          </p:sp>
+        </mc:Choice>
+        <mc:Fallback>
+          <p:sp>
+            <p:nvSpPr>
+              <p:cNvPr id="7" name="object 61">
+                <a:extLst>
+                  <a:ext uri="{FF2B5EF4-FFF2-40B4-BE49-F238E27FC236}">
+                    <a16:creationId xmlns:a16="http://schemas.microsoft.com/office/drawing/2014/main" id="{A0708C00-D72A-F448-BEEA-CE3ABBDA6340}"/>
+                  </a:ext>
+                </a:extLst>
+              </p:cNvPr>
+              <p:cNvSpPr txBox="1">
+                <a:spLocks noGrp="1" noRot="1" noChangeAspect="1" noMove="1" noResize="1" noEditPoints="1" noAdjustHandles="1" noChangeArrowheads="1" noChangeShapeType="1" noTextEdit="1"/>
+              </p:cNvSpPr>
+              <p:nvPr>
+                <p:ph type="body" idx="1"/>
+              </p:nvPr>
+            </p:nvSpPr>
+            <p:spPr>
+              <a:xfrm>
+                <a:off x="660797" y="1670372"/>
+                <a:ext cx="7367587" cy="5478423"/>
+              </a:xfrm>
+              <a:blipFill>
+                <a:blip r:embed="rId3"/>
+                <a:stretch>
+                  <a:fillRect l="-1546" t="-1155"/>
+                </a:stretch>
+              </a:blipFill>
+            </p:spPr>
+            <p:txBody>
+              <a:bodyPr/>
+              <a:lstStyle/>
+              <a:p>
+                <a:r>
+                  <a:rPr lang="de-DE">
+                    <a:noFill/>
+                  </a:rPr>
+                  <a:t> </a:t>
+                </a:r>
+              </a:p>
+            </p:txBody>
+          </p:sp>
+        </mc:Fallback>
+      </mc:AlternateContent>
+    </p:spTree>
+    <p:extLst>
+      <p:ext uri="{BB962C8B-B14F-4D97-AF65-F5344CB8AC3E}">
+        <p14:creationId xmlns:p14="http://schemas.microsoft.com/office/powerpoint/2010/main" val="1168174976"/>
+      </p:ext>
+    </p:extLst>
+  </p:cSld>
+  <p:clrMapOvr>
+    <a:masterClrMapping/>
+  </p:clrMapOvr>
+  <p:transition>
+    <p:fade/>
+  </p:transition>
+</p:sld>
+</file>
+
+<file path=ppt/slides/slide15.xml><?xml version="1.0" encoding="utf-8"?>
+<p:sld xmlns:a="http://schemas.openxmlformats.org/drawingml/2006/main" xmlns:r="http://schemas.openxmlformats.org/officeDocument/2006/relationships" xmlns:p="http://schemas.openxmlformats.org/presentationml/2006/main">
+  <p:cSld>
+    <p:spTree>
+      <p:nvGrpSpPr>
+        <p:cNvPr id="1" name=""/>
+        <p:cNvGrpSpPr/>
+        <p:nvPr/>
+      </p:nvGrpSpPr>
+      <p:grpSpPr>
+        <a:xfrm>
+          <a:off x="0" y="0"/>
+          <a:ext cx="0" cy="0"/>
+          <a:chOff x="0" y="0"/>
+          <a:chExt cx="0" cy="0"/>
+        </a:xfrm>
+      </p:grpSpPr>
+      <p:sp>
+        <p:nvSpPr>
+          <p:cNvPr id="114" name="Fußzeilenplatzhalter 113"/>
+          <p:cNvSpPr>
+            <a:spLocks noGrp="1"/>
+          </p:cNvSpPr>
+          <p:nvPr>
+            <p:ph type="ftr" sz="quarter" idx="3"/>
+          </p:nvPr>
+        </p:nvSpPr>
+        <p:spPr/>
+        <p:txBody>
+          <a:bodyPr/>
+          <a:lstStyle/>
+          <a:p>
+            <a:r>
+              <a:rPr lang="de-DE"/>
+              <a:t>AirBnB Dublin</a:t>
+            </a:r>
+            <a:endParaRPr lang="de-DE" dirty="0"/>
+          </a:p>
+        </p:txBody>
+      </p:sp>
+      <p:sp>
+        <p:nvSpPr>
+          <p:cNvPr id="112" name="Datumsplatzhalter 111"/>
+          <p:cNvSpPr>
+            <a:spLocks noGrp="1"/>
+          </p:cNvSpPr>
+          <p:nvPr>
+            <p:ph type="dt" sz="half" idx="2"/>
+          </p:nvPr>
+        </p:nvSpPr>
+        <p:spPr/>
+        <p:txBody>
+          <a:bodyPr/>
+          <a:lstStyle/>
+          <a:p>
+            <a:fld id="{0530FF8D-6D22-204A-82B9-6A40933D233C}" type="datetime1">
+              <a:rPr lang="de-DE" smtClean="0"/>
+              <a:t>19.02.22</a:t>
+            </a:fld>
+            <a:endParaRPr lang="en-US" dirty="0"/>
+          </a:p>
+        </p:txBody>
+      </p:sp>
+      <p:sp>
+        <p:nvSpPr>
+          <p:cNvPr id="6" name="object 62">
+            <a:extLst>
+              <a:ext uri="{FF2B5EF4-FFF2-40B4-BE49-F238E27FC236}">
+                <a16:creationId xmlns:a16="http://schemas.microsoft.com/office/drawing/2014/main" id="{EA3CEEA2-EF3B-C044-ABDF-BFD796B5300B}"/>
+              </a:ext>
+            </a:extLst>
+          </p:cNvPr>
+          <p:cNvSpPr txBox="1">
+            <a:spLocks noGrp="1"/>
+          </p:cNvSpPr>
+          <p:nvPr>
+            <p:ph type="title"/>
+          </p:nvPr>
+        </p:nvSpPr>
+        <p:spPr>
+          <a:xfrm>
+            <a:off x="660797" y="988760"/>
+            <a:ext cx="7623279" cy="430887"/>
+          </a:xfrm>
+        </p:spPr>
+        <p:txBody>
+          <a:bodyPr/>
+          <a:lstStyle/>
+          <a:p>
+            <a:r>
+              <a:rPr lang="de-DE" dirty="0" err="1"/>
+              <a:t>Munich</a:t>
+            </a:r>
+            <a:endParaRPr lang="de-DE" dirty="0"/>
+          </a:p>
+        </p:txBody>
+      </p:sp>
+      <p:sp>
+        <p:nvSpPr>
+          <p:cNvPr id="7" name="object 61">
+            <a:extLst>
+              <a:ext uri="{FF2B5EF4-FFF2-40B4-BE49-F238E27FC236}">
+                <a16:creationId xmlns:a16="http://schemas.microsoft.com/office/drawing/2014/main" id="{A0708C00-D72A-F448-BEEA-CE3ABBDA6340}"/>
+              </a:ext>
+            </a:extLst>
+          </p:cNvPr>
           <p:cNvSpPr txBox="1">
             <a:spLocks noGrp="1"/>
           </p:cNvSpPr>
@@ -5011,7 +6452,7 @@
         <p:spPr>
           <a:xfrm>
             <a:off x="660797" y="1670372"/>
-            <a:ext cx="7367587" cy="461665"/>
+            <a:ext cx="7367587" cy="3606115"/>
           </a:xfrm>
         </p:spPr>
         <p:txBody>
@@ -5019,8 +6460,1029 @@
           <a:lstStyle/>
           <a:p>
             <a:r>
+              <a:rPr lang="de-DE" dirty="0" err="1"/>
+              <a:t>Results</a:t>
+            </a:r>
+            <a:r>
               <a:rPr lang="de-DE" dirty="0"/>
-              <a:t>Lundberg, S. M. </a:t>
+              <a:t>:</a:t>
+            </a:r>
+          </a:p>
+          <a:p>
+            <a:endParaRPr lang="de-DE" sz="1500" dirty="0">
+              <a:solidFill>
+                <a:srgbClr val="595959"/>
+              </a:solidFill>
+              <a:latin typeface="+mj-lt"/>
+            </a:endParaRPr>
+          </a:p>
+          <a:p>
+            <a:endParaRPr lang="de-DE" dirty="0"/>
+          </a:p>
+          <a:p>
+            <a:endParaRPr lang="de-DE" sz="1500" dirty="0">
+              <a:solidFill>
+                <a:srgbClr val="595959"/>
+              </a:solidFill>
+              <a:latin typeface="+mj-lt"/>
+            </a:endParaRPr>
+          </a:p>
+          <a:p>
+            <a:endParaRPr lang="de-DE" dirty="0"/>
+          </a:p>
+          <a:p>
+            <a:endParaRPr lang="de-DE" sz="1500" dirty="0">
+              <a:solidFill>
+                <a:srgbClr val="595959"/>
+              </a:solidFill>
+              <a:latin typeface="+mj-lt"/>
+            </a:endParaRPr>
+          </a:p>
+          <a:p>
+            <a:pPr indent="0">
+              <a:buNone/>
+            </a:pPr>
+            <a:r>
+              <a:rPr lang="de-DE" sz="1500" dirty="0" err="1">
+                <a:solidFill>
+                  <a:srgbClr val="595959"/>
+                </a:solidFill>
+                <a:latin typeface="+mj-lt"/>
+              </a:rPr>
+              <a:t>Some</a:t>
+            </a:r>
+            <a:r>
+              <a:rPr lang="de-DE" sz="1500" dirty="0">
+                <a:solidFill>
+                  <a:srgbClr val="595959"/>
+                </a:solidFill>
+                <a:latin typeface="+mj-lt"/>
+              </a:rPr>
+              <a:t> </a:t>
+            </a:r>
+            <a:r>
+              <a:rPr lang="de-DE" sz="1500" dirty="0" err="1">
+                <a:solidFill>
+                  <a:srgbClr val="595959"/>
+                </a:solidFill>
+                <a:latin typeface="+mj-lt"/>
+              </a:rPr>
+              <a:t>words</a:t>
+            </a:r>
+            <a:r>
+              <a:rPr lang="de-DE" sz="1500" dirty="0">
+                <a:solidFill>
+                  <a:srgbClr val="595959"/>
+                </a:solidFill>
+                <a:latin typeface="+mj-lt"/>
+              </a:rPr>
+              <a:t> </a:t>
+            </a:r>
+            <a:r>
+              <a:rPr lang="de-DE" sz="1500" dirty="0" err="1">
+                <a:solidFill>
+                  <a:srgbClr val="595959"/>
+                </a:solidFill>
+                <a:latin typeface="+mj-lt"/>
+              </a:rPr>
+              <a:t>of</a:t>
+            </a:r>
+            <a:r>
+              <a:rPr lang="de-DE" sz="1500" dirty="0">
+                <a:solidFill>
+                  <a:srgbClr val="595959"/>
+                </a:solidFill>
+                <a:latin typeface="+mj-lt"/>
+              </a:rPr>
+              <a:t> </a:t>
+            </a:r>
+            <a:r>
+              <a:rPr lang="de-DE" dirty="0" err="1"/>
+              <a:t>caution</a:t>
+            </a:r>
+            <a:r>
+              <a:rPr lang="de-DE" dirty="0"/>
+              <a:t>:</a:t>
+            </a:r>
+          </a:p>
+          <a:p>
+            <a:r>
+              <a:rPr lang="de-DE" dirty="0" err="1"/>
+              <a:t>Predictions</a:t>
+            </a:r>
+            <a:r>
+              <a:rPr lang="de-DE" dirty="0"/>
+              <a:t> not </a:t>
+            </a:r>
+            <a:r>
+              <a:rPr lang="de-DE" dirty="0" err="1"/>
+              <a:t>reasonable</a:t>
+            </a:r>
+            <a:r>
+              <a:rPr lang="de-DE" dirty="0"/>
+              <a:t> </a:t>
+            </a:r>
+            <a:r>
+              <a:rPr lang="de-DE" dirty="0" err="1"/>
+              <a:t>as</a:t>
+            </a:r>
+            <a:r>
+              <a:rPr lang="de-DE" dirty="0"/>
+              <a:t> </a:t>
+            </a:r>
+            <a:r>
+              <a:rPr lang="de-DE" dirty="0" err="1"/>
+              <a:t>many</a:t>
+            </a:r>
+            <a:r>
+              <a:rPr lang="de-DE" dirty="0"/>
+              <a:t> variables </a:t>
+            </a:r>
+            <a:r>
+              <a:rPr lang="de-DE" dirty="0" err="1"/>
+              <a:t>depend</a:t>
+            </a:r>
+            <a:r>
+              <a:rPr lang="de-DE" dirty="0"/>
+              <a:t> on </a:t>
+            </a:r>
+            <a:r>
+              <a:rPr lang="de-DE" dirty="0" err="1"/>
+              <a:t>the</a:t>
+            </a:r>
+            <a:r>
+              <a:rPr lang="de-DE" dirty="0"/>
+              <a:t> </a:t>
+            </a:r>
+            <a:r>
+              <a:rPr lang="de-DE" dirty="0" err="1"/>
+              <a:t>characteristics</a:t>
+            </a:r>
+            <a:r>
+              <a:rPr lang="de-DE" dirty="0"/>
+              <a:t> </a:t>
+            </a:r>
+            <a:r>
+              <a:rPr lang="de-DE" dirty="0" err="1"/>
+              <a:t>of</a:t>
+            </a:r>
+            <a:r>
+              <a:rPr lang="de-DE" dirty="0"/>
+              <a:t> Dublin</a:t>
+            </a:r>
+          </a:p>
+          <a:p>
+            <a:r>
+              <a:rPr lang="de-DE" dirty="0" err="1"/>
+              <a:t>No</a:t>
+            </a:r>
+            <a:r>
+              <a:rPr lang="de-DE" dirty="0"/>
+              <a:t> </a:t>
+            </a:r>
+            <a:r>
+              <a:rPr lang="de-DE" dirty="0" err="1"/>
+              <a:t>images</a:t>
+            </a:r>
+            <a:r>
+              <a:rPr lang="de-DE" dirty="0"/>
+              <a:t> </a:t>
+            </a:r>
+            <a:r>
+              <a:rPr lang="de-DE" dirty="0" err="1"/>
+              <a:t>scraped</a:t>
+            </a:r>
+            <a:r>
+              <a:rPr lang="de-DE" dirty="0"/>
+              <a:t> – </a:t>
+            </a:r>
+            <a:r>
+              <a:rPr lang="de-DE" dirty="0" err="1"/>
+              <a:t>imputed</a:t>
+            </a:r>
+            <a:r>
+              <a:rPr lang="de-DE" dirty="0"/>
+              <a:t> </a:t>
+            </a:r>
+            <a:r>
+              <a:rPr lang="de-DE" dirty="0" err="1"/>
+              <a:t>with</a:t>
+            </a:r>
+            <a:r>
+              <a:rPr lang="de-DE" dirty="0"/>
+              <a:t> </a:t>
+            </a:r>
+            <a:r>
+              <a:rPr lang="de-DE" dirty="0" err="1"/>
+              <a:t>average</a:t>
+            </a:r>
+            <a:r>
+              <a:rPr lang="de-DE" dirty="0"/>
+              <a:t> </a:t>
+            </a:r>
+            <a:r>
+              <a:rPr lang="de-DE" dirty="0" err="1"/>
+              <a:t>values</a:t>
+            </a:r>
+            <a:r>
+              <a:rPr lang="de-DE" dirty="0"/>
+              <a:t> </a:t>
+            </a:r>
+            <a:r>
+              <a:rPr lang="de-DE" dirty="0" err="1"/>
+              <a:t>obtained</a:t>
+            </a:r>
+            <a:r>
+              <a:rPr lang="de-DE" dirty="0"/>
+              <a:t> in Dublin</a:t>
+            </a:r>
+          </a:p>
+          <a:p>
+            <a:pPr indent="0">
+              <a:buNone/>
+            </a:pPr>
+            <a:endParaRPr lang="de-DE" sz="1500" dirty="0">
+              <a:solidFill>
+                <a:srgbClr val="595959"/>
+              </a:solidFill>
+              <a:latin typeface="+mj-lt"/>
+            </a:endParaRPr>
+          </a:p>
+          <a:p>
+            <a:pPr lvl="1"/>
+            <a:endParaRPr lang="en-US" dirty="0"/>
+          </a:p>
+          <a:p>
+            <a:pPr lvl="1"/>
+            <a:endParaRPr lang="en-US" dirty="0"/>
+          </a:p>
+          <a:p>
+            <a:endParaRPr lang="de-DE" dirty="0"/>
+          </a:p>
+        </p:txBody>
+      </p:sp>
+      <mc:AlternateContent xmlns:mc="http://schemas.openxmlformats.org/markup-compatibility/2006" xmlns:a14="http://schemas.microsoft.com/office/drawing/2010/main">
+        <mc:Choice Requires="a14">
+          <p:graphicFrame>
+            <p:nvGraphicFramePr>
+              <p:cNvPr id="2" name="Tabelle 2">
+                <a:extLst>
+                  <a:ext uri="{FF2B5EF4-FFF2-40B4-BE49-F238E27FC236}">
+                    <a16:creationId xmlns:a16="http://schemas.microsoft.com/office/drawing/2014/main" id="{BF507B6B-CEF4-E942-9DF6-7DAFEEA5799C}"/>
+                  </a:ext>
+                </a:extLst>
+              </p:cNvPr>
+              <p:cNvGraphicFramePr>
+                <a:graphicFrameLocks noGrp="1"/>
+              </p:cNvGraphicFramePr>
+              <p:nvPr>
+                <p:extLst>
+                  <p:ext uri="{D42A27DB-BD31-4B8C-83A1-F6EECF244321}">
+                    <p14:modId xmlns:p14="http://schemas.microsoft.com/office/powerpoint/2010/main" val="3964057272"/>
+                  </p:ext>
+                </p:extLst>
+              </p:nvPr>
+            </p:nvGraphicFramePr>
+            <p:xfrm>
+              <a:off x="1932384" y="1779662"/>
+              <a:ext cx="6096000" cy="1113600"/>
+            </p:xfrm>
+            <a:graphic>
+              <a:graphicData uri="http://schemas.openxmlformats.org/drawingml/2006/table">
+                <a:tbl>
+                  <a:tblPr firstRow="1" bandRow="1">
+                    <a:tableStyleId>{D7AC3CCA-C797-4891-BE02-D94E43425B78}</a:tableStyleId>
+                  </a:tblPr>
+                  <a:tblGrid>
+                    <a:gridCol w="1524000">
+                      <a:extLst>
+                        <a:ext uri="{9D8B030D-6E8A-4147-A177-3AD203B41FA5}">
+                          <a16:colId xmlns:a16="http://schemas.microsoft.com/office/drawing/2014/main" val="4160907037"/>
+                        </a:ext>
+                      </a:extLst>
+                    </a:gridCol>
+                    <a:gridCol w="1524000">
+                      <a:extLst>
+                        <a:ext uri="{9D8B030D-6E8A-4147-A177-3AD203B41FA5}">
+                          <a16:colId xmlns:a16="http://schemas.microsoft.com/office/drawing/2014/main" val="4139087599"/>
+                        </a:ext>
+                      </a:extLst>
+                    </a:gridCol>
+                    <a:gridCol w="1524000">
+                      <a:extLst>
+                        <a:ext uri="{9D8B030D-6E8A-4147-A177-3AD203B41FA5}">
+                          <a16:colId xmlns:a16="http://schemas.microsoft.com/office/drawing/2014/main" val="919873595"/>
+                        </a:ext>
+                      </a:extLst>
+                    </a:gridCol>
+                    <a:gridCol w="1524000">
+                      <a:extLst>
+                        <a:ext uri="{9D8B030D-6E8A-4147-A177-3AD203B41FA5}">
+                          <a16:colId xmlns:a16="http://schemas.microsoft.com/office/drawing/2014/main" val="650861547"/>
+                        </a:ext>
+                      </a:extLst>
+                    </a:gridCol>
+                  </a:tblGrid>
+                  <a:tr h="370840">
+                    <a:tc>
+                      <a:txBody>
+                        <a:bodyPr/>
+                        <a:lstStyle/>
+                        <a:p>
+                          <a:r>
+                            <a:rPr lang="de-DE" dirty="0"/>
+                            <a:t>Model</a:t>
+                          </a:r>
+                        </a:p>
+                      </a:txBody>
+                      <a:tcPr/>
+                    </a:tc>
+                    <a:tc>
+                      <a:txBody>
+                        <a:bodyPr/>
+                        <a:lstStyle/>
+                        <a:p>
+                          <a:r>
+                            <a:rPr lang="de-DE" dirty="0"/>
+                            <a:t>MSE</a:t>
+                          </a:r>
+                        </a:p>
+                      </a:txBody>
+                      <a:tcPr/>
+                    </a:tc>
+                    <a:tc>
+                      <a:txBody>
+                        <a:bodyPr/>
+                        <a:lstStyle/>
+                        <a:p>
+                          <a:r>
+                            <a:rPr lang="de-DE" dirty="0"/>
+                            <a:t>MAE</a:t>
+                          </a:r>
+                        </a:p>
+                      </a:txBody>
+                      <a:tcPr/>
+                    </a:tc>
+                    <a:tc>
+                      <a:txBody>
+                        <a:bodyPr/>
+                        <a:lstStyle/>
+                        <a:p>
+                          <a:pPr/>
+                          <a14:m>
+                            <m:oMathPara xmlns:m="http://schemas.openxmlformats.org/officeDocument/2006/math">
+                              <m:oMathParaPr>
+                                <m:jc m:val="centerGroup"/>
+                              </m:oMathParaPr>
+                              <m:oMath xmlns:m="http://schemas.openxmlformats.org/officeDocument/2006/math">
+                                <m:sSup>
+                                  <m:sSupPr>
+                                    <m:ctrlPr>
+                                      <a:rPr lang="de-DE" b="1" i="1" smtClean="0">
+                                        <a:latin typeface="Cambria Math" panose="02040503050406030204" pitchFamily="18" charset="0"/>
+                                      </a:rPr>
+                                    </m:ctrlPr>
+                                  </m:sSupPr>
+                                  <m:e>
+                                    <m:r>
+                                      <a:rPr lang="de-DE" b="1" i="1" smtClean="0">
+                                        <a:latin typeface="Cambria Math" panose="02040503050406030204" pitchFamily="18" charset="0"/>
+                                      </a:rPr>
+                                      <m:t>𝑹</m:t>
+                                    </m:r>
+                                  </m:e>
+                                  <m:sup>
+                                    <m:r>
+                                      <a:rPr lang="de-DE" b="1" i="1" smtClean="0">
+                                        <a:latin typeface="Cambria Math" panose="02040503050406030204" pitchFamily="18" charset="0"/>
+                                      </a:rPr>
+                                      <m:t>𝟐</m:t>
+                                    </m:r>
+                                  </m:sup>
+                                </m:sSup>
+                              </m:oMath>
+                            </m:oMathPara>
+                          </a14:m>
+                          <a:endParaRPr lang="de-DE" dirty="0"/>
+                        </a:p>
+                      </a:txBody>
+                      <a:tcPr/>
+                    </a:tc>
+                    <a:extLst>
+                      <a:ext uri="{0D108BD9-81ED-4DB2-BD59-A6C34878D82A}">
+                        <a16:rowId xmlns:a16="http://schemas.microsoft.com/office/drawing/2014/main" val="2944288736"/>
+                      </a:ext>
+                    </a:extLst>
+                  </a:tr>
+                  <a:tr h="370840">
+                    <a:tc>
+                      <a:txBody>
+                        <a:bodyPr/>
+                        <a:lstStyle/>
+                        <a:p>
+                          <a:r>
+                            <a:rPr lang="de-DE" dirty="0" err="1"/>
+                            <a:t>XGBoost</a:t>
+                          </a:r>
+                          <a:endParaRPr lang="de-DE" dirty="0"/>
+                        </a:p>
+                      </a:txBody>
+                      <a:tcPr/>
+                    </a:tc>
+                    <a:tc>
+                      <a:txBody>
+                        <a:bodyPr/>
+                        <a:lstStyle/>
+                        <a:p>
+                          <a:r>
+                            <a:rPr lang="de-DE" dirty="0"/>
+                            <a:t>0.323</a:t>
+                          </a:r>
+                        </a:p>
+                      </a:txBody>
+                      <a:tcPr/>
+                    </a:tc>
+                    <a:tc>
+                      <a:txBody>
+                        <a:bodyPr/>
+                        <a:lstStyle/>
+                        <a:p>
+                          <a:r>
+                            <a:rPr lang="de-DE" dirty="0"/>
+                            <a:t>0.458</a:t>
+                          </a:r>
+                        </a:p>
+                      </a:txBody>
+                      <a:tcPr/>
+                    </a:tc>
+                    <a:tc>
+                      <a:txBody>
+                        <a:bodyPr/>
+                        <a:lstStyle/>
+                        <a:p>
+                          <a:r>
+                            <a:rPr lang="de-DE" dirty="0"/>
+                            <a:t>0.263</a:t>
+                          </a:r>
+                        </a:p>
+                      </a:txBody>
+                      <a:tcPr/>
+                    </a:tc>
+                    <a:extLst>
+                      <a:ext uri="{0D108BD9-81ED-4DB2-BD59-A6C34878D82A}">
+                        <a16:rowId xmlns:a16="http://schemas.microsoft.com/office/drawing/2014/main" val="2828470122"/>
+                      </a:ext>
+                    </a:extLst>
+                  </a:tr>
+                  <a:tr h="370840">
+                    <a:tc>
+                      <a:txBody>
+                        <a:bodyPr/>
+                        <a:lstStyle/>
+                        <a:p>
+                          <a:r>
+                            <a:rPr lang="de-DE" dirty="0" err="1"/>
+                            <a:t>TabNet</a:t>
+                          </a:r>
+                          <a:endParaRPr lang="de-DE" dirty="0"/>
+                        </a:p>
+                      </a:txBody>
+                      <a:tcPr/>
+                    </a:tc>
+                    <a:tc>
+                      <a:txBody>
+                        <a:bodyPr/>
+                        <a:lstStyle/>
+                        <a:p>
+                          <a:endParaRPr lang="de-DE" dirty="0"/>
+                        </a:p>
+                      </a:txBody>
+                      <a:tcPr/>
+                    </a:tc>
+                    <a:tc>
+                      <a:txBody>
+                        <a:bodyPr/>
+                        <a:lstStyle/>
+                        <a:p>
+                          <a:endParaRPr lang="de-DE" dirty="0"/>
+                        </a:p>
+                      </a:txBody>
+                      <a:tcPr/>
+                    </a:tc>
+                    <a:tc>
+                      <a:txBody>
+                        <a:bodyPr/>
+                        <a:lstStyle/>
+                        <a:p>
+                          <a:endParaRPr lang="de-DE" dirty="0"/>
+                        </a:p>
+                      </a:txBody>
+                      <a:tcPr/>
+                    </a:tc>
+                    <a:extLst>
+                      <a:ext uri="{0D108BD9-81ED-4DB2-BD59-A6C34878D82A}">
+                        <a16:rowId xmlns:a16="http://schemas.microsoft.com/office/drawing/2014/main" val="4244031108"/>
+                      </a:ext>
+                    </a:extLst>
+                  </a:tr>
+                </a:tbl>
+              </a:graphicData>
+            </a:graphic>
+          </p:graphicFrame>
+        </mc:Choice>
+        <mc:Fallback xmlns="">
+          <p:graphicFrame>
+            <p:nvGraphicFramePr>
+              <p:cNvPr id="2" name="Tabelle 2">
+                <a:extLst>
+                  <a:ext uri="{FF2B5EF4-FFF2-40B4-BE49-F238E27FC236}">
+                    <a16:creationId xmlns:a16="http://schemas.microsoft.com/office/drawing/2014/main" id="{BF507B6B-CEF4-E942-9DF6-7DAFEEA5799C}"/>
+                  </a:ext>
+                </a:extLst>
+              </p:cNvPr>
+              <p:cNvGraphicFramePr>
+                <a:graphicFrameLocks noGrp="1"/>
+              </p:cNvGraphicFramePr>
+              <p:nvPr>
+                <p:extLst>
+                  <p:ext uri="{D42A27DB-BD31-4B8C-83A1-F6EECF244321}">
+                    <p14:modId xmlns:p14="http://schemas.microsoft.com/office/powerpoint/2010/main" val="3964057272"/>
+                  </p:ext>
+                </p:extLst>
+              </p:nvPr>
+            </p:nvGraphicFramePr>
+            <p:xfrm>
+              <a:off x="1932384" y="1779662"/>
+              <a:ext cx="6096000" cy="1113600"/>
+            </p:xfrm>
+            <a:graphic>
+              <a:graphicData uri="http://schemas.openxmlformats.org/drawingml/2006/table">
+                <a:tbl>
+                  <a:tblPr firstRow="1" bandRow="1">
+                    <a:tableStyleId>{D7AC3CCA-C797-4891-BE02-D94E43425B78}</a:tableStyleId>
+                  </a:tblPr>
+                  <a:tblGrid>
+                    <a:gridCol w="1524000">
+                      <a:extLst>
+                        <a:ext uri="{9D8B030D-6E8A-4147-A177-3AD203B41FA5}">
+                          <a16:colId xmlns:a16="http://schemas.microsoft.com/office/drawing/2014/main" val="4160907037"/>
+                        </a:ext>
+                      </a:extLst>
+                    </a:gridCol>
+                    <a:gridCol w="1524000">
+                      <a:extLst>
+                        <a:ext uri="{9D8B030D-6E8A-4147-A177-3AD203B41FA5}">
+                          <a16:colId xmlns:a16="http://schemas.microsoft.com/office/drawing/2014/main" val="4139087599"/>
+                        </a:ext>
+                      </a:extLst>
+                    </a:gridCol>
+                    <a:gridCol w="1524000">
+                      <a:extLst>
+                        <a:ext uri="{9D8B030D-6E8A-4147-A177-3AD203B41FA5}">
+                          <a16:colId xmlns:a16="http://schemas.microsoft.com/office/drawing/2014/main" val="919873595"/>
+                        </a:ext>
+                      </a:extLst>
+                    </a:gridCol>
+                    <a:gridCol w="1524000">
+                      <a:extLst>
+                        <a:ext uri="{9D8B030D-6E8A-4147-A177-3AD203B41FA5}">
+                          <a16:colId xmlns:a16="http://schemas.microsoft.com/office/drawing/2014/main" val="650861547"/>
+                        </a:ext>
+                      </a:extLst>
+                    </a:gridCol>
+                  </a:tblGrid>
+                  <a:tr h="371920">
+                    <a:tc>
+                      <a:txBody>
+                        <a:bodyPr/>
+                        <a:lstStyle/>
+                        <a:p>
+                          <a:r>
+                            <a:rPr lang="de-DE" dirty="0"/>
+                            <a:t>Model</a:t>
+                          </a:r>
+                        </a:p>
+                      </a:txBody>
+                      <a:tcPr/>
+                    </a:tc>
+                    <a:tc>
+                      <a:txBody>
+                        <a:bodyPr/>
+                        <a:lstStyle/>
+                        <a:p>
+                          <a:r>
+                            <a:rPr lang="de-DE" dirty="0"/>
+                            <a:t>MSE</a:t>
+                          </a:r>
+                        </a:p>
+                      </a:txBody>
+                      <a:tcPr/>
+                    </a:tc>
+                    <a:tc>
+                      <a:txBody>
+                        <a:bodyPr/>
+                        <a:lstStyle/>
+                        <a:p>
+                          <a:r>
+                            <a:rPr lang="de-DE" dirty="0"/>
+                            <a:t>MAE</a:t>
+                          </a:r>
+                        </a:p>
+                      </a:txBody>
+                      <a:tcPr/>
+                    </a:tc>
+                    <a:tc>
+                      <a:txBody>
+                        <a:bodyPr/>
+                        <a:lstStyle/>
+                        <a:p>
+                          <a:endParaRPr lang="de-DE"/>
+                        </a:p>
+                      </a:txBody>
+                      <a:tcPr>
+                        <a:blipFill>
+                          <a:blip r:embed="rId3"/>
+                          <a:stretch>
+                            <a:fillRect l="-301667" t="-10345" r="-833" b="-231034"/>
+                          </a:stretch>
+                        </a:blipFill>
+                      </a:tcPr>
+                    </a:tc>
+                    <a:extLst>
+                      <a:ext uri="{0D108BD9-81ED-4DB2-BD59-A6C34878D82A}">
+                        <a16:rowId xmlns:a16="http://schemas.microsoft.com/office/drawing/2014/main" val="2944288736"/>
+                      </a:ext>
+                    </a:extLst>
+                  </a:tr>
+                  <a:tr h="370840">
+                    <a:tc>
+                      <a:txBody>
+                        <a:bodyPr/>
+                        <a:lstStyle/>
+                        <a:p>
+                          <a:r>
+                            <a:rPr lang="de-DE" dirty="0" err="1"/>
+                            <a:t>XGBoost</a:t>
+                          </a:r>
+                          <a:endParaRPr lang="de-DE" dirty="0"/>
+                        </a:p>
+                      </a:txBody>
+                      <a:tcPr/>
+                    </a:tc>
+                    <a:tc>
+                      <a:txBody>
+                        <a:bodyPr/>
+                        <a:lstStyle/>
+                        <a:p>
+                          <a:r>
+                            <a:rPr lang="de-DE" dirty="0"/>
+                            <a:t>0.323</a:t>
+                          </a:r>
+                        </a:p>
+                      </a:txBody>
+                      <a:tcPr/>
+                    </a:tc>
+                    <a:tc>
+                      <a:txBody>
+                        <a:bodyPr/>
+                        <a:lstStyle/>
+                        <a:p>
+                          <a:r>
+                            <a:rPr lang="de-DE" dirty="0"/>
+                            <a:t>0.458</a:t>
+                          </a:r>
+                        </a:p>
+                      </a:txBody>
+                      <a:tcPr/>
+                    </a:tc>
+                    <a:tc>
+                      <a:txBody>
+                        <a:bodyPr/>
+                        <a:lstStyle/>
+                        <a:p>
+                          <a:r>
+                            <a:rPr lang="de-DE" dirty="0"/>
+                            <a:t>0.263</a:t>
+                          </a:r>
+                        </a:p>
+                      </a:txBody>
+                      <a:tcPr/>
+                    </a:tc>
+                    <a:extLst>
+                      <a:ext uri="{0D108BD9-81ED-4DB2-BD59-A6C34878D82A}">
+                        <a16:rowId xmlns:a16="http://schemas.microsoft.com/office/drawing/2014/main" val="2828470122"/>
+                      </a:ext>
+                    </a:extLst>
+                  </a:tr>
+                  <a:tr h="370840">
+                    <a:tc>
+                      <a:txBody>
+                        <a:bodyPr/>
+                        <a:lstStyle/>
+                        <a:p>
+                          <a:r>
+                            <a:rPr lang="de-DE" dirty="0" err="1"/>
+                            <a:t>TabNet</a:t>
+                          </a:r>
+                          <a:endParaRPr lang="de-DE" dirty="0"/>
+                        </a:p>
+                      </a:txBody>
+                      <a:tcPr/>
+                    </a:tc>
+                    <a:tc>
+                      <a:txBody>
+                        <a:bodyPr/>
+                        <a:lstStyle/>
+                        <a:p>
+                          <a:endParaRPr lang="de-DE" dirty="0"/>
+                        </a:p>
+                      </a:txBody>
+                      <a:tcPr/>
+                    </a:tc>
+                    <a:tc>
+                      <a:txBody>
+                        <a:bodyPr/>
+                        <a:lstStyle/>
+                        <a:p>
+                          <a:endParaRPr lang="de-DE" dirty="0"/>
+                        </a:p>
+                      </a:txBody>
+                      <a:tcPr/>
+                    </a:tc>
+                    <a:tc>
+                      <a:txBody>
+                        <a:bodyPr/>
+                        <a:lstStyle/>
+                        <a:p>
+                          <a:endParaRPr lang="de-DE" dirty="0"/>
+                        </a:p>
+                      </a:txBody>
+                      <a:tcPr/>
+                    </a:tc>
+                    <a:extLst>
+                      <a:ext uri="{0D108BD9-81ED-4DB2-BD59-A6C34878D82A}">
+                        <a16:rowId xmlns:a16="http://schemas.microsoft.com/office/drawing/2014/main" val="4244031108"/>
+                      </a:ext>
+                    </a:extLst>
+                  </a:tr>
+                </a:tbl>
+              </a:graphicData>
+            </a:graphic>
+          </p:graphicFrame>
+        </mc:Fallback>
+      </mc:AlternateContent>
+    </p:spTree>
+    <p:extLst>
+      <p:ext uri="{BB962C8B-B14F-4D97-AF65-F5344CB8AC3E}">
+        <p14:creationId xmlns:p14="http://schemas.microsoft.com/office/powerpoint/2010/main" val="1927031641"/>
+      </p:ext>
+    </p:extLst>
+  </p:cSld>
+  <p:clrMapOvr>
+    <a:masterClrMapping/>
+  </p:clrMapOvr>
+  <p:transition>
+    <p:fade/>
+  </p:transition>
+</p:sld>
+</file>
+
+<file path=ppt/slides/slide16.xml><?xml version="1.0" encoding="utf-8"?>
+<p:sld xmlns:a="http://schemas.openxmlformats.org/drawingml/2006/main" xmlns:r="http://schemas.openxmlformats.org/officeDocument/2006/relationships" xmlns:p="http://schemas.openxmlformats.org/presentationml/2006/main">
+  <p:cSld>
+    <p:spTree>
+      <p:nvGrpSpPr>
+        <p:cNvPr id="1" name=""/>
+        <p:cNvGrpSpPr/>
+        <p:nvPr/>
+      </p:nvGrpSpPr>
+      <p:grpSpPr>
+        <a:xfrm>
+          <a:off x="0" y="0"/>
+          <a:ext cx="0" cy="0"/>
+          <a:chOff x="0" y="0"/>
+          <a:chExt cx="0" cy="0"/>
+        </a:xfrm>
+      </p:grpSpPr>
+      <p:sp>
+        <p:nvSpPr>
+          <p:cNvPr id="114" name="Fußzeilenplatzhalter 113"/>
+          <p:cNvSpPr>
+            <a:spLocks noGrp="1"/>
+          </p:cNvSpPr>
+          <p:nvPr>
+            <p:ph type="ftr" sz="quarter" idx="3"/>
+          </p:nvPr>
+        </p:nvSpPr>
+        <p:spPr/>
+        <p:txBody>
+          <a:bodyPr/>
+          <a:lstStyle/>
+          <a:p>
+            <a:r>
+              <a:rPr lang="de-DE"/>
+              <a:t>AirBnB Dublin</a:t>
+            </a:r>
+            <a:endParaRPr lang="de-DE" dirty="0"/>
+          </a:p>
+        </p:txBody>
+      </p:sp>
+      <p:sp>
+        <p:nvSpPr>
+          <p:cNvPr id="112" name="Datumsplatzhalter 111"/>
+          <p:cNvSpPr>
+            <a:spLocks noGrp="1"/>
+          </p:cNvSpPr>
+          <p:nvPr>
+            <p:ph type="dt" sz="half" idx="2"/>
+          </p:nvPr>
+        </p:nvSpPr>
+        <p:spPr/>
+        <p:txBody>
+          <a:bodyPr/>
+          <a:lstStyle/>
+          <a:p>
+            <a:fld id="{0530FF8D-6D22-204A-82B9-6A40933D233C}" type="datetime1">
+              <a:rPr lang="de-DE" smtClean="0"/>
+              <a:t>19.02.22</a:t>
+            </a:fld>
+            <a:endParaRPr lang="en-US" dirty="0"/>
+          </a:p>
+        </p:txBody>
+      </p:sp>
+      <p:sp>
+        <p:nvSpPr>
+          <p:cNvPr id="6" name="object 62">
+            <a:extLst>
+              <a:ext uri="{FF2B5EF4-FFF2-40B4-BE49-F238E27FC236}">
+                <a16:creationId xmlns:a16="http://schemas.microsoft.com/office/drawing/2014/main" id="{EA3CEEA2-EF3B-C044-ABDF-BFD796B5300B}"/>
+              </a:ext>
+            </a:extLst>
+          </p:cNvPr>
+          <p:cNvSpPr txBox="1">
+            <a:spLocks noGrp="1"/>
+          </p:cNvSpPr>
+          <p:nvPr>
+            <p:ph type="title"/>
+          </p:nvPr>
+        </p:nvSpPr>
+        <p:spPr>
+          <a:xfrm>
+            <a:off x="660797" y="988760"/>
+            <a:ext cx="7623279" cy="430887"/>
+          </a:xfrm>
+        </p:spPr>
+        <p:txBody>
+          <a:bodyPr/>
+          <a:lstStyle/>
+          <a:p>
+            <a:r>
+              <a:rPr lang="de-DE" dirty="0" err="1"/>
+              <a:t>Munich</a:t>
+            </a:r>
+            <a:endParaRPr lang="de-DE" dirty="0"/>
+          </a:p>
+        </p:txBody>
+      </p:sp>
+      <p:pic>
+        <p:nvPicPr>
+          <p:cNvPr id="8" name="Grafik 7">
+            <a:extLst>
+              <a:ext uri="{FF2B5EF4-FFF2-40B4-BE49-F238E27FC236}">
+                <a16:creationId xmlns:a16="http://schemas.microsoft.com/office/drawing/2014/main" id="{3D5C0F57-2A8C-0B48-9244-F556365A1EF5}"/>
+              </a:ext>
+            </a:extLst>
+          </p:cNvPr>
+          <p:cNvPicPr>
+            <a:picLocks noChangeAspect="1"/>
+          </p:cNvPicPr>
+          <p:nvPr/>
+        </p:nvPicPr>
+        <p:blipFill>
+          <a:blip r:embed="rId3">
+            <a:extLst>
+              <a:ext uri="{28A0092B-C50C-407E-A947-70E740481C1C}">
+                <a14:useLocalDpi xmlns:a14="http://schemas.microsoft.com/office/drawing/2010/main" val="0"/>
+              </a:ext>
+            </a:extLst>
+          </a:blip>
+          <a:stretch>
+            <a:fillRect/>
+          </a:stretch>
+        </p:blipFill>
+        <p:spPr>
+          <a:xfrm>
+            <a:off x="2038015" y="988760"/>
+            <a:ext cx="5067969" cy="3709460"/>
+          </a:xfrm>
+          <a:prstGeom prst="rect">
+            <a:avLst/>
+          </a:prstGeom>
+        </p:spPr>
+      </p:pic>
+      <p:sp>
+        <p:nvSpPr>
+          <p:cNvPr id="9" name="Rechteck 8">
+            <a:extLst>
+              <a:ext uri="{FF2B5EF4-FFF2-40B4-BE49-F238E27FC236}">
+                <a16:creationId xmlns:a16="http://schemas.microsoft.com/office/drawing/2014/main" id="{157690EF-DD00-7740-90BA-19A03A6B8530}"/>
+              </a:ext>
+            </a:extLst>
+          </p:cNvPr>
+          <p:cNvSpPr/>
+          <p:nvPr/>
+        </p:nvSpPr>
+        <p:spPr>
+          <a:xfrm>
+            <a:off x="3779912" y="1779662"/>
+            <a:ext cx="2664296" cy="216024"/>
+          </a:xfrm>
+          <a:prstGeom prst="rect">
+            <a:avLst/>
+          </a:prstGeom>
+          <a:noFill/>
+          <a:ln>
+            <a:solidFill>
+              <a:srgbClr val="FF0000"/>
+            </a:solidFill>
+          </a:ln>
+        </p:spPr>
+        <p:style>
+          <a:lnRef idx="2">
+            <a:schemeClr val="accent1">
+              <a:shade val="50000"/>
+            </a:schemeClr>
+          </a:lnRef>
+          <a:fillRef idx="1">
+            <a:schemeClr val="accent1"/>
+          </a:fillRef>
+          <a:effectRef idx="0">
+            <a:schemeClr val="accent1"/>
+          </a:effectRef>
+          <a:fontRef idx="minor">
+            <a:schemeClr val="lt1"/>
+          </a:fontRef>
+        </p:style>
+        <p:txBody>
+          <a:bodyPr rtlCol="0" anchor="ctr"/>
+          <a:lstStyle/>
+          <a:p>
+            <a:pPr algn="ctr"/>
+            <a:endParaRPr lang="de-DE"/>
+          </a:p>
+        </p:txBody>
+      </p:sp>
+    </p:spTree>
+    <p:extLst>
+      <p:ext uri="{BB962C8B-B14F-4D97-AF65-F5344CB8AC3E}">
+        <p14:creationId xmlns:p14="http://schemas.microsoft.com/office/powerpoint/2010/main" val="1241779167"/>
+      </p:ext>
+    </p:extLst>
+  </p:cSld>
+  <p:clrMapOvr>
+    <a:masterClrMapping/>
+  </p:clrMapOvr>
+  <p:transition>
+    <p:fade/>
+  </p:transition>
+</p:sld>
+</file>
+
+<file path=ppt/slides/slide17.xml><?xml version="1.0" encoding="utf-8"?>
+<p:sld xmlns:a="http://schemas.openxmlformats.org/drawingml/2006/main" xmlns:r="http://schemas.openxmlformats.org/officeDocument/2006/relationships" xmlns:p="http://schemas.openxmlformats.org/presentationml/2006/main">
+  <p:cSld>
+    <p:spTree>
+      <p:nvGrpSpPr>
+        <p:cNvPr id="1" name=""/>
+        <p:cNvGrpSpPr/>
+        <p:nvPr/>
+      </p:nvGrpSpPr>
+      <p:grpSpPr>
+        <a:xfrm>
+          <a:off x="0" y="0"/>
+          <a:ext cx="0" cy="0"/>
+          <a:chOff x="0" y="0"/>
+          <a:chExt cx="0" cy="0"/>
+        </a:xfrm>
+      </p:grpSpPr>
+      <p:sp>
+        <p:nvSpPr>
+          <p:cNvPr id="62" name="object 62"/>
+          <p:cNvSpPr txBox="1">
+            <a:spLocks noGrp="1"/>
+          </p:cNvSpPr>
+          <p:nvPr>
+            <p:ph type="title"/>
+          </p:nvPr>
+        </p:nvSpPr>
+        <p:spPr/>
+        <p:txBody>
+          <a:bodyPr/>
+          <a:lstStyle/>
+          <a:p>
+            <a:r>
+              <a:rPr lang="de-DE" dirty="0"/>
+              <a:t>Problems </a:t>
             </a:r>
             <a:r>
               <a:rPr lang="de-DE" dirty="0" err="1"/>
@@ -5028,11 +7490,39 @@
             </a:r>
             <a:r>
               <a:rPr lang="de-DE" dirty="0"/>
-              <a:t> Lee, S.-I. (2017). A </a:t>
+              <a:t> </a:t>
             </a:r>
             <a:r>
               <a:rPr lang="de-DE" dirty="0" err="1"/>
-              <a:t>unified</a:t>
+              <a:t>Learnings</a:t>
+            </a:r>
+            <a:endParaRPr lang="de-DE" dirty="0"/>
+          </a:p>
+        </p:txBody>
+      </p:sp>
+      <p:sp>
+        <p:nvSpPr>
+          <p:cNvPr id="61" name="object 61"/>
+          <p:cNvSpPr txBox="1">
+            <a:spLocks noGrp="1"/>
+          </p:cNvSpPr>
+          <p:nvPr>
+            <p:ph type="body" idx="1"/>
+          </p:nvPr>
+        </p:nvSpPr>
+        <p:spPr>
+          <a:xfrm>
+            <a:off x="660797" y="1670372"/>
+            <a:ext cx="7367587" cy="2236510"/>
+          </a:xfrm>
+        </p:spPr>
+        <p:txBody>
+          <a:bodyPr/>
+          <a:lstStyle/>
+          <a:p>
+            <a:r>
+              <a:rPr lang="de-DE" dirty="0" err="1"/>
+              <a:t>Avoid</a:t>
             </a:r>
             <a:r>
               <a:rPr lang="de-DE" dirty="0"/>
@@ -5040,7 +7530,7 @@
             </a:r>
             <a:r>
               <a:rPr lang="de-DE" dirty="0" err="1"/>
-              <a:t>approach</a:t>
+              <a:t>data</a:t>
             </a:r>
             <a:r>
               <a:rPr lang="de-DE" dirty="0"/>
@@ -5048,7 +7538,23 @@
             </a:r>
             <a:r>
               <a:rPr lang="de-DE" dirty="0" err="1"/>
-              <a:t>to</a:t>
+              <a:t>leak</a:t>
+            </a:r>
+            <a:r>
+              <a:rPr lang="de-DE" dirty="0"/>
+              <a:t> in </a:t>
+            </a:r>
+            <a:r>
+              <a:rPr lang="de-DE" dirty="0" err="1"/>
+              <a:t>validation</a:t>
+            </a:r>
+            <a:r>
+              <a:rPr lang="de-DE" dirty="0"/>
+              <a:t>, </a:t>
+            </a:r>
+            <a:r>
+              <a:rPr lang="de-DE" dirty="0" err="1"/>
+              <a:t>test</a:t>
             </a:r>
             <a:r>
               <a:rPr lang="de-DE" dirty="0"/>
@@ -5056,7 +7562,7 @@
             </a:r>
             <a:r>
               <a:rPr lang="de-DE" dirty="0" err="1"/>
-              <a:t>interpreting</a:t>
+              <a:t>data</a:t>
             </a:r>
             <a:r>
               <a:rPr lang="de-DE" dirty="0"/>
@@ -5064,7 +7570,7 @@
             </a:r>
             <a:r>
               <a:rPr lang="de-DE" dirty="0" err="1"/>
-              <a:t>model</a:t>
+              <a:t>to</a:t>
             </a:r>
             <a:r>
               <a:rPr lang="de-DE" dirty="0"/>
@@ -5072,15 +7578,7 @@
             </a:r>
             <a:r>
               <a:rPr lang="de-DE" dirty="0" err="1"/>
-              <a:t>predictions.Advances</a:t>
-            </a:r>
-            <a:r>
-              <a:rPr lang="de-DE" dirty="0"/>
-              <a:t> in </a:t>
-            </a:r>
-            <a:r>
-              <a:rPr lang="de-DE" dirty="0" err="1"/>
-              <a:t>neural</a:t>
+              <a:t>training</a:t>
             </a:r>
             <a:r>
               <a:rPr lang="de-DE" dirty="0"/>
@@ -5088,29 +7586,367 @@
             </a:r>
             <a:r>
               <a:rPr lang="de-DE" dirty="0" err="1"/>
-              <a:t>information</a:t>
-            </a:r>
-            <a:r>
+              <a:t>data</a:t>
+            </a:r>
+            <a:br>
               <a:rPr lang="de-DE" dirty="0"/>
+            </a:br>
+            <a:br>
+              <a:rPr lang="de-DE" dirty="0"/>
+            </a:br>
+            <a:r>
+              <a:rPr lang="de-DE" dirty="0"/>
+              <a:t>		</a:t>
+            </a:r>
+            <a:r>
+              <a:rPr lang="de-DE" b="1" dirty="0"/>
+              <a:t>Implementation </a:t>
+            </a:r>
+            <a:r>
+              <a:rPr lang="de-DE" b="1" dirty="0" err="1"/>
+              <a:t>of</a:t>
+            </a:r>
+            <a:r>
+              <a:rPr lang="de-DE" b="1" dirty="0"/>
               <a:t> </a:t>
             </a:r>
             <a:r>
-              <a:rPr lang="de-DE" dirty="0" err="1"/>
-              <a:t>processing</a:t>
-            </a:r>
-            <a:r>
-              <a:rPr lang="de-DE" dirty="0"/>
+              <a:rPr lang="de-DE" b="1" dirty="0" err="1"/>
+              <a:t>data</a:t>
+            </a:r>
+            <a:r>
+              <a:rPr lang="de-DE" b="1" dirty="0"/>
               <a:t> </a:t>
             </a:r>
             <a:r>
-              <a:rPr lang="de-DE" dirty="0" err="1"/>
-              <a:t>systems</a:t>
-            </a:r>
-            <a:r>
-              <a:rPr lang="de-DE" dirty="0"/>
-              <a:t>, 30.</a:t>
-            </a:r>
+              <a:rPr lang="de-DE" b="1" dirty="0" err="1"/>
+              <a:t>load</a:t>
+            </a:r>
+            <a:r>
+              <a:rPr lang="de-DE" b="1" dirty="0"/>
+              <a:t> </a:t>
+            </a:r>
+            <a:r>
+              <a:rPr lang="de-DE" b="1" dirty="0" err="1"/>
+              <a:t>class</a:t>
+            </a:r>
+            <a:endParaRPr lang="de-DE" b="1" dirty="0"/>
+          </a:p>
+          <a:p>
+            <a:pPr marL="572734" lvl="1" indent="-285750">
+              <a:buFont typeface="Wingdings" pitchFamily="2" charset="2"/>
+              <a:buChar char="Ø"/>
+            </a:pPr>
+            <a:r>
+              <a:rPr lang="de-DE" sz="1600" dirty="0"/>
+              <a:t>	</a:t>
+            </a:r>
+            <a:r>
+              <a:rPr lang="de-DE" sz="1500" dirty="0">
+                <a:solidFill>
+                  <a:srgbClr val="595959"/>
+                </a:solidFill>
+              </a:rPr>
+              <a:t>Remove variables on </a:t>
+            </a:r>
+            <a:r>
+              <a:rPr lang="de-DE" sz="1500" dirty="0" err="1">
+                <a:solidFill>
+                  <a:srgbClr val="595959"/>
+                </a:solidFill>
+              </a:rPr>
+              <a:t>basis</a:t>
+            </a:r>
+            <a:r>
+              <a:rPr lang="de-DE" sz="1500" dirty="0">
+                <a:solidFill>
+                  <a:srgbClr val="595959"/>
+                </a:solidFill>
+              </a:rPr>
+              <a:t> </a:t>
+            </a:r>
+            <a:r>
+              <a:rPr lang="de-DE" sz="1500" dirty="0" err="1">
+                <a:solidFill>
+                  <a:srgbClr val="595959"/>
+                </a:solidFill>
+              </a:rPr>
+              <a:t>of</a:t>
+            </a:r>
+            <a:r>
+              <a:rPr lang="de-DE" sz="1500" dirty="0">
+                <a:solidFill>
+                  <a:srgbClr val="595959"/>
+                </a:solidFill>
+              </a:rPr>
+              <a:t> </a:t>
+            </a:r>
+            <a:r>
+              <a:rPr lang="de-DE" sz="1500" dirty="0" err="1">
+                <a:solidFill>
+                  <a:srgbClr val="595959"/>
+                </a:solidFill>
+              </a:rPr>
+              <a:t>whole</a:t>
+            </a:r>
+            <a:r>
+              <a:rPr lang="de-DE" sz="1500" dirty="0">
+                <a:solidFill>
+                  <a:srgbClr val="595959"/>
+                </a:solidFill>
+              </a:rPr>
+              <a:t> </a:t>
+            </a:r>
+            <a:r>
+              <a:rPr lang="de-DE" sz="1500" dirty="0" err="1">
+                <a:solidFill>
+                  <a:srgbClr val="595959"/>
+                </a:solidFill>
+              </a:rPr>
+              <a:t>listings</a:t>
+            </a:r>
+            <a:r>
+              <a:rPr lang="de-DE" sz="1500" dirty="0">
+                <a:solidFill>
+                  <a:srgbClr val="595959"/>
+                </a:solidFill>
+                <a:latin typeface="+mj-lt"/>
+              </a:rPr>
+              <a:t>	</a:t>
+            </a:r>
+          </a:p>
+          <a:p>
+            <a:pPr marL="572734" lvl="1" indent="-285750">
+              <a:buFont typeface="Wingdings" pitchFamily="2" charset="2"/>
+              <a:buChar char="Ø"/>
+            </a:pPr>
+            <a:r>
+              <a:rPr lang="de-DE" sz="1500" dirty="0">
+                <a:solidFill>
+                  <a:srgbClr val="595959"/>
+                </a:solidFill>
+                <a:latin typeface="+mj-lt"/>
+              </a:rPr>
+              <a:t>        Fit variable </a:t>
+            </a:r>
+            <a:r>
+              <a:rPr lang="de-DE" sz="1500" dirty="0" err="1">
+                <a:solidFill>
+                  <a:srgbClr val="595959"/>
+                </a:solidFill>
+                <a:latin typeface="+mj-lt"/>
+              </a:rPr>
+              <a:t>transformations</a:t>
+            </a:r>
+            <a:r>
+              <a:rPr lang="de-DE" sz="1500" dirty="0">
+                <a:solidFill>
+                  <a:srgbClr val="595959"/>
+                </a:solidFill>
+                <a:latin typeface="+mj-lt"/>
+              </a:rPr>
+              <a:t> on </a:t>
+            </a:r>
+            <a:r>
+              <a:rPr lang="de-DE" sz="1500" dirty="0" err="1">
+                <a:solidFill>
+                  <a:srgbClr val="595959"/>
+                </a:solidFill>
+                <a:latin typeface="+mj-lt"/>
+              </a:rPr>
+              <a:t>basis</a:t>
+            </a:r>
+            <a:r>
+              <a:rPr lang="de-DE" sz="1500" dirty="0">
+                <a:solidFill>
+                  <a:srgbClr val="595959"/>
+                </a:solidFill>
+                <a:latin typeface="+mj-lt"/>
+              </a:rPr>
+              <a:t> </a:t>
+            </a:r>
+            <a:r>
+              <a:rPr lang="de-DE" sz="1500" dirty="0" err="1">
+                <a:solidFill>
+                  <a:srgbClr val="595959"/>
+                </a:solidFill>
+                <a:latin typeface="+mj-lt"/>
+              </a:rPr>
+              <a:t>of</a:t>
+            </a:r>
+            <a:r>
+              <a:rPr lang="de-DE" sz="1500" dirty="0">
+                <a:solidFill>
+                  <a:srgbClr val="595959"/>
+                </a:solidFill>
+                <a:latin typeface="+mj-lt"/>
+              </a:rPr>
+              <a:t> </a:t>
+            </a:r>
+            <a:r>
+              <a:rPr lang="de-DE" sz="1500" dirty="0" err="1">
+                <a:solidFill>
+                  <a:srgbClr val="595959"/>
+                </a:solidFill>
+                <a:latin typeface="+mj-lt"/>
+              </a:rPr>
+              <a:t>training</a:t>
+            </a:r>
+            <a:r>
+              <a:rPr lang="de-DE" sz="1500" dirty="0">
+                <a:solidFill>
+                  <a:srgbClr val="595959"/>
+                </a:solidFill>
+                <a:latin typeface="+mj-lt"/>
+              </a:rPr>
+              <a:t> </a:t>
+            </a:r>
+            <a:r>
+              <a:rPr lang="de-DE" sz="1500" dirty="0" err="1">
+                <a:solidFill>
+                  <a:srgbClr val="595959"/>
+                </a:solidFill>
+                <a:latin typeface="+mj-lt"/>
+              </a:rPr>
+              <a:t>data</a:t>
+            </a:r>
+            <a:r>
+              <a:rPr lang="de-DE" sz="1500" dirty="0">
+                <a:solidFill>
+                  <a:srgbClr val="595959"/>
+                </a:solidFill>
+                <a:latin typeface="+mj-lt"/>
+              </a:rPr>
+              <a:t> </a:t>
+            </a:r>
+            <a:r>
+              <a:rPr lang="de-DE" sz="1500" dirty="0" err="1">
+                <a:solidFill>
+                  <a:srgbClr val="595959"/>
+                </a:solidFill>
+                <a:latin typeface="+mj-lt"/>
+              </a:rPr>
+              <a:t>only</a:t>
+            </a:r>
+            <a:endParaRPr lang="de-DE" sz="1500" dirty="0">
+              <a:solidFill>
+                <a:srgbClr val="595959"/>
+              </a:solidFill>
+              <a:latin typeface="+mj-lt"/>
+            </a:endParaRPr>
+          </a:p>
+          <a:p>
+            <a:pPr marL="572734" lvl="1" indent="-285750">
+              <a:buFont typeface="Wingdings" pitchFamily="2" charset="2"/>
+              <a:buChar char="Ø"/>
+            </a:pPr>
+            <a:r>
+              <a:rPr lang="de-DE" sz="1500" dirty="0">
+                <a:solidFill>
+                  <a:srgbClr val="595959"/>
+                </a:solidFill>
+                <a:latin typeface="+mj-lt"/>
+              </a:rPr>
+              <a:t>	Transform variables </a:t>
+            </a:r>
+            <a:r>
+              <a:rPr lang="de-DE" sz="1500" dirty="0" err="1">
+                <a:solidFill>
+                  <a:srgbClr val="595959"/>
+                </a:solidFill>
+                <a:latin typeface="+mj-lt"/>
+              </a:rPr>
+              <a:t>for</a:t>
+            </a:r>
+            <a:r>
+              <a:rPr lang="de-DE" sz="1500" dirty="0">
+                <a:solidFill>
+                  <a:srgbClr val="595959"/>
+                </a:solidFill>
+                <a:latin typeface="+mj-lt"/>
+              </a:rPr>
+              <a:t> </a:t>
+            </a:r>
+            <a:r>
+              <a:rPr lang="de-DE" sz="1500" dirty="0" err="1">
+                <a:solidFill>
+                  <a:srgbClr val="595959"/>
+                </a:solidFill>
+                <a:latin typeface="+mj-lt"/>
+              </a:rPr>
+              <a:t>validation</a:t>
+            </a:r>
+            <a:r>
+              <a:rPr lang="de-DE" sz="1500" dirty="0">
+                <a:solidFill>
+                  <a:srgbClr val="595959"/>
+                </a:solidFill>
+                <a:latin typeface="+mj-lt"/>
+              </a:rPr>
+              <a:t> </a:t>
+            </a:r>
+            <a:r>
+              <a:rPr lang="de-DE" sz="1500" dirty="0" err="1">
+                <a:solidFill>
+                  <a:srgbClr val="595959"/>
+                </a:solidFill>
+                <a:latin typeface="+mj-lt"/>
+              </a:rPr>
+              <a:t>and</a:t>
+            </a:r>
+            <a:r>
+              <a:rPr lang="de-DE" sz="1500" dirty="0">
+                <a:solidFill>
+                  <a:srgbClr val="595959"/>
+                </a:solidFill>
+                <a:latin typeface="+mj-lt"/>
+              </a:rPr>
+              <a:t> </a:t>
+            </a:r>
+            <a:r>
+              <a:rPr lang="de-DE" sz="1500" dirty="0" err="1">
+                <a:solidFill>
+                  <a:srgbClr val="595959"/>
+                </a:solidFill>
+                <a:latin typeface="+mj-lt"/>
+              </a:rPr>
+              <a:t>test</a:t>
+            </a:r>
+            <a:r>
+              <a:rPr lang="de-DE" sz="1500" dirty="0">
+                <a:solidFill>
+                  <a:srgbClr val="595959"/>
+                </a:solidFill>
+                <a:latin typeface="+mj-lt"/>
+              </a:rPr>
+              <a:t> </a:t>
+            </a:r>
+            <a:r>
+              <a:rPr lang="de-DE" sz="1500" dirty="0" err="1">
+                <a:solidFill>
+                  <a:srgbClr val="595959"/>
+                </a:solidFill>
+                <a:latin typeface="+mj-lt"/>
+              </a:rPr>
+              <a:t>accordingly</a:t>
+            </a:r>
+            <a:endParaRPr lang="de-DE" sz="1500" dirty="0">
+              <a:solidFill>
+                <a:srgbClr val="595959"/>
+              </a:solidFill>
+              <a:latin typeface="+mj-lt"/>
+            </a:endParaRPr>
+          </a:p>
+          <a:p>
+            <a:pPr lvl="1"/>
             <a:endParaRPr lang="en-US" dirty="0"/>
+          </a:p>
+          <a:p>
+            <a:pPr lvl="1"/>
+            <a:endParaRPr lang="en-US" dirty="0"/>
+          </a:p>
+          <a:p>
+            <a:endParaRPr lang="de-DE" dirty="0"/>
           </a:p>
         </p:txBody>
       </p:sp>
@@ -5131,7 +7967,7 @@
           <a:p>
             <a:r>
               <a:rPr lang="de-DE"/>
-              <a:t>The University of Göttingen – An Introduction</a:t>
+              <a:t>AirBnB Dublin</a:t>
             </a:r>
             <a:endParaRPr lang="de-DE" dirty="0"/>
           </a:p>
@@ -5152,36 +7988,11 @@
           <a:bodyPr/>
           <a:lstStyle/>
           <a:p>
-            <a:fld id="{D304FED8-C979-F64B-90E4-24E76885865A}" type="datetime1">
+            <a:fld id="{0A4E6438-2C80-934C-854F-4413B1EC8034}" type="datetime1">
               <a:rPr lang="de-DE" smtClean="0"/>
-              <a:pPr/>
-              <a:t>17.02.22</a:t>
+              <a:t>19.02.22</a:t>
             </a:fld>
             <a:endParaRPr lang="en-US" dirty="0"/>
-          </a:p>
-        </p:txBody>
-      </p:sp>
-      <p:sp>
-        <p:nvSpPr>
-          <p:cNvPr id="113" name="Foliennummernplatzhalter 112"/>
-          <p:cNvSpPr>
-            <a:spLocks noGrp="1"/>
-          </p:cNvSpPr>
-          <p:nvPr>
-            <p:ph type="sldNum" sz="quarter" idx="4"/>
-          </p:nvPr>
-        </p:nvSpPr>
-        <p:spPr/>
-        <p:txBody>
-          <a:bodyPr/>
-          <a:lstStyle/>
-          <a:p>
-            <a:fld id="{B6F15528-21DE-4FAA-801E-634DDDAF4B2B}" type="slidenum">
-              <a:rPr lang="de-DE" smtClean="0"/>
-              <a:pPr/>
-              <a:t>6</a:t>
-            </a:fld>
-            <a:endParaRPr lang="de-DE" dirty="0"/>
           </a:p>
         </p:txBody>
       </p:sp>
@@ -5225,7 +8036,7 @@
 </p:sld>
 </file>
 
-<file path=ppt/slides/slide7.xml><?xml version="1.0" encoding="utf-8"?>
+<file path=ppt/slides/slide18.xml><?xml version="1.0" encoding="utf-8"?>
 <p:sld xmlns:a="http://schemas.openxmlformats.org/drawingml/2006/main" xmlns:r="http://schemas.openxmlformats.org/officeDocument/2006/relationships" xmlns:p="http://schemas.openxmlformats.org/presentationml/2006/main">
   <p:cSld>
     <p:spTree>
@@ -5244,19 +8055,577 @@
       </p:grpSpPr>
       <p:sp>
         <p:nvSpPr>
-          <p:cNvPr id="4" name="Bildplatzhalter 3"/>
+          <p:cNvPr id="62" name="object 62"/>
+          <p:cNvSpPr txBox="1">
+            <a:spLocks noGrp="1"/>
+          </p:cNvSpPr>
+          <p:nvPr>
+            <p:ph type="title"/>
+          </p:nvPr>
+        </p:nvSpPr>
+        <p:spPr/>
+        <p:txBody>
+          <a:bodyPr/>
+          <a:lstStyle/>
+          <a:p>
+            <a:r>
+              <a:rPr lang="de-DE" dirty="0"/>
+              <a:t>References</a:t>
+            </a:r>
+          </a:p>
+        </p:txBody>
+      </p:sp>
+      <p:sp>
+        <p:nvSpPr>
+          <p:cNvPr id="61" name="object 61"/>
+          <p:cNvSpPr txBox="1">
+            <a:spLocks noGrp="1"/>
+          </p:cNvSpPr>
+          <p:nvPr>
+            <p:ph type="body" idx="1"/>
+          </p:nvPr>
+        </p:nvSpPr>
+        <p:spPr>
+          <a:xfrm>
+            <a:off x="660797" y="1670372"/>
+            <a:ext cx="7367587" cy="2462213"/>
+          </a:xfrm>
+        </p:spPr>
+        <p:txBody>
+          <a:bodyPr/>
+          <a:lstStyle/>
+          <a:p>
+            <a:r>
+              <a:rPr lang="de-DE" dirty="0"/>
+              <a:t>Lundberg, S. M. </a:t>
+            </a:r>
+            <a:r>
+              <a:rPr lang="de-DE" dirty="0" err="1"/>
+              <a:t>and</a:t>
+            </a:r>
+            <a:r>
+              <a:rPr lang="de-DE" dirty="0"/>
+              <a:t> Lee, S.-I. (2017). A </a:t>
+            </a:r>
+            <a:r>
+              <a:rPr lang="de-DE" dirty="0" err="1"/>
+              <a:t>unified</a:t>
+            </a:r>
+            <a:r>
+              <a:rPr lang="de-DE" dirty="0"/>
+              <a:t> </a:t>
+            </a:r>
+            <a:r>
+              <a:rPr lang="de-DE" dirty="0" err="1"/>
+              <a:t>approach</a:t>
+            </a:r>
+            <a:r>
+              <a:rPr lang="de-DE" dirty="0"/>
+              <a:t> </a:t>
+            </a:r>
+            <a:r>
+              <a:rPr lang="de-DE" dirty="0" err="1"/>
+              <a:t>to</a:t>
+            </a:r>
+            <a:r>
+              <a:rPr lang="de-DE" dirty="0"/>
+              <a:t> </a:t>
+            </a:r>
+            <a:r>
+              <a:rPr lang="de-DE" dirty="0" err="1"/>
+              <a:t>interpreting</a:t>
+            </a:r>
+            <a:r>
+              <a:rPr lang="de-DE" dirty="0"/>
+              <a:t> </a:t>
+            </a:r>
+            <a:r>
+              <a:rPr lang="de-DE" dirty="0" err="1"/>
+              <a:t>model</a:t>
+            </a:r>
+            <a:r>
+              <a:rPr lang="de-DE" dirty="0"/>
+              <a:t> </a:t>
+            </a:r>
+            <a:r>
+              <a:rPr lang="de-DE" dirty="0" err="1"/>
+              <a:t>predictions.Advances</a:t>
+            </a:r>
+            <a:r>
+              <a:rPr lang="de-DE" dirty="0"/>
+              <a:t> in </a:t>
+            </a:r>
+            <a:r>
+              <a:rPr lang="de-DE" dirty="0" err="1"/>
+              <a:t>neural</a:t>
+            </a:r>
+            <a:r>
+              <a:rPr lang="de-DE" dirty="0"/>
+              <a:t> </a:t>
+            </a:r>
+            <a:r>
+              <a:rPr lang="de-DE" dirty="0" err="1"/>
+              <a:t>information</a:t>
+            </a:r>
+            <a:r>
+              <a:rPr lang="de-DE" dirty="0"/>
+              <a:t> </a:t>
+            </a:r>
+            <a:r>
+              <a:rPr lang="de-DE" dirty="0" err="1"/>
+              <a:t>processing</a:t>
+            </a:r>
+            <a:r>
+              <a:rPr lang="de-DE" dirty="0"/>
+              <a:t> </a:t>
+            </a:r>
+            <a:r>
+              <a:rPr lang="de-DE" dirty="0" err="1"/>
+              <a:t>systems</a:t>
+            </a:r>
+            <a:r>
+              <a:rPr lang="de-DE" dirty="0"/>
+              <a:t>, 30.</a:t>
+            </a:r>
+          </a:p>
+          <a:p>
+            <a:r>
+              <a:rPr lang="de-DE" dirty="0"/>
+              <a:t>Nowak, A. S. </a:t>
+            </a:r>
+            <a:r>
+              <a:rPr lang="de-DE" dirty="0" err="1"/>
+              <a:t>and</a:t>
+            </a:r>
+            <a:r>
+              <a:rPr lang="de-DE" dirty="0"/>
+              <a:t> </a:t>
+            </a:r>
+            <a:r>
+              <a:rPr lang="de-DE" dirty="0" err="1"/>
+              <a:t>Radzik</a:t>
+            </a:r>
+            <a:r>
+              <a:rPr lang="de-DE" dirty="0"/>
+              <a:t>, T. (1994). The </a:t>
+            </a:r>
+            <a:r>
+              <a:rPr lang="de-DE" dirty="0" err="1"/>
+              <a:t>shapley</a:t>
+            </a:r>
+            <a:r>
+              <a:rPr lang="de-DE" dirty="0"/>
+              <a:t> </a:t>
+            </a:r>
+            <a:r>
+              <a:rPr lang="de-DE" dirty="0" err="1"/>
+              <a:t>value</a:t>
+            </a:r>
+            <a:r>
+              <a:rPr lang="de-DE" dirty="0"/>
+              <a:t> </a:t>
+            </a:r>
+            <a:r>
+              <a:rPr lang="de-DE" dirty="0" err="1"/>
+              <a:t>for</a:t>
+            </a:r>
+            <a:r>
+              <a:rPr lang="de-DE" dirty="0"/>
+              <a:t> </a:t>
+            </a:r>
+            <a:r>
+              <a:rPr lang="de-DE" dirty="0" err="1"/>
+              <a:t>n</a:t>
+            </a:r>
+            <a:r>
+              <a:rPr lang="de-DE" dirty="0"/>
+              <a:t>-person </a:t>
+            </a:r>
+            <a:r>
+              <a:rPr lang="de-DE" dirty="0" err="1"/>
+              <a:t>games</a:t>
+            </a:r>
+            <a:r>
+              <a:rPr lang="de-DE" dirty="0"/>
+              <a:t> in </a:t>
+            </a:r>
+            <a:r>
+              <a:rPr lang="de-DE" dirty="0" err="1"/>
+              <a:t>generalized</a:t>
+            </a:r>
+            <a:r>
+              <a:rPr lang="de-DE" dirty="0"/>
+              <a:t> </a:t>
+            </a:r>
+            <a:r>
+              <a:rPr lang="de-DE" dirty="0" err="1"/>
+              <a:t>characteristic</a:t>
+            </a:r>
+            <a:r>
+              <a:rPr lang="de-DE" dirty="0"/>
+              <a:t> </a:t>
+            </a:r>
+            <a:r>
+              <a:rPr lang="de-DE" dirty="0" err="1"/>
+              <a:t>function</a:t>
+            </a:r>
+            <a:r>
+              <a:rPr lang="de-DE" dirty="0"/>
+              <a:t> </a:t>
+            </a:r>
+            <a:r>
+              <a:rPr lang="de-DE" dirty="0" err="1"/>
+              <a:t>form.Games</a:t>
+            </a:r>
+            <a:r>
+              <a:rPr lang="de-DE" dirty="0"/>
+              <a:t> </a:t>
+            </a:r>
+            <a:r>
+              <a:rPr lang="de-DE" dirty="0" err="1"/>
+              <a:t>and</a:t>
+            </a:r>
+            <a:r>
+              <a:rPr lang="de-DE" dirty="0"/>
+              <a:t> </a:t>
+            </a:r>
+            <a:r>
+              <a:rPr lang="de-DE" dirty="0" err="1"/>
+              <a:t>Economic</a:t>
+            </a:r>
+            <a:r>
+              <a:rPr lang="de-DE" dirty="0"/>
+              <a:t> </a:t>
+            </a:r>
+            <a:r>
+              <a:rPr lang="de-DE" dirty="0" err="1"/>
+              <a:t>Behavior</a:t>
+            </a:r>
+            <a:r>
+              <a:rPr lang="de-DE" dirty="0"/>
+              <a:t>, 6(1):150–161.</a:t>
+            </a:r>
+          </a:p>
+          <a:p>
+            <a:r>
+              <a:rPr lang="de-DE" dirty="0"/>
+              <a:t>He, K., Zhang, X., Ren, S., </a:t>
+            </a:r>
+            <a:r>
+              <a:rPr lang="de-DE" dirty="0" err="1"/>
+              <a:t>and</a:t>
+            </a:r>
+            <a:r>
+              <a:rPr lang="de-DE" dirty="0"/>
+              <a:t> Sun, J. (2016). </a:t>
+            </a:r>
+            <a:r>
+              <a:rPr lang="de-DE" dirty="0" err="1"/>
+              <a:t>Deep</a:t>
+            </a:r>
+            <a:r>
+              <a:rPr lang="de-DE" dirty="0"/>
+              <a:t> residual </a:t>
+            </a:r>
+            <a:r>
+              <a:rPr lang="de-DE" dirty="0" err="1"/>
+              <a:t>learning</a:t>
+            </a:r>
+            <a:r>
+              <a:rPr lang="de-DE" dirty="0"/>
+              <a:t> </a:t>
+            </a:r>
+            <a:r>
+              <a:rPr lang="de-DE" dirty="0" err="1"/>
+              <a:t>for</a:t>
+            </a:r>
+            <a:r>
+              <a:rPr lang="de-DE" dirty="0"/>
+              <a:t> </a:t>
+            </a:r>
+            <a:r>
+              <a:rPr lang="de-DE" dirty="0" err="1"/>
+              <a:t>image</a:t>
+            </a:r>
+            <a:r>
+              <a:rPr lang="de-DE" dirty="0"/>
+              <a:t> </a:t>
+            </a:r>
+            <a:r>
+              <a:rPr lang="de-DE" dirty="0" err="1"/>
+              <a:t>recognition.In</a:t>
+            </a:r>
+            <a:r>
+              <a:rPr lang="de-DE" dirty="0"/>
+              <a:t> </a:t>
+            </a:r>
+            <a:r>
+              <a:rPr lang="de-DE" dirty="0" err="1"/>
+              <a:t>Proceedings</a:t>
+            </a:r>
+            <a:r>
+              <a:rPr lang="de-DE" dirty="0"/>
+              <a:t> </a:t>
+            </a:r>
+            <a:r>
+              <a:rPr lang="de-DE" dirty="0" err="1"/>
+              <a:t>of</a:t>
+            </a:r>
+            <a:r>
+              <a:rPr lang="de-DE" dirty="0"/>
+              <a:t> </a:t>
+            </a:r>
+            <a:r>
+              <a:rPr lang="de-DE" dirty="0" err="1"/>
+              <a:t>the</a:t>
+            </a:r>
+            <a:r>
+              <a:rPr lang="de-DE" dirty="0"/>
+              <a:t> IEEE </a:t>
+            </a:r>
+            <a:r>
+              <a:rPr lang="de-DE" dirty="0" err="1"/>
+              <a:t>conference</a:t>
+            </a:r>
+            <a:r>
+              <a:rPr lang="de-DE" dirty="0"/>
+              <a:t> on </a:t>
+            </a:r>
+            <a:r>
+              <a:rPr lang="de-DE" dirty="0" err="1"/>
+              <a:t>computer</a:t>
+            </a:r>
+            <a:r>
+              <a:rPr lang="de-DE" dirty="0"/>
+              <a:t> </a:t>
+            </a:r>
+            <a:r>
+              <a:rPr lang="de-DE" dirty="0" err="1"/>
+              <a:t>vision</a:t>
+            </a:r>
+            <a:r>
+              <a:rPr lang="de-DE" dirty="0"/>
+              <a:t> </a:t>
+            </a:r>
+            <a:r>
+              <a:rPr lang="de-DE" dirty="0" err="1"/>
+              <a:t>and</a:t>
+            </a:r>
+            <a:r>
+              <a:rPr lang="de-DE" dirty="0"/>
+              <a:t> </a:t>
+            </a:r>
+            <a:r>
+              <a:rPr lang="de-DE" dirty="0" err="1"/>
+              <a:t>pattern</a:t>
+            </a:r>
+            <a:r>
+              <a:rPr lang="de-DE" dirty="0"/>
+              <a:t> </a:t>
+            </a:r>
+            <a:r>
+              <a:rPr lang="de-DE" dirty="0" err="1"/>
+              <a:t>recognition</a:t>
+            </a:r>
+            <a:r>
+              <a:rPr lang="de-DE" dirty="0"/>
+              <a:t>, pages770–778</a:t>
+            </a:r>
+          </a:p>
+          <a:p>
+            <a:r>
+              <a:rPr lang="de-DE" dirty="0"/>
+              <a:t>Chen, T. </a:t>
+            </a:r>
+            <a:r>
+              <a:rPr lang="de-DE" dirty="0" err="1"/>
+              <a:t>and</a:t>
+            </a:r>
+            <a:r>
+              <a:rPr lang="de-DE" dirty="0"/>
+              <a:t> </a:t>
+            </a:r>
+            <a:r>
+              <a:rPr lang="de-DE" dirty="0" err="1"/>
+              <a:t>Guestrin</a:t>
+            </a:r>
+            <a:r>
+              <a:rPr lang="de-DE" dirty="0"/>
+              <a:t>, C. (2016). </a:t>
+            </a:r>
+            <a:r>
+              <a:rPr lang="de-DE" dirty="0" err="1"/>
+              <a:t>Xgboost</a:t>
+            </a:r>
+            <a:r>
+              <a:rPr lang="de-DE" dirty="0"/>
+              <a:t>: A </a:t>
+            </a:r>
+            <a:r>
+              <a:rPr lang="de-DE" dirty="0" err="1"/>
+              <a:t>scalable</a:t>
+            </a:r>
+            <a:r>
+              <a:rPr lang="de-DE" dirty="0"/>
+              <a:t> </a:t>
+            </a:r>
+            <a:r>
+              <a:rPr lang="de-DE" dirty="0" err="1"/>
+              <a:t>tree</a:t>
+            </a:r>
+            <a:r>
+              <a:rPr lang="de-DE" dirty="0"/>
+              <a:t> </a:t>
+            </a:r>
+            <a:r>
+              <a:rPr lang="de-DE" dirty="0" err="1"/>
+              <a:t>boosting</a:t>
+            </a:r>
+            <a:r>
+              <a:rPr lang="de-DE" dirty="0"/>
+              <a:t> </a:t>
+            </a:r>
+            <a:r>
+              <a:rPr lang="de-DE" dirty="0" err="1"/>
+              <a:t>system</a:t>
+            </a:r>
+            <a:r>
+              <a:rPr lang="de-DE" dirty="0"/>
+              <a:t>. </a:t>
+            </a:r>
+            <a:r>
+              <a:rPr lang="de-DE" dirty="0" err="1"/>
+              <a:t>InProceedingsof</a:t>
+            </a:r>
+            <a:r>
+              <a:rPr lang="de-DE" dirty="0"/>
+              <a:t> </a:t>
+            </a:r>
+            <a:r>
+              <a:rPr lang="de-DE" dirty="0" err="1"/>
+              <a:t>the</a:t>
+            </a:r>
+            <a:r>
+              <a:rPr lang="de-DE" dirty="0"/>
+              <a:t> 22nd </a:t>
+            </a:r>
+            <a:r>
+              <a:rPr lang="de-DE" dirty="0" err="1"/>
+              <a:t>acm</a:t>
+            </a:r>
+            <a:r>
+              <a:rPr lang="de-DE" dirty="0"/>
+              <a:t> </a:t>
+            </a:r>
+            <a:r>
+              <a:rPr lang="de-DE" dirty="0" err="1"/>
+              <a:t>sigkdd</a:t>
+            </a:r>
+            <a:r>
+              <a:rPr lang="de-DE" dirty="0"/>
+              <a:t> international </a:t>
+            </a:r>
+            <a:r>
+              <a:rPr lang="de-DE" dirty="0" err="1"/>
+              <a:t>conference</a:t>
+            </a:r>
+            <a:r>
+              <a:rPr lang="de-DE" dirty="0"/>
+              <a:t> on </a:t>
+            </a:r>
+            <a:r>
+              <a:rPr lang="de-DE" dirty="0" err="1"/>
+              <a:t>knowledge</a:t>
+            </a:r>
+            <a:r>
+              <a:rPr lang="de-DE" dirty="0"/>
+              <a:t> </a:t>
+            </a:r>
+            <a:r>
+              <a:rPr lang="de-DE" dirty="0" err="1"/>
+              <a:t>discovery</a:t>
+            </a:r>
+            <a:r>
+              <a:rPr lang="de-DE" dirty="0"/>
+              <a:t> </a:t>
+            </a:r>
+            <a:r>
+              <a:rPr lang="de-DE" dirty="0" err="1"/>
+              <a:t>and</a:t>
+            </a:r>
+            <a:r>
+              <a:rPr lang="de-DE" dirty="0"/>
+              <a:t> </a:t>
+            </a:r>
+            <a:r>
+              <a:rPr lang="de-DE" dirty="0" err="1"/>
+              <a:t>data</a:t>
+            </a:r>
+            <a:r>
+              <a:rPr lang="de-DE" dirty="0"/>
+              <a:t> </a:t>
+            </a:r>
+            <a:r>
+              <a:rPr lang="de-DE" dirty="0" err="1"/>
+              <a:t>mining,pages</a:t>
+            </a:r>
+            <a:r>
+              <a:rPr lang="de-DE" dirty="0"/>
+              <a:t> 785–794.</a:t>
+            </a:r>
+            <a:endParaRPr lang="en-US" dirty="0"/>
+          </a:p>
+        </p:txBody>
+      </p:sp>
+      <p:sp>
+        <p:nvSpPr>
+          <p:cNvPr id="114" name="Fußzeilenplatzhalter 113"/>
           <p:cNvSpPr>
             <a:spLocks noGrp="1"/>
           </p:cNvSpPr>
           <p:nvPr>
-            <p:ph type="pic" sz="quarter" idx="11"/>
+            <p:ph type="ftr" sz="quarter" idx="3"/>
           </p:nvPr>
         </p:nvSpPr>
         <p:spPr/>
-      </p:sp>
-      <p:sp>
-        <p:nvSpPr>
-          <p:cNvPr id="5" name="Textplatzhalter 4"/>
+        <p:txBody>
+          <a:bodyPr/>
+          <a:lstStyle/>
+          <a:p>
+            <a:r>
+              <a:rPr lang="de-DE"/>
+              <a:t>AirBnB Dublin</a:t>
+            </a:r>
+            <a:endParaRPr lang="de-DE" dirty="0"/>
+          </a:p>
+        </p:txBody>
+      </p:sp>
+      <p:sp>
+        <p:nvSpPr>
+          <p:cNvPr id="112" name="Datumsplatzhalter 111"/>
+          <p:cNvSpPr>
+            <a:spLocks noGrp="1"/>
+          </p:cNvSpPr>
+          <p:nvPr>
+            <p:ph type="dt" sz="half" idx="2"/>
+          </p:nvPr>
+        </p:nvSpPr>
+        <p:spPr/>
+        <p:txBody>
+          <a:bodyPr/>
+          <a:lstStyle/>
+          <a:p>
+            <a:fld id="{CC20FDC8-577F-BA4C-AB67-2A5F0E3289A5}" type="datetime1">
+              <a:rPr lang="de-DE" smtClean="0"/>
+              <a:t>19.02.22</a:t>
+            </a:fld>
+            <a:endParaRPr lang="en-US" dirty="0"/>
+          </a:p>
+        </p:txBody>
+      </p:sp>
+      <p:sp>
+        <p:nvSpPr>
+          <p:cNvPr id="9" name="Textplatzhalter 8"/>
           <p:cNvSpPr>
             <a:spLocks noGrp="1"/>
           </p:cNvSpPr>
@@ -5274,11 +8643,3670 @@
           <a:bodyPr/>
           <a:lstStyle/>
           <a:p>
+            <a:endParaRPr lang="de-DE" dirty="0"/>
+          </a:p>
+        </p:txBody>
+      </p:sp>
+    </p:spTree>
+    <p:extLst>
+      <p:ext uri="{BB962C8B-B14F-4D97-AF65-F5344CB8AC3E}">
+        <p14:creationId xmlns:p14="http://schemas.microsoft.com/office/powerpoint/2010/main" val="1948057580"/>
+      </p:ext>
+    </p:extLst>
+  </p:cSld>
+  <p:clrMapOvr>
+    <a:masterClrMapping/>
+  </p:clrMapOvr>
+  <p:transition>
+    <p:fade/>
+  </p:transition>
+</p:sld>
+</file>
+
+<file path=ppt/slides/slide2.xml><?xml version="1.0" encoding="utf-8"?>
+<p:sld xmlns:a="http://schemas.openxmlformats.org/drawingml/2006/main" xmlns:r="http://schemas.openxmlformats.org/officeDocument/2006/relationships" xmlns:p="http://schemas.openxmlformats.org/presentationml/2006/main">
+  <p:cSld>
+    <p:spTree>
+      <p:nvGrpSpPr>
+        <p:cNvPr id="1" name=""/>
+        <p:cNvGrpSpPr/>
+        <p:nvPr/>
+      </p:nvGrpSpPr>
+      <p:grpSpPr>
+        <a:xfrm>
+          <a:off x="0" y="0"/>
+          <a:ext cx="0" cy="0"/>
+          <a:chOff x="0" y="0"/>
+          <a:chExt cx="0" cy="0"/>
+        </a:xfrm>
+      </p:grpSpPr>
+      <p:sp>
+        <p:nvSpPr>
+          <p:cNvPr id="62" name="object 62"/>
+          <p:cNvSpPr txBox="1">
+            <a:spLocks noGrp="1"/>
+          </p:cNvSpPr>
+          <p:nvPr>
+            <p:ph type="title"/>
+          </p:nvPr>
+        </p:nvSpPr>
+        <p:spPr/>
+        <p:txBody>
+          <a:bodyPr/>
+          <a:lstStyle/>
+          <a:p>
+            <a:r>
+              <a:rPr lang="de-DE" dirty="0"/>
+              <a:t>Data Dublin</a:t>
+            </a:r>
+          </a:p>
+        </p:txBody>
+      </p:sp>
+      <p:sp>
+        <p:nvSpPr>
+          <p:cNvPr id="61" name="object 61"/>
+          <p:cNvSpPr txBox="1">
+            <a:spLocks noGrp="1"/>
+          </p:cNvSpPr>
+          <p:nvPr>
+            <p:ph type="body" idx="1"/>
+          </p:nvPr>
+        </p:nvSpPr>
+        <p:spPr>
+          <a:xfrm>
+            <a:off x="660797" y="1635090"/>
+            <a:ext cx="5811749" cy="3334246"/>
+          </a:xfrm>
+        </p:spPr>
+        <p:txBody>
+          <a:bodyPr/>
+          <a:lstStyle/>
+          <a:p>
+            <a:pPr indent="0">
+              <a:buNone/>
+            </a:pPr>
+            <a:r>
+              <a:rPr lang="en-US" b="1" dirty="0"/>
+              <a:t>What did we have to deal with?</a:t>
+            </a:r>
+          </a:p>
+          <a:p>
+            <a:r>
+              <a:rPr lang="en-US" dirty="0"/>
+              <a:t>6976 listings</a:t>
+            </a:r>
+          </a:p>
+          <a:p>
+            <a:r>
+              <a:rPr lang="en-US" dirty="0"/>
+              <a:t>74 variables</a:t>
+            </a:r>
+          </a:p>
+          <a:p>
+            <a:r>
+              <a:rPr lang="en-US" dirty="0"/>
+              <a:t>86.899 images</a:t>
+            </a:r>
+          </a:p>
+          <a:p>
+            <a:r>
+              <a:rPr lang="en-US" dirty="0"/>
+              <a:t>214.934 reviews</a:t>
+            </a:r>
+          </a:p>
+          <a:p>
+            <a:endParaRPr lang="en-US" dirty="0"/>
+          </a:p>
+          <a:p>
+            <a:pPr indent="0">
+              <a:buNone/>
+            </a:pPr>
+            <a:r>
+              <a:rPr lang="en-US" b="1" dirty="0"/>
+              <a:t>Tidy up:</a:t>
+            </a:r>
+          </a:p>
+          <a:p>
+            <a:r>
+              <a:rPr lang="en-US" dirty="0"/>
+              <a:t>hotels, hostels </a:t>
+            </a:r>
+          </a:p>
+          <a:p>
+            <a:r>
+              <a:rPr lang="en-US" dirty="0"/>
+              <a:t>non-informative variables</a:t>
+            </a:r>
+          </a:p>
+          <a:p>
+            <a:r>
+              <a:rPr lang="en-US" dirty="0"/>
+              <a:t>unrealistic prices</a:t>
+            </a:r>
+          </a:p>
+          <a:p>
+            <a:pPr indent="0">
+              <a:buNone/>
+            </a:pPr>
+            <a:endParaRPr lang="en-US" dirty="0"/>
+          </a:p>
+          <a:p>
+            <a:endParaRPr lang="en-US" dirty="0"/>
+          </a:p>
+        </p:txBody>
+      </p:sp>
+      <p:sp>
+        <p:nvSpPr>
+          <p:cNvPr id="114" name="Fußzeilenplatzhalter 113"/>
+          <p:cNvSpPr>
+            <a:spLocks noGrp="1"/>
+          </p:cNvSpPr>
+          <p:nvPr>
+            <p:ph type="ftr" sz="quarter" idx="3"/>
+          </p:nvPr>
+        </p:nvSpPr>
+        <p:spPr/>
+        <p:txBody>
+          <a:bodyPr/>
+          <a:lstStyle/>
+          <a:p>
+            <a:r>
+              <a:rPr lang="de-DE"/>
+              <a:t>AirBnB Dublin</a:t>
+            </a:r>
+            <a:endParaRPr lang="de-DE" dirty="0"/>
+          </a:p>
+        </p:txBody>
+      </p:sp>
+      <p:sp>
+        <p:nvSpPr>
+          <p:cNvPr id="112" name="Datumsplatzhalter 111"/>
+          <p:cNvSpPr>
+            <a:spLocks noGrp="1"/>
+          </p:cNvSpPr>
+          <p:nvPr>
+            <p:ph type="dt" sz="half" idx="2"/>
+          </p:nvPr>
+        </p:nvSpPr>
+        <p:spPr/>
+        <p:txBody>
+          <a:bodyPr/>
+          <a:lstStyle/>
+          <a:p>
+            <a:fld id="{5F432451-C608-3342-ACB1-3ECC3635556A}" type="datetime1">
+              <a:rPr lang="de-DE" smtClean="0"/>
+              <a:t>19.02.22</a:t>
+            </a:fld>
+            <a:endParaRPr lang="en-US" dirty="0"/>
+          </a:p>
+        </p:txBody>
+      </p:sp>
+      <p:sp>
+        <p:nvSpPr>
+          <p:cNvPr id="9" name="Textplatzhalter 8"/>
+          <p:cNvSpPr>
+            <a:spLocks noGrp="1"/>
+          </p:cNvSpPr>
+          <p:nvPr>
+            <p:ph type="body" sz="quarter" idx="4294967295"/>
+          </p:nvPr>
+        </p:nvSpPr>
+        <p:spPr>
+          <a:xfrm>
+            <a:off x="5965031" y="277937"/>
+            <a:ext cx="2839641" cy="276999"/>
+          </a:xfrm>
+        </p:spPr>
+        <p:txBody>
+          <a:bodyPr/>
+          <a:lstStyle/>
+          <a:p>
             <a:endParaRPr lang="de-DE"/>
           </a:p>
         </p:txBody>
       </p:sp>
+      <p:pic>
+        <p:nvPicPr>
+          <p:cNvPr id="3" name="Grafik 2">
+            <a:extLst>
+              <a:ext uri="{FF2B5EF4-FFF2-40B4-BE49-F238E27FC236}">
+                <a16:creationId xmlns:a16="http://schemas.microsoft.com/office/drawing/2014/main" id="{66A87B25-2D4A-9249-A4F8-A05838C3609E}"/>
+              </a:ext>
+            </a:extLst>
+          </p:cNvPr>
+          <p:cNvPicPr>
+            <a:picLocks noChangeAspect="1"/>
+          </p:cNvPicPr>
+          <p:nvPr/>
+        </p:nvPicPr>
+        <p:blipFill rotWithShape="1">
+          <a:blip r:embed="rId3">
+            <a:extLst>
+              <a:ext uri="{28A0092B-C50C-407E-A947-70E740481C1C}">
+                <a14:useLocalDpi xmlns:a14="http://schemas.microsoft.com/office/drawing/2010/main" val="0"/>
+              </a:ext>
+            </a:extLst>
+          </a:blip>
+          <a:srcRect t="50288"/>
+          <a:stretch/>
+        </p:blipFill>
+        <p:spPr>
+          <a:xfrm>
+            <a:off x="3347864" y="3477649"/>
+            <a:ext cx="3387606" cy="1264103"/>
+          </a:xfrm>
+          <a:prstGeom prst="rect">
+            <a:avLst/>
+          </a:prstGeom>
+        </p:spPr>
+      </p:pic>
+      <p:sp>
+        <p:nvSpPr>
+          <p:cNvPr id="4" name="Multiplizieren 3">
+            <a:extLst>
+              <a:ext uri="{FF2B5EF4-FFF2-40B4-BE49-F238E27FC236}">
+                <a16:creationId xmlns:a16="http://schemas.microsoft.com/office/drawing/2014/main" id="{EACBADF9-F270-6B48-B395-AF09F4E05BCE}"/>
+              </a:ext>
+            </a:extLst>
+          </p:cNvPr>
+          <p:cNvSpPr/>
+          <p:nvPr/>
+        </p:nvSpPr>
+        <p:spPr>
+          <a:xfrm>
+            <a:off x="590362" y="3579862"/>
+            <a:ext cx="288032" cy="287427"/>
+          </a:xfrm>
+          <a:prstGeom prst="mathMultiply">
+            <a:avLst/>
+          </a:prstGeom>
+        </p:spPr>
+        <p:style>
+          <a:lnRef idx="2">
+            <a:schemeClr val="accent2">
+              <a:shade val="50000"/>
+            </a:schemeClr>
+          </a:lnRef>
+          <a:fillRef idx="1">
+            <a:schemeClr val="accent2"/>
+          </a:fillRef>
+          <a:effectRef idx="0">
+            <a:schemeClr val="accent2"/>
+          </a:effectRef>
+          <a:fontRef idx="minor">
+            <a:schemeClr val="lt1"/>
+          </a:fontRef>
+        </p:style>
+        <p:txBody>
+          <a:bodyPr rtlCol="0" anchor="ctr"/>
+          <a:lstStyle/>
+          <a:p>
+            <a:pPr algn="ctr"/>
+            <a:endParaRPr lang="de-DE"/>
+          </a:p>
+        </p:txBody>
+      </p:sp>
+      <p:sp>
+        <p:nvSpPr>
+          <p:cNvPr id="11" name="Multiplizieren 10">
+            <a:extLst>
+              <a:ext uri="{FF2B5EF4-FFF2-40B4-BE49-F238E27FC236}">
+                <a16:creationId xmlns:a16="http://schemas.microsoft.com/office/drawing/2014/main" id="{AA618ACD-BD62-6747-9702-76140EFF0EB4}"/>
+              </a:ext>
+            </a:extLst>
+          </p:cNvPr>
+          <p:cNvSpPr/>
+          <p:nvPr/>
+        </p:nvSpPr>
+        <p:spPr>
+          <a:xfrm>
+            <a:off x="581816" y="3853327"/>
+            <a:ext cx="288032" cy="287427"/>
+          </a:xfrm>
+          <a:prstGeom prst="mathMultiply">
+            <a:avLst/>
+          </a:prstGeom>
+        </p:spPr>
+        <p:style>
+          <a:lnRef idx="2">
+            <a:schemeClr val="accent2">
+              <a:shade val="50000"/>
+            </a:schemeClr>
+          </a:lnRef>
+          <a:fillRef idx="1">
+            <a:schemeClr val="accent2"/>
+          </a:fillRef>
+          <a:effectRef idx="0">
+            <a:schemeClr val="accent2"/>
+          </a:effectRef>
+          <a:fontRef idx="minor">
+            <a:schemeClr val="lt1"/>
+          </a:fontRef>
+        </p:style>
+        <p:txBody>
+          <a:bodyPr rtlCol="0" anchor="ctr"/>
+          <a:lstStyle/>
+          <a:p>
+            <a:pPr algn="ctr"/>
+            <a:endParaRPr lang="de-DE"/>
+          </a:p>
+        </p:txBody>
+      </p:sp>
+      <p:sp>
+        <p:nvSpPr>
+          <p:cNvPr id="12" name="Multiplizieren 11">
+            <a:extLst>
+              <a:ext uri="{FF2B5EF4-FFF2-40B4-BE49-F238E27FC236}">
+                <a16:creationId xmlns:a16="http://schemas.microsoft.com/office/drawing/2014/main" id="{CD272E9C-01B7-EB41-9783-F76ADBF25A59}"/>
+              </a:ext>
+            </a:extLst>
+          </p:cNvPr>
+          <p:cNvSpPr/>
+          <p:nvPr/>
+        </p:nvSpPr>
+        <p:spPr>
+          <a:xfrm>
+            <a:off x="581816" y="4109701"/>
+            <a:ext cx="288032" cy="287427"/>
+          </a:xfrm>
+          <a:prstGeom prst="mathMultiply">
+            <a:avLst/>
+          </a:prstGeom>
+        </p:spPr>
+        <p:style>
+          <a:lnRef idx="2">
+            <a:schemeClr val="accent2">
+              <a:shade val="50000"/>
+            </a:schemeClr>
+          </a:lnRef>
+          <a:fillRef idx="1">
+            <a:schemeClr val="accent2"/>
+          </a:fillRef>
+          <a:effectRef idx="0">
+            <a:schemeClr val="accent2"/>
+          </a:effectRef>
+          <a:fontRef idx="minor">
+            <a:schemeClr val="lt1"/>
+          </a:fontRef>
+        </p:style>
+        <p:txBody>
+          <a:bodyPr rtlCol="0" anchor="ctr"/>
+          <a:lstStyle/>
+          <a:p>
+            <a:pPr algn="ctr"/>
+            <a:endParaRPr lang="de-DE"/>
+          </a:p>
+        </p:txBody>
+      </p:sp>
+      <p:sp>
+        <p:nvSpPr>
+          <p:cNvPr id="13" name="object 61">
+            <a:extLst>
+              <a:ext uri="{FF2B5EF4-FFF2-40B4-BE49-F238E27FC236}">
+                <a16:creationId xmlns:a16="http://schemas.microsoft.com/office/drawing/2014/main" id="{C8AF5C30-08DF-6B41-B4D7-42BDCB2A3A92}"/>
+              </a:ext>
+            </a:extLst>
+          </p:cNvPr>
+          <p:cNvSpPr txBox="1">
+            <a:spLocks/>
+          </p:cNvSpPr>
+          <p:nvPr/>
+        </p:nvSpPr>
+        <p:spPr>
+          <a:xfrm>
+            <a:off x="4338343" y="1614678"/>
+            <a:ext cx="3993007" cy="1641475"/>
+          </a:xfrm>
+          <a:prstGeom prst="rect">
+            <a:avLst/>
+          </a:prstGeom>
+        </p:spPr>
+        <p:txBody>
+          <a:bodyPr wrap="square" lIns="0" tIns="0" rIns="0" bIns="0">
+            <a:spAutoFit/>
+          </a:bodyPr>
+          <a:lstStyle>
+            <a:lvl1pPr marL="0" indent="269875" defTabSz="266400">
+              <a:spcAft>
+                <a:spcPts val="377"/>
+              </a:spcAft>
+              <a:buClr>
+                <a:schemeClr val="accent1">
+                  <a:lumMod val="40000"/>
+                  <a:lumOff val="60000"/>
+                </a:schemeClr>
+              </a:buClr>
+              <a:buSzPct val="104000"/>
+              <a:buFont typeface="Wingdings" charset="2"/>
+              <a:buChar char="§"/>
+              <a:defRPr sz="1500" b="0" i="0" baseline="0">
+                <a:solidFill>
+                  <a:srgbClr val="595959"/>
+                </a:solidFill>
+                <a:latin typeface="+mj-lt"/>
+                <a:ea typeface="+mn-ea"/>
+                <a:cs typeface=""/>
+              </a:defRPr>
+            </a:lvl1pPr>
+            <a:lvl2pPr marL="286984">
+              <a:defRPr>
+                <a:latin typeface="+mn-lt"/>
+                <a:ea typeface="+mn-ea"/>
+                <a:cs typeface="+mn-cs"/>
+              </a:defRPr>
+            </a:lvl2pPr>
+            <a:lvl3pPr marL="573969">
+              <a:defRPr>
+                <a:latin typeface="+mn-lt"/>
+                <a:ea typeface="+mn-ea"/>
+                <a:cs typeface="+mn-cs"/>
+              </a:defRPr>
+            </a:lvl3pPr>
+            <a:lvl4pPr marL="860953">
+              <a:defRPr>
+                <a:latin typeface="+mn-lt"/>
+                <a:ea typeface="+mn-ea"/>
+                <a:cs typeface="+mn-cs"/>
+              </a:defRPr>
+            </a:lvl4pPr>
+            <a:lvl5pPr marL="1147938">
+              <a:defRPr>
+                <a:latin typeface="+mn-lt"/>
+                <a:ea typeface="+mn-ea"/>
+                <a:cs typeface="+mn-cs"/>
+              </a:defRPr>
+            </a:lvl5pPr>
+            <a:lvl6pPr marL="1434922">
+              <a:defRPr>
+                <a:latin typeface="+mn-lt"/>
+                <a:ea typeface="+mn-ea"/>
+                <a:cs typeface="+mn-cs"/>
+              </a:defRPr>
+            </a:lvl6pPr>
+            <a:lvl7pPr marL="1721907">
+              <a:defRPr>
+                <a:latin typeface="+mn-lt"/>
+                <a:ea typeface="+mn-ea"/>
+                <a:cs typeface="+mn-cs"/>
+              </a:defRPr>
+            </a:lvl7pPr>
+            <a:lvl8pPr marL="2008891">
+              <a:defRPr>
+                <a:latin typeface="+mn-lt"/>
+                <a:ea typeface="+mn-ea"/>
+                <a:cs typeface="+mn-cs"/>
+              </a:defRPr>
+            </a:lvl8pPr>
+            <a:lvl9pPr marL="2295876">
+              <a:defRPr>
+                <a:latin typeface="+mn-lt"/>
+                <a:ea typeface="+mn-ea"/>
+                <a:cs typeface="+mn-cs"/>
+              </a:defRPr>
+            </a:lvl9pPr>
+          </a:lstStyle>
+          <a:p>
+            <a:pPr indent="0">
+              <a:buNone/>
+            </a:pPr>
+            <a:r>
+              <a:rPr lang="en-US" b="1" kern="0" dirty="0"/>
+              <a:t>Process</a:t>
+            </a:r>
+          </a:p>
+          <a:p>
+            <a:pPr marL="342900" indent="-342900">
+              <a:buFont typeface="+mj-lt"/>
+              <a:buAutoNum type="arabicPeriod"/>
+            </a:pPr>
+            <a:r>
+              <a:rPr lang="en-US" kern="0" dirty="0"/>
+              <a:t>Numerical variables</a:t>
+            </a:r>
+          </a:p>
+          <a:p>
+            <a:pPr marL="342900" indent="-342900">
+              <a:buFont typeface="+mj-lt"/>
+              <a:buAutoNum type="arabicPeriod"/>
+            </a:pPr>
+            <a:r>
+              <a:rPr lang="en-US" kern="0" dirty="0"/>
+              <a:t>Categorical variables </a:t>
+            </a:r>
+            <a:r>
+              <a:rPr lang="en-US" sz="1200" i="1" kern="0" dirty="0"/>
+              <a:t>(amenities)</a:t>
+            </a:r>
+          </a:p>
+          <a:p>
+            <a:pPr marL="342900" indent="-342900">
+              <a:buFont typeface="+mj-lt"/>
+              <a:buAutoNum type="arabicPeriod"/>
+            </a:pPr>
+            <a:r>
+              <a:rPr lang="en-US" kern="0" dirty="0"/>
+              <a:t>Text variables</a:t>
+            </a:r>
+          </a:p>
+          <a:p>
+            <a:pPr marL="342900" indent="-342900">
+              <a:buFont typeface="+mj-lt"/>
+              <a:buAutoNum type="arabicPeriod"/>
+            </a:pPr>
+            <a:r>
+              <a:rPr lang="en-US" kern="0" dirty="0"/>
+              <a:t>Spatial variables</a:t>
+            </a:r>
+          </a:p>
+          <a:p>
+            <a:pPr marL="342900" indent="-342900">
+              <a:buFont typeface="+mj-lt"/>
+              <a:buAutoNum type="arabicPeriod"/>
+            </a:pPr>
+            <a:r>
+              <a:rPr lang="en-US" kern="0" dirty="0"/>
+              <a:t>Images</a:t>
+            </a:r>
+          </a:p>
+        </p:txBody>
+      </p:sp>
     </p:spTree>
+  </p:cSld>
+  <p:clrMapOvr>
+    <a:masterClrMapping/>
+  </p:clrMapOvr>
+  <p:transition>
+    <p:fade/>
+  </p:transition>
+  <p:timing>
+    <p:tnLst>
+      <p:par>
+        <p:cTn id="1" dur="indefinite" restart="never" nodeType="tmRoot">
+          <p:childTnLst>
+            <p:seq concurrent="1" nextAc="seek">
+              <p:cTn id="2" dur="indefinite" nodeType="mainSeq">
+                <p:childTnLst>
+                  <p:par>
+                    <p:cTn id="3" fill="hold">
+                      <p:stCondLst>
+                        <p:cond delay="indefinite"/>
+                      </p:stCondLst>
+                      <p:childTnLst>
+                        <p:par>
+                          <p:cTn id="4" fill="hold">
+                            <p:stCondLst>
+                              <p:cond delay="0"/>
+                            </p:stCondLst>
+                            <p:childTnLst>
+                              <p:par>
+                                <p:cTn id="5" presetID="1" presetClass="entr" presetSubtype="0" fill="hold" nodeType="clickEffect">
+                                  <p:stCondLst>
+                                    <p:cond delay="0"/>
+                                  </p:stCondLst>
+                                  <p:childTnLst>
+                                    <p:set>
+                                      <p:cBhvr>
+                                        <p:cTn id="6" dur="1" fill="hold">
+                                          <p:stCondLst>
+                                            <p:cond delay="0"/>
+                                          </p:stCondLst>
+                                        </p:cTn>
+                                        <p:tgtEl>
+                                          <p:spTgt spid="61">
+                                            <p:txEl>
+                                              <p:pRg st="6" end="6"/>
+                                            </p:txEl>
+                                          </p:spTgt>
+                                        </p:tgtEl>
+                                        <p:attrNameLst>
+                                          <p:attrName>style.visibility</p:attrName>
+                                        </p:attrNameLst>
+                                      </p:cBhvr>
+                                      <p:to>
+                                        <p:strVal val="visible"/>
+                                      </p:to>
+                                    </p:set>
+                                  </p:childTnLst>
+                                </p:cTn>
+                              </p:par>
+                              <p:par>
+                                <p:cTn id="7" presetID="1" presetClass="entr" presetSubtype="0" fill="hold" nodeType="withEffect">
+                                  <p:stCondLst>
+                                    <p:cond delay="0"/>
+                                  </p:stCondLst>
+                                  <p:childTnLst>
+                                    <p:set>
+                                      <p:cBhvr>
+                                        <p:cTn id="8" dur="1" fill="hold">
+                                          <p:stCondLst>
+                                            <p:cond delay="0"/>
+                                          </p:stCondLst>
+                                        </p:cTn>
+                                        <p:tgtEl>
+                                          <p:spTgt spid="61">
+                                            <p:txEl>
+                                              <p:pRg st="7" end="7"/>
+                                            </p:txEl>
+                                          </p:spTgt>
+                                        </p:tgtEl>
+                                        <p:attrNameLst>
+                                          <p:attrName>style.visibility</p:attrName>
+                                        </p:attrNameLst>
+                                      </p:cBhvr>
+                                      <p:to>
+                                        <p:strVal val="visible"/>
+                                      </p:to>
+                                    </p:set>
+                                  </p:childTnLst>
+                                </p:cTn>
+                              </p:par>
+                              <p:par>
+                                <p:cTn id="9" presetID="1" presetClass="entr" presetSubtype="0" fill="hold" nodeType="withEffect">
+                                  <p:stCondLst>
+                                    <p:cond delay="0"/>
+                                  </p:stCondLst>
+                                  <p:childTnLst>
+                                    <p:set>
+                                      <p:cBhvr>
+                                        <p:cTn id="10" dur="1" fill="hold">
+                                          <p:stCondLst>
+                                            <p:cond delay="0"/>
+                                          </p:stCondLst>
+                                        </p:cTn>
+                                        <p:tgtEl>
+                                          <p:spTgt spid="61">
+                                            <p:txEl>
+                                              <p:pRg st="8" end="8"/>
+                                            </p:txEl>
+                                          </p:spTgt>
+                                        </p:tgtEl>
+                                        <p:attrNameLst>
+                                          <p:attrName>style.visibility</p:attrName>
+                                        </p:attrNameLst>
+                                      </p:cBhvr>
+                                      <p:to>
+                                        <p:strVal val="visible"/>
+                                      </p:to>
+                                    </p:set>
+                                  </p:childTnLst>
+                                </p:cTn>
+                              </p:par>
+                              <p:par>
+                                <p:cTn id="11" presetID="1" presetClass="entr" presetSubtype="0" fill="hold" nodeType="withEffect">
+                                  <p:stCondLst>
+                                    <p:cond delay="0"/>
+                                  </p:stCondLst>
+                                  <p:childTnLst>
+                                    <p:set>
+                                      <p:cBhvr>
+                                        <p:cTn id="12" dur="1" fill="hold">
+                                          <p:stCondLst>
+                                            <p:cond delay="0"/>
+                                          </p:stCondLst>
+                                        </p:cTn>
+                                        <p:tgtEl>
+                                          <p:spTgt spid="61">
+                                            <p:txEl>
+                                              <p:pRg st="9" end="9"/>
+                                            </p:txEl>
+                                          </p:spTgt>
+                                        </p:tgtEl>
+                                        <p:attrNameLst>
+                                          <p:attrName>style.visibility</p:attrName>
+                                        </p:attrNameLst>
+                                      </p:cBhvr>
+                                      <p:to>
+                                        <p:strVal val="visible"/>
+                                      </p:to>
+                                    </p:set>
+                                  </p:childTnLst>
+                                </p:cTn>
+                              </p:par>
+                              <p:par>
+                                <p:cTn id="13" presetID="1" presetClass="entr" presetSubtype="0" fill="hold" nodeType="withEffect">
+                                  <p:stCondLst>
+                                    <p:cond delay="0"/>
+                                  </p:stCondLst>
+                                  <p:childTnLst>
+                                    <p:set>
+                                      <p:cBhvr>
+                                        <p:cTn id="14" dur="1" fill="hold">
+                                          <p:stCondLst>
+                                            <p:cond delay="0"/>
+                                          </p:stCondLst>
+                                        </p:cTn>
+                                        <p:tgtEl>
+                                          <p:spTgt spid="3"/>
+                                        </p:tgtEl>
+                                        <p:attrNameLst>
+                                          <p:attrName>style.visibility</p:attrName>
+                                        </p:attrNameLst>
+                                      </p:cBhvr>
+                                      <p:to>
+                                        <p:strVal val="visible"/>
+                                      </p:to>
+                                    </p:set>
+                                  </p:childTnLst>
+                                </p:cTn>
+                              </p:par>
+                              <p:par>
+                                <p:cTn id="15" presetID="1" presetClass="entr" presetSubtype="0" fill="hold" grpId="0" nodeType="withEffect">
+                                  <p:stCondLst>
+                                    <p:cond delay="0"/>
+                                  </p:stCondLst>
+                                  <p:childTnLst>
+                                    <p:set>
+                                      <p:cBhvr>
+                                        <p:cTn id="16" dur="1" fill="hold">
+                                          <p:stCondLst>
+                                            <p:cond delay="0"/>
+                                          </p:stCondLst>
+                                        </p:cTn>
+                                        <p:tgtEl>
+                                          <p:spTgt spid="4"/>
+                                        </p:tgtEl>
+                                        <p:attrNameLst>
+                                          <p:attrName>style.visibility</p:attrName>
+                                        </p:attrNameLst>
+                                      </p:cBhvr>
+                                      <p:to>
+                                        <p:strVal val="visible"/>
+                                      </p:to>
+                                    </p:set>
+                                  </p:childTnLst>
+                                </p:cTn>
+                              </p:par>
+                              <p:par>
+                                <p:cTn id="17" presetID="1" presetClass="entr" presetSubtype="0" fill="hold" grpId="0" nodeType="withEffect">
+                                  <p:stCondLst>
+                                    <p:cond delay="0"/>
+                                  </p:stCondLst>
+                                  <p:childTnLst>
+                                    <p:set>
+                                      <p:cBhvr>
+                                        <p:cTn id="18" dur="1" fill="hold">
+                                          <p:stCondLst>
+                                            <p:cond delay="0"/>
+                                          </p:stCondLst>
+                                        </p:cTn>
+                                        <p:tgtEl>
+                                          <p:spTgt spid="11"/>
+                                        </p:tgtEl>
+                                        <p:attrNameLst>
+                                          <p:attrName>style.visibility</p:attrName>
+                                        </p:attrNameLst>
+                                      </p:cBhvr>
+                                      <p:to>
+                                        <p:strVal val="visible"/>
+                                      </p:to>
+                                    </p:set>
+                                  </p:childTnLst>
+                                </p:cTn>
+                              </p:par>
+                              <p:par>
+                                <p:cTn id="19" presetID="1" presetClass="entr" presetSubtype="0" fill="hold" grpId="0" nodeType="withEffect">
+                                  <p:stCondLst>
+                                    <p:cond delay="0"/>
+                                  </p:stCondLst>
+                                  <p:childTnLst>
+                                    <p:set>
+                                      <p:cBhvr>
+                                        <p:cTn id="20" dur="1" fill="hold">
+                                          <p:stCondLst>
+                                            <p:cond delay="0"/>
+                                          </p:stCondLst>
+                                        </p:cTn>
+                                        <p:tgtEl>
+                                          <p:spTgt spid="12"/>
+                                        </p:tgtEl>
+                                        <p:attrNameLst>
+                                          <p:attrName>style.visibility</p:attrName>
+                                        </p:attrNameLst>
+                                      </p:cBhvr>
+                                      <p:to>
+                                        <p:strVal val="visible"/>
+                                      </p:to>
+                                    </p:set>
+                                  </p:childTnLst>
+                                </p:cTn>
+                              </p:par>
+                            </p:childTnLst>
+                          </p:cTn>
+                        </p:par>
+                      </p:childTnLst>
+                    </p:cTn>
+                  </p:par>
+                  <p:par>
+                    <p:cTn id="21" fill="hold">
+                      <p:stCondLst>
+                        <p:cond delay="indefinite"/>
+                      </p:stCondLst>
+                      <p:childTnLst>
+                        <p:par>
+                          <p:cTn id="22" fill="hold">
+                            <p:stCondLst>
+                              <p:cond delay="0"/>
+                            </p:stCondLst>
+                            <p:childTnLst>
+                              <p:par>
+                                <p:cTn id="23" presetID="1" presetClass="entr" presetSubtype="0" fill="hold" nodeType="clickEffect">
+                                  <p:stCondLst>
+                                    <p:cond delay="0"/>
+                                  </p:stCondLst>
+                                  <p:childTnLst>
+                                    <p:set>
+                                      <p:cBhvr>
+                                        <p:cTn id="24" dur="1" fill="hold">
+                                          <p:stCondLst>
+                                            <p:cond delay="0"/>
+                                          </p:stCondLst>
+                                        </p:cTn>
+                                        <p:tgtEl>
+                                          <p:spTgt spid="13">
+                                            <p:txEl>
+                                              <p:pRg st="0" end="0"/>
+                                            </p:txEl>
+                                          </p:spTgt>
+                                        </p:tgtEl>
+                                        <p:attrNameLst>
+                                          <p:attrName>style.visibility</p:attrName>
+                                        </p:attrNameLst>
+                                      </p:cBhvr>
+                                      <p:to>
+                                        <p:strVal val="visible"/>
+                                      </p:to>
+                                    </p:set>
+                                  </p:childTnLst>
+                                </p:cTn>
+                              </p:par>
+                              <p:par>
+                                <p:cTn id="25" presetID="1" presetClass="entr" presetSubtype="0" fill="hold" nodeType="withEffect">
+                                  <p:stCondLst>
+                                    <p:cond delay="0"/>
+                                  </p:stCondLst>
+                                  <p:childTnLst>
+                                    <p:set>
+                                      <p:cBhvr>
+                                        <p:cTn id="26" dur="1" fill="hold">
+                                          <p:stCondLst>
+                                            <p:cond delay="0"/>
+                                          </p:stCondLst>
+                                        </p:cTn>
+                                        <p:tgtEl>
+                                          <p:spTgt spid="13">
+                                            <p:txEl>
+                                              <p:pRg st="1" end="1"/>
+                                            </p:txEl>
+                                          </p:spTgt>
+                                        </p:tgtEl>
+                                        <p:attrNameLst>
+                                          <p:attrName>style.visibility</p:attrName>
+                                        </p:attrNameLst>
+                                      </p:cBhvr>
+                                      <p:to>
+                                        <p:strVal val="visible"/>
+                                      </p:to>
+                                    </p:set>
+                                  </p:childTnLst>
+                                </p:cTn>
+                              </p:par>
+                              <p:par>
+                                <p:cTn id="27" presetID="1" presetClass="entr" presetSubtype="0" fill="hold" nodeType="withEffect">
+                                  <p:stCondLst>
+                                    <p:cond delay="0"/>
+                                  </p:stCondLst>
+                                  <p:childTnLst>
+                                    <p:set>
+                                      <p:cBhvr>
+                                        <p:cTn id="28" dur="1" fill="hold">
+                                          <p:stCondLst>
+                                            <p:cond delay="0"/>
+                                          </p:stCondLst>
+                                        </p:cTn>
+                                        <p:tgtEl>
+                                          <p:spTgt spid="13">
+                                            <p:txEl>
+                                              <p:pRg st="2" end="2"/>
+                                            </p:txEl>
+                                          </p:spTgt>
+                                        </p:tgtEl>
+                                        <p:attrNameLst>
+                                          <p:attrName>style.visibility</p:attrName>
+                                        </p:attrNameLst>
+                                      </p:cBhvr>
+                                      <p:to>
+                                        <p:strVal val="visible"/>
+                                      </p:to>
+                                    </p:set>
+                                  </p:childTnLst>
+                                </p:cTn>
+                              </p:par>
+                              <p:par>
+                                <p:cTn id="29" presetID="1" presetClass="entr" presetSubtype="0" fill="hold" nodeType="withEffect">
+                                  <p:stCondLst>
+                                    <p:cond delay="0"/>
+                                  </p:stCondLst>
+                                  <p:childTnLst>
+                                    <p:set>
+                                      <p:cBhvr>
+                                        <p:cTn id="30" dur="1" fill="hold">
+                                          <p:stCondLst>
+                                            <p:cond delay="0"/>
+                                          </p:stCondLst>
+                                        </p:cTn>
+                                        <p:tgtEl>
+                                          <p:spTgt spid="13">
+                                            <p:txEl>
+                                              <p:pRg st="3" end="3"/>
+                                            </p:txEl>
+                                          </p:spTgt>
+                                        </p:tgtEl>
+                                        <p:attrNameLst>
+                                          <p:attrName>style.visibility</p:attrName>
+                                        </p:attrNameLst>
+                                      </p:cBhvr>
+                                      <p:to>
+                                        <p:strVal val="visible"/>
+                                      </p:to>
+                                    </p:set>
+                                  </p:childTnLst>
+                                </p:cTn>
+                              </p:par>
+                              <p:par>
+                                <p:cTn id="31" presetID="1" presetClass="entr" presetSubtype="0" fill="hold" nodeType="withEffect">
+                                  <p:stCondLst>
+                                    <p:cond delay="0"/>
+                                  </p:stCondLst>
+                                  <p:childTnLst>
+                                    <p:set>
+                                      <p:cBhvr>
+                                        <p:cTn id="32" dur="1" fill="hold">
+                                          <p:stCondLst>
+                                            <p:cond delay="0"/>
+                                          </p:stCondLst>
+                                        </p:cTn>
+                                        <p:tgtEl>
+                                          <p:spTgt spid="13">
+                                            <p:txEl>
+                                              <p:pRg st="4" end="4"/>
+                                            </p:txEl>
+                                          </p:spTgt>
+                                        </p:tgtEl>
+                                        <p:attrNameLst>
+                                          <p:attrName>style.visibility</p:attrName>
+                                        </p:attrNameLst>
+                                      </p:cBhvr>
+                                      <p:to>
+                                        <p:strVal val="visible"/>
+                                      </p:to>
+                                    </p:set>
+                                  </p:childTnLst>
+                                </p:cTn>
+                              </p:par>
+                              <p:par>
+                                <p:cTn id="33" presetID="1" presetClass="entr" presetSubtype="0" fill="hold" nodeType="withEffect">
+                                  <p:stCondLst>
+                                    <p:cond delay="0"/>
+                                  </p:stCondLst>
+                                  <p:childTnLst>
+                                    <p:set>
+                                      <p:cBhvr>
+                                        <p:cTn id="34" dur="1" fill="hold">
+                                          <p:stCondLst>
+                                            <p:cond delay="0"/>
+                                          </p:stCondLst>
+                                        </p:cTn>
+                                        <p:tgtEl>
+                                          <p:spTgt spid="13">
+                                            <p:txEl>
+                                              <p:pRg st="5" end="5"/>
+                                            </p:txEl>
+                                          </p:spTgt>
+                                        </p:tgtEl>
+                                        <p:attrNameLst>
+                                          <p:attrName>style.visibility</p:attrName>
+                                        </p:attrNameLst>
+                                      </p:cBhvr>
+                                      <p:to>
+                                        <p:strVal val="visible"/>
+                                      </p:to>
+                                    </p:set>
+                                  </p:childTnLst>
+                                </p:cTn>
+                              </p:par>
+                              <p:par>
+                                <p:cTn id="35" presetID="10" presetClass="exit" presetSubtype="0" fill="hold" nodeType="withEffect">
+                                  <p:stCondLst>
+                                    <p:cond delay="0"/>
+                                  </p:stCondLst>
+                                  <p:childTnLst>
+                                    <p:animEffect transition="out" filter="fade">
+                                      <p:cBhvr>
+                                        <p:cTn id="36" dur="500"/>
+                                        <p:tgtEl>
+                                          <p:spTgt spid="3"/>
+                                        </p:tgtEl>
+                                      </p:cBhvr>
+                                    </p:animEffect>
+                                    <p:set>
+                                      <p:cBhvr>
+                                        <p:cTn id="37" dur="1" fill="hold">
+                                          <p:stCondLst>
+                                            <p:cond delay="499"/>
+                                          </p:stCondLst>
+                                        </p:cTn>
+                                        <p:tgtEl>
+                                          <p:spTgt spid="3"/>
+                                        </p:tgtEl>
+                                        <p:attrNameLst>
+                                          <p:attrName>style.visibility</p:attrName>
+                                        </p:attrNameLst>
+                                      </p:cBhvr>
+                                      <p:to>
+                                        <p:strVal val="hidden"/>
+                                      </p:to>
+                                    </p:set>
+                                  </p:childTnLst>
+                                </p:cTn>
+                              </p:par>
+                            </p:childTnLst>
+                          </p:cTn>
+                        </p:par>
+                      </p:childTnLst>
+                    </p:cTn>
+                  </p:par>
+                </p:childTnLst>
+              </p:cTn>
+              <p:prevCondLst>
+                <p:cond evt="onPrev" delay="0">
+                  <p:tgtEl>
+                    <p:sldTgt/>
+                  </p:tgtEl>
+                </p:cond>
+              </p:prevCondLst>
+              <p:nextCondLst>
+                <p:cond evt="onNext" delay="0">
+                  <p:tgtEl>
+                    <p:sldTgt/>
+                  </p:tgtEl>
+                </p:cond>
+              </p:nextCondLst>
+            </p:seq>
+          </p:childTnLst>
+        </p:cTn>
+      </p:par>
+    </p:tnLst>
+    <p:bldLst>
+      <p:bldP spid="4" grpId="0" animBg="1"/>
+      <p:bldP spid="11" grpId="0" animBg="1"/>
+      <p:bldP spid="12" grpId="0" animBg="1"/>
+    </p:bldLst>
+  </p:timing>
+</p:sld>
+</file>
+
+<file path=ppt/slides/slide3.xml><?xml version="1.0" encoding="utf-8"?>
+<p:sld xmlns:a="http://schemas.openxmlformats.org/drawingml/2006/main" xmlns:r="http://schemas.openxmlformats.org/officeDocument/2006/relationships" xmlns:p="http://schemas.openxmlformats.org/presentationml/2006/main">
+  <p:cSld>
+    <p:spTree>
+      <p:nvGrpSpPr>
+        <p:cNvPr id="1" name=""/>
+        <p:cNvGrpSpPr/>
+        <p:nvPr/>
+      </p:nvGrpSpPr>
+      <p:grpSpPr>
+        <a:xfrm>
+          <a:off x="0" y="0"/>
+          <a:ext cx="0" cy="0"/>
+          <a:chOff x="0" y="0"/>
+          <a:chExt cx="0" cy="0"/>
+        </a:xfrm>
+      </p:grpSpPr>
+      <p:sp>
+        <p:nvSpPr>
+          <p:cNvPr id="62" name="object 62"/>
+          <p:cNvSpPr txBox="1">
+            <a:spLocks noGrp="1"/>
+          </p:cNvSpPr>
+          <p:nvPr>
+            <p:ph type="title"/>
+          </p:nvPr>
+        </p:nvSpPr>
+        <p:spPr/>
+        <p:txBody>
+          <a:bodyPr/>
+          <a:lstStyle/>
+          <a:p>
+            <a:r>
+              <a:rPr lang="de-DE" dirty="0" err="1"/>
+              <a:t>Room</a:t>
+            </a:r>
+            <a:r>
+              <a:rPr lang="de-DE" dirty="0"/>
+              <a:t> </a:t>
+            </a:r>
+            <a:r>
+              <a:rPr lang="de-DE" dirty="0" err="1"/>
+              <a:t>Classification</a:t>
+            </a:r>
+            <a:endParaRPr lang="de-DE" dirty="0"/>
+          </a:p>
+        </p:txBody>
+      </p:sp>
+      <p:sp>
+        <p:nvSpPr>
+          <p:cNvPr id="61" name="object 61"/>
+          <p:cNvSpPr txBox="1">
+            <a:spLocks noGrp="1"/>
+          </p:cNvSpPr>
+          <p:nvPr>
+            <p:ph type="body" idx="1"/>
+          </p:nvPr>
+        </p:nvSpPr>
+        <p:spPr>
+          <a:xfrm>
+            <a:off x="660797" y="1670372"/>
+            <a:ext cx="5811749" cy="1077218"/>
+          </a:xfrm>
+        </p:spPr>
+        <p:txBody>
+          <a:bodyPr/>
+          <a:lstStyle/>
+          <a:p>
+            <a:r>
+              <a:rPr lang="en-US" dirty="0"/>
+              <a:t>ResNet50* feature extraction + dense layer + generalization </a:t>
+            </a:r>
+          </a:p>
+          <a:p>
+            <a:r>
+              <a:rPr lang="en-US" dirty="0"/>
+              <a:t>7 room classes (bath, bed, hall, living, kitchen, dining, others)</a:t>
+            </a:r>
+          </a:p>
+          <a:p>
+            <a:r>
+              <a:rPr lang="en-US" dirty="0"/>
+              <a:t>Extract labels from image descriptions using regex</a:t>
+            </a:r>
+          </a:p>
+          <a:p>
+            <a:pPr indent="0">
+              <a:buNone/>
+            </a:pPr>
+            <a:endParaRPr lang="en-US" dirty="0"/>
+          </a:p>
+        </p:txBody>
+      </p:sp>
+      <p:sp>
+        <p:nvSpPr>
+          <p:cNvPr id="114" name="Fußzeilenplatzhalter 113"/>
+          <p:cNvSpPr>
+            <a:spLocks noGrp="1"/>
+          </p:cNvSpPr>
+          <p:nvPr>
+            <p:ph type="ftr" sz="quarter" idx="3"/>
+          </p:nvPr>
+        </p:nvSpPr>
+        <p:spPr/>
+        <p:txBody>
+          <a:bodyPr/>
+          <a:lstStyle/>
+          <a:p>
+            <a:r>
+              <a:rPr lang="de-DE"/>
+              <a:t>AirBnB Dublin</a:t>
+            </a:r>
+            <a:endParaRPr lang="de-DE" dirty="0"/>
+          </a:p>
+        </p:txBody>
+      </p:sp>
+      <p:sp>
+        <p:nvSpPr>
+          <p:cNvPr id="112" name="Datumsplatzhalter 111"/>
+          <p:cNvSpPr>
+            <a:spLocks noGrp="1"/>
+          </p:cNvSpPr>
+          <p:nvPr>
+            <p:ph type="dt" sz="half" idx="2"/>
+          </p:nvPr>
+        </p:nvSpPr>
+        <p:spPr/>
+        <p:txBody>
+          <a:bodyPr/>
+          <a:lstStyle/>
+          <a:p>
+            <a:fld id="{F48C78C9-C0D3-0D45-9287-4FC3841769D5}" type="datetime1">
+              <a:rPr lang="de-DE" smtClean="0"/>
+              <a:t>19.02.22</a:t>
+            </a:fld>
+            <a:endParaRPr lang="en-US" dirty="0"/>
+          </a:p>
+        </p:txBody>
+      </p:sp>
+      <p:sp>
+        <p:nvSpPr>
+          <p:cNvPr id="9" name="Textplatzhalter 8"/>
+          <p:cNvSpPr>
+            <a:spLocks noGrp="1"/>
+          </p:cNvSpPr>
+          <p:nvPr>
+            <p:ph type="body" sz="quarter" idx="4294967295"/>
+          </p:nvPr>
+        </p:nvSpPr>
+        <p:spPr>
+          <a:xfrm>
+            <a:off x="5965031" y="277937"/>
+            <a:ext cx="2839641" cy="276999"/>
+          </a:xfrm>
+        </p:spPr>
+        <p:txBody>
+          <a:bodyPr/>
+          <a:lstStyle/>
+          <a:p>
+            <a:endParaRPr lang="de-DE" dirty="0"/>
+          </a:p>
+        </p:txBody>
+      </p:sp>
+      <mc:AlternateContent xmlns:mc="http://schemas.openxmlformats.org/markup-compatibility/2006" xmlns:pslz="http://schemas.microsoft.com/office/powerpoint/2016/slidezoom">
+        <mc:Choice Requires="pslz">
+          <p:graphicFrame>
+            <p:nvGraphicFramePr>
+              <p:cNvPr id="17" name="Folienzoom 16">
+                <a:extLst>
+                  <a:ext uri="{FF2B5EF4-FFF2-40B4-BE49-F238E27FC236}">
+                    <a16:creationId xmlns:a16="http://schemas.microsoft.com/office/drawing/2014/main" id="{FE312BBF-96BE-5141-913B-4AF9854C1E4B}"/>
+                  </a:ext>
+                </a:extLst>
+              </p:cNvPr>
+              <p:cNvGraphicFramePr>
+                <a:graphicFrameLocks noChangeAspect="1"/>
+              </p:cNvGraphicFramePr>
+              <p:nvPr>
+                <p:extLst>
+                  <p:ext uri="{D42A27DB-BD31-4B8C-83A1-F6EECF244321}">
+                    <p14:modId xmlns:p14="http://schemas.microsoft.com/office/powerpoint/2010/main" val="2123052157"/>
+                  </p:ext>
+                </p:extLst>
+              </p:nvPr>
+            </p:nvGraphicFramePr>
+            <p:xfrm>
+              <a:off x="6337935" y="1027434"/>
+              <a:ext cx="2286000" cy="1285875"/>
+            </p:xfrm>
+            <a:graphic>
+              <a:graphicData uri="http://schemas.microsoft.com/office/powerpoint/2016/slidezoom">
+                <pslz:sldZm>
+                  <pslz:sldZmObj sldId="286" cId="3572982989">
+                    <pslz:zmPr id="{314D0724-5B70-BD41-BCDC-5493569B9F83}" transitionDur="1000">
+                      <p166:blipFill xmlns:p166="http://schemas.microsoft.com/office/powerpoint/2016/6/main">
+                        <a:blip r:embed="rId3"/>
+                        <a:stretch>
+                          <a:fillRect/>
+                        </a:stretch>
+                      </p166:blipFill>
+                      <p166:spPr xmlns:p166="http://schemas.microsoft.com/office/powerpoint/2016/6/main">
+                        <a:xfrm>
+                          <a:off x="0" y="0"/>
+                          <a:ext cx="2286000" cy="1285875"/>
+                        </a:xfrm>
+                        <a:prstGeom prst="rect">
+                          <a:avLst/>
+                        </a:prstGeom>
+                        <a:ln w="3175">
+                          <a:solidFill>
+                            <a:prstClr val="ltGray"/>
+                          </a:solidFill>
+                        </a:ln>
+                      </p166:spPr>
+                    </pslz:zmPr>
+                  </pslz:sldZmObj>
+                </pslz:sldZm>
+              </a:graphicData>
+            </a:graphic>
+          </p:graphicFrame>
+        </mc:Choice>
+        <mc:Fallback xmlns="">
+          <p:pic>
+            <p:nvPicPr>
+              <p:cNvPr id="17" name="Folienzoom 16">
+                <a:hlinkClick r:id="rId4" action="ppaction://hlinksldjump"/>
+                <a:extLst>
+                  <a:ext uri="{FF2B5EF4-FFF2-40B4-BE49-F238E27FC236}">
+                    <a16:creationId xmlns:a16="http://schemas.microsoft.com/office/drawing/2014/main" id="{FE312BBF-96BE-5141-913B-4AF9854C1E4B}"/>
+                  </a:ext>
+                </a:extLst>
+              </p:cNvPr>
+              <p:cNvPicPr>
+                <a:picLocks noGrp="1" noRot="1" noChangeAspect="1" noMove="1" noResize="1" noEditPoints="1" noAdjustHandles="1" noChangeArrowheads="1" noChangeShapeType="1"/>
+              </p:cNvPicPr>
+              <p:nvPr/>
+            </p:nvPicPr>
+            <p:blipFill>
+              <a:blip r:embed="rId5"/>
+              <a:stretch>
+                <a:fillRect/>
+              </a:stretch>
+            </p:blipFill>
+            <p:spPr>
+              <a:xfrm>
+                <a:off x="6337935" y="1027434"/>
+                <a:ext cx="2286000" cy="1285875"/>
+              </a:xfrm>
+              <a:prstGeom prst="rect">
+                <a:avLst/>
+              </a:prstGeom>
+              <a:ln w="3175">
+                <a:solidFill>
+                  <a:prstClr val="ltGray"/>
+                </a:solidFill>
+              </a:ln>
+            </p:spPr>
+          </p:pic>
+        </mc:Fallback>
+      </mc:AlternateContent>
+      <p:sp>
+        <p:nvSpPr>
+          <p:cNvPr id="11" name="Textfeld 10">
+            <a:extLst>
+              <a:ext uri="{FF2B5EF4-FFF2-40B4-BE49-F238E27FC236}">
+                <a16:creationId xmlns:a16="http://schemas.microsoft.com/office/drawing/2014/main" id="{0FF9EDE6-DD7B-7342-830B-CB73DD76F690}"/>
+              </a:ext>
+            </a:extLst>
+          </p:cNvPr>
+          <p:cNvSpPr txBox="1"/>
+          <p:nvPr/>
+        </p:nvSpPr>
+        <p:spPr>
+          <a:xfrm>
+            <a:off x="8284076" y="4630647"/>
+            <a:ext cx="2698561" cy="215444"/>
+          </a:xfrm>
+          <a:prstGeom prst="rect">
+            <a:avLst/>
+          </a:prstGeom>
+          <a:noFill/>
+          <a:ln>
+            <a:noFill/>
+          </a:ln>
+        </p:spPr>
+        <p:txBody>
+          <a:bodyPr wrap="square" rtlCol="0">
+            <a:spAutoFit/>
+          </a:bodyPr>
+          <a:lstStyle/>
+          <a:p>
+            <a:r>
+              <a:rPr lang="de-DE" sz="800" dirty="0"/>
+              <a:t>*He et al. 2016</a:t>
+            </a:r>
+          </a:p>
+        </p:txBody>
+      </p:sp>
+    </p:spTree>
+    <p:extLst>
+      <p:ext uri="{BB962C8B-B14F-4D97-AF65-F5344CB8AC3E}">
+        <p14:creationId xmlns:p14="http://schemas.microsoft.com/office/powerpoint/2010/main" val="3932143891"/>
+      </p:ext>
+    </p:extLst>
+  </p:cSld>
+  <p:clrMapOvr>
+    <a:masterClrMapping/>
+  </p:clrMapOvr>
+  <p:transition>
+    <p:fade/>
+  </p:transition>
+</p:sld>
+</file>
+
+<file path=ppt/slides/slide4.xml><?xml version="1.0" encoding="utf-8"?>
+<p:sld xmlns:a="http://schemas.openxmlformats.org/drawingml/2006/main" xmlns:r="http://schemas.openxmlformats.org/officeDocument/2006/relationships" xmlns:p="http://schemas.openxmlformats.org/presentationml/2006/main">
+  <p:cSld>
+    <p:spTree>
+      <p:nvGrpSpPr>
+        <p:cNvPr id="1" name=""/>
+        <p:cNvGrpSpPr/>
+        <p:nvPr/>
+      </p:nvGrpSpPr>
+      <p:grpSpPr>
+        <a:xfrm>
+          <a:off x="0" y="0"/>
+          <a:ext cx="0" cy="0"/>
+          <a:chOff x="0" y="0"/>
+          <a:chExt cx="0" cy="0"/>
+        </a:xfrm>
+      </p:grpSpPr>
+      <p:sp>
+        <p:nvSpPr>
+          <p:cNvPr id="62" name="object 62"/>
+          <p:cNvSpPr txBox="1">
+            <a:spLocks noGrp="1"/>
+          </p:cNvSpPr>
+          <p:nvPr>
+            <p:ph type="title"/>
+          </p:nvPr>
+        </p:nvSpPr>
+        <p:spPr/>
+        <p:txBody>
+          <a:bodyPr/>
+          <a:lstStyle/>
+          <a:p>
+            <a:r>
+              <a:rPr lang="de-DE" dirty="0" err="1"/>
+              <a:t>Room</a:t>
+            </a:r>
+            <a:r>
+              <a:rPr lang="de-DE" dirty="0"/>
+              <a:t> </a:t>
+            </a:r>
+            <a:r>
+              <a:rPr lang="de-DE" dirty="0" err="1"/>
+              <a:t>Classification</a:t>
+            </a:r>
+            <a:endParaRPr lang="de-DE" dirty="0"/>
+          </a:p>
+        </p:txBody>
+      </p:sp>
+      <p:sp>
+        <p:nvSpPr>
+          <p:cNvPr id="61" name="object 61"/>
+          <p:cNvSpPr txBox="1">
+            <a:spLocks noGrp="1"/>
+          </p:cNvSpPr>
+          <p:nvPr>
+            <p:ph type="body" idx="1"/>
+          </p:nvPr>
+        </p:nvSpPr>
+        <p:spPr>
+          <a:xfrm>
+            <a:off x="660797" y="1670372"/>
+            <a:ext cx="5811749" cy="2205732"/>
+          </a:xfrm>
+        </p:spPr>
+        <p:txBody>
+          <a:bodyPr/>
+          <a:lstStyle/>
+          <a:p>
+            <a:r>
+              <a:rPr lang="en-US" dirty="0"/>
+              <a:t>ResNet50* feature extraction + dense layer + generalization </a:t>
+            </a:r>
+          </a:p>
+          <a:p>
+            <a:r>
+              <a:rPr lang="en-US" dirty="0"/>
+              <a:t>7 room classes (bath, bed, hall, living, kitchen, dining, others)</a:t>
+            </a:r>
+          </a:p>
+          <a:p>
+            <a:r>
+              <a:rPr lang="en-US" dirty="0"/>
+              <a:t>Extract labels from image descriptions using regex</a:t>
+            </a:r>
+          </a:p>
+          <a:p>
+            <a:r>
+              <a:rPr lang="en-US" dirty="0"/>
+              <a:t>Model generalization increases label quality</a:t>
+            </a:r>
+          </a:p>
+          <a:p>
+            <a:r>
+              <a:rPr lang="en-US" dirty="0"/>
+              <a:t>No unique labeling possible - hard classification task </a:t>
+            </a:r>
+          </a:p>
+          <a:p>
+            <a:r>
+              <a:rPr lang="en-US" dirty="0"/>
+              <a:t>Robustness against ”outside” pictures difficult</a:t>
+            </a:r>
+          </a:p>
+          <a:p>
+            <a:endParaRPr lang="en-US" dirty="0"/>
+          </a:p>
+          <a:p>
+            <a:endParaRPr lang="en-US" dirty="0"/>
+          </a:p>
+        </p:txBody>
+      </p:sp>
+      <p:sp>
+        <p:nvSpPr>
+          <p:cNvPr id="114" name="Fußzeilenplatzhalter 113"/>
+          <p:cNvSpPr>
+            <a:spLocks noGrp="1"/>
+          </p:cNvSpPr>
+          <p:nvPr>
+            <p:ph type="ftr" sz="quarter" idx="3"/>
+          </p:nvPr>
+        </p:nvSpPr>
+        <p:spPr/>
+        <p:txBody>
+          <a:bodyPr/>
+          <a:lstStyle/>
+          <a:p>
+            <a:r>
+              <a:rPr lang="de-DE"/>
+              <a:t>AirBnB Dublin</a:t>
+            </a:r>
+            <a:endParaRPr lang="de-DE" dirty="0"/>
+          </a:p>
+        </p:txBody>
+      </p:sp>
+      <p:sp>
+        <p:nvSpPr>
+          <p:cNvPr id="112" name="Datumsplatzhalter 111"/>
+          <p:cNvSpPr>
+            <a:spLocks noGrp="1"/>
+          </p:cNvSpPr>
+          <p:nvPr>
+            <p:ph type="dt" sz="half" idx="2"/>
+          </p:nvPr>
+        </p:nvSpPr>
+        <p:spPr/>
+        <p:txBody>
+          <a:bodyPr/>
+          <a:lstStyle/>
+          <a:p>
+            <a:fld id="{98083F5A-DA3C-BA47-AD8F-F8D121E05AB5}" type="datetime1">
+              <a:rPr lang="de-DE" smtClean="0"/>
+              <a:t>19.02.22</a:t>
+            </a:fld>
+            <a:endParaRPr lang="en-US" dirty="0"/>
+          </a:p>
+        </p:txBody>
+      </p:sp>
+      <p:sp>
+        <p:nvSpPr>
+          <p:cNvPr id="9" name="Textplatzhalter 8"/>
+          <p:cNvSpPr>
+            <a:spLocks noGrp="1"/>
+          </p:cNvSpPr>
+          <p:nvPr>
+            <p:ph type="body" sz="quarter" idx="4294967295"/>
+          </p:nvPr>
+        </p:nvSpPr>
+        <p:spPr>
+          <a:xfrm>
+            <a:off x="5965031" y="277937"/>
+            <a:ext cx="2839641" cy="276999"/>
+          </a:xfrm>
+        </p:spPr>
+        <p:txBody>
+          <a:bodyPr/>
+          <a:lstStyle/>
+          <a:p>
+            <a:endParaRPr lang="de-DE" dirty="0"/>
+          </a:p>
+        </p:txBody>
+      </p:sp>
+      <mc:AlternateContent xmlns:mc="http://schemas.openxmlformats.org/markup-compatibility/2006" xmlns:pslz="http://schemas.microsoft.com/office/powerpoint/2016/slidezoom">
+        <mc:Choice Requires="pslz">
+          <p:graphicFrame>
+            <p:nvGraphicFramePr>
+              <p:cNvPr id="17" name="Folienzoom 16">
+                <a:extLst>
+                  <a:ext uri="{FF2B5EF4-FFF2-40B4-BE49-F238E27FC236}">
+                    <a16:creationId xmlns:a16="http://schemas.microsoft.com/office/drawing/2014/main" id="{FE312BBF-96BE-5141-913B-4AF9854C1E4B}"/>
+                  </a:ext>
+                </a:extLst>
+              </p:cNvPr>
+              <p:cNvGraphicFramePr>
+                <a:graphicFrameLocks noChangeAspect="1"/>
+              </p:cNvGraphicFramePr>
+              <p:nvPr>
+                <p:extLst>
+                  <p:ext uri="{D42A27DB-BD31-4B8C-83A1-F6EECF244321}">
+                    <p14:modId xmlns:p14="http://schemas.microsoft.com/office/powerpoint/2010/main" val="2712144611"/>
+                  </p:ext>
+                </p:extLst>
+              </p:nvPr>
+            </p:nvGraphicFramePr>
+            <p:xfrm>
+              <a:off x="6337935" y="1027434"/>
+              <a:ext cx="2286000" cy="1285875"/>
+            </p:xfrm>
+            <a:graphic>
+              <a:graphicData uri="http://schemas.microsoft.com/office/powerpoint/2016/slidezoom">
+                <pslz:sldZm>
+                  <pslz:sldZmObj sldId="286" cId="3572982989">
+                    <pslz:zmPr id="{314D0724-5B70-BD41-BCDC-5493569B9F83}" transitionDur="1000">
+                      <p166:blipFill xmlns:p166="http://schemas.microsoft.com/office/powerpoint/2016/6/main">
+                        <a:blip r:embed="rId3"/>
+                        <a:stretch>
+                          <a:fillRect/>
+                        </a:stretch>
+                      </p166:blipFill>
+                      <p166:spPr xmlns:p166="http://schemas.microsoft.com/office/powerpoint/2016/6/main">
+                        <a:xfrm>
+                          <a:off x="0" y="0"/>
+                          <a:ext cx="2286000" cy="1285875"/>
+                        </a:xfrm>
+                        <a:prstGeom prst="rect">
+                          <a:avLst/>
+                        </a:prstGeom>
+                        <a:ln w="3175">
+                          <a:solidFill>
+                            <a:prstClr val="ltGray"/>
+                          </a:solidFill>
+                        </a:ln>
+                      </p166:spPr>
+                    </pslz:zmPr>
+                  </pslz:sldZmObj>
+                </pslz:sldZm>
+              </a:graphicData>
+            </a:graphic>
+          </p:graphicFrame>
+        </mc:Choice>
+        <mc:Fallback xmlns="">
+          <p:pic>
+            <p:nvPicPr>
+              <p:cNvPr id="17" name="Folienzoom 16">
+                <a:hlinkClick r:id="rId4" action="ppaction://hlinksldjump"/>
+                <a:extLst>
+                  <a:ext uri="{FF2B5EF4-FFF2-40B4-BE49-F238E27FC236}">
+                    <a16:creationId xmlns:a16="http://schemas.microsoft.com/office/drawing/2014/main" id="{FE312BBF-96BE-5141-913B-4AF9854C1E4B}"/>
+                  </a:ext>
+                </a:extLst>
+              </p:cNvPr>
+              <p:cNvPicPr>
+                <a:picLocks noGrp="1" noRot="1" noChangeAspect="1" noMove="1" noResize="1" noEditPoints="1" noAdjustHandles="1" noChangeArrowheads="1" noChangeShapeType="1"/>
+              </p:cNvPicPr>
+              <p:nvPr/>
+            </p:nvPicPr>
+            <p:blipFill>
+              <a:blip r:embed="rId5"/>
+              <a:stretch>
+                <a:fillRect/>
+              </a:stretch>
+            </p:blipFill>
+            <p:spPr>
+              <a:xfrm>
+                <a:off x="6337935" y="1027434"/>
+                <a:ext cx="2286000" cy="1285875"/>
+              </a:xfrm>
+              <a:prstGeom prst="rect">
+                <a:avLst/>
+              </a:prstGeom>
+              <a:ln w="3175">
+                <a:solidFill>
+                  <a:prstClr val="ltGray"/>
+                </a:solidFill>
+              </a:ln>
+            </p:spPr>
+          </p:pic>
+        </mc:Fallback>
+      </mc:AlternateContent>
+      <mc:AlternateContent xmlns:mc="http://schemas.openxmlformats.org/markup-compatibility/2006" xmlns:pslz="http://schemas.microsoft.com/office/powerpoint/2016/slidezoom">
+        <mc:Choice Requires="pslz">
+          <p:graphicFrame>
+            <p:nvGraphicFramePr>
+              <p:cNvPr id="19" name="Folienzoom 18">
+                <a:extLst>
+                  <a:ext uri="{FF2B5EF4-FFF2-40B4-BE49-F238E27FC236}">
+                    <a16:creationId xmlns:a16="http://schemas.microsoft.com/office/drawing/2014/main" id="{70D0FD94-F672-934B-A0D7-80B724230CAE}"/>
+                  </a:ext>
+                </a:extLst>
+              </p:cNvPr>
+              <p:cNvGraphicFramePr>
+                <a:graphicFrameLocks noChangeAspect="1"/>
+              </p:cNvGraphicFramePr>
+              <p:nvPr>
+                <p:extLst>
+                  <p:ext uri="{D42A27DB-BD31-4B8C-83A1-F6EECF244321}">
+                    <p14:modId xmlns:p14="http://schemas.microsoft.com/office/powerpoint/2010/main" val="1219357284"/>
+                  </p:ext>
+                </p:extLst>
+              </p:nvPr>
+            </p:nvGraphicFramePr>
+            <p:xfrm>
+              <a:off x="6337935" y="2785807"/>
+              <a:ext cx="2286000" cy="1285875"/>
+            </p:xfrm>
+            <a:graphic>
+              <a:graphicData uri="http://schemas.microsoft.com/office/powerpoint/2016/slidezoom">
+                <pslz:sldZm>
+                  <pslz:sldZmObj sldId="287" cId="3286563583">
+                    <pslz:zmPr id="{901BC9A0-C010-4241-AF4A-10BD69E7017B}" transitionDur="1000">
+                      <p166:blipFill xmlns:p166="http://schemas.microsoft.com/office/powerpoint/2016/6/main">
+                        <a:blip r:embed="rId6"/>
+                        <a:stretch>
+                          <a:fillRect/>
+                        </a:stretch>
+                      </p166:blipFill>
+                      <p166:spPr xmlns:p166="http://schemas.microsoft.com/office/powerpoint/2016/6/main">
+                        <a:xfrm>
+                          <a:off x="0" y="0"/>
+                          <a:ext cx="2286000" cy="1285875"/>
+                        </a:xfrm>
+                        <a:prstGeom prst="rect">
+                          <a:avLst/>
+                        </a:prstGeom>
+                        <a:ln w="3175">
+                          <a:solidFill>
+                            <a:prstClr val="ltGray"/>
+                          </a:solidFill>
+                        </a:ln>
+                      </p166:spPr>
+                    </pslz:zmPr>
+                  </pslz:sldZmObj>
+                </pslz:sldZm>
+              </a:graphicData>
+            </a:graphic>
+          </p:graphicFrame>
+        </mc:Choice>
+        <mc:Fallback xmlns="">
+          <p:pic>
+            <p:nvPicPr>
+              <p:cNvPr id="19" name="Folienzoom 18">
+                <a:hlinkClick r:id="rId7" action="ppaction://hlinksldjump"/>
+                <a:extLst>
+                  <a:ext uri="{FF2B5EF4-FFF2-40B4-BE49-F238E27FC236}">
+                    <a16:creationId xmlns:a16="http://schemas.microsoft.com/office/drawing/2014/main" id="{70D0FD94-F672-934B-A0D7-80B724230CAE}"/>
+                  </a:ext>
+                </a:extLst>
+              </p:cNvPr>
+              <p:cNvPicPr>
+                <a:picLocks noGrp="1" noRot="1" noChangeAspect="1" noMove="1" noResize="1" noEditPoints="1" noAdjustHandles="1" noChangeArrowheads="1" noChangeShapeType="1"/>
+              </p:cNvPicPr>
+              <p:nvPr/>
+            </p:nvPicPr>
+            <p:blipFill>
+              <a:blip r:embed="rId8"/>
+              <a:stretch>
+                <a:fillRect/>
+              </a:stretch>
+            </p:blipFill>
+            <p:spPr>
+              <a:xfrm>
+                <a:off x="6337935" y="2785807"/>
+                <a:ext cx="2286000" cy="1285875"/>
+              </a:xfrm>
+              <a:prstGeom prst="rect">
+                <a:avLst/>
+              </a:prstGeom>
+              <a:ln w="3175">
+                <a:solidFill>
+                  <a:prstClr val="ltGray"/>
+                </a:solidFill>
+              </a:ln>
+            </p:spPr>
+          </p:pic>
+        </mc:Fallback>
+      </mc:AlternateContent>
+      <p:sp>
+        <p:nvSpPr>
+          <p:cNvPr id="25" name="Textfeld 24">
+            <a:extLst>
+              <a:ext uri="{FF2B5EF4-FFF2-40B4-BE49-F238E27FC236}">
+                <a16:creationId xmlns:a16="http://schemas.microsoft.com/office/drawing/2014/main" id="{7E5433B9-8AEE-0143-82EF-5ED25A8E1423}"/>
+              </a:ext>
+            </a:extLst>
+          </p:cNvPr>
+          <p:cNvSpPr txBox="1"/>
+          <p:nvPr/>
+        </p:nvSpPr>
+        <p:spPr>
+          <a:xfrm>
+            <a:off x="8284076" y="4630647"/>
+            <a:ext cx="2698561" cy="215444"/>
+          </a:xfrm>
+          <a:prstGeom prst="rect">
+            <a:avLst/>
+          </a:prstGeom>
+          <a:noFill/>
+          <a:ln>
+            <a:noFill/>
+          </a:ln>
+        </p:spPr>
+        <p:txBody>
+          <a:bodyPr wrap="square" rtlCol="0">
+            <a:spAutoFit/>
+          </a:bodyPr>
+          <a:lstStyle/>
+          <a:p>
+            <a:r>
+              <a:rPr lang="de-DE" sz="800" dirty="0"/>
+              <a:t>*He et al. 2016</a:t>
+            </a:r>
+          </a:p>
+        </p:txBody>
+      </p:sp>
+    </p:spTree>
+    <p:extLst>
+      <p:ext uri="{BB962C8B-B14F-4D97-AF65-F5344CB8AC3E}">
+        <p14:creationId xmlns:p14="http://schemas.microsoft.com/office/powerpoint/2010/main" val="3871310180"/>
+      </p:ext>
+    </p:extLst>
+  </p:cSld>
+  <p:clrMapOvr>
+    <a:masterClrMapping/>
+  </p:clrMapOvr>
+  <p:transition>
+    <p:fade/>
+  </p:transition>
+</p:sld>
+</file>
+
+<file path=ppt/slides/slide5.xml><?xml version="1.0" encoding="utf-8"?>
+<p:sld xmlns:a="http://schemas.openxmlformats.org/drawingml/2006/main" xmlns:r="http://schemas.openxmlformats.org/officeDocument/2006/relationships" xmlns:p="http://schemas.openxmlformats.org/presentationml/2006/main">
+  <p:cSld>
+    <p:spTree>
+      <p:nvGrpSpPr>
+        <p:cNvPr id="1" name=""/>
+        <p:cNvGrpSpPr/>
+        <p:nvPr/>
+      </p:nvGrpSpPr>
+      <p:grpSpPr>
+        <a:xfrm>
+          <a:off x="0" y="0"/>
+          <a:ext cx="0" cy="0"/>
+          <a:chOff x="0" y="0"/>
+          <a:chExt cx="0" cy="0"/>
+        </a:xfrm>
+      </p:grpSpPr>
+      <p:sp>
+        <p:nvSpPr>
+          <p:cNvPr id="62" name="object 62"/>
+          <p:cNvSpPr txBox="1">
+            <a:spLocks noGrp="1"/>
+          </p:cNvSpPr>
+          <p:nvPr>
+            <p:ph type="title"/>
+          </p:nvPr>
+        </p:nvSpPr>
+        <p:spPr/>
+        <p:txBody>
+          <a:bodyPr/>
+          <a:lstStyle/>
+          <a:p>
+            <a:r>
+              <a:rPr lang="de-DE" dirty="0" err="1"/>
+              <a:t>Room</a:t>
+            </a:r>
+            <a:r>
+              <a:rPr lang="de-DE" dirty="0"/>
+              <a:t> </a:t>
+            </a:r>
+            <a:r>
+              <a:rPr lang="de-DE" dirty="0" err="1"/>
+              <a:t>Classification</a:t>
+            </a:r>
+            <a:endParaRPr lang="de-DE" dirty="0"/>
+          </a:p>
+        </p:txBody>
+      </p:sp>
+      <p:sp>
+        <p:nvSpPr>
+          <p:cNvPr id="61" name="object 61"/>
+          <p:cNvSpPr txBox="1">
+            <a:spLocks noGrp="1"/>
+          </p:cNvSpPr>
+          <p:nvPr>
+            <p:ph type="body" idx="1"/>
+          </p:nvPr>
+        </p:nvSpPr>
+        <p:spPr>
+          <a:xfrm>
+            <a:off x="660797" y="1670372"/>
+            <a:ext cx="5811749" cy="3000821"/>
+          </a:xfrm>
+        </p:spPr>
+        <p:txBody>
+          <a:bodyPr/>
+          <a:lstStyle/>
+          <a:p>
+            <a:r>
+              <a:rPr lang="en-US" dirty="0"/>
+              <a:t>ResNet50* feature extraction + dense layer + generalization </a:t>
+            </a:r>
+          </a:p>
+          <a:p>
+            <a:r>
+              <a:rPr lang="en-US" dirty="0"/>
+              <a:t>7 room classes (bath, bed, hall, living, kitchen, dining, others)</a:t>
+            </a:r>
+          </a:p>
+          <a:p>
+            <a:r>
+              <a:rPr lang="en-US" dirty="0"/>
+              <a:t>Extract labels from image descriptions using regex</a:t>
+            </a:r>
+          </a:p>
+          <a:p>
+            <a:r>
+              <a:rPr lang="en-US" dirty="0"/>
+              <a:t>Model generalization increases label quality</a:t>
+            </a:r>
+          </a:p>
+          <a:p>
+            <a:r>
+              <a:rPr lang="en-US" dirty="0"/>
+              <a:t>No unique labeling possible - hard classification task </a:t>
+            </a:r>
+          </a:p>
+          <a:p>
+            <a:r>
+              <a:rPr lang="en-US" dirty="0"/>
+              <a:t>Robustness against ”outside” pictures difficult</a:t>
+            </a:r>
+          </a:p>
+          <a:p>
+            <a:r>
+              <a:rPr lang="en-US" dirty="0"/>
+              <a:t>Good results on average</a:t>
+            </a:r>
+            <a:br>
+              <a:rPr lang="en-US" dirty="0"/>
+            </a:br>
+            <a:endParaRPr lang="en-US" dirty="0"/>
+          </a:p>
+          <a:p>
+            <a:pPr indent="0">
+              <a:buNone/>
+            </a:pPr>
+            <a:r>
+              <a:rPr lang="en-US" dirty="0"/>
+              <a:t>Results:</a:t>
+            </a:r>
+          </a:p>
+          <a:p>
+            <a:endParaRPr lang="en-US" dirty="0"/>
+          </a:p>
+          <a:p>
+            <a:endParaRPr lang="en-US" dirty="0"/>
+          </a:p>
+        </p:txBody>
+      </p:sp>
+      <p:sp>
+        <p:nvSpPr>
+          <p:cNvPr id="114" name="Fußzeilenplatzhalter 113"/>
+          <p:cNvSpPr>
+            <a:spLocks noGrp="1"/>
+          </p:cNvSpPr>
+          <p:nvPr>
+            <p:ph type="ftr" sz="quarter" idx="3"/>
+          </p:nvPr>
+        </p:nvSpPr>
+        <p:spPr/>
+        <p:txBody>
+          <a:bodyPr/>
+          <a:lstStyle/>
+          <a:p>
+            <a:r>
+              <a:rPr lang="de-DE"/>
+              <a:t>AirBnB Dublin</a:t>
+            </a:r>
+            <a:endParaRPr lang="de-DE" dirty="0"/>
+          </a:p>
+        </p:txBody>
+      </p:sp>
+      <p:sp>
+        <p:nvSpPr>
+          <p:cNvPr id="112" name="Datumsplatzhalter 111"/>
+          <p:cNvSpPr>
+            <a:spLocks noGrp="1"/>
+          </p:cNvSpPr>
+          <p:nvPr>
+            <p:ph type="dt" sz="half" idx="2"/>
+          </p:nvPr>
+        </p:nvSpPr>
+        <p:spPr/>
+        <p:txBody>
+          <a:bodyPr/>
+          <a:lstStyle/>
+          <a:p>
+            <a:fld id="{B0D2DC0F-97F2-CA48-A2E4-48428E6BDC23}" type="datetime1">
+              <a:rPr lang="de-DE" smtClean="0"/>
+              <a:t>19.02.22</a:t>
+            </a:fld>
+            <a:endParaRPr lang="en-US" dirty="0"/>
+          </a:p>
+        </p:txBody>
+      </p:sp>
+      <p:sp>
+        <p:nvSpPr>
+          <p:cNvPr id="9" name="Textplatzhalter 8"/>
+          <p:cNvSpPr>
+            <a:spLocks noGrp="1"/>
+          </p:cNvSpPr>
+          <p:nvPr>
+            <p:ph type="body" sz="quarter" idx="4294967295"/>
+          </p:nvPr>
+        </p:nvSpPr>
+        <p:spPr>
+          <a:xfrm>
+            <a:off x="5965031" y="277937"/>
+            <a:ext cx="2839641" cy="276999"/>
+          </a:xfrm>
+        </p:spPr>
+        <p:txBody>
+          <a:bodyPr/>
+          <a:lstStyle/>
+          <a:p>
+            <a:endParaRPr lang="de-DE" dirty="0"/>
+          </a:p>
+        </p:txBody>
+      </p:sp>
+      <mc:AlternateContent xmlns:mc="http://schemas.openxmlformats.org/markup-compatibility/2006" xmlns:pslz="http://schemas.microsoft.com/office/powerpoint/2016/slidezoom">
+        <mc:Choice Requires="pslz">
+          <p:graphicFrame>
+            <p:nvGraphicFramePr>
+              <p:cNvPr id="15" name="Folienzoom 14">
+                <a:extLst>
+                  <a:ext uri="{FF2B5EF4-FFF2-40B4-BE49-F238E27FC236}">
+                    <a16:creationId xmlns:a16="http://schemas.microsoft.com/office/drawing/2014/main" id="{2B3F9C3D-D13F-FF49-ADDB-9CFDAD3B335E}"/>
+                  </a:ext>
+                </a:extLst>
+              </p:cNvPr>
+              <p:cNvGraphicFramePr>
+                <a:graphicFrameLocks noChangeAspect="1"/>
+              </p:cNvGraphicFramePr>
+              <p:nvPr>
+                <p:extLst>
+                  <p:ext uri="{D42A27DB-BD31-4B8C-83A1-F6EECF244321}">
+                    <p14:modId xmlns:p14="http://schemas.microsoft.com/office/powerpoint/2010/main" val="1539106240"/>
+                  </p:ext>
+                </p:extLst>
+              </p:nvPr>
+            </p:nvGraphicFramePr>
+            <p:xfrm>
+              <a:off x="1835696" y="3664578"/>
+              <a:ext cx="1252260" cy="704396"/>
+            </p:xfrm>
+            <a:graphic>
+              <a:graphicData uri="http://schemas.microsoft.com/office/powerpoint/2016/slidezoom">
+                <pslz:sldZm>
+                  <pslz:sldZmObj sldId="284" cId="2349977815">
+                    <pslz:zmPr id="{7CDFB85D-3562-3946-8977-47F0DF4F4A5A}" transitionDur="1000">
+                      <p166:blipFill xmlns:p166="http://schemas.microsoft.com/office/powerpoint/2016/6/main">
+                        <a:blip r:embed="rId3"/>
+                        <a:stretch>
+                          <a:fillRect/>
+                        </a:stretch>
+                      </p166:blipFill>
+                      <p166:spPr xmlns:p166="http://schemas.microsoft.com/office/powerpoint/2016/6/main">
+                        <a:xfrm>
+                          <a:off x="0" y="0"/>
+                          <a:ext cx="1252260" cy="704396"/>
+                        </a:xfrm>
+                        <a:prstGeom prst="rect">
+                          <a:avLst/>
+                        </a:prstGeom>
+                        <a:ln w="3175">
+                          <a:solidFill>
+                            <a:prstClr val="ltGray"/>
+                          </a:solidFill>
+                        </a:ln>
+                      </p166:spPr>
+                    </pslz:zmPr>
+                  </pslz:sldZmObj>
+                </pslz:sldZm>
+              </a:graphicData>
+            </a:graphic>
+          </p:graphicFrame>
+        </mc:Choice>
+        <mc:Fallback xmlns="">
+          <p:pic>
+            <p:nvPicPr>
+              <p:cNvPr id="15" name="Folienzoom 14">
+                <a:hlinkClick r:id="rId4" action="ppaction://hlinksldjump"/>
+                <a:extLst>
+                  <a:ext uri="{FF2B5EF4-FFF2-40B4-BE49-F238E27FC236}">
+                    <a16:creationId xmlns:a16="http://schemas.microsoft.com/office/drawing/2014/main" id="{2B3F9C3D-D13F-FF49-ADDB-9CFDAD3B335E}"/>
+                  </a:ext>
+                </a:extLst>
+              </p:cNvPr>
+              <p:cNvPicPr>
+                <a:picLocks noGrp="1" noRot="1" noChangeAspect="1" noMove="1" noResize="1" noEditPoints="1" noAdjustHandles="1" noChangeArrowheads="1" noChangeShapeType="1"/>
+              </p:cNvPicPr>
+              <p:nvPr/>
+            </p:nvPicPr>
+            <p:blipFill>
+              <a:blip r:embed="rId5"/>
+              <a:stretch>
+                <a:fillRect/>
+              </a:stretch>
+            </p:blipFill>
+            <p:spPr>
+              <a:xfrm>
+                <a:off x="1835696" y="3664578"/>
+                <a:ext cx="1252260" cy="704396"/>
+              </a:xfrm>
+              <a:prstGeom prst="rect">
+                <a:avLst/>
+              </a:prstGeom>
+              <a:ln w="3175">
+                <a:solidFill>
+                  <a:prstClr val="ltGray"/>
+                </a:solidFill>
+              </a:ln>
+            </p:spPr>
+          </p:pic>
+        </mc:Fallback>
+      </mc:AlternateContent>
+      <mc:AlternateContent xmlns:mc="http://schemas.openxmlformats.org/markup-compatibility/2006" xmlns:pslz="http://schemas.microsoft.com/office/powerpoint/2016/slidezoom">
+        <mc:Choice Requires="pslz">
+          <p:graphicFrame>
+            <p:nvGraphicFramePr>
+              <p:cNvPr id="17" name="Folienzoom 16">
+                <a:extLst>
+                  <a:ext uri="{FF2B5EF4-FFF2-40B4-BE49-F238E27FC236}">
+                    <a16:creationId xmlns:a16="http://schemas.microsoft.com/office/drawing/2014/main" id="{FE312BBF-96BE-5141-913B-4AF9854C1E4B}"/>
+                  </a:ext>
+                </a:extLst>
+              </p:cNvPr>
+              <p:cNvGraphicFramePr>
+                <a:graphicFrameLocks noChangeAspect="1"/>
+              </p:cNvGraphicFramePr>
+              <p:nvPr>
+                <p:extLst>
+                  <p:ext uri="{D42A27DB-BD31-4B8C-83A1-F6EECF244321}">
+                    <p14:modId xmlns:p14="http://schemas.microsoft.com/office/powerpoint/2010/main" val="1171863936"/>
+                  </p:ext>
+                </p:extLst>
+              </p:nvPr>
+            </p:nvGraphicFramePr>
+            <p:xfrm>
+              <a:off x="6337935" y="1027434"/>
+              <a:ext cx="2286000" cy="1285875"/>
+            </p:xfrm>
+            <a:graphic>
+              <a:graphicData uri="http://schemas.microsoft.com/office/powerpoint/2016/slidezoom">
+                <pslz:sldZm>
+                  <pslz:sldZmObj sldId="286" cId="3572982989">
+                    <pslz:zmPr id="{314D0724-5B70-BD41-BCDC-5493569B9F83}" transitionDur="1000">
+                      <p166:blipFill xmlns:p166="http://schemas.microsoft.com/office/powerpoint/2016/6/main">
+                        <a:blip r:embed="rId6"/>
+                        <a:stretch>
+                          <a:fillRect/>
+                        </a:stretch>
+                      </p166:blipFill>
+                      <p166:spPr xmlns:p166="http://schemas.microsoft.com/office/powerpoint/2016/6/main">
+                        <a:xfrm>
+                          <a:off x="0" y="0"/>
+                          <a:ext cx="2286000" cy="1285875"/>
+                        </a:xfrm>
+                        <a:prstGeom prst="rect">
+                          <a:avLst/>
+                        </a:prstGeom>
+                        <a:ln w="3175">
+                          <a:solidFill>
+                            <a:prstClr val="ltGray"/>
+                          </a:solidFill>
+                        </a:ln>
+                      </p166:spPr>
+                    </pslz:zmPr>
+                  </pslz:sldZmObj>
+                </pslz:sldZm>
+              </a:graphicData>
+            </a:graphic>
+          </p:graphicFrame>
+        </mc:Choice>
+        <mc:Fallback xmlns="">
+          <p:pic>
+            <p:nvPicPr>
+              <p:cNvPr id="17" name="Folienzoom 16">
+                <a:hlinkClick r:id="rId7" action="ppaction://hlinksldjump"/>
+                <a:extLst>
+                  <a:ext uri="{FF2B5EF4-FFF2-40B4-BE49-F238E27FC236}">
+                    <a16:creationId xmlns:a16="http://schemas.microsoft.com/office/drawing/2014/main" id="{FE312BBF-96BE-5141-913B-4AF9854C1E4B}"/>
+                  </a:ext>
+                </a:extLst>
+              </p:cNvPr>
+              <p:cNvPicPr>
+                <a:picLocks noGrp="1" noRot="1" noChangeAspect="1" noMove="1" noResize="1" noEditPoints="1" noAdjustHandles="1" noChangeArrowheads="1" noChangeShapeType="1"/>
+              </p:cNvPicPr>
+              <p:nvPr/>
+            </p:nvPicPr>
+            <p:blipFill>
+              <a:blip r:embed="rId8"/>
+              <a:stretch>
+                <a:fillRect/>
+              </a:stretch>
+            </p:blipFill>
+            <p:spPr>
+              <a:xfrm>
+                <a:off x="6337935" y="1027434"/>
+                <a:ext cx="2286000" cy="1285875"/>
+              </a:xfrm>
+              <a:prstGeom prst="rect">
+                <a:avLst/>
+              </a:prstGeom>
+              <a:ln w="3175">
+                <a:solidFill>
+                  <a:prstClr val="ltGray"/>
+                </a:solidFill>
+              </a:ln>
+            </p:spPr>
+          </p:pic>
+        </mc:Fallback>
+      </mc:AlternateContent>
+      <mc:AlternateContent xmlns:mc="http://schemas.openxmlformats.org/markup-compatibility/2006" xmlns:pslz="http://schemas.microsoft.com/office/powerpoint/2016/slidezoom">
+        <mc:Choice Requires="pslz">
+          <p:graphicFrame>
+            <p:nvGraphicFramePr>
+              <p:cNvPr id="19" name="Folienzoom 18">
+                <a:extLst>
+                  <a:ext uri="{FF2B5EF4-FFF2-40B4-BE49-F238E27FC236}">
+                    <a16:creationId xmlns:a16="http://schemas.microsoft.com/office/drawing/2014/main" id="{70D0FD94-F672-934B-A0D7-80B724230CAE}"/>
+                  </a:ext>
+                </a:extLst>
+              </p:cNvPr>
+              <p:cNvGraphicFramePr>
+                <a:graphicFrameLocks noChangeAspect="1"/>
+              </p:cNvGraphicFramePr>
+              <p:nvPr>
+                <p:extLst>
+                  <p:ext uri="{D42A27DB-BD31-4B8C-83A1-F6EECF244321}">
+                    <p14:modId xmlns:p14="http://schemas.microsoft.com/office/powerpoint/2010/main" val="312785308"/>
+                  </p:ext>
+                </p:extLst>
+              </p:nvPr>
+            </p:nvGraphicFramePr>
+            <p:xfrm>
+              <a:off x="6337935" y="2785807"/>
+              <a:ext cx="2286000" cy="1285875"/>
+            </p:xfrm>
+            <a:graphic>
+              <a:graphicData uri="http://schemas.microsoft.com/office/powerpoint/2016/slidezoom">
+                <pslz:sldZm>
+                  <pslz:sldZmObj sldId="287" cId="3286563583">
+                    <pslz:zmPr id="{901BC9A0-C010-4241-AF4A-10BD69E7017B}" transitionDur="1000">
+                      <p166:blipFill xmlns:p166="http://schemas.microsoft.com/office/powerpoint/2016/6/main">
+                        <a:blip r:embed="rId9"/>
+                        <a:stretch>
+                          <a:fillRect/>
+                        </a:stretch>
+                      </p166:blipFill>
+                      <p166:spPr xmlns:p166="http://schemas.microsoft.com/office/powerpoint/2016/6/main">
+                        <a:xfrm>
+                          <a:off x="0" y="0"/>
+                          <a:ext cx="2286000" cy="1285875"/>
+                        </a:xfrm>
+                        <a:prstGeom prst="rect">
+                          <a:avLst/>
+                        </a:prstGeom>
+                        <a:ln w="3175">
+                          <a:solidFill>
+                            <a:prstClr val="ltGray"/>
+                          </a:solidFill>
+                        </a:ln>
+                      </p166:spPr>
+                    </pslz:zmPr>
+                  </pslz:sldZmObj>
+                </pslz:sldZm>
+              </a:graphicData>
+            </a:graphic>
+          </p:graphicFrame>
+        </mc:Choice>
+        <mc:Fallback xmlns="">
+          <p:pic>
+            <p:nvPicPr>
+              <p:cNvPr id="19" name="Folienzoom 18">
+                <a:hlinkClick r:id="rId10" action="ppaction://hlinksldjump"/>
+                <a:extLst>
+                  <a:ext uri="{FF2B5EF4-FFF2-40B4-BE49-F238E27FC236}">
+                    <a16:creationId xmlns:a16="http://schemas.microsoft.com/office/drawing/2014/main" id="{70D0FD94-F672-934B-A0D7-80B724230CAE}"/>
+                  </a:ext>
+                </a:extLst>
+              </p:cNvPr>
+              <p:cNvPicPr>
+                <a:picLocks noGrp="1" noRot="1" noChangeAspect="1" noMove="1" noResize="1" noEditPoints="1" noAdjustHandles="1" noChangeArrowheads="1" noChangeShapeType="1"/>
+              </p:cNvPicPr>
+              <p:nvPr/>
+            </p:nvPicPr>
+            <p:blipFill>
+              <a:blip r:embed="rId11"/>
+              <a:stretch>
+                <a:fillRect/>
+              </a:stretch>
+            </p:blipFill>
+            <p:spPr>
+              <a:xfrm>
+                <a:off x="6337935" y="2785807"/>
+                <a:ext cx="2286000" cy="1285875"/>
+              </a:xfrm>
+              <a:prstGeom prst="rect">
+                <a:avLst/>
+              </a:prstGeom>
+              <a:ln w="3175">
+                <a:solidFill>
+                  <a:prstClr val="ltGray"/>
+                </a:solidFill>
+              </a:ln>
+            </p:spPr>
+          </p:pic>
+        </mc:Fallback>
+      </mc:AlternateContent>
+      <p:sp>
+        <p:nvSpPr>
+          <p:cNvPr id="3" name="Textfeld 2">
+            <a:extLst>
+              <a:ext uri="{FF2B5EF4-FFF2-40B4-BE49-F238E27FC236}">
+                <a16:creationId xmlns:a16="http://schemas.microsoft.com/office/drawing/2014/main" id="{501ED7AB-7BAA-7E49-8BCA-C97BAC9593D1}"/>
+              </a:ext>
+            </a:extLst>
+          </p:cNvPr>
+          <p:cNvSpPr txBox="1"/>
+          <p:nvPr/>
+        </p:nvSpPr>
+        <p:spPr>
+          <a:xfrm>
+            <a:off x="8284076" y="4630647"/>
+            <a:ext cx="2698561" cy="215444"/>
+          </a:xfrm>
+          <a:prstGeom prst="rect">
+            <a:avLst/>
+          </a:prstGeom>
+          <a:noFill/>
+          <a:ln>
+            <a:noFill/>
+          </a:ln>
+        </p:spPr>
+        <p:txBody>
+          <a:bodyPr wrap="square" rtlCol="0">
+            <a:spAutoFit/>
+          </a:bodyPr>
+          <a:lstStyle/>
+          <a:p>
+            <a:r>
+              <a:rPr lang="de-DE" sz="800" dirty="0"/>
+              <a:t>*He et al. 2016</a:t>
+            </a:r>
+          </a:p>
+        </p:txBody>
+      </p:sp>
+    </p:spTree>
+    <p:extLst>
+      <p:ext uri="{BB962C8B-B14F-4D97-AF65-F5344CB8AC3E}">
+        <p14:creationId xmlns:p14="http://schemas.microsoft.com/office/powerpoint/2010/main" val="1569915407"/>
+      </p:ext>
+    </p:extLst>
+  </p:cSld>
+  <p:clrMapOvr>
+    <a:masterClrMapping/>
+  </p:clrMapOvr>
+  <p:transition>
+    <p:fade/>
+  </p:transition>
+</p:sld>
+</file>
+
+<file path=ppt/slides/slide6.xml><?xml version="1.0" encoding="utf-8"?>
+<p:sld xmlns:a="http://schemas.openxmlformats.org/drawingml/2006/main" xmlns:r="http://schemas.openxmlformats.org/officeDocument/2006/relationships" xmlns:p="http://schemas.openxmlformats.org/presentationml/2006/main" show="0">
+  <p:cSld>
+    <p:spTree>
+      <p:nvGrpSpPr>
+        <p:cNvPr id="1" name=""/>
+        <p:cNvGrpSpPr/>
+        <p:nvPr/>
+      </p:nvGrpSpPr>
+      <p:grpSpPr>
+        <a:xfrm>
+          <a:off x="0" y="0"/>
+          <a:ext cx="0" cy="0"/>
+          <a:chOff x="0" y="0"/>
+          <a:chExt cx="0" cy="0"/>
+        </a:xfrm>
+      </p:grpSpPr>
+      <p:sp>
+        <p:nvSpPr>
+          <p:cNvPr id="4" name="Fußzeilenplatzhalter 3">
+            <a:extLst>
+              <a:ext uri="{FF2B5EF4-FFF2-40B4-BE49-F238E27FC236}">
+                <a16:creationId xmlns:a16="http://schemas.microsoft.com/office/drawing/2014/main" id="{39E010D1-7C68-A742-B170-BA5911240DBA}"/>
+              </a:ext>
+            </a:extLst>
+          </p:cNvPr>
+          <p:cNvSpPr>
+            <a:spLocks noGrp="1"/>
+          </p:cNvSpPr>
+          <p:nvPr>
+            <p:ph type="ftr" sz="quarter" idx="3"/>
+          </p:nvPr>
+        </p:nvSpPr>
+        <p:spPr/>
+        <p:txBody>
+          <a:bodyPr/>
+          <a:lstStyle/>
+          <a:p>
+            <a:r>
+              <a:rPr lang="de-DE"/>
+              <a:t>AirBnB Dublin</a:t>
+            </a:r>
+            <a:endParaRPr lang="de-DE" dirty="0"/>
+          </a:p>
+        </p:txBody>
+      </p:sp>
+      <p:sp>
+        <p:nvSpPr>
+          <p:cNvPr id="5" name="Datumsplatzhalter 4">
+            <a:extLst>
+              <a:ext uri="{FF2B5EF4-FFF2-40B4-BE49-F238E27FC236}">
+                <a16:creationId xmlns:a16="http://schemas.microsoft.com/office/drawing/2014/main" id="{33DF71CA-21BA-CD4D-8FC6-80A8EC8BFD07}"/>
+              </a:ext>
+            </a:extLst>
+          </p:cNvPr>
+          <p:cNvSpPr>
+            <a:spLocks noGrp="1"/>
+          </p:cNvSpPr>
+          <p:nvPr>
+            <p:ph type="dt" sz="half" idx="2"/>
+          </p:nvPr>
+        </p:nvSpPr>
+        <p:spPr/>
+        <p:txBody>
+          <a:bodyPr/>
+          <a:lstStyle/>
+          <a:p>
+            <a:fld id="{BE088B47-CD36-F94B-803D-32933F326080}" type="datetime1">
+              <a:rPr lang="de-DE" smtClean="0"/>
+              <a:t>19.02.22</a:t>
+            </a:fld>
+            <a:endParaRPr lang="en-US" dirty="0"/>
+          </a:p>
+        </p:txBody>
+      </p:sp>
+      <p:sp>
+        <p:nvSpPr>
+          <p:cNvPr id="7" name="Textplatzhalter 6">
+            <a:extLst>
+              <a:ext uri="{FF2B5EF4-FFF2-40B4-BE49-F238E27FC236}">
+                <a16:creationId xmlns:a16="http://schemas.microsoft.com/office/drawing/2014/main" id="{EC7F8565-5154-B94B-A0A0-0A6BB209B5E6}"/>
+              </a:ext>
+            </a:extLst>
+          </p:cNvPr>
+          <p:cNvSpPr>
+            <a:spLocks noGrp="1"/>
+          </p:cNvSpPr>
+          <p:nvPr>
+            <p:ph type="body" sz="quarter" idx="12"/>
+          </p:nvPr>
+        </p:nvSpPr>
+        <p:spPr/>
+        <p:txBody>
+          <a:bodyPr/>
+          <a:lstStyle/>
+          <a:p>
+            <a:endParaRPr lang="de-DE"/>
+          </a:p>
+        </p:txBody>
+      </p:sp>
+      <p:pic>
+        <p:nvPicPr>
+          <p:cNvPr id="10" name="Grafik 9" descr="Ein Bild, das Text enthält.&#10;&#10;Automatisch generierte Beschreibung">
+            <a:extLst>
+              <a:ext uri="{FF2B5EF4-FFF2-40B4-BE49-F238E27FC236}">
+                <a16:creationId xmlns:a16="http://schemas.microsoft.com/office/drawing/2014/main" id="{6DF28639-8C05-7A4E-825E-5C65D876D324}"/>
+              </a:ext>
+            </a:extLst>
+          </p:cNvPr>
+          <p:cNvPicPr>
+            <a:picLocks noChangeAspect="1"/>
+          </p:cNvPicPr>
+          <p:nvPr/>
+        </p:nvPicPr>
+        <p:blipFill rotWithShape="1">
+          <a:blip r:embed="rId2">
+            <a:extLst>
+              <a:ext uri="{28A0092B-C50C-407E-A947-70E740481C1C}">
+                <a14:useLocalDpi xmlns:a14="http://schemas.microsoft.com/office/drawing/2010/main" val="0"/>
+              </a:ext>
+            </a:extLst>
+          </a:blip>
+          <a:srcRect b="60331"/>
+          <a:stretch/>
+        </p:blipFill>
+        <p:spPr>
+          <a:xfrm>
+            <a:off x="-105913" y="1131590"/>
+            <a:ext cx="4677913" cy="3168352"/>
+          </a:xfrm>
+          <a:prstGeom prst="rect">
+            <a:avLst/>
+          </a:prstGeom>
+        </p:spPr>
+      </p:pic>
+      <p:pic>
+        <p:nvPicPr>
+          <p:cNvPr id="11" name="Grafik 10" descr="Ein Bild, das Text enthält.&#10;&#10;Automatisch generierte Beschreibung">
+            <a:extLst>
+              <a:ext uri="{FF2B5EF4-FFF2-40B4-BE49-F238E27FC236}">
+                <a16:creationId xmlns:a16="http://schemas.microsoft.com/office/drawing/2014/main" id="{06469C48-042F-934E-B42B-D2033AE1151B}"/>
+              </a:ext>
+            </a:extLst>
+          </p:cNvPr>
+          <p:cNvPicPr>
+            <a:picLocks noChangeAspect="1"/>
+          </p:cNvPicPr>
+          <p:nvPr/>
+        </p:nvPicPr>
+        <p:blipFill rotWithShape="1">
+          <a:blip r:embed="rId2">
+            <a:extLst>
+              <a:ext uri="{28A0092B-C50C-407E-A947-70E740481C1C}">
+                <a14:useLocalDpi xmlns:a14="http://schemas.microsoft.com/office/drawing/2010/main" val="0"/>
+              </a:ext>
+            </a:extLst>
+          </a:blip>
+          <a:srcRect t="39835" b="20505"/>
+          <a:stretch/>
+        </p:blipFill>
+        <p:spPr>
+          <a:xfrm>
+            <a:off x="4355976" y="1131590"/>
+            <a:ext cx="4788024" cy="3242128"/>
+          </a:xfrm>
+          <a:prstGeom prst="rect">
+            <a:avLst/>
+          </a:prstGeom>
+        </p:spPr>
+      </p:pic>
+      <p:cxnSp>
+        <p:nvCxnSpPr>
+          <p:cNvPr id="13" name="Gerade Verbindung 12">
+            <a:extLst>
+              <a:ext uri="{FF2B5EF4-FFF2-40B4-BE49-F238E27FC236}">
+                <a16:creationId xmlns:a16="http://schemas.microsoft.com/office/drawing/2014/main" id="{2F202D85-F73A-1D40-BC14-89D98D272131}"/>
+              </a:ext>
+            </a:extLst>
+          </p:cNvPr>
+          <p:cNvCxnSpPr/>
+          <p:nvPr/>
+        </p:nvCxnSpPr>
+        <p:spPr>
+          <a:xfrm>
+            <a:off x="4427984" y="699542"/>
+            <a:ext cx="0" cy="4176067"/>
+          </a:xfrm>
+          <a:prstGeom prst="line">
+            <a:avLst/>
+          </a:prstGeom>
+        </p:spPr>
+        <p:style>
+          <a:lnRef idx="1">
+            <a:schemeClr val="accent1"/>
+          </a:lnRef>
+          <a:fillRef idx="0">
+            <a:schemeClr val="accent1"/>
+          </a:fillRef>
+          <a:effectRef idx="0">
+            <a:schemeClr val="accent1"/>
+          </a:effectRef>
+          <a:fontRef idx="minor">
+            <a:schemeClr val="tx1"/>
+          </a:fontRef>
+        </p:style>
+      </p:cxnSp>
+    </p:spTree>
+    <p:extLst>
+      <p:ext uri="{BB962C8B-B14F-4D97-AF65-F5344CB8AC3E}">
+        <p14:creationId xmlns:p14="http://schemas.microsoft.com/office/powerpoint/2010/main" val="3572982989"/>
+      </p:ext>
+    </p:extLst>
+  </p:cSld>
+  <p:clrMapOvr>
+    <a:masterClrMapping/>
+  </p:clrMapOvr>
+</p:sld>
+</file>
+
+<file path=ppt/slides/slide7.xml><?xml version="1.0" encoding="utf-8"?>
+<p:sld xmlns:a="http://schemas.openxmlformats.org/drawingml/2006/main" xmlns:r="http://schemas.openxmlformats.org/officeDocument/2006/relationships" xmlns:p="http://schemas.openxmlformats.org/presentationml/2006/main" show="0">
+  <p:cSld>
+    <p:spTree>
+      <p:nvGrpSpPr>
+        <p:cNvPr id="1" name=""/>
+        <p:cNvGrpSpPr/>
+        <p:nvPr/>
+      </p:nvGrpSpPr>
+      <p:grpSpPr>
+        <a:xfrm>
+          <a:off x="0" y="0"/>
+          <a:ext cx="0" cy="0"/>
+          <a:chOff x="0" y="0"/>
+          <a:chExt cx="0" cy="0"/>
+        </a:xfrm>
+      </p:grpSpPr>
+      <p:sp>
+        <p:nvSpPr>
+          <p:cNvPr id="4" name="Fußzeilenplatzhalter 3">
+            <a:extLst>
+              <a:ext uri="{FF2B5EF4-FFF2-40B4-BE49-F238E27FC236}">
+                <a16:creationId xmlns:a16="http://schemas.microsoft.com/office/drawing/2014/main" id="{39E010D1-7C68-A742-B170-BA5911240DBA}"/>
+              </a:ext>
+            </a:extLst>
+          </p:cNvPr>
+          <p:cNvSpPr>
+            <a:spLocks noGrp="1"/>
+          </p:cNvSpPr>
+          <p:nvPr>
+            <p:ph type="ftr" sz="quarter" idx="3"/>
+          </p:nvPr>
+        </p:nvSpPr>
+        <p:spPr/>
+        <p:txBody>
+          <a:bodyPr/>
+          <a:lstStyle/>
+          <a:p>
+            <a:r>
+              <a:rPr lang="de-DE"/>
+              <a:t>AirBnB Dublin</a:t>
+            </a:r>
+            <a:endParaRPr lang="de-DE" dirty="0"/>
+          </a:p>
+        </p:txBody>
+      </p:sp>
+      <p:sp>
+        <p:nvSpPr>
+          <p:cNvPr id="5" name="Datumsplatzhalter 4">
+            <a:extLst>
+              <a:ext uri="{FF2B5EF4-FFF2-40B4-BE49-F238E27FC236}">
+                <a16:creationId xmlns:a16="http://schemas.microsoft.com/office/drawing/2014/main" id="{33DF71CA-21BA-CD4D-8FC6-80A8EC8BFD07}"/>
+              </a:ext>
+            </a:extLst>
+          </p:cNvPr>
+          <p:cNvSpPr>
+            <a:spLocks noGrp="1"/>
+          </p:cNvSpPr>
+          <p:nvPr>
+            <p:ph type="dt" sz="half" idx="2"/>
+          </p:nvPr>
+        </p:nvSpPr>
+        <p:spPr/>
+        <p:txBody>
+          <a:bodyPr/>
+          <a:lstStyle/>
+          <a:p>
+            <a:fld id="{F20AF86B-2C06-1B43-A0B8-0BF49A2AA9F9}" type="datetime1">
+              <a:rPr lang="de-DE" smtClean="0"/>
+              <a:t>19.02.22</a:t>
+            </a:fld>
+            <a:endParaRPr lang="en-US" dirty="0"/>
+          </a:p>
+        </p:txBody>
+      </p:sp>
+      <p:sp>
+        <p:nvSpPr>
+          <p:cNvPr id="7" name="Textplatzhalter 6">
+            <a:extLst>
+              <a:ext uri="{FF2B5EF4-FFF2-40B4-BE49-F238E27FC236}">
+                <a16:creationId xmlns:a16="http://schemas.microsoft.com/office/drawing/2014/main" id="{EC7F8565-5154-B94B-A0A0-0A6BB209B5E6}"/>
+              </a:ext>
+            </a:extLst>
+          </p:cNvPr>
+          <p:cNvSpPr>
+            <a:spLocks noGrp="1"/>
+          </p:cNvSpPr>
+          <p:nvPr>
+            <p:ph type="body" sz="quarter" idx="12"/>
+          </p:nvPr>
+        </p:nvSpPr>
+        <p:spPr/>
+        <p:txBody>
+          <a:bodyPr/>
+          <a:lstStyle/>
+          <a:p>
+            <a:endParaRPr lang="de-DE"/>
+          </a:p>
+        </p:txBody>
+      </p:sp>
+      <p:pic>
+        <p:nvPicPr>
+          <p:cNvPr id="8" name="Grafik 7" descr="Ein Bild, das Text, verschieden, mehrere enthält.&#10;&#10;Automatisch generierte Beschreibung">
+            <a:extLst>
+              <a:ext uri="{FF2B5EF4-FFF2-40B4-BE49-F238E27FC236}">
+                <a16:creationId xmlns:a16="http://schemas.microsoft.com/office/drawing/2014/main" id="{435C927B-DBCE-3B49-A258-E2F0DD929D96}"/>
+              </a:ext>
+            </a:extLst>
+          </p:cNvPr>
+          <p:cNvPicPr>
+            <a:picLocks noChangeAspect="1"/>
+          </p:cNvPicPr>
+          <p:nvPr/>
+        </p:nvPicPr>
+        <p:blipFill rotWithShape="1">
+          <a:blip r:embed="rId2">
+            <a:extLst>
+              <a:ext uri="{28A0092B-C50C-407E-A947-70E740481C1C}">
+                <a14:useLocalDpi xmlns:a14="http://schemas.microsoft.com/office/drawing/2010/main" val="0"/>
+              </a:ext>
+            </a:extLst>
+          </a:blip>
+          <a:srcRect t="49773"/>
+          <a:stretch/>
+        </p:blipFill>
+        <p:spPr>
+          <a:xfrm>
+            <a:off x="4628815" y="705582"/>
+            <a:ext cx="4227774" cy="4198710"/>
+          </a:xfrm>
+          <a:prstGeom prst="rect">
+            <a:avLst/>
+          </a:prstGeom>
+        </p:spPr>
+      </p:pic>
+      <p:pic>
+        <p:nvPicPr>
+          <p:cNvPr id="9" name="Grafik 8" descr="Ein Bild, das Text, verschieden, mehrere enthält.&#10;&#10;Automatisch generierte Beschreibung">
+            <a:extLst>
+              <a:ext uri="{FF2B5EF4-FFF2-40B4-BE49-F238E27FC236}">
+                <a16:creationId xmlns:a16="http://schemas.microsoft.com/office/drawing/2014/main" id="{B6D36679-6BD3-8442-A7A9-B5F2D7683066}"/>
+              </a:ext>
+            </a:extLst>
+          </p:cNvPr>
+          <p:cNvPicPr>
+            <a:picLocks noChangeAspect="1"/>
+          </p:cNvPicPr>
+          <p:nvPr/>
+        </p:nvPicPr>
+        <p:blipFill rotWithShape="1">
+          <a:blip r:embed="rId2">
+            <a:extLst>
+              <a:ext uri="{28A0092B-C50C-407E-A947-70E740481C1C}">
+                <a14:useLocalDpi xmlns:a14="http://schemas.microsoft.com/office/drawing/2010/main" val="0"/>
+              </a:ext>
+            </a:extLst>
+          </a:blip>
+          <a:srcRect b="50227"/>
+          <a:stretch/>
+        </p:blipFill>
+        <p:spPr>
+          <a:xfrm>
+            <a:off x="241715" y="748656"/>
+            <a:ext cx="4176464" cy="4110256"/>
+          </a:xfrm>
+          <a:prstGeom prst="rect">
+            <a:avLst/>
+          </a:prstGeom>
+        </p:spPr>
+      </p:pic>
+    </p:spTree>
+    <p:extLst>
+      <p:ext uri="{BB962C8B-B14F-4D97-AF65-F5344CB8AC3E}">
+        <p14:creationId xmlns:p14="http://schemas.microsoft.com/office/powerpoint/2010/main" val="3286563583"/>
+      </p:ext>
+    </p:extLst>
+  </p:cSld>
+  <p:clrMapOvr>
+    <a:masterClrMapping/>
+  </p:clrMapOvr>
+</p:sld>
+</file>
+
+<file path=ppt/slides/slide8.xml><?xml version="1.0" encoding="utf-8"?>
+<p:sld xmlns:a="http://schemas.openxmlformats.org/drawingml/2006/main" xmlns:r="http://schemas.openxmlformats.org/officeDocument/2006/relationships" xmlns:p="http://schemas.openxmlformats.org/presentationml/2006/main" show="0">
+  <p:cSld>
+    <p:spTree>
+      <p:nvGrpSpPr>
+        <p:cNvPr id="1" name=""/>
+        <p:cNvGrpSpPr/>
+        <p:nvPr/>
+      </p:nvGrpSpPr>
+      <p:grpSpPr>
+        <a:xfrm>
+          <a:off x="0" y="0"/>
+          <a:ext cx="0" cy="0"/>
+          <a:chOff x="0" y="0"/>
+          <a:chExt cx="0" cy="0"/>
+        </a:xfrm>
+      </p:grpSpPr>
+      <p:sp>
+        <p:nvSpPr>
+          <p:cNvPr id="4" name="Fußzeilenplatzhalter 3">
+            <a:extLst>
+              <a:ext uri="{FF2B5EF4-FFF2-40B4-BE49-F238E27FC236}">
+                <a16:creationId xmlns:a16="http://schemas.microsoft.com/office/drawing/2014/main" id="{2A6CC9F0-E539-B240-8F48-C6437D91A989}"/>
+              </a:ext>
+            </a:extLst>
+          </p:cNvPr>
+          <p:cNvSpPr>
+            <a:spLocks noGrp="1"/>
+          </p:cNvSpPr>
+          <p:nvPr>
+            <p:ph type="ftr" sz="quarter" idx="3"/>
+          </p:nvPr>
+        </p:nvSpPr>
+        <p:spPr/>
+        <p:txBody>
+          <a:bodyPr/>
+          <a:lstStyle/>
+          <a:p>
+            <a:r>
+              <a:rPr lang="de-DE"/>
+              <a:t>AirBnB Dublin</a:t>
+            </a:r>
+            <a:endParaRPr lang="de-DE" dirty="0"/>
+          </a:p>
+        </p:txBody>
+      </p:sp>
+      <p:sp>
+        <p:nvSpPr>
+          <p:cNvPr id="5" name="Datumsplatzhalter 4">
+            <a:extLst>
+              <a:ext uri="{FF2B5EF4-FFF2-40B4-BE49-F238E27FC236}">
+                <a16:creationId xmlns:a16="http://schemas.microsoft.com/office/drawing/2014/main" id="{977778EA-8BD4-874F-9425-7F1F102501BB}"/>
+              </a:ext>
+            </a:extLst>
+          </p:cNvPr>
+          <p:cNvSpPr>
+            <a:spLocks noGrp="1"/>
+          </p:cNvSpPr>
+          <p:nvPr>
+            <p:ph type="dt" sz="half" idx="2"/>
+          </p:nvPr>
+        </p:nvSpPr>
+        <p:spPr/>
+        <p:txBody>
+          <a:bodyPr/>
+          <a:lstStyle/>
+          <a:p>
+            <a:fld id="{4D69D608-4086-4A42-A3A9-028CBD34E7EA}" type="datetime1">
+              <a:rPr lang="de-DE" smtClean="0"/>
+              <a:t>19.02.22</a:t>
+            </a:fld>
+            <a:endParaRPr lang="en-US" dirty="0"/>
+          </a:p>
+        </p:txBody>
+      </p:sp>
+      <p:sp>
+        <p:nvSpPr>
+          <p:cNvPr id="7" name="Textplatzhalter 6">
+            <a:extLst>
+              <a:ext uri="{FF2B5EF4-FFF2-40B4-BE49-F238E27FC236}">
+                <a16:creationId xmlns:a16="http://schemas.microsoft.com/office/drawing/2014/main" id="{5753D789-D15E-1E47-B57F-B01FDB571B9C}"/>
+              </a:ext>
+            </a:extLst>
+          </p:cNvPr>
+          <p:cNvSpPr>
+            <a:spLocks noGrp="1"/>
+          </p:cNvSpPr>
+          <p:nvPr>
+            <p:ph type="body" sz="quarter" idx="12"/>
+          </p:nvPr>
+        </p:nvSpPr>
+        <p:spPr/>
+        <p:txBody>
+          <a:bodyPr/>
+          <a:lstStyle/>
+          <a:p>
+            <a:endParaRPr lang="de-DE"/>
+          </a:p>
+        </p:txBody>
+      </p:sp>
+      <p:pic>
+        <p:nvPicPr>
+          <p:cNvPr id="8" name="Grafik 7">
+            <a:extLst>
+              <a:ext uri="{FF2B5EF4-FFF2-40B4-BE49-F238E27FC236}">
+                <a16:creationId xmlns:a16="http://schemas.microsoft.com/office/drawing/2014/main" id="{93D468EE-ED0D-3E4F-88F0-26A6B8ECD04A}"/>
+              </a:ext>
+            </a:extLst>
+          </p:cNvPr>
+          <p:cNvPicPr>
+            <a:picLocks noChangeAspect="1"/>
+          </p:cNvPicPr>
+          <p:nvPr/>
+        </p:nvPicPr>
+        <p:blipFill>
+          <a:blip r:embed="rId3">
+            <a:extLst>
+              <a:ext uri="{28A0092B-C50C-407E-A947-70E740481C1C}">
+                <a14:useLocalDpi xmlns:a14="http://schemas.microsoft.com/office/drawing/2010/main" val="0"/>
+              </a:ext>
+            </a:extLst>
+          </a:blip>
+          <a:stretch>
+            <a:fillRect/>
+          </a:stretch>
+        </p:blipFill>
+        <p:spPr>
+          <a:xfrm>
+            <a:off x="739369" y="1057864"/>
+            <a:ext cx="3273281" cy="3451613"/>
+          </a:xfrm>
+          <a:prstGeom prst="rect">
+            <a:avLst/>
+          </a:prstGeom>
+        </p:spPr>
+      </p:pic>
+      <p:pic>
+        <p:nvPicPr>
+          <p:cNvPr id="9" name="Grafik 8">
+            <a:extLst>
+              <a:ext uri="{FF2B5EF4-FFF2-40B4-BE49-F238E27FC236}">
+                <a16:creationId xmlns:a16="http://schemas.microsoft.com/office/drawing/2014/main" id="{0E80D2CC-11AC-2D45-902F-1902B97EEE05}"/>
+              </a:ext>
+            </a:extLst>
+          </p:cNvPr>
+          <p:cNvPicPr>
+            <a:picLocks noChangeAspect="1"/>
+          </p:cNvPicPr>
+          <p:nvPr/>
+        </p:nvPicPr>
+        <p:blipFill>
+          <a:blip r:embed="rId4">
+            <a:extLst>
+              <a:ext uri="{28A0092B-C50C-407E-A947-70E740481C1C}">
+                <a14:useLocalDpi xmlns:a14="http://schemas.microsoft.com/office/drawing/2010/main" val="0"/>
+              </a:ext>
+            </a:extLst>
+          </a:blip>
+          <a:stretch>
+            <a:fillRect/>
+          </a:stretch>
+        </p:blipFill>
+        <p:spPr>
+          <a:xfrm>
+            <a:off x="4745377" y="1057864"/>
+            <a:ext cx="3544887" cy="3437791"/>
+          </a:xfrm>
+          <a:prstGeom prst="rect">
+            <a:avLst/>
+          </a:prstGeom>
+        </p:spPr>
+      </p:pic>
+    </p:spTree>
+    <p:extLst>
+      <p:ext uri="{BB962C8B-B14F-4D97-AF65-F5344CB8AC3E}">
+        <p14:creationId xmlns:p14="http://schemas.microsoft.com/office/powerpoint/2010/main" val="2349977815"/>
+      </p:ext>
+    </p:extLst>
+  </p:cSld>
+  <p:clrMapOvr>
+    <a:masterClrMapping/>
+  </p:clrMapOvr>
+</p:sld>
+</file>
+
+<file path=ppt/slides/slide9.xml><?xml version="1.0" encoding="utf-8"?>
+<p:sld xmlns:a="http://schemas.openxmlformats.org/drawingml/2006/main" xmlns:r="http://schemas.openxmlformats.org/officeDocument/2006/relationships" xmlns:p="http://schemas.openxmlformats.org/presentationml/2006/main">
+  <p:cSld>
+    <p:spTree>
+      <p:nvGrpSpPr>
+        <p:cNvPr id="1" name=""/>
+        <p:cNvGrpSpPr/>
+        <p:nvPr/>
+      </p:nvGrpSpPr>
+      <p:grpSpPr>
+        <a:xfrm>
+          <a:off x="0" y="0"/>
+          <a:ext cx="0" cy="0"/>
+          <a:chOff x="0" y="0"/>
+          <a:chExt cx="0" cy="0"/>
+        </a:xfrm>
+      </p:grpSpPr>
+      <p:sp>
+        <p:nvSpPr>
+          <p:cNvPr id="62" name="object 62"/>
+          <p:cNvSpPr txBox="1">
+            <a:spLocks noGrp="1"/>
+          </p:cNvSpPr>
+          <p:nvPr>
+            <p:ph type="title"/>
+          </p:nvPr>
+        </p:nvSpPr>
+        <p:spPr/>
+        <p:txBody>
+          <a:bodyPr/>
+          <a:lstStyle/>
+          <a:p>
+            <a:r>
+              <a:rPr lang="de-DE" dirty="0"/>
+              <a:t>SHAP Values*</a:t>
+            </a:r>
+          </a:p>
+        </p:txBody>
+      </p:sp>
+      <mc:AlternateContent xmlns:mc="http://schemas.openxmlformats.org/markup-compatibility/2006" xmlns:a14="http://schemas.microsoft.com/office/drawing/2010/main">
+        <mc:Choice Requires="a14">
+          <p:sp>
+            <p:nvSpPr>
+              <p:cNvPr id="61" name="object 61"/>
+              <p:cNvSpPr txBox="1">
+                <a:spLocks noGrp="1"/>
+              </p:cNvSpPr>
+              <p:nvPr>
+                <p:ph type="body" idx="1"/>
+              </p:nvPr>
+            </p:nvSpPr>
+            <p:spPr>
+              <a:xfrm>
+                <a:off x="660797" y="1670372"/>
+                <a:ext cx="7367587" cy="2594300"/>
+              </a:xfrm>
+            </p:spPr>
+            <p:txBody>
+              <a:bodyPr/>
+              <a:lstStyle/>
+              <a:p>
+                <a:r>
+                  <a:rPr lang="en-US" dirty="0"/>
+                  <a:t>Enables </a:t>
+                </a:r>
+                <a:r>
+                  <a:rPr lang="en-US" dirty="0" err="1"/>
+                  <a:t>explainability</a:t>
+                </a:r>
+                <a:r>
+                  <a:rPr lang="en-US" dirty="0"/>
+                  <a:t> in Machine Learning models</a:t>
+                </a:r>
+              </a:p>
+              <a:p>
+                <a:r>
+                  <a:rPr lang="en-US" dirty="0"/>
+                  <a:t>Approximation of Shapley Values** (game theory</a:t>
+                </a:r>
+                <a:r>
+                  <a:rPr lang="de-DE" dirty="0"/>
+                  <a:t>)</a:t>
+                </a:r>
+                <a:endParaRPr lang="en-US" dirty="0"/>
+              </a:p>
+              <a:p>
+                <a:r>
+                  <a:rPr lang="en-US" dirty="0"/>
+                  <a:t>Computes contribution of each variable to predicted values</a:t>
+                </a:r>
+              </a:p>
+              <a:p>
+                <a:r>
+                  <a:rPr lang="en-US" dirty="0"/>
+                  <a:t>Uses difference between prediction with and without variable (mean imputation)</a:t>
+                </a:r>
+              </a:p>
+              <a:p>
+                <a:r>
+                  <a:rPr lang="en-US" dirty="0"/>
+                  <a:t>Python implementation uses computationally faster algorithms</a:t>
+                </a:r>
+              </a:p>
+              <a:p>
+                <a:endParaRPr lang="de-DE" i="1" dirty="0">
+                  <a:latin typeface="Cambria Math" panose="02040503050406030204" pitchFamily="18" charset="0"/>
+                </a:endParaRPr>
+              </a:p>
+              <a:p>
+                <a:endParaRPr lang="de-DE" i="1" dirty="0">
+                  <a:latin typeface="Cambria Math" panose="02040503050406030204" pitchFamily="18" charset="0"/>
+                </a:endParaRPr>
+              </a:p>
+              <a:p>
+                <a:pPr indent="0">
+                  <a:buNone/>
+                </a:pPr>
+                <a:r>
+                  <a:rPr lang="de-DE" dirty="0"/>
+                  <a:t>							</a:t>
+                </a:r>
+                <a14:m>
+                  <m:oMath xmlns:m="http://schemas.openxmlformats.org/officeDocument/2006/math">
+                    <m:sSub>
+                      <m:sSubPr>
+                        <m:ctrlPr>
+                          <a:rPr lang="de-DE" i="1" smtClean="0">
+                            <a:latin typeface="Cambria Math" panose="02040503050406030204" pitchFamily="18" charset="0"/>
+                          </a:rPr>
+                        </m:ctrlPr>
+                      </m:sSubPr>
+                      <m:e>
+                        <m:r>
+                          <a:rPr lang="de-DE" i="1" smtClean="0">
+                            <a:latin typeface="Cambria Math" panose="02040503050406030204" pitchFamily="18" charset="0"/>
+                          </a:rPr>
+                          <m:t>𝜙</m:t>
+                        </m:r>
+                      </m:e>
+                      <m:sub>
+                        <m:r>
+                          <a:rPr lang="de-DE" b="0" i="1" smtClean="0">
+                            <a:latin typeface="Cambria Math" panose="02040503050406030204" pitchFamily="18" charset="0"/>
+                          </a:rPr>
+                          <m:t>𝑖𝑗</m:t>
+                        </m:r>
+                      </m:sub>
+                    </m:sSub>
+                    <m:r>
+                      <a:rPr lang="de-DE" i="1">
+                        <a:latin typeface="Cambria Math" panose="02040503050406030204" pitchFamily="18" charset="0"/>
+                      </a:rPr>
+                      <m:t>= </m:t>
+                    </m:r>
+                    <m:sSub>
+                      <m:sSubPr>
+                        <m:ctrlPr>
+                          <a:rPr lang="de-DE" i="1" smtClean="0">
+                            <a:latin typeface="Cambria Math" panose="02040503050406030204" pitchFamily="18" charset="0"/>
+                          </a:rPr>
+                        </m:ctrlPr>
+                      </m:sSubPr>
+                      <m:e>
+                        <m:r>
+                          <m:rPr>
+                            <m:lit/>
+                          </m:rPr>
+                          <a:rPr lang="de-DE" i="1" smtClean="0">
+                            <a:latin typeface="Cambria Math" panose="02040503050406030204" pitchFamily="18" charset="0"/>
+                          </a:rPr>
+                          <m:t>∑</m:t>
+                        </m:r>
+                      </m:e>
+                      <m:sub>
+                        <m:sSup>
+                          <m:sSupPr>
+                            <m:ctrlPr>
+                              <a:rPr lang="de-DE" i="1">
+                                <a:latin typeface="Cambria Math" panose="02040503050406030204" pitchFamily="18" charset="0"/>
+                              </a:rPr>
+                            </m:ctrlPr>
+                          </m:sSupPr>
+                          <m:e>
+                            <m:r>
+                              <a:rPr lang="de-DE" i="1">
+                                <a:latin typeface="Cambria Math" panose="02040503050406030204" pitchFamily="18" charset="0"/>
+                              </a:rPr>
+                              <m:t>𝑧</m:t>
+                            </m:r>
+                          </m:e>
+                          <m:sup>
+                            <m:r>
+                              <a:rPr lang="de-DE" i="1">
+                                <a:latin typeface="Cambria Math" panose="02040503050406030204" pitchFamily="18" charset="0"/>
+                              </a:rPr>
+                              <m:t>′</m:t>
+                            </m:r>
+                          </m:sup>
+                        </m:sSup>
+                        <m:r>
+                          <a:rPr lang="de-DE" i="1" smtClean="0">
+                            <a:latin typeface="Cambria Math" panose="02040503050406030204" pitchFamily="18" charset="0"/>
+                          </a:rPr>
+                          <m:t>⊆</m:t>
+                        </m:r>
+                        <m:r>
+                          <a:rPr lang="de-DE" b="0" i="1" smtClean="0">
+                            <a:latin typeface="Cambria Math" panose="02040503050406030204" pitchFamily="18" charset="0"/>
+                          </a:rPr>
+                          <m:t>𝑥</m:t>
+                        </m:r>
+                        <m:r>
+                          <a:rPr lang="de-DE" b="0" i="1" smtClean="0">
+                            <a:latin typeface="Cambria Math" panose="02040503050406030204" pitchFamily="18" charset="0"/>
+                          </a:rPr>
+                          <m:t>′</m:t>
+                        </m:r>
+                      </m:sub>
+                    </m:sSub>
+                    <m:f>
+                      <m:fPr>
+                        <m:ctrlPr>
+                          <a:rPr lang="de-DE" b="0" i="1" smtClean="0">
+                            <a:latin typeface="Cambria Math" panose="02040503050406030204" pitchFamily="18" charset="0"/>
+                          </a:rPr>
+                        </m:ctrlPr>
+                      </m:fPr>
+                      <m:num>
+                        <m:r>
+                          <a:rPr lang="de-DE" i="1">
+                            <a:latin typeface="Cambria Math" panose="02040503050406030204" pitchFamily="18" charset="0"/>
+                          </a:rPr>
+                          <m:t>|</m:t>
+                        </m:r>
+                        <m:r>
+                          <a:rPr lang="de-DE" i="1">
+                            <a:latin typeface="Cambria Math" panose="02040503050406030204" pitchFamily="18" charset="0"/>
+                          </a:rPr>
+                          <m:t>𝑧</m:t>
+                        </m:r>
+                        <m:r>
+                          <a:rPr lang="de-DE" i="1">
+                            <a:latin typeface="Cambria Math" panose="02040503050406030204" pitchFamily="18" charset="0"/>
+                          </a:rPr>
+                          <m:t>‘|!(</m:t>
+                        </m:r>
+                        <m:r>
+                          <a:rPr lang="de-DE" i="1">
+                            <a:latin typeface="Cambria Math" panose="02040503050406030204" pitchFamily="18" charset="0"/>
+                          </a:rPr>
+                          <m:t>𝑀</m:t>
+                        </m:r>
+                        <m:r>
+                          <a:rPr lang="de-DE" i="1">
+                            <a:latin typeface="Cambria Math" panose="02040503050406030204" pitchFamily="18" charset="0"/>
+                          </a:rPr>
+                          <m:t>−|</m:t>
+                        </m:r>
+                        <m:r>
+                          <a:rPr lang="de-DE" i="1">
+                            <a:latin typeface="Cambria Math" panose="02040503050406030204" pitchFamily="18" charset="0"/>
+                          </a:rPr>
+                          <m:t>𝑧</m:t>
+                        </m:r>
+                        <m:r>
+                          <a:rPr lang="de-DE" i="1">
+                            <a:latin typeface="Cambria Math" panose="02040503050406030204" pitchFamily="18" charset="0"/>
+                          </a:rPr>
+                          <m:t>′|−1)!</m:t>
+                        </m:r>
+                      </m:num>
+                      <m:den>
+                        <m:r>
+                          <a:rPr lang="de-DE" i="1">
+                            <a:latin typeface="Cambria Math" panose="02040503050406030204" pitchFamily="18" charset="0"/>
+                          </a:rPr>
+                          <m:t>𝑀</m:t>
+                        </m:r>
+                        <m:r>
+                          <a:rPr lang="de-DE" i="1">
+                            <a:latin typeface="Cambria Math" panose="02040503050406030204" pitchFamily="18" charset="0"/>
+                          </a:rPr>
+                          <m:t>!</m:t>
+                        </m:r>
+                      </m:den>
+                    </m:f>
+                    <m:r>
+                      <a:rPr lang="de-DE" i="1" smtClean="0">
+                        <a:latin typeface="Cambria Math" panose="02040503050406030204" pitchFamily="18" charset="0"/>
+                      </a:rPr>
+                      <m:t>⋅</m:t>
+                    </m:r>
+                    <m:r>
+                      <a:rPr lang="de-DE" i="1">
+                        <a:latin typeface="Cambria Math" panose="02040503050406030204" pitchFamily="18" charset="0"/>
+                      </a:rPr>
+                      <m:t> </m:t>
+                    </m:r>
+                    <m:d>
+                      <m:dPr>
+                        <m:ctrlPr>
+                          <a:rPr lang="de-DE" i="1" smtClean="0">
+                            <a:latin typeface="Cambria Math" panose="02040503050406030204" pitchFamily="18" charset="0"/>
+                          </a:rPr>
+                        </m:ctrlPr>
+                      </m:dPr>
+                      <m:e>
+                        <m:r>
+                          <a:rPr lang="de-DE" i="1">
+                            <a:latin typeface="Cambria Math" panose="02040503050406030204" pitchFamily="18" charset="0"/>
+                          </a:rPr>
+                          <m:t>𝑓</m:t>
+                        </m:r>
+                        <m:d>
+                          <m:dPr>
+                            <m:ctrlPr>
+                              <a:rPr lang="de-DE" i="1">
+                                <a:latin typeface="Cambria Math" panose="02040503050406030204" pitchFamily="18" charset="0"/>
+                              </a:rPr>
+                            </m:ctrlPr>
+                          </m:dPr>
+                          <m:e>
+                            <m:r>
+                              <a:rPr lang="de-DE" i="1">
+                                <a:latin typeface="Cambria Math" panose="02040503050406030204" pitchFamily="18" charset="0"/>
+                              </a:rPr>
+                              <m:t>h</m:t>
+                            </m:r>
+                            <m:sSub>
+                              <m:sSubPr>
+                                <m:ctrlPr>
+                                  <a:rPr lang="de-DE" i="1">
+                                    <a:latin typeface="Cambria Math" panose="02040503050406030204" pitchFamily="18" charset="0"/>
+                                  </a:rPr>
+                                </m:ctrlPr>
+                              </m:sSubPr>
+                              <m:e>
+                                <m:d>
+                                  <m:dPr>
+                                    <m:ctrlPr>
+                                      <a:rPr lang="de-DE" i="1">
+                                        <a:latin typeface="Cambria Math" panose="02040503050406030204" pitchFamily="18" charset="0"/>
+                                      </a:rPr>
+                                    </m:ctrlPr>
+                                  </m:dPr>
+                                  <m:e>
+                                    <m:r>
+                                      <a:rPr lang="de-DE" i="1">
+                                        <a:latin typeface="Cambria Math" panose="02040503050406030204" pitchFamily="18" charset="0"/>
+                                      </a:rPr>
+                                      <m:t>𝑧</m:t>
+                                    </m:r>
+                                    <m:r>
+                                      <a:rPr lang="de-DE" i="1" smtClean="0">
+                                        <a:latin typeface="Cambria Math" panose="02040503050406030204" pitchFamily="18" charset="0"/>
+                                      </a:rPr>
+                                      <m:t>‘</m:t>
+                                    </m:r>
+                                  </m:e>
+                                </m:d>
+                              </m:e>
+                              <m:sub>
+                                <m:r>
+                                  <a:rPr lang="de-DE" i="1">
+                                    <a:latin typeface="Cambria Math" panose="02040503050406030204" pitchFamily="18" charset="0"/>
+                                  </a:rPr>
+                                  <m:t>𝑖</m:t>
+                                </m:r>
+                              </m:sub>
+                            </m:sSub>
+                          </m:e>
+                        </m:d>
+                        <m:r>
+                          <a:rPr lang="de-DE" i="1">
+                            <a:latin typeface="Cambria Math" panose="02040503050406030204" pitchFamily="18" charset="0"/>
+                          </a:rPr>
+                          <m:t>− </m:t>
+                        </m:r>
+                        <m:r>
+                          <a:rPr lang="de-DE" i="1">
+                            <a:latin typeface="Cambria Math" panose="02040503050406030204" pitchFamily="18" charset="0"/>
+                          </a:rPr>
+                          <m:t>𝑓</m:t>
+                        </m:r>
+                        <m:d>
+                          <m:dPr>
+                            <m:ctrlPr>
+                              <a:rPr lang="de-DE" i="1">
+                                <a:latin typeface="Cambria Math" panose="02040503050406030204" pitchFamily="18" charset="0"/>
+                              </a:rPr>
+                            </m:ctrlPr>
+                          </m:dPr>
+                          <m:e>
+                            <m:r>
+                              <a:rPr lang="de-DE" i="1">
+                                <a:latin typeface="Cambria Math" panose="02040503050406030204" pitchFamily="18" charset="0"/>
+                              </a:rPr>
+                              <m:t>h</m:t>
+                            </m:r>
+                            <m:sSub>
+                              <m:sSubPr>
+                                <m:ctrlPr>
+                                  <a:rPr lang="de-DE" i="1">
+                                    <a:latin typeface="Cambria Math" panose="02040503050406030204" pitchFamily="18" charset="0"/>
+                                  </a:rPr>
+                                </m:ctrlPr>
+                              </m:sSubPr>
+                              <m:e>
+                                <m:d>
+                                  <m:dPr>
+                                    <m:ctrlPr>
+                                      <a:rPr lang="de-DE" i="1">
+                                        <a:latin typeface="Cambria Math" panose="02040503050406030204" pitchFamily="18" charset="0"/>
+                                      </a:rPr>
+                                    </m:ctrlPr>
+                                  </m:dPr>
+                                  <m:e>
+                                    <m:r>
+                                      <a:rPr lang="de-DE" i="1">
+                                        <a:latin typeface="Cambria Math" panose="02040503050406030204" pitchFamily="18" charset="0"/>
+                                      </a:rPr>
+                                      <m:t>𝑧</m:t>
+                                    </m:r>
+                                    <m:r>
+                                      <a:rPr lang="de-DE" i="1" smtClean="0">
+                                        <a:latin typeface="Cambria Math" panose="02040503050406030204" pitchFamily="18" charset="0"/>
+                                      </a:rPr>
+                                      <m:t>‘∖</m:t>
+                                    </m:r>
+                                    <m:r>
+                                      <a:rPr lang="de-DE" i="1">
+                                        <a:latin typeface="Cambria Math" panose="02040503050406030204" pitchFamily="18" charset="0"/>
+                                      </a:rPr>
+                                      <m:t> </m:t>
+                                    </m:r>
+                                    <m:r>
+                                      <a:rPr lang="de-DE" i="1">
+                                        <a:latin typeface="Cambria Math" panose="02040503050406030204" pitchFamily="18" charset="0"/>
+                                      </a:rPr>
+                                      <m:t>𝑗</m:t>
+                                    </m:r>
+                                  </m:e>
+                                </m:d>
+                              </m:e>
+                              <m:sub>
+                                <m:r>
+                                  <a:rPr lang="de-DE" i="1">
+                                    <a:latin typeface="Cambria Math" panose="02040503050406030204" pitchFamily="18" charset="0"/>
+                                  </a:rPr>
+                                  <m:t>𝑖</m:t>
+                                </m:r>
+                              </m:sub>
+                            </m:sSub>
+                          </m:e>
+                        </m:d>
+                      </m:e>
+                    </m:d>
+                  </m:oMath>
+                </a14:m>
+                <a:r>
+                  <a:rPr lang="en-US" dirty="0"/>
+                  <a:t> </a:t>
+                </a:r>
+              </a:p>
+              <a:p>
+                <a:pPr indent="0">
+                  <a:buNone/>
+                </a:pPr>
+                <a:endParaRPr lang="en-US" dirty="0"/>
+              </a:p>
+            </p:txBody>
+          </p:sp>
+        </mc:Choice>
+        <mc:Fallback xmlns="">
+          <p:sp>
+            <p:nvSpPr>
+              <p:cNvPr id="61" name="object 61"/>
+              <p:cNvSpPr txBox="1">
+                <a:spLocks noGrp="1" noRot="1" noChangeAspect="1" noMove="1" noResize="1" noEditPoints="1" noAdjustHandles="1" noChangeArrowheads="1" noChangeShapeType="1" noTextEdit="1"/>
+              </p:cNvSpPr>
+              <p:nvPr>
+                <p:ph type="body" idx="1"/>
+              </p:nvPr>
+            </p:nvSpPr>
+            <p:spPr>
+              <a:xfrm>
+                <a:off x="660797" y="1670372"/>
+                <a:ext cx="7367587" cy="2594300"/>
+              </a:xfrm>
+              <a:blipFill>
+                <a:blip r:embed="rId3"/>
+                <a:stretch>
+                  <a:fillRect l="-1375" t="-2439"/>
+                </a:stretch>
+              </a:blipFill>
+            </p:spPr>
+            <p:txBody>
+              <a:bodyPr/>
+              <a:lstStyle/>
+              <a:p>
+                <a:r>
+                  <a:rPr lang="de-DE">
+                    <a:noFill/>
+                  </a:rPr>
+                  <a:t> </a:t>
+                </a:r>
+              </a:p>
+            </p:txBody>
+          </p:sp>
+        </mc:Fallback>
+      </mc:AlternateContent>
+      <p:sp>
+        <p:nvSpPr>
+          <p:cNvPr id="114" name="Fußzeilenplatzhalter 113"/>
+          <p:cNvSpPr>
+            <a:spLocks noGrp="1"/>
+          </p:cNvSpPr>
+          <p:nvPr>
+            <p:ph type="ftr" sz="quarter" idx="3"/>
+          </p:nvPr>
+        </p:nvSpPr>
+        <p:spPr/>
+        <p:txBody>
+          <a:bodyPr/>
+          <a:lstStyle/>
+          <a:p>
+            <a:r>
+              <a:rPr lang="de-DE"/>
+              <a:t>AirBnB Dublin</a:t>
+            </a:r>
+            <a:endParaRPr lang="de-DE" dirty="0"/>
+          </a:p>
+        </p:txBody>
+      </p:sp>
+      <p:sp>
+        <p:nvSpPr>
+          <p:cNvPr id="112" name="Datumsplatzhalter 111"/>
+          <p:cNvSpPr>
+            <a:spLocks noGrp="1"/>
+          </p:cNvSpPr>
+          <p:nvPr>
+            <p:ph type="dt" sz="half" idx="2"/>
+          </p:nvPr>
+        </p:nvSpPr>
+        <p:spPr/>
+        <p:txBody>
+          <a:bodyPr/>
+          <a:lstStyle/>
+          <a:p>
+            <a:fld id="{0ABCB14E-A2C3-5B49-ABC2-230B6CEBA781}" type="datetime1">
+              <a:rPr lang="de-DE" smtClean="0"/>
+              <a:t>19.02.22</a:t>
+            </a:fld>
+            <a:endParaRPr lang="en-US" dirty="0"/>
+          </a:p>
+        </p:txBody>
+      </p:sp>
+      <p:sp>
+        <p:nvSpPr>
+          <p:cNvPr id="9" name="Textplatzhalter 8"/>
+          <p:cNvSpPr>
+            <a:spLocks noGrp="1"/>
+          </p:cNvSpPr>
+          <p:nvPr>
+            <p:ph type="body" sz="quarter" idx="4294967295"/>
+          </p:nvPr>
+        </p:nvSpPr>
+        <p:spPr>
+          <a:xfrm>
+            <a:off x="5965031" y="277937"/>
+            <a:ext cx="2839641" cy="276999"/>
+          </a:xfrm>
+        </p:spPr>
+        <p:txBody>
+          <a:bodyPr/>
+          <a:lstStyle/>
+          <a:p>
+            <a:endParaRPr lang="de-DE" dirty="0"/>
+          </a:p>
+        </p:txBody>
+      </p:sp>
+      <p:sp>
+        <p:nvSpPr>
+          <p:cNvPr id="14" name="Textfeld 13">
+            <a:extLst>
+              <a:ext uri="{FF2B5EF4-FFF2-40B4-BE49-F238E27FC236}">
+                <a16:creationId xmlns:a16="http://schemas.microsoft.com/office/drawing/2014/main" id="{459382FF-C5AE-164C-9F9F-2685A3FCB391}"/>
+              </a:ext>
+            </a:extLst>
+          </p:cNvPr>
+          <p:cNvSpPr txBox="1"/>
+          <p:nvPr/>
+        </p:nvSpPr>
+        <p:spPr>
+          <a:xfrm>
+            <a:off x="7884368" y="4371950"/>
+            <a:ext cx="2698561" cy="215444"/>
+          </a:xfrm>
+          <a:prstGeom prst="rect">
+            <a:avLst/>
+          </a:prstGeom>
+          <a:noFill/>
+          <a:ln>
+            <a:noFill/>
+          </a:ln>
+        </p:spPr>
+        <p:txBody>
+          <a:bodyPr wrap="square" rtlCol="0">
+            <a:spAutoFit/>
+          </a:bodyPr>
+          <a:lstStyle/>
+          <a:p>
+            <a:r>
+              <a:rPr lang="de-DE" sz="800" dirty="0"/>
+              <a:t>* Lundberg </a:t>
+            </a:r>
+            <a:r>
+              <a:rPr lang="de-DE" sz="800" dirty="0" err="1"/>
+              <a:t>and</a:t>
+            </a:r>
+            <a:r>
+              <a:rPr lang="de-DE" sz="800" dirty="0"/>
+              <a:t> Lee 2017</a:t>
+            </a:r>
+          </a:p>
+        </p:txBody>
+      </p:sp>
+      <p:sp>
+        <p:nvSpPr>
+          <p:cNvPr id="15" name="Textfeld 14">
+            <a:extLst>
+              <a:ext uri="{FF2B5EF4-FFF2-40B4-BE49-F238E27FC236}">
+                <a16:creationId xmlns:a16="http://schemas.microsoft.com/office/drawing/2014/main" id="{3723AE44-827A-394E-A7AA-F90C3628093E}"/>
+              </a:ext>
+            </a:extLst>
+          </p:cNvPr>
+          <p:cNvSpPr txBox="1"/>
+          <p:nvPr/>
+        </p:nvSpPr>
+        <p:spPr>
+          <a:xfrm>
+            <a:off x="7892914" y="4542865"/>
+            <a:ext cx="2698561" cy="215444"/>
+          </a:xfrm>
+          <a:prstGeom prst="rect">
+            <a:avLst/>
+          </a:prstGeom>
+          <a:noFill/>
+          <a:ln>
+            <a:noFill/>
+          </a:ln>
+        </p:spPr>
+        <p:txBody>
+          <a:bodyPr wrap="square" rtlCol="0">
+            <a:spAutoFit/>
+          </a:bodyPr>
+          <a:lstStyle/>
+          <a:p>
+            <a:r>
+              <a:rPr lang="de-DE" sz="800" dirty="0"/>
+              <a:t>** Nowak </a:t>
+            </a:r>
+            <a:r>
+              <a:rPr lang="de-DE" sz="800" dirty="0" err="1"/>
+              <a:t>and</a:t>
+            </a:r>
+            <a:r>
+              <a:rPr lang="de-DE" sz="800" dirty="0"/>
+              <a:t> </a:t>
+            </a:r>
+            <a:r>
+              <a:rPr lang="de-DE" sz="800" dirty="0" err="1"/>
+              <a:t>Radzik</a:t>
+            </a:r>
+            <a:r>
+              <a:rPr lang="de-DE" sz="800" dirty="0"/>
+              <a:t> 1994</a:t>
+            </a:r>
+          </a:p>
+        </p:txBody>
+      </p:sp>
+    </p:spTree>
+    <p:extLst>
+      <p:ext uri="{BB962C8B-B14F-4D97-AF65-F5344CB8AC3E}">
+        <p14:creationId xmlns:p14="http://schemas.microsoft.com/office/powerpoint/2010/main" val="2207898101"/>
+      </p:ext>
+    </p:extLst>
   </p:cSld>
   <p:clrMapOvr>
     <a:masterClrMapping/>

--- a/Präsi.pptx
+++ b/Präsi.pptx
@@ -245,7 +245,7 @@
             <a:fld id="{442DDC49-609A-3B44-A1C6-133788245302}" type="datetime1">
               <a:rPr lang="de-DE" smtClean="0"/>
               <a:pPr/>
-              <a:t>20.02.22</a:t>
+              <a:t>20.02.2022</a:t>
             </a:fld>
             <a:endParaRPr lang="de-DE"/>
           </a:p>
@@ -413,7 +413,7 @@
             <a:fld id="{66C661A5-9AB9-1949-9B9A-C46C190AE8BF}" type="datetime1">
               <a:rPr lang="de-DE" smtClean="0"/>
               <a:pPr/>
-              <a:t>20.02.22</a:t>
+              <a:t>20.02.2022</a:t>
             </a:fld>
             <a:endParaRPr lang="de-DE"/>
           </a:p>
@@ -2984,7 +2984,7 @@
           <a:p>
             <a:fld id="{29470068-C832-D349-9CD2-BB9D83CEE052}" type="datetime1">
               <a:rPr lang="de-DE" smtClean="0"/>
-              <a:t>20.02.22</a:t>
+              <a:t>20.02.2022</a:t>
             </a:fld>
             <a:endParaRPr lang="en-US" dirty="0"/>
           </a:p>
@@ -3373,7 +3373,7 @@
           <a:p>
             <a:fld id="{10D3BC42-2645-E74D-9B58-4F3A20CFF2FC}" type="datetime1">
               <a:rPr lang="de-DE" smtClean="0"/>
-              <a:t>20.02.22</a:t>
+              <a:t>20.02.2022</a:t>
             </a:fld>
             <a:endParaRPr lang="en-US" dirty="0"/>
           </a:p>
@@ -3705,7 +3705,7 @@
           <a:p>
             <a:fld id="{F996917A-BEB8-EB4D-8E02-71F355EF1F44}" type="datetime1">
               <a:rPr lang="de-DE" smtClean="0"/>
-              <a:t>20.02.22</a:t>
+              <a:t>20.02.2022</a:t>
             </a:fld>
             <a:endParaRPr lang="en-US" dirty="0"/>
           </a:p>
@@ -4037,7 +4037,7 @@
           <a:p>
             <a:fld id="{71C3112C-1E77-DF43-A532-1D033D201E26}" type="datetime1">
               <a:rPr lang="de-DE" smtClean="0"/>
-              <a:t>20.02.22</a:t>
+              <a:t>20.02.2022</a:t>
             </a:fld>
             <a:endParaRPr lang="en-US" dirty="0"/>
           </a:p>
@@ -4506,7 +4506,7 @@
           <a:p>
             <a:fld id="{7283DE53-8D32-8943-82DB-BB243A8E6F3C}" type="datetime1">
               <a:rPr lang="de-DE" smtClean="0"/>
-              <a:t>20.02.22</a:t>
+              <a:t>20.02.2022</a:t>
             </a:fld>
             <a:endParaRPr lang="en-US" dirty="0"/>
           </a:p>
@@ -4932,7 +4932,7 @@
           <a:p>
             <a:fld id="{079DBBBA-2E5E-C542-BBF0-95446E8A31DC}" type="datetime1">
               <a:rPr lang="de-DE" smtClean="0"/>
-              <a:t>20.02.22</a:t>
+              <a:t>20.02.2022</a:t>
             </a:fld>
             <a:endParaRPr lang="en-US" dirty="0"/>
           </a:p>
@@ -5542,7 +5542,7 @@
           <a:p>
             <a:fld id="{F48C78C9-C0D3-0D45-9287-4FC3841769D5}" type="datetime1">
               <a:rPr lang="de-DE" smtClean="0"/>
-              <a:t>20.02.22</a:t>
+              <a:t>20.02.2022</a:t>
             </a:fld>
             <a:endParaRPr lang="en-US" dirty="0"/>
           </a:p>
@@ -6691,7 +6691,7 @@
           <a:p>
             <a:fld id="{98083F5A-DA3C-BA47-AD8F-F8D121E05AB5}" type="datetime1">
               <a:rPr lang="de-DE" smtClean="0"/>
-              <a:t>20.02.22</a:t>
+              <a:t>20.02.2022</a:t>
             </a:fld>
             <a:endParaRPr lang="en-US" dirty="0"/>
           </a:p>
@@ -7956,7 +7956,7 @@
           <a:p>
             <a:fld id="{B0D2DC0F-97F2-CA48-A2E4-48428E6BDC23}" type="datetime1">
               <a:rPr lang="de-DE" smtClean="0"/>
-              <a:t>20.02.22</a:t>
+              <a:t>20.02.2022</a:t>
             </a:fld>
             <a:endParaRPr lang="en-US" dirty="0"/>
           </a:p>
@@ -9217,7 +9217,7 @@
           <a:p>
             <a:fld id="{BE088B47-CD36-F94B-803D-32933F326080}" type="datetime1">
               <a:rPr lang="de-DE" smtClean="0"/>
-              <a:t>20.02.22</a:t>
+              <a:t>20.02.2022</a:t>
             </a:fld>
             <a:endParaRPr lang="en-US" dirty="0"/>
           </a:p>
@@ -10253,7 +10253,7 @@
           <a:p>
             <a:fld id="{F20AF86B-2C06-1B43-A0B8-0BF49A2AA9F9}" type="datetime1">
               <a:rPr lang="de-DE" smtClean="0"/>
-              <a:t>20.02.22</a:t>
+              <a:t>20.02.2022</a:t>
             </a:fld>
             <a:endParaRPr lang="en-US" dirty="0"/>
           </a:p>
@@ -11253,7 +11253,7 @@
           <a:p>
             <a:fld id="{4D69D608-4086-4A42-A3A9-028CBD34E7EA}" type="datetime1">
               <a:rPr lang="de-DE" smtClean="0"/>
-              <a:t>20.02.22</a:t>
+              <a:t>20.02.2022</a:t>
             </a:fld>
             <a:endParaRPr lang="en-US" dirty="0"/>
           </a:p>
@@ -12232,7 +12232,7 @@
             </a:r>
             <a:r>
               <a:rPr lang="de-DE" dirty="0" err="1"/>
-              <a:t>examples</a:t>
+              <a:t>Examples</a:t>
             </a:r>
             <a:r>
               <a:rPr lang="de-DE" dirty="0"/>
@@ -12282,7 +12282,7 @@
             <a:fld id="{D304FED8-C979-F64B-90E4-24E76885865A}" type="datetime1">
               <a:rPr lang="de-DE" smtClean="0"/>
               <a:pPr/>
-              <a:t>20.02.22</a:t>
+              <a:t>20.02.2022</a:t>
             </a:fld>
             <a:endParaRPr lang="en-US" dirty="0"/>
           </a:p>
@@ -12371,7 +12371,7 @@
             </a:pPr>
             <a:r>
               <a:rPr lang="de-DE" sz="1200" b="1" dirty="0" err="1"/>
-              <a:t>equal</a:t>
+              <a:t>Equal</a:t>
             </a:r>
             <a:r>
               <a:rPr lang="de-DE" sz="1200" b="1" dirty="0"/>
@@ -12536,12 +12536,8 @@
               </a:lnSpc>
             </a:pPr>
             <a:r>
-              <a:rPr lang="de-DE" sz="1200" b="1" dirty="0" err="1"/>
-              <a:t>random</a:t>
-            </a:r>
-            <a:r>
               <a:rPr lang="de-DE" sz="1200" b="1" dirty="0"/>
-              <a:t> </a:t>
+              <a:t>Random </a:t>
             </a:r>
             <a:r>
               <a:rPr lang="de-DE" sz="1200" b="1" dirty="0" err="1"/>
@@ -12659,8 +12655,8 @@
           </a:prstGeom>
         </p:spPr>
       </p:pic>
-      <mc:AlternateContent xmlns:mc="http://schemas.openxmlformats.org/markup-compatibility/2006" xmlns:a14="http://schemas.microsoft.com/office/drawing/2010/main">
-        <mc:Choice Requires="a14">
+      <mc:AlternateContent xmlns:mc="http://schemas.openxmlformats.org/markup-compatibility/2006">
+        <mc:Choice xmlns:a14="http://schemas.microsoft.com/office/drawing/2010/main" Requires="a14">
           <p:sp>
             <p:nvSpPr>
               <p:cNvPr id="15" name="Textfeld 14">
@@ -12696,7 +12692,7 @@
                 </a:pPr>
                 <a:r>
                   <a:rPr lang="de-DE" sz="1200" b="1" dirty="0"/>
-                  <a:t>simple OLS </a:t>
+                  <a:t>Simple OLS </a:t>
                 </a:r>
                 <a:r>
                   <a:rPr lang="de-DE" sz="1200" b="1" dirty="0" err="1"/>
@@ -13061,7 +13057,7 @@
             </p:txBody>
           </p:sp>
         </mc:Choice>
-        <mc:Fallback xmlns="">
+        <mc:Fallback>
           <p:sp>
             <p:nvSpPr>
               <p:cNvPr id="15" name="Textfeld 14">
@@ -14677,7 +14673,7 @@
             <a:fld id="{D304FED8-C979-F64B-90E4-24E76885865A}" type="datetime1">
               <a:rPr lang="de-DE" smtClean="0"/>
               <a:pPr/>
-              <a:t>20.02.22</a:t>
+              <a:t>20.02.2022</a:t>
             </a:fld>
             <a:endParaRPr lang="en-US" dirty="0"/>
           </a:p>
@@ -16257,7 +16253,7 @@
             <a:fld id="{D304FED8-C979-F64B-90E4-24E76885865A}" type="datetime1">
               <a:rPr lang="de-DE" smtClean="0"/>
               <a:pPr/>
-              <a:t>20.02.22</a:t>
+              <a:t>20.02.2022</a:t>
             </a:fld>
             <a:endParaRPr lang="en-US" dirty="0"/>
           </a:p>
@@ -17005,7 +17001,7 @@
             <a:fld id="{D304FED8-C979-F64B-90E4-24E76885865A}" type="datetime1">
               <a:rPr lang="de-DE" smtClean="0"/>
               <a:pPr/>
-              <a:t>20.02.22</a:t>
+              <a:t>20.02.2022</a:t>
             </a:fld>
             <a:endParaRPr lang="en-US" dirty="0"/>
           </a:p>
@@ -17169,7 +17165,7 @@
           <a:p>
             <a:r>
               <a:rPr lang="en-US" kern="0" dirty="0"/>
-              <a:t>choose between at least two variables</a:t>
+              <a:t>Choose between at least two variables</a:t>
             </a:r>
           </a:p>
           <a:p>
@@ -17190,7 +17186,7 @@
           <a:p>
             <a:r>
               <a:rPr lang="en-US" kern="0" dirty="0"/>
-              <a:t>computed PCAs for thematically related variables</a:t>
+              <a:t>Computed PCAs for thematically related variables</a:t>
             </a:r>
           </a:p>
           <a:p>
@@ -18372,7 +18368,7 @@
           <a:p>
             <a:fld id="{5F432451-C608-3342-ACB1-3ECC3635556A}" type="datetime1">
               <a:rPr lang="de-DE" smtClean="0"/>
-              <a:t>20.02.22</a:t>
+              <a:t>20.02.2022</a:t>
             </a:fld>
             <a:endParaRPr lang="en-US" dirty="0"/>
           </a:p>
@@ -18781,7 +18777,7 @@
             <a:fld id="{D304FED8-C979-F64B-90E4-24E76885865A}" type="datetime1">
               <a:rPr lang="de-DE" smtClean="0"/>
               <a:pPr/>
-              <a:t>20.02.22</a:t>
+              <a:t>20.02.2022</a:t>
             </a:fld>
             <a:endParaRPr lang="en-US" dirty="0"/>
           </a:p>
@@ -20428,7 +20424,7 @@
             <a:fld id="{D304FED8-C979-F64B-90E4-24E76885865A}" type="datetime1">
               <a:rPr lang="de-DE" smtClean="0"/>
               <a:pPr/>
-              <a:t>20.02.22</a:t>
+              <a:t>20.02.2022</a:t>
             </a:fld>
             <a:endParaRPr lang="en-US" dirty="0"/>
           </a:p>
@@ -20835,7 +20831,7 @@
           <a:p>
             <a:fld id="{043D31BB-9AE4-DB4F-BDC4-0A412B22C33E}" type="datetime1">
               <a:rPr lang="de-DE" smtClean="0"/>
-              <a:t>20.02.22</a:t>
+              <a:t>20.02.2022</a:t>
             </a:fld>
             <a:endParaRPr lang="en-US" dirty="0"/>
           </a:p>
@@ -22029,7 +22025,7 @@
           <a:p>
             <a:fld id="{8D2A2E99-01C4-EF4B-81E4-755BE9571950}" type="datetime1">
               <a:rPr lang="de-DE" smtClean="0"/>
-              <a:t>20.02.22</a:t>
+              <a:t>20.02.2022</a:t>
             </a:fld>
             <a:endParaRPr lang="en-US" dirty="0"/>
           </a:p>
@@ -23123,7 +23119,7 @@
           <a:p>
             <a:fld id="{0530FF8D-6D22-204A-82B9-6A40933D233C}" type="datetime1">
               <a:rPr lang="de-DE" smtClean="0"/>
-              <a:t>20.02.22</a:t>
+              <a:t>20.02.2022</a:t>
             </a:fld>
             <a:endParaRPr lang="en-US" dirty="0"/>
           </a:p>
@@ -24082,7 +24078,7 @@
             <a:fld id="{D304FED8-C979-F64B-90E4-24E76885865A}" type="datetime1">
               <a:rPr lang="de-DE" smtClean="0"/>
               <a:pPr/>
-              <a:t>20.02.22</a:t>
+              <a:t>20.02.2022</a:t>
             </a:fld>
             <a:endParaRPr lang="en-US" dirty="0"/>
           </a:p>
@@ -24151,7 +24147,7 @@
           <p:nvPr/>
         </p:nvPicPr>
         <p:blipFill>
-          <a:blip r:embed="rId3">
+          <a:blip r:embed="rId3" cstate="print">
             <a:extLst>
               <a:ext uri="{28A0092B-C50C-407E-A947-70E740481C1C}">
                 <a14:useLocalDpi xmlns:a14="http://schemas.microsoft.com/office/drawing/2010/main" val="0"/>
@@ -25048,8 +25044,8 @@
           </p:txBody>
         </p:sp>
       </p:grpSp>
-      <mc:AlternateContent xmlns:mc="http://schemas.openxmlformats.org/markup-compatibility/2006" xmlns:a14="http://schemas.microsoft.com/office/drawing/2010/main">
-        <mc:Choice Requires="a14">
+      <mc:AlternateContent xmlns:mc="http://schemas.openxmlformats.org/markup-compatibility/2006">
+        <mc:Choice xmlns:a14="http://schemas.microsoft.com/office/drawing/2010/main" Requires="a14">
           <p:sp>
             <p:nvSpPr>
               <p:cNvPr id="30" name="object 61">
@@ -25164,7 +25160,7 @@
                 </a:pPr>
                 <a:r>
                   <a:rPr lang="en-US" kern="0" dirty="0"/>
-                  <a:t>MSE Validation:	0.17</a:t>
+                  <a:t>MSE Validation:	0.18</a:t>
                 </a:r>
                 <a:br>
                   <a:rPr lang="en-US" kern="0" dirty="0"/>
@@ -25200,7 +25196,7 @@
                 </a14:m>
                 <a:r>
                   <a:rPr lang="en-US" kern="0" dirty="0"/>
-                  <a:t> Validation:	0.59</a:t>
+                  <a:t> Validation:	0.58</a:t>
                 </a:r>
               </a:p>
               <a:p>
@@ -25210,7 +25206,7 @@
                 </a:pPr>
                 <a:r>
                   <a:rPr lang="en-US" kern="0" dirty="0"/>
-                  <a:t>MSE Test:			0.19</a:t>
+                  <a:t>MSE Test:			0.18</a:t>
                 </a:r>
                 <a:br>
                   <a:rPr lang="en-US" kern="0" dirty="0"/>
@@ -25246,13 +25242,13 @@
                 </a14:m>
                 <a:r>
                   <a:rPr lang="en-US" kern="0" dirty="0"/>
-                  <a:t> Test:			0.53</a:t>
+                  <a:t> Test:			0.54</a:t>
                 </a:r>
               </a:p>
             </p:txBody>
           </p:sp>
         </mc:Choice>
-        <mc:Fallback xmlns="">
+        <mc:Fallback>
           <p:sp>
             <p:nvSpPr>
               <p:cNvPr id="30" name="object 61">
@@ -25278,7 +25274,7 @@
               <a:blipFill>
                 <a:blip r:embed="rId4"/>
                 <a:stretch>
-                  <a:fillRect l="-6040" t="-6410" b="-10256"/>
+                  <a:fillRect l="-6169" t="-6250" b="-10625"/>
                 </a:stretch>
               </a:blipFill>
             </p:spPr>
@@ -25287,7 +25283,7 @@
               <a:lstStyle/>
               <a:p>
                 <a:r>
-                  <a:rPr lang="de-DE">
+                  <a:rPr lang="en-GB">
                     <a:noFill/>
                   </a:rPr>
                   <a:t> </a:t>
@@ -25525,7 +25521,7 @@
             <a:fld id="{D304FED8-C979-F64B-90E4-24E76885865A}" type="datetime1">
               <a:rPr lang="de-DE" smtClean="0"/>
               <a:pPr/>
-              <a:t>20.02.22</a:t>
+              <a:t>21.02.2022</a:t>
             </a:fld>
             <a:endParaRPr lang="en-US" dirty="0"/>
           </a:p>
@@ -25579,76 +25575,6 @@
           </a:p>
         </p:txBody>
       </p:sp>
-      <p:pic>
-        <p:nvPicPr>
-          <p:cNvPr id="7" name="Grafik 6" descr="Ein Bild, das Tisch enthält.&#10;&#10;Automatisch generierte Beschreibung">
-            <a:extLst>
-              <a:ext uri="{FF2B5EF4-FFF2-40B4-BE49-F238E27FC236}">
-                <a16:creationId xmlns:a16="http://schemas.microsoft.com/office/drawing/2014/main" id="{0C1FE955-6BD3-49B0-B9E1-80999A890214}"/>
-              </a:ext>
-            </a:extLst>
-          </p:cNvPr>
-          <p:cNvPicPr>
-            <a:picLocks noChangeAspect="1"/>
-          </p:cNvPicPr>
-          <p:nvPr/>
-        </p:nvPicPr>
-        <p:blipFill rotWithShape="1">
-          <a:blip r:embed="rId3">
-            <a:extLst>
-              <a:ext uri="{28A0092B-C50C-407E-A947-70E740481C1C}">
-                <a14:useLocalDpi xmlns:a14="http://schemas.microsoft.com/office/drawing/2010/main" val="0"/>
-              </a:ext>
-            </a:extLst>
-          </a:blip>
-          <a:srcRect b="59800"/>
-          <a:stretch/>
-        </p:blipFill>
-        <p:spPr>
-          <a:xfrm>
-            <a:off x="539552" y="1491642"/>
-            <a:ext cx="4196176" cy="2776794"/>
-          </a:xfrm>
-          <a:prstGeom prst="rect">
-            <a:avLst/>
-          </a:prstGeom>
-        </p:spPr>
-      </p:pic>
-      <p:pic>
-        <p:nvPicPr>
-          <p:cNvPr id="10" name="Grafik 9" descr="Ein Bild, das Tisch enthält.&#10;&#10;Automatisch generierte Beschreibung">
-            <a:extLst>
-              <a:ext uri="{FF2B5EF4-FFF2-40B4-BE49-F238E27FC236}">
-                <a16:creationId xmlns:a16="http://schemas.microsoft.com/office/drawing/2014/main" id="{25DC1A05-C984-4261-BA76-16AAC3F2ED66}"/>
-              </a:ext>
-            </a:extLst>
-          </p:cNvPr>
-          <p:cNvPicPr>
-            <a:picLocks noChangeAspect="1"/>
-          </p:cNvPicPr>
-          <p:nvPr/>
-        </p:nvPicPr>
-        <p:blipFill rotWithShape="1">
-          <a:blip r:embed="rId4">
-            <a:extLst>
-              <a:ext uri="{28A0092B-C50C-407E-A947-70E740481C1C}">
-                <a14:useLocalDpi xmlns:a14="http://schemas.microsoft.com/office/drawing/2010/main" val="0"/>
-              </a:ext>
-            </a:extLst>
-          </a:blip>
-          <a:srcRect b="59800"/>
-          <a:stretch/>
-        </p:blipFill>
-        <p:spPr>
-          <a:xfrm>
-            <a:off x="4620305" y="1491642"/>
-            <a:ext cx="4189888" cy="2776794"/>
-          </a:xfrm>
-          <a:prstGeom prst="rect">
-            <a:avLst/>
-          </a:prstGeom>
-        </p:spPr>
-      </p:pic>
       <p:grpSp>
         <p:nvGrpSpPr>
           <p:cNvPr id="11" name="Gruppieren 10">
@@ -26560,6 +26486,188 @@
           </a:p>
         </p:txBody>
       </p:sp>
+      <p:grpSp>
+        <p:nvGrpSpPr>
+          <p:cNvPr id="4" name="Gruppieren 3">
+            <a:extLst>
+              <a:ext uri="{FF2B5EF4-FFF2-40B4-BE49-F238E27FC236}">
+                <a16:creationId xmlns:a16="http://schemas.microsoft.com/office/drawing/2014/main" id="{5052128B-BFA7-4287-9FEB-635AA18D1117}"/>
+              </a:ext>
+            </a:extLst>
+          </p:cNvPr>
+          <p:cNvGrpSpPr/>
+          <p:nvPr/>
+        </p:nvGrpSpPr>
+        <p:grpSpPr>
+          <a:xfrm>
+            <a:off x="-36512" y="844629"/>
+            <a:ext cx="4531712" cy="3486657"/>
+            <a:chOff x="549734" y="811428"/>
+            <a:chExt cx="3130262" cy="2408394"/>
+          </a:xfrm>
+        </p:grpSpPr>
+        <p:pic>
+          <p:nvPicPr>
+            <p:cNvPr id="3" name="Grafik 2" descr="Ein Bild, das Text enthält.&#10;&#10;Automatisch generierte Beschreibung">
+              <a:extLst>
+                <a:ext uri="{FF2B5EF4-FFF2-40B4-BE49-F238E27FC236}">
+                  <a16:creationId xmlns:a16="http://schemas.microsoft.com/office/drawing/2014/main" id="{2668FC14-BB37-447D-81F5-F8450ADA9752}"/>
+                </a:ext>
+              </a:extLst>
+            </p:cNvPr>
+            <p:cNvPicPr>
+              <a:picLocks noChangeAspect="1"/>
+            </p:cNvPicPr>
+            <p:nvPr/>
+          </p:nvPicPr>
+          <p:blipFill rotWithShape="1">
+            <a:blip r:embed="rId3">
+              <a:extLst>
+                <a:ext uri="{28A0092B-C50C-407E-A947-70E740481C1C}">
+                  <a14:useLocalDpi xmlns:a14="http://schemas.microsoft.com/office/drawing/2010/main" val="0"/>
+                </a:ext>
+              </a:extLst>
+            </a:blip>
+            <a:srcRect b="59273"/>
+            <a:stretch/>
+          </p:blipFill>
+          <p:spPr>
+            <a:xfrm>
+              <a:off x="549735" y="811428"/>
+              <a:ext cx="3130261" cy="2094762"/>
+            </a:xfrm>
+            <a:prstGeom prst="rect">
+              <a:avLst/>
+            </a:prstGeom>
+          </p:spPr>
+        </p:pic>
+        <p:pic>
+          <p:nvPicPr>
+            <p:cNvPr id="31" name="Grafik 30" descr="Ein Bild, das Text enthält.&#10;&#10;Automatisch generierte Beschreibung">
+              <a:extLst>
+                <a:ext uri="{FF2B5EF4-FFF2-40B4-BE49-F238E27FC236}">
+                  <a16:creationId xmlns:a16="http://schemas.microsoft.com/office/drawing/2014/main" id="{D5EAC6DE-DDA7-44E8-BDE3-0EB714E5670D}"/>
+                </a:ext>
+              </a:extLst>
+            </p:cNvPr>
+            <p:cNvPicPr>
+              <a:picLocks noChangeAspect="1"/>
+            </p:cNvPicPr>
+            <p:nvPr/>
+          </p:nvPicPr>
+          <p:blipFill rotWithShape="1">
+            <a:blip r:embed="rId3">
+              <a:extLst>
+                <a:ext uri="{28A0092B-C50C-407E-A947-70E740481C1C}">
+                  <a14:useLocalDpi xmlns:a14="http://schemas.microsoft.com/office/drawing/2010/main" val="0"/>
+                </a:ext>
+              </a:extLst>
+            </a:blip>
+            <a:srcRect t="93489"/>
+            <a:stretch/>
+          </p:blipFill>
+          <p:spPr>
+            <a:xfrm>
+              <a:off x="549734" y="2884952"/>
+              <a:ext cx="3130261" cy="334870"/>
+            </a:xfrm>
+            <a:prstGeom prst="rect">
+              <a:avLst/>
+            </a:prstGeom>
+          </p:spPr>
+        </p:pic>
+      </p:grpSp>
+      <p:grpSp>
+        <p:nvGrpSpPr>
+          <p:cNvPr id="8" name="Gruppieren 7">
+            <a:extLst>
+              <a:ext uri="{FF2B5EF4-FFF2-40B4-BE49-F238E27FC236}">
+                <a16:creationId xmlns:a16="http://schemas.microsoft.com/office/drawing/2014/main" id="{59205B7E-F6EC-439F-BDC7-507FFDB79BD9}"/>
+              </a:ext>
+            </a:extLst>
+          </p:cNvPr>
+          <p:cNvGrpSpPr/>
+          <p:nvPr/>
+        </p:nvGrpSpPr>
+        <p:grpSpPr>
+          <a:xfrm>
+            <a:off x="4700438" y="915566"/>
+            <a:ext cx="4264050" cy="3343712"/>
+            <a:chOff x="5087713" y="1092112"/>
+            <a:chExt cx="3063856" cy="2402564"/>
+          </a:xfrm>
+        </p:grpSpPr>
+        <p:pic>
+          <p:nvPicPr>
+            <p:cNvPr id="6" name="Grafik 5">
+              <a:extLst>
+                <a:ext uri="{FF2B5EF4-FFF2-40B4-BE49-F238E27FC236}">
+                  <a16:creationId xmlns:a16="http://schemas.microsoft.com/office/drawing/2014/main" id="{9BA0CF25-3888-4040-B065-F95C14642BBD}"/>
+                </a:ext>
+              </a:extLst>
+            </p:cNvPr>
+            <p:cNvPicPr>
+              <a:picLocks noChangeAspect="1"/>
+            </p:cNvPicPr>
+            <p:nvPr/>
+          </p:nvPicPr>
+          <p:blipFill rotWithShape="1">
+            <a:blip r:embed="rId4">
+              <a:extLst>
+                <a:ext uri="{28A0092B-C50C-407E-A947-70E740481C1C}">
+                  <a14:useLocalDpi xmlns:a14="http://schemas.microsoft.com/office/drawing/2010/main" val="0"/>
+                </a:ext>
+              </a:extLst>
+            </a:blip>
+            <a:srcRect b="59800"/>
+            <a:stretch/>
+          </p:blipFill>
+          <p:spPr>
+            <a:xfrm>
+              <a:off x="5090580" y="1092112"/>
+              <a:ext cx="3060989" cy="2067694"/>
+            </a:xfrm>
+            <a:prstGeom prst="rect">
+              <a:avLst/>
+            </a:prstGeom>
+          </p:spPr>
+        </p:pic>
+        <p:pic>
+          <p:nvPicPr>
+            <p:cNvPr id="34" name="Grafik 33">
+              <a:extLst>
+                <a:ext uri="{FF2B5EF4-FFF2-40B4-BE49-F238E27FC236}">
+                  <a16:creationId xmlns:a16="http://schemas.microsoft.com/office/drawing/2014/main" id="{C9A9FE97-A395-4B45-860B-2601E17CA6EA}"/>
+                </a:ext>
+              </a:extLst>
+            </p:cNvPr>
+            <p:cNvPicPr>
+              <a:picLocks noChangeAspect="1"/>
+            </p:cNvPicPr>
+            <p:nvPr/>
+          </p:nvPicPr>
+          <p:blipFill rotWithShape="1">
+            <a:blip r:embed="rId4">
+              <a:extLst>
+                <a:ext uri="{28A0092B-C50C-407E-A947-70E740481C1C}">
+                  <a14:useLocalDpi xmlns:a14="http://schemas.microsoft.com/office/drawing/2010/main" val="0"/>
+                </a:ext>
+              </a:extLst>
+            </a:blip>
+            <a:srcRect t="93489"/>
+            <a:stretch/>
+          </p:blipFill>
+          <p:spPr>
+            <a:xfrm>
+              <a:off x="5087713" y="3159806"/>
+              <a:ext cx="3060989" cy="334870"/>
+            </a:xfrm>
+            <a:prstGeom prst="rect">
+              <a:avLst/>
+            </a:prstGeom>
+          </p:spPr>
+        </p:pic>
+      </p:grpSp>
     </p:spTree>
     <p:extLst>
       <p:ext uri="{BB962C8B-B14F-4D97-AF65-F5344CB8AC3E}">
@@ -26634,7 +26742,7 @@
             <a:fld id="{D304FED8-C979-F64B-90E4-24E76885865A}" type="datetime1">
               <a:rPr lang="de-DE" smtClean="0"/>
               <a:pPr/>
-              <a:t>20.02.22</a:t>
+              <a:t>21.02.2022</a:t>
             </a:fld>
             <a:endParaRPr lang="en-US" dirty="0"/>
           </a:p>
@@ -26688,41 +26796,6 @@
           </a:p>
         </p:txBody>
       </p:sp>
-      <p:pic>
-        <p:nvPicPr>
-          <p:cNvPr id="3" name="Grafik 2">
-            <a:extLst>
-              <a:ext uri="{FF2B5EF4-FFF2-40B4-BE49-F238E27FC236}">
-                <a16:creationId xmlns:a16="http://schemas.microsoft.com/office/drawing/2014/main" id="{255EED9C-E10B-4641-B18F-1299E236C8B9}"/>
-              </a:ext>
-            </a:extLst>
-          </p:cNvPr>
-          <p:cNvPicPr>
-            <a:picLocks noChangeAspect="1"/>
-          </p:cNvPicPr>
-          <p:nvPr/>
-        </p:nvPicPr>
-        <p:blipFill rotWithShape="1">
-          <a:blip r:embed="rId3">
-            <a:extLst>
-              <a:ext uri="{28A0092B-C50C-407E-A947-70E740481C1C}">
-                <a14:useLocalDpi xmlns:a14="http://schemas.microsoft.com/office/drawing/2010/main" val="0"/>
-              </a:ext>
-            </a:extLst>
-          </a:blip>
-          <a:srcRect b="61200"/>
-          <a:stretch/>
-        </p:blipFill>
-        <p:spPr>
-          <a:xfrm>
-            <a:off x="1547664" y="1547800"/>
-            <a:ext cx="5400600" cy="3061987"/>
-          </a:xfrm>
-          <a:prstGeom prst="rect">
-            <a:avLst/>
-          </a:prstGeom>
-        </p:spPr>
-      </p:pic>
       <p:grpSp>
         <p:nvGrpSpPr>
           <p:cNvPr id="8" name="Gruppieren 7">
@@ -27555,6 +27628,42 @@
           <p:nvPr/>
         </p:nvPicPr>
         <p:blipFill>
+          <a:blip r:embed="rId3">
+            <a:extLst>
+              <a:ext uri="{28A0092B-C50C-407E-A947-70E740481C1C}">
+                <a14:useLocalDpi xmlns:a14="http://schemas.microsoft.com/office/drawing/2010/main" val="0"/>
+              </a:ext>
+            </a:extLst>
+          </a:blip>
+          <a:stretch>
+            <a:fillRect/>
+          </a:stretch>
+        </p:blipFill>
+        <p:spPr>
+          <a:xfrm>
+            <a:off x="9324528" y="1124081"/>
+            <a:ext cx="3955691" cy="2895337"/>
+          </a:xfrm>
+          <a:prstGeom prst="rect">
+            <a:avLst/>
+          </a:prstGeom>
+        </p:spPr>
+      </p:pic>
+      <p:pic>
+        <p:nvPicPr>
+          <p:cNvPr id="4" name="Grafik 3">
+            <a:extLst>
+              <a:ext uri="{FF2B5EF4-FFF2-40B4-BE49-F238E27FC236}">
+                <a16:creationId xmlns:a16="http://schemas.microsoft.com/office/drawing/2014/main" id="{F51F684F-745F-4481-928B-0C0BB03EEEAC}"/>
+              </a:ext>
+            </a:extLst>
+          </p:cNvPr>
+          <p:cNvPicPr>
+            <a:picLocks noChangeAspect="1"/>
+          </p:cNvPicPr>
+          <p:nvPr/>
+        </p:nvPicPr>
+        <p:blipFill>
           <a:blip r:embed="rId4">
             <a:extLst>
               <a:ext uri="{28A0092B-C50C-407E-A947-70E740481C1C}">
@@ -27568,14 +27677,86 @@
         </p:blipFill>
         <p:spPr>
           <a:xfrm>
-            <a:off x="3556911" y="822365"/>
-            <a:ext cx="5472608" cy="4005633"/>
+            <a:off x="2690573" y="1124080"/>
+            <a:ext cx="3946472" cy="2895338"/>
           </a:xfrm>
           <a:prstGeom prst="rect">
             <a:avLst/>
           </a:prstGeom>
         </p:spPr>
       </p:pic>
+      <p:sp>
+        <p:nvSpPr>
+          <p:cNvPr id="5" name="Textfeld 4">
+            <a:extLst>
+              <a:ext uri="{FF2B5EF4-FFF2-40B4-BE49-F238E27FC236}">
+                <a16:creationId xmlns:a16="http://schemas.microsoft.com/office/drawing/2014/main" id="{83BE2601-1EA4-424A-ADD9-A3FDE035666D}"/>
+              </a:ext>
+            </a:extLst>
+          </p:cNvPr>
+          <p:cNvSpPr txBox="1"/>
+          <p:nvPr/>
+        </p:nvSpPr>
+        <p:spPr>
+          <a:xfrm>
+            <a:off x="2316674" y="4227934"/>
+            <a:ext cx="720080" cy="307777"/>
+          </a:xfrm>
+          <a:prstGeom prst="rect">
+            <a:avLst/>
+          </a:prstGeom>
+          <a:noFill/>
+        </p:spPr>
+        <p:txBody>
+          <a:bodyPr wrap="square" rtlCol="0">
+            <a:spAutoFit/>
+          </a:bodyPr>
+          <a:lstStyle/>
+          <a:p>
+            <a:r>
+              <a:rPr lang="de-DE" sz="1400" b="1" dirty="0" err="1"/>
+              <a:t>TabNet</a:t>
+            </a:r>
+            <a:endParaRPr lang="en-GB" b="1" dirty="0"/>
+          </a:p>
+        </p:txBody>
+      </p:sp>
+      <p:sp>
+        <p:nvSpPr>
+          <p:cNvPr id="29" name="Textfeld 28">
+            <a:extLst>
+              <a:ext uri="{FF2B5EF4-FFF2-40B4-BE49-F238E27FC236}">
+                <a16:creationId xmlns:a16="http://schemas.microsoft.com/office/drawing/2014/main" id="{923D896D-9FE6-427D-9338-7C2996238C85}"/>
+              </a:ext>
+            </a:extLst>
+          </p:cNvPr>
+          <p:cNvSpPr txBox="1"/>
+          <p:nvPr/>
+        </p:nvSpPr>
+        <p:spPr>
+          <a:xfrm>
+            <a:off x="6732240" y="4227934"/>
+            <a:ext cx="938592" cy="307777"/>
+          </a:xfrm>
+          <a:prstGeom prst="rect">
+            <a:avLst/>
+          </a:prstGeom>
+          <a:noFill/>
+        </p:spPr>
+        <p:txBody>
+          <a:bodyPr wrap="square" rtlCol="0">
+            <a:spAutoFit/>
+          </a:bodyPr>
+          <a:lstStyle/>
+          <a:p>
+            <a:r>
+              <a:rPr lang="de-DE" sz="1400" b="1" dirty="0" err="1"/>
+              <a:t>XGBoost</a:t>
+            </a:r>
+            <a:endParaRPr lang="en-GB" sz="1400" b="1" dirty="0"/>
+          </a:p>
+        </p:txBody>
+      </p:sp>
     </p:spTree>
     <p:extLst>
       <p:ext uri="{BB962C8B-B14F-4D97-AF65-F5344CB8AC3E}">
@@ -27589,6 +27770,183 @@
   <p:transition>
     <p:fade/>
   </p:transition>
+  <p:timing>
+    <p:tnLst>
+      <p:par>
+        <p:cTn id="1" dur="indefinite" restart="never" nodeType="tmRoot">
+          <p:childTnLst>
+            <p:seq concurrent="1" nextAc="seek">
+              <p:cTn id="2" dur="indefinite" nodeType="mainSeq">
+                <p:childTnLst>
+                  <p:par>
+                    <p:cTn id="3" fill="hold">
+                      <p:stCondLst>
+                        <p:cond delay="indefinite"/>
+                      </p:stCondLst>
+                      <p:childTnLst>
+                        <p:par>
+                          <p:cTn id="4" fill="hold">
+                            <p:stCondLst>
+                              <p:cond delay="0"/>
+                            </p:stCondLst>
+                            <p:childTnLst>
+                              <p:par>
+                                <p:cTn id="5" presetID="1" presetClass="entr" presetSubtype="0" fill="hold" grpId="0" nodeType="clickEffect">
+                                  <p:stCondLst>
+                                    <p:cond delay="0"/>
+                                  </p:stCondLst>
+                                  <p:childTnLst>
+                                    <p:set>
+                                      <p:cBhvr>
+                                        <p:cTn id="6" dur="1" fill="hold">
+                                          <p:stCondLst>
+                                            <p:cond delay="0"/>
+                                          </p:stCondLst>
+                                        </p:cTn>
+                                        <p:tgtEl>
+                                          <p:spTgt spid="5"/>
+                                        </p:tgtEl>
+                                        <p:attrNameLst>
+                                          <p:attrName>style.visibility</p:attrName>
+                                        </p:attrNameLst>
+                                      </p:cBhvr>
+                                      <p:to>
+                                        <p:strVal val="visible"/>
+                                      </p:to>
+                                    </p:set>
+                                  </p:childTnLst>
+                                </p:cTn>
+                              </p:par>
+                              <p:par>
+                                <p:cTn id="7" presetID="1" presetClass="entr" presetSubtype="0" fill="hold" grpId="0" nodeType="withEffect">
+                                  <p:stCondLst>
+                                    <p:cond delay="0"/>
+                                  </p:stCondLst>
+                                  <p:childTnLst>
+                                    <p:set>
+                                      <p:cBhvr>
+                                        <p:cTn id="8" dur="1" fill="hold">
+                                          <p:stCondLst>
+                                            <p:cond delay="0"/>
+                                          </p:stCondLst>
+                                        </p:cTn>
+                                        <p:tgtEl>
+                                          <p:spTgt spid="29"/>
+                                        </p:tgtEl>
+                                        <p:attrNameLst>
+                                          <p:attrName>style.visibility</p:attrName>
+                                        </p:attrNameLst>
+                                      </p:cBhvr>
+                                      <p:to>
+                                        <p:strVal val="visible"/>
+                                      </p:to>
+                                    </p:set>
+                                  </p:childTnLst>
+                                </p:cTn>
+                              </p:par>
+                              <p:par>
+                                <p:cTn id="9" presetID="1" presetClass="entr" presetSubtype="0" fill="hold" nodeType="withEffect">
+                                  <p:stCondLst>
+                                    <p:cond delay="0"/>
+                                  </p:stCondLst>
+                                  <p:childTnLst>
+                                    <p:set>
+                                      <p:cBhvr>
+                                        <p:cTn id="10" dur="1" fill="hold">
+                                          <p:stCondLst>
+                                            <p:cond delay="0"/>
+                                          </p:stCondLst>
+                                        </p:cTn>
+                                        <p:tgtEl>
+                                          <p:spTgt spid="28"/>
+                                        </p:tgtEl>
+                                        <p:attrNameLst>
+                                          <p:attrName>style.visibility</p:attrName>
+                                        </p:attrNameLst>
+                                      </p:cBhvr>
+                                      <p:to>
+                                        <p:strVal val="visible"/>
+                                      </p:to>
+                                    </p:set>
+                                  </p:childTnLst>
+                                </p:cTn>
+                              </p:par>
+                              <p:par>
+                                <p:cTn id="11" presetID="35" presetClass="path" presetSubtype="0" accel="50000" decel="50000" fill="hold" nodeType="withEffect">
+                                  <p:stCondLst>
+                                    <p:cond delay="0"/>
+                                  </p:stCondLst>
+                                  <p:childTnLst>
+                                    <p:animMotion origin="layout" path="M 2.5E-6 0 L -0.52327 0 " pathEditMode="relative" rAng="0" ptsTypes="AA">
+                                      <p:cBhvr>
+                                        <p:cTn id="12" dur="2000" fill="hold"/>
+                                        <p:tgtEl>
+                                          <p:spTgt spid="28"/>
+                                        </p:tgtEl>
+                                        <p:attrNameLst>
+                                          <p:attrName>ppt_x</p:attrName>
+                                          <p:attrName>ppt_y</p:attrName>
+                                        </p:attrNameLst>
+                                      </p:cBhvr>
+                                      <p:rCtr x="-26163" y="0"/>
+                                    </p:animMotion>
+                                  </p:childTnLst>
+                                </p:cTn>
+                              </p:par>
+                              <p:par>
+                                <p:cTn id="13" presetID="35" presetClass="path" presetSubtype="0" accel="50000" decel="50000" fill="hold" nodeType="withEffect">
+                                  <p:stCondLst>
+                                    <p:cond delay="0"/>
+                                  </p:stCondLst>
+                                  <p:childTnLst>
+                                    <p:animMotion origin="layout" path="M 5.55556E-7 0 L -0.25677 0 " pathEditMode="relative" rAng="0" ptsTypes="AA">
+                                      <p:cBhvr>
+                                        <p:cTn id="14" dur="2000" fill="hold"/>
+                                        <p:tgtEl>
+                                          <p:spTgt spid="4"/>
+                                        </p:tgtEl>
+                                        <p:attrNameLst>
+                                          <p:attrName>ppt_x</p:attrName>
+                                          <p:attrName>ppt_y</p:attrName>
+                                        </p:attrNameLst>
+                                      </p:cBhvr>
+                                      <p:rCtr x="-12847" y="0"/>
+                                    </p:animMotion>
+                                  </p:childTnLst>
+                                </p:cTn>
+                              </p:par>
+                            </p:childTnLst>
+                          </p:cTn>
+                        </p:par>
+                      </p:childTnLst>
+                    </p:cTn>
+                  </p:par>
+                </p:childTnLst>
+              </p:cTn>
+              <p:prevCondLst>
+                <p:cond evt="onPrev" delay="0">
+                  <p:tgtEl>
+                    <p:sldTgt/>
+                  </p:tgtEl>
+                </p:cond>
+              </p:prevCondLst>
+              <p:nextCondLst>
+                <p:cond evt="onNext" delay="0">
+                  <p:tgtEl>
+                    <p:sldTgt/>
+                  </p:tgtEl>
+                </p:cond>
+              </p:nextCondLst>
+            </p:seq>
+          </p:childTnLst>
+        </p:cTn>
+      </p:par>
+    </p:tnLst>
+    <p:bldLst>
+      <p:bldP spid="5" grpId="0"/>
+      <p:bldP spid="29" grpId="0"/>
+    </p:bldLst>
+  </p:timing>
 </p:sld>
 </file>
 
@@ -27754,7 +28112,7 @@
           <a:p>
             <a:fld id="{02E8E8E4-C4B0-2E4C-AC58-4FDE97F142AC}" type="datetime1">
               <a:rPr lang="de-DE" smtClean="0"/>
-              <a:t>20.02.22</a:t>
+              <a:t>20.02.2022</a:t>
             </a:fld>
             <a:endParaRPr lang="en-US" dirty="0"/>
           </a:p>
@@ -29020,7 +29378,7 @@
           <a:p>
             <a:fld id="{0530FF8D-6D22-204A-82B9-6A40933D233C}" type="datetime1">
               <a:rPr lang="de-DE" smtClean="0"/>
-              <a:t>20.02.22</a:t>
+              <a:t>20.02.2022</a:t>
             </a:fld>
             <a:endParaRPr lang="en-US" dirty="0"/>
           </a:p>
@@ -30472,7 +30830,7 @@
           <a:p>
             <a:fld id="{5F432451-C608-3342-ACB1-3ECC3635556A}" type="datetime1">
               <a:rPr lang="de-DE" smtClean="0"/>
-              <a:t>20.02.22</a:t>
+              <a:t>20.02.2022</a:t>
             </a:fld>
             <a:endParaRPr lang="en-US" dirty="0"/>
           </a:p>
@@ -32261,7 +32619,7 @@
           <a:p>
             <a:fld id="{0530FF8D-6D22-204A-82B9-6A40933D233C}" type="datetime1">
               <a:rPr lang="de-DE" smtClean="0"/>
-              <a:t>20.02.22</a:t>
+              <a:t>20.02.2022</a:t>
             </a:fld>
             <a:endParaRPr lang="en-US" dirty="0"/>
           </a:p>
@@ -32589,8 +32947,8 @@
           </a:p>
         </p:txBody>
       </p:sp>
-      <mc:AlternateContent xmlns:mc="http://schemas.openxmlformats.org/markup-compatibility/2006" xmlns:a14="http://schemas.microsoft.com/office/drawing/2010/main">
-        <mc:Choice Requires="a14">
+      <mc:AlternateContent xmlns:mc="http://schemas.openxmlformats.org/markup-compatibility/2006">
+        <mc:Choice xmlns:a14="http://schemas.microsoft.com/office/drawing/2010/main" Requires="a14">
           <p:graphicFrame>
             <p:nvGraphicFramePr>
               <p:cNvPr id="2" name="Tabelle 2">
@@ -32606,7 +32964,7 @@
               <p:nvPr>
                 <p:extLst>
                   <p:ext uri="{D42A27DB-BD31-4B8C-83A1-F6EECF244321}">
-                    <p14:modId xmlns:p14="http://schemas.microsoft.com/office/powerpoint/2010/main" val="3964057272"/>
+                    <p14:modId xmlns:p14="http://schemas.microsoft.com/office/powerpoint/2010/main" val="4265863713"/>
                   </p:ext>
                 </p:extLst>
               </p:nvPr>
@@ -32822,7 +33180,10 @@
                         <a:bodyPr/>
                         <a:lstStyle/>
                         <a:p>
-                          <a:endParaRPr lang="de-DE" dirty="0"/>
+                          <a:r>
+                            <a:rPr lang="de-DE" dirty="0"/>
+                            <a:t>0.499</a:t>
+                          </a:r>
                         </a:p>
                       </a:txBody>
                       <a:tcPr/>
@@ -32832,7 +33193,10 @@
                         <a:bodyPr/>
                         <a:lstStyle/>
                         <a:p>
-                          <a:endParaRPr lang="de-DE" dirty="0"/>
+                          <a:r>
+                            <a:rPr lang="de-DE" dirty="0"/>
+                            <a:t>0.57</a:t>
+                          </a:r>
                         </a:p>
                       </a:txBody>
                       <a:tcPr/>
@@ -32842,7 +33206,10 @@
                         <a:bodyPr/>
                         <a:lstStyle/>
                         <a:p>
-                          <a:endParaRPr lang="de-DE" dirty="0"/>
+                          <a:r>
+                            <a:rPr lang="de-DE" dirty="0"/>
+                            <a:t>-0.15</a:t>
+                          </a:r>
                         </a:p>
                       </a:txBody>
                       <a:tcPr/>
@@ -32858,7 +33225,7 @@
             </a:graphic>
           </p:graphicFrame>
         </mc:Choice>
-        <mc:Fallback xmlns="">
+        <mc:Fallback>
           <p:graphicFrame>
             <p:nvGraphicFramePr>
               <p:cNvPr id="2" name="Tabelle 2">
@@ -32874,7 +33241,7 @@
               <p:nvPr>
                 <p:extLst>
                   <p:ext uri="{D42A27DB-BD31-4B8C-83A1-F6EECF244321}">
-                    <p14:modId xmlns:p14="http://schemas.microsoft.com/office/powerpoint/2010/main" val="3964057272"/>
+                    <p14:modId xmlns:p14="http://schemas.microsoft.com/office/powerpoint/2010/main" val="4265863713"/>
                   </p:ext>
                 </p:extLst>
               </p:nvPr>
@@ -32964,14 +33331,14 @@
                         <a:bodyPr/>
                         <a:lstStyle/>
                         <a:p>
-                          <a:endParaRPr lang="de-DE"/>
+                          <a:endParaRPr lang="en-US"/>
                         </a:p>
                       </a:txBody>
                       <a:tcPr>
                         <a:blipFill>
                           <a:blip r:embed="rId3"/>
                           <a:stretch>
-                            <a:fillRect l="-301667" t="-10345" r="-833" b="-231034"/>
+                            <a:fillRect l="-300800" t="-8197" r="-1200" b="-226230"/>
                           </a:stretch>
                         </a:blipFill>
                       </a:tcPr>
@@ -33062,7 +33429,10 @@
                         <a:bodyPr/>
                         <a:lstStyle/>
                         <a:p>
-                          <a:endParaRPr lang="de-DE" dirty="0"/>
+                          <a:r>
+                            <a:rPr lang="de-DE" dirty="0"/>
+                            <a:t>0.499</a:t>
+                          </a:r>
                         </a:p>
                       </a:txBody>
                       <a:tcPr/>
@@ -33072,7 +33442,10 @@
                         <a:bodyPr/>
                         <a:lstStyle/>
                         <a:p>
-                          <a:endParaRPr lang="de-DE" dirty="0"/>
+                          <a:r>
+                            <a:rPr lang="de-DE" dirty="0"/>
+                            <a:t>0.57</a:t>
+                          </a:r>
                         </a:p>
                       </a:txBody>
                       <a:tcPr/>
@@ -33082,7 +33455,10 @@
                         <a:bodyPr/>
                         <a:lstStyle/>
                         <a:p>
-                          <a:endParaRPr lang="de-DE" dirty="0"/>
+                          <a:r>
+                            <a:rPr lang="de-DE" dirty="0"/>
+                            <a:t>-0.15</a:t>
+                          </a:r>
                         </a:p>
                       </a:txBody>
                       <a:tcPr/>
@@ -33989,7 +34365,7 @@
           <a:p>
             <a:fld id="{0530FF8D-6D22-204A-82B9-6A40933D233C}" type="datetime1">
               <a:rPr lang="de-DE" smtClean="0"/>
-              <a:t>20.02.22</a:t>
+              <a:t>20.02.2022</a:t>
             </a:fld>
             <a:endParaRPr lang="en-US" dirty="0"/>
           </a:p>
@@ -35492,7 +35868,7 @@
           <a:p>
             <a:fld id="{0A4E6438-2C80-934C-854F-4413B1EC8034}" type="datetime1">
               <a:rPr lang="de-DE" smtClean="0"/>
-              <a:t>20.02.22</a:t>
+              <a:t>20.02.2022</a:t>
             </a:fld>
             <a:endParaRPr lang="en-US" dirty="0"/>
           </a:p>
@@ -36406,8 +36782,8 @@
         </p:nvSpPr>
         <p:spPr>
           <a:xfrm>
-            <a:off x="660797" y="1670372"/>
-            <a:ext cx="7367587" cy="1897955"/>
+            <a:off x="660797" y="1529124"/>
+            <a:ext cx="7367587" cy="1618690"/>
           </a:xfrm>
         </p:spPr>
         <p:txBody>
@@ -36486,6 +36862,47 @@
               </a:rPr>
               <a:t>size</a:t>
             </a:r>
+            <a:endParaRPr lang="de-DE" dirty="0">
+              <a:sym typeface="Wingdings" panose="05000000000000000000" pitchFamily="2" charset="2"/>
+            </a:endParaRPr>
+          </a:p>
+          <a:p>
+            <a:r>
+              <a:rPr lang="de-DE" dirty="0">
+                <a:sym typeface="Wingdings" panose="05000000000000000000" pitchFamily="2" charset="2"/>
+              </a:rPr>
+              <a:t>Feature </a:t>
+            </a:r>
+            <a:r>
+              <a:rPr lang="de-DE" dirty="0" err="1">
+                <a:sym typeface="Wingdings" panose="05000000000000000000" pitchFamily="2" charset="2"/>
+              </a:rPr>
+              <a:t>Selection</a:t>
+            </a:r>
+            <a:r>
+              <a:rPr lang="de-DE" dirty="0">
+                <a:sym typeface="Wingdings" panose="05000000000000000000" pitchFamily="2" charset="2"/>
+              </a:rPr>
+              <a:t> </a:t>
+            </a:r>
+            <a:r>
+              <a:rPr lang="de-DE" dirty="0" err="1">
+                <a:sym typeface="Wingdings" panose="05000000000000000000" pitchFamily="2" charset="2"/>
+              </a:rPr>
+              <a:t>worked</a:t>
+            </a:r>
+            <a:r>
+              <a:rPr lang="de-DE" dirty="0">
+                <a:sym typeface="Wingdings" panose="05000000000000000000" pitchFamily="2" charset="2"/>
+              </a:rPr>
+              <a:t> </a:t>
+            </a:r>
+            <a:r>
+              <a:rPr lang="de-DE" dirty="0" err="1">
+                <a:sym typeface="Wingdings" panose="05000000000000000000" pitchFamily="2" charset="2"/>
+              </a:rPr>
+              <a:t>well</a:t>
+            </a:r>
             <a:endParaRPr lang="de-DE" dirty="0"/>
           </a:p>
           <a:p>
@@ -36564,8 +36981,16 @@
               <a:t> </a:t>
             </a:r>
             <a:r>
+              <a:rPr lang="de-DE" sz="1600" b="1" i="1" dirty="0" err="1"/>
+              <a:t>availability</a:t>
+            </a:r>
+            <a:r>
+              <a:rPr lang="de-DE" dirty="0"/>
+              <a:t> and </a:t>
+            </a:r>
+            <a:r>
               <a:rPr lang="de-DE" dirty="0" err="1"/>
-              <a:t>host‘s</a:t>
+              <a:t>being</a:t>
             </a:r>
             <a:r>
               <a:rPr lang="de-DE" dirty="0"/>
@@ -36573,39 +36998,23 @@
             </a:r>
             <a:r>
               <a:rPr lang="de-DE" dirty="0" err="1"/>
-              <a:t>knowledge</a:t>
-            </a:r>
-            <a:r>
-              <a:rPr lang="de-DE" dirty="0"/>
-              <a:t> (</a:t>
-            </a:r>
-            <a:r>
-              <a:rPr lang="de-DE" sz="1600" b="1" i="1" dirty="0" err="1"/>
-              <a:t>host_listings</a:t>
-            </a:r>
-            <a:r>
-              <a:rPr lang="de-DE" dirty="0"/>
-              <a:t>), </a:t>
-            </a:r>
-            <a:r>
-              <a:rPr lang="de-DE" dirty="0" err="1"/>
-              <a:t>the</a:t>
+              <a:t>near</a:t>
             </a:r>
             <a:r>
               <a:rPr lang="de-DE" dirty="0"/>
               <a:t> </a:t>
             </a:r>
             <a:r>
+              <a:rPr lang="de-DE" dirty="0" err="1"/>
+              <a:t>to</a:t>
+            </a:r>
+            <a:r>
+              <a:rPr lang="de-DE" dirty="0"/>
+              <a:t> relevant </a:t>
+            </a:r>
+            <a:r>
               <a:rPr lang="de-DE" sz="1600" b="1" i="1" dirty="0" err="1"/>
-              <a:t>availability</a:t>
-            </a:r>
-            <a:r>
-              <a:rPr lang="de-DE" dirty="0"/>
-              <a:t> and 	</a:t>
-            </a:r>
-            <a:r>
-              <a:rPr lang="de-DE" dirty="0" err="1"/>
-              <a:t>being</a:t>
+              <a:t>city</a:t>
             </a:r>
             <a:r>
               <a:rPr lang="de-DE" dirty="0"/>
@@ -36613,7 +37022,7 @@
             </a:r>
             <a:r>
               <a:rPr lang="de-DE" dirty="0" err="1"/>
-              <a:t>near</a:t>
+              <a:t>objects</a:t>
             </a:r>
             <a:r>
               <a:rPr lang="de-DE" dirty="0"/>
@@ -36621,15 +37030,23 @@
             </a:r>
             <a:r>
               <a:rPr lang="de-DE" dirty="0" err="1"/>
-              <a:t>to</a:t>
+              <a:t>are</a:t>
             </a:r>
             <a:r>
               <a:rPr lang="de-DE" dirty="0"/>
-              <a:t> relevant </a:t>
-            </a:r>
-            <a:r>
-              <a:rPr lang="de-DE" sz="1600" b="1" i="1" dirty="0" err="1"/>
-              <a:t>city</a:t>
+              <a:t> 	relevant </a:t>
+            </a:r>
+            <a:r>
+              <a:rPr lang="de-DE" dirty="0" err="1"/>
+              <a:t>features</a:t>
+            </a:r>
+            <a:r>
+              <a:rPr lang="de-DE" dirty="0"/>
+              <a:t> in </a:t>
+            </a:r>
+            <a:r>
+              <a:rPr lang="de-DE" dirty="0" err="1"/>
+              <a:t>both</a:t>
             </a:r>
             <a:r>
               <a:rPr lang="de-DE" dirty="0"/>
@@ -36637,7 +37054,15 @@
             </a:r>
             <a:r>
               <a:rPr lang="de-DE" dirty="0" err="1"/>
-              <a:t>objects</a:t>
+              <a:t>models</a:t>
+            </a:r>
+            <a:r>
+              <a:rPr lang="de-DE" dirty="0"/>
+              <a:t>; </a:t>
+            </a:r>
+            <a:r>
+              <a:rPr lang="de-DE" dirty="0" err="1"/>
+              <a:t>differences</a:t>
             </a:r>
             <a:r>
               <a:rPr lang="de-DE" dirty="0"/>
@@ -36645,49 +37070,45 @@
             </a:r>
             <a:r>
               <a:rPr lang="de-DE" dirty="0" err="1"/>
-              <a:t>are</a:t>
+              <a:t>for</a:t>
             </a:r>
             <a:r>
               <a:rPr lang="de-DE" dirty="0"/>
               <a:t> </a:t>
             </a:r>
             <a:r>
-              <a:rPr lang="de-DE" dirty="0" err="1"/>
-              <a:t>the</a:t>
+              <a:rPr lang="de-DE" b="1" dirty="0" err="1"/>
+              <a:t>host_listings</a:t>
             </a:r>
             <a:r>
               <a:rPr lang="de-DE" dirty="0"/>
+              <a:t>, </a:t>
+            </a:r>
+            <a:r>
+              <a:rPr lang="de-DE" b="1" dirty="0" err="1"/>
+              <a:t>min_nights</a:t>
+            </a:r>
+            <a:r>
+              <a:rPr lang="de-DE" dirty="0"/>
+              <a:t>, </a:t>
+            </a:r>
+            <a:r>
+              <a:rPr lang="de-DE" b="1" dirty="0" err="1"/>
+              <a:t>review_total</a:t>
+            </a:r>
+            <a:r>
+              <a:rPr lang="de-DE" b="1" dirty="0"/>
               <a:t> </a:t>
             </a:r>
             <a:r>
-              <a:rPr lang="de-DE" dirty="0" err="1"/>
-              <a:t>most</a:t>
-            </a:r>
-            <a:r>
               <a:rPr lang="de-DE" dirty="0"/>
-              <a:t> relevant </a:t>
-            </a:r>
-            <a:r>
-              <a:rPr lang="de-DE" dirty="0" err="1"/>
-              <a:t>features</a:t>
-            </a:r>
-            <a:r>
-              <a:rPr lang="de-DE" dirty="0"/>
-              <a:t> in </a:t>
-            </a:r>
-            <a:r>
-              <a:rPr lang="de-DE" dirty="0" err="1"/>
-              <a:t>both</a:t>
-            </a:r>
-            <a:r>
-              <a:rPr lang="de-DE" dirty="0"/>
-              <a:t> </a:t>
-            </a:r>
-            <a:r>
-              <a:rPr lang="de-DE" dirty="0" err="1"/>
-              <a:t>models</a:t>
-            </a:r>
-            <a:endParaRPr lang="de-DE" dirty="0"/>
+              <a:t>	and </a:t>
+            </a:r>
+            <a:r>
+              <a:rPr lang="de-DE" b="1" dirty="0" err="1"/>
+              <a:t>travel_touristic</a:t>
+            </a:r>
+            <a:endParaRPr lang="de-DE" b="1" dirty="0"/>
           </a:p>
           <a:p>
             <a:endParaRPr lang="en-US" dirty="0"/>
@@ -36741,7 +37162,7 @@
           <a:p>
             <a:fld id="{0A4E6438-2C80-934C-854F-4413B1EC8034}" type="datetime1">
               <a:rPr lang="de-DE" smtClean="0"/>
-              <a:t>20.02.22</a:t>
+              <a:t>20.02.2022</a:t>
             </a:fld>
             <a:endParaRPr lang="en-US" dirty="0"/>
           </a:p>
@@ -38542,7 +38963,7 @@
           <a:p>
             <a:fld id="{CC20FDC8-577F-BA4C-AB67-2A5F0E3289A5}" type="datetime1">
               <a:rPr lang="de-DE" smtClean="0"/>
-              <a:t>20.02.22</a:t>
+              <a:t>20.02.2022</a:t>
             </a:fld>
             <a:endParaRPr lang="en-US" dirty="0"/>
           </a:p>
@@ -39485,7 +39906,7 @@
             <a:fld id="{D304FED8-C979-F64B-90E4-24E76885865A}" type="datetime1">
               <a:rPr lang="de-DE" smtClean="0"/>
               <a:pPr/>
-              <a:t>20.02.22</a:t>
+              <a:t>20.02.2022</a:t>
             </a:fld>
             <a:endParaRPr lang="en-US" dirty="0"/>
           </a:p>
@@ -39566,12 +39987,8 @@
           <a:lstStyle/>
           <a:p>
             <a:r>
-              <a:rPr lang="de-DE" dirty="0" err="1"/>
-              <a:t>text</a:t>
-            </a:r>
-            <a:r>
               <a:rPr lang="de-DE" dirty="0"/>
-              <a:t> variables: </a:t>
+              <a:t>Text variables: </a:t>
             </a:r>
             <a:r>
               <a:rPr lang="de-DE" i="1" dirty="0" err="1"/>
@@ -40561,7 +40978,7 @@
             <a:fld id="{D304FED8-C979-F64B-90E4-24E76885865A}" type="datetime1">
               <a:rPr lang="de-DE" smtClean="0"/>
               <a:pPr/>
-              <a:t>20.02.22</a:t>
+              <a:t>20.02.2022</a:t>
             </a:fld>
             <a:endParaRPr lang="en-US" dirty="0"/>
           </a:p>
@@ -40642,12 +41059,8 @@
           <a:lstStyle/>
           <a:p>
             <a:r>
-              <a:rPr lang="de-DE" dirty="0" err="1"/>
-              <a:t>text</a:t>
-            </a:r>
-            <a:r>
               <a:rPr lang="de-DE" dirty="0"/>
-              <a:t> variables: </a:t>
+              <a:t>Text variables: </a:t>
             </a:r>
             <a:r>
               <a:rPr lang="de-DE" i="1" dirty="0" err="1"/>
@@ -41673,7 +42086,7 @@
             <a:fld id="{D304FED8-C979-F64B-90E4-24E76885865A}" type="datetime1">
               <a:rPr lang="de-DE" smtClean="0"/>
               <a:pPr/>
-              <a:t>20.02.22</a:t>
+              <a:t>20.02.2022</a:t>
             </a:fld>
             <a:endParaRPr lang="en-US" dirty="0"/>
           </a:p>
@@ -41754,12 +42167,8 @@
           <a:lstStyle/>
           <a:p>
             <a:r>
-              <a:rPr lang="de-DE" dirty="0" err="1"/>
-              <a:t>text</a:t>
-            </a:r>
-            <a:r>
               <a:rPr lang="de-DE" dirty="0"/>
-              <a:t> variables: </a:t>
+              <a:t>Text variables: </a:t>
             </a:r>
             <a:r>
               <a:rPr lang="de-DE" sz="1600" b="1" i="1" dirty="0" err="1"/>
@@ -42856,84 +43265,6 @@
   <p:transition>
     <p:fade/>
   </p:transition>
-  <p:timing>
-    <p:tnLst>
-      <p:par>
-        <p:cTn id="1" dur="indefinite" restart="never" nodeType="tmRoot">
-          <p:childTnLst>
-            <p:seq concurrent="1" nextAc="seek">
-              <p:cTn id="2" dur="indefinite" nodeType="mainSeq">
-                <p:childTnLst>
-                  <p:par>
-                    <p:cTn id="3" fill="hold">
-                      <p:stCondLst>
-                        <p:cond delay="indefinite"/>
-                      </p:stCondLst>
-                      <p:childTnLst>
-                        <p:par>
-                          <p:cTn id="4" fill="hold">
-                            <p:stCondLst>
-                              <p:cond delay="0"/>
-                            </p:stCondLst>
-                            <p:childTnLst>
-                              <p:par>
-                                <p:cTn id="5" presetID="1" presetClass="entr" presetSubtype="0" fill="hold" grpId="0" nodeType="clickEffect">
-                                  <p:stCondLst>
-                                    <p:cond delay="0"/>
-                                  </p:stCondLst>
-                                  <p:childTnLst>
-                                    <p:set>
-                                      <p:cBhvr>
-                                        <p:cTn id="6" dur="1" fill="hold">
-                                          <p:stCondLst>
-                                            <p:cond delay="0"/>
-                                          </p:stCondLst>
-                                        </p:cTn>
-                                        <p:tgtEl>
-                                          <p:spTgt spid="17"/>
-                                        </p:tgtEl>
-                                        <p:attrNameLst>
-                                          <p:attrName>style.visibility</p:attrName>
-                                        </p:attrNameLst>
-                                      </p:cBhvr>
-                                      <p:to>
-                                        <p:strVal val="visible"/>
-                                      </p:to>
-                                    </p:set>
-                                  </p:childTnLst>
-                                </p:cTn>
-                              </p:par>
-                            </p:childTnLst>
-                          </p:cTn>
-                        </p:par>
-                      </p:childTnLst>
-                    </p:cTn>
-                  </p:par>
-                </p:childTnLst>
-              </p:cTn>
-              <p:prevCondLst>
-                <p:cond evt="onPrev" delay="0">
-                  <p:tgtEl>
-                    <p:sldTgt/>
-                  </p:tgtEl>
-                </p:cond>
-              </p:prevCondLst>
-              <p:nextCondLst>
-                <p:cond evt="onNext" delay="0">
-                  <p:tgtEl>
-                    <p:sldTgt/>
-                  </p:tgtEl>
-                </p:cond>
-              </p:nextCondLst>
-            </p:seq>
-          </p:childTnLst>
-        </p:cTn>
-      </p:par>
-    </p:tnLst>
-    <p:bldLst>
-      <p:bldP spid="17" grpId="0" animBg="1"/>
-    </p:bldLst>
-  </p:timing>
 </p:sld>
 </file>
 
@@ -43017,7 +43348,7 @@
             <a:fld id="{D304FED8-C979-F64B-90E4-24E76885865A}" type="datetime1">
               <a:rPr lang="de-DE" smtClean="0"/>
               <a:pPr/>
-              <a:t>20.02.22</a:t>
+              <a:t>20.02.2022</a:t>
             </a:fld>
             <a:endParaRPr lang="en-US" dirty="0"/>
           </a:p>
@@ -43098,12 +43429,8 @@
           <a:lstStyle/>
           <a:p>
             <a:r>
-              <a:rPr lang="de-DE" dirty="0" err="1"/>
-              <a:t>text</a:t>
-            </a:r>
-            <a:r>
               <a:rPr lang="de-DE" dirty="0"/>
-              <a:t> variables: </a:t>
+              <a:t>Text variables: </a:t>
             </a:r>
             <a:r>
               <a:rPr lang="de-DE" i="1" dirty="0" err="1"/>
@@ -44625,7 +44952,7 @@
             <a:fld id="{D304FED8-C979-F64B-90E4-24E76885865A}" type="datetime1">
               <a:rPr lang="de-DE" smtClean="0"/>
               <a:pPr/>
-              <a:t>20.02.22</a:t>
+              <a:t>20.02.2022</a:t>
             </a:fld>
             <a:endParaRPr lang="en-US" dirty="0"/>
           </a:p>
@@ -46454,8 +46781,8 @@
           </a:p>
         </p:txBody>
       </p:sp>
-      <mc:AlternateContent xmlns:mc="http://schemas.openxmlformats.org/markup-compatibility/2006">
-        <mc:Choice xmlns:a14="http://schemas.microsoft.com/office/drawing/2010/main" Requires="a14">
+      <mc:AlternateContent xmlns:mc="http://schemas.openxmlformats.org/markup-compatibility/2006" xmlns:a14="http://schemas.microsoft.com/office/drawing/2010/main">
+        <mc:Choice Requires="a14">
           <p:sp>
             <p:nvSpPr>
               <p:cNvPr id="61" name="object 61"/>
@@ -46950,7 +47277,7 @@
             </p:txBody>
           </p:sp>
         </mc:Choice>
-        <mc:Fallback>
+        <mc:Fallback xmlns="">
           <p:sp>
             <p:nvSpPr>
               <p:cNvPr id="61" name="object 61"/>
@@ -47028,7 +47355,7 @@
           <a:p>
             <a:fld id="{0ABCB14E-A2C3-5B49-ABC2-230B6CEBA781}" type="datetime1">
               <a:rPr lang="de-DE" smtClean="0"/>
-              <a:t>20.02.22</a:t>
+              <a:t>20.02.2022</a:t>
             </a:fld>
             <a:endParaRPr lang="en-US" dirty="0"/>
           </a:p>
